--- a/KPradhan_Knab_DWH_Presentation.pptx
+++ b/KPradhan_Knab_DWH_Presentation.pptx
@@ -18,16 +18,17 @@
     <p:sldId id="276" r:id="rId12"/>
     <p:sldId id="298" r:id="rId13"/>
     <p:sldId id="301" r:id="rId14"/>
-    <p:sldId id="278" r:id="rId15"/>
-    <p:sldId id="294" r:id="rId16"/>
-    <p:sldId id="283" r:id="rId17"/>
-    <p:sldId id="277" r:id="rId18"/>
-    <p:sldId id="265" r:id="rId19"/>
-    <p:sldId id="269" r:id="rId20"/>
-    <p:sldId id="297" r:id="rId21"/>
-    <p:sldId id="296" r:id="rId22"/>
-    <p:sldId id="299" r:id="rId23"/>
-    <p:sldId id="266" r:id="rId24"/>
+    <p:sldId id="302" r:id="rId15"/>
+    <p:sldId id="278" r:id="rId16"/>
+    <p:sldId id="294" r:id="rId17"/>
+    <p:sldId id="283" r:id="rId18"/>
+    <p:sldId id="277" r:id="rId19"/>
+    <p:sldId id="265" r:id="rId20"/>
+    <p:sldId id="269" r:id="rId21"/>
+    <p:sldId id="297" r:id="rId22"/>
+    <p:sldId id="296" r:id="rId23"/>
+    <p:sldId id="299" r:id="rId24"/>
+    <p:sldId id="266" r:id="rId25"/>
   </p:sldIdLst>
   <p:sldSz cx="12192000" cy="6858000"/>
   <p:notesSz cx="6858000" cy="9144000"/>
@@ -128,7 +129,7 @@
   </p:defaultTextStyle>
   <p:extLst>
     <p:ext uri="{EFAFB233-063F-42B5-8137-9DF3F51BA10A}">
-      <p15:sldGuideLst xmlns:p15="http://schemas.microsoft.com/office/powerpoint/2012/main"/>
+      <p15:sldGuideLst xmlns:p15="http://schemas.microsoft.com/office/powerpoint/2012/main" xmlns=""/>
     </p:ext>
   </p:extLst>
 </p:presentation>
@@ -3436,7 +3437,7 @@
             <a:fld id="{B61BEF0D-F0BB-DE4B-95CE-6DB70DBA9567}" type="datetimeFigureOut">
               <a:rPr lang="en-US" dirty="0"/>
               <a:pPr/>
-              <a:t>9/1/2021</a:t>
+              <a:t>2/12/2023</a:t>
             </a:fld>
             <a:endParaRPr lang="en-US" dirty="0"/>
           </a:p>
@@ -3771,7 +3772,7 @@
             <a:fld id="{B61BEF0D-F0BB-DE4B-95CE-6DB70DBA9567}" type="datetimeFigureOut">
               <a:rPr lang="en-US" dirty="0"/>
               <a:pPr/>
-              <a:t>9/1/2021</a:t>
+              <a:t>2/12/2023</a:t>
             </a:fld>
             <a:endParaRPr lang="en-US" dirty="0"/>
           </a:p>
@@ -4169,7 +4170,7 @@
             <a:fld id="{B61BEF0D-F0BB-DE4B-95CE-6DB70DBA9567}" type="datetimeFigureOut">
               <a:rPr lang="en-US" dirty="0"/>
               <a:pPr/>
-              <a:t>9/1/2021</a:t>
+              <a:t>2/12/2023</a:t>
             </a:fld>
             <a:endParaRPr lang="en-US" dirty="0"/>
           </a:p>
@@ -4502,7 +4503,7 @@
             <a:fld id="{B61BEF0D-F0BB-DE4B-95CE-6DB70DBA9567}" type="datetimeFigureOut">
               <a:rPr lang="en-US" dirty="0"/>
               <a:pPr/>
-              <a:t>9/1/2021</a:t>
+              <a:t>2/12/2023</a:t>
             </a:fld>
             <a:endParaRPr lang="en-US" dirty="0"/>
           </a:p>
@@ -4819,7 +4820,7 @@
             <a:fld id="{B61BEF0D-F0BB-DE4B-95CE-6DB70DBA9567}" type="datetimeFigureOut">
               <a:rPr lang="en-US" dirty="0"/>
               <a:pPr/>
-              <a:t>9/1/2021</a:t>
+              <a:t>2/12/2023</a:t>
             </a:fld>
             <a:endParaRPr lang="en-US" dirty="0"/>
           </a:p>
@@ -5212,7 +5213,7 @@
             <a:fld id="{B61BEF0D-F0BB-DE4B-95CE-6DB70DBA9567}" type="datetimeFigureOut">
               <a:rPr lang="en-US" dirty="0"/>
               <a:pPr/>
-              <a:t>9/1/2021</a:t>
+              <a:t>2/12/2023</a:t>
             </a:fld>
             <a:endParaRPr lang="en-US" dirty="0"/>
           </a:p>
@@ -5466,7 +5467,7 @@
             <a:fld id="{B61BEF0D-F0BB-DE4B-95CE-6DB70DBA9567}" type="datetimeFigureOut">
               <a:rPr lang="en-US" dirty="0"/>
               <a:pPr/>
-              <a:t>9/1/2021</a:t>
+              <a:t>2/12/2023</a:t>
             </a:fld>
             <a:endParaRPr lang="en-US" dirty="0"/>
           </a:p>
@@ -5725,7 +5726,7 @@
             <a:fld id="{B61BEF0D-F0BB-DE4B-95CE-6DB70DBA9567}" type="datetimeFigureOut">
               <a:rPr lang="en-US" dirty="0"/>
               <a:pPr/>
-              <a:t>9/1/2021</a:t>
+              <a:t>2/12/2023</a:t>
             </a:fld>
             <a:endParaRPr lang="en-US" dirty="0"/>
           </a:p>
@@ -5902,7 +5903,7 @@
           <a:graphicData uri="http://schemas.openxmlformats.org/presentationml/2006/ole">
             <mc:AlternateContent xmlns:mc="http://schemas.openxmlformats.org/markup-compatibility/2006">
               <mc:Choice xmlns:v="urn:schemas-microsoft-com:vml" Requires="v">
-                <p:oleObj spid="_x0000_s3079" name="think-cell Slide" r:id="rId5" imgW="270" imgH="270" progId="TCLayout.ActiveDocument.1">
+                <p:oleObj spid="_x0000_s3086" name="think-cell Slide" r:id="rId5" imgW="270" imgH="270" progId="TCLayout.ActiveDocument.1">
                   <p:embed/>
                 </p:oleObj>
               </mc:Choice>
@@ -6032,7 +6033,7 @@
           <p:cNvPr id="10" name="Footer Placeholder 2">
             <a:extLst>
               <a:ext uri="{FF2B5EF4-FFF2-40B4-BE49-F238E27FC236}">
-                <a16:creationId xmlns:a16="http://schemas.microsoft.com/office/drawing/2014/main" id="{EA56D503-80D1-4AC7-A49B-BEC0B1AA89FA}"/>
+                <a16:creationId xmlns:a16="http://schemas.microsoft.com/office/drawing/2014/main" xmlns="" id="{EA56D503-80D1-4AC7-A49B-BEC0B1AA89FA}"/>
               </a:ext>
             </a:extLst>
           </p:cNvPr>
@@ -6170,7 +6171,7 @@
           <p:cNvPr id="12" name="Text Placeholder 5">
             <a:extLst>
               <a:ext uri="{FF2B5EF4-FFF2-40B4-BE49-F238E27FC236}">
-                <a16:creationId xmlns:a16="http://schemas.microsoft.com/office/drawing/2014/main" id="{8EB1ECA6-73DF-4EBB-A920-A672D7F2B1CA}"/>
+                <a16:creationId xmlns:a16="http://schemas.microsoft.com/office/drawing/2014/main" xmlns="" id="{8EB1ECA6-73DF-4EBB-A920-A672D7F2B1CA}"/>
               </a:ext>
             </a:extLst>
           </p:cNvPr>
@@ -6217,7 +6218,7 @@
           <p:cNvPr id="14" name="Tijdelijke aanduiding voor verticale tekst 2">
             <a:extLst>
               <a:ext uri="{FF2B5EF4-FFF2-40B4-BE49-F238E27FC236}">
-                <a16:creationId xmlns:a16="http://schemas.microsoft.com/office/drawing/2014/main" id="{8276DC8F-5F19-426F-BA94-D1FACEE20402}"/>
+                <a16:creationId xmlns:a16="http://schemas.microsoft.com/office/drawing/2014/main" xmlns="" id="{8276DC8F-5F19-426F-BA94-D1FACEE20402}"/>
               </a:ext>
             </a:extLst>
           </p:cNvPr>
@@ -6352,7 +6353,7 @@
           <p:cNvPr id="13" name="Title 1">
             <a:extLst>
               <a:ext uri="{FF2B5EF4-FFF2-40B4-BE49-F238E27FC236}">
-                <a16:creationId xmlns:a16="http://schemas.microsoft.com/office/drawing/2014/main" id="{DCEE5E7D-E7BC-4AF6-B72A-9905F8EB3CF2}"/>
+                <a16:creationId xmlns:a16="http://schemas.microsoft.com/office/drawing/2014/main" xmlns="" id="{DCEE5E7D-E7BC-4AF6-B72A-9905F8EB3CF2}"/>
               </a:ext>
             </a:extLst>
           </p:cNvPr>
@@ -6434,7 +6435,7 @@
   </mc:AlternateContent>
   <p:extLst>
     <p:ext uri="{DCECCB84-F9BA-43D5-87BE-67443E8EF086}">
-      <p15:sldGuideLst xmlns:p15="http://schemas.microsoft.com/office/powerpoint/2012/main"/>
+      <p15:sldGuideLst xmlns:p15="http://schemas.microsoft.com/office/powerpoint/2012/main" xmlns=""/>
     </p:ext>
   </p:extLst>
 </p:sldLayout>
@@ -6462,7 +6463,7 @@
           <p:cNvPr id="3" name="Object 2" hidden="1">
             <a:extLst>
               <a:ext uri="{FF2B5EF4-FFF2-40B4-BE49-F238E27FC236}">
-                <a16:creationId xmlns:a16="http://schemas.microsoft.com/office/drawing/2014/main" id="{A973D507-80BD-4317-93B7-89A9325B46DC}"/>
+                <a16:creationId xmlns:a16="http://schemas.microsoft.com/office/drawing/2014/main" xmlns="" id="{A973D507-80BD-4317-93B7-89A9325B46DC}"/>
               </a:ext>
             </a:extLst>
           </p:cNvPr>
@@ -6484,7 +6485,7 @@
           <a:graphicData uri="http://schemas.openxmlformats.org/presentationml/2006/ole">
             <mc:AlternateContent xmlns:mc="http://schemas.openxmlformats.org/markup-compatibility/2006">
               <mc:Choice xmlns:v="urn:schemas-microsoft-com:vml" Requires="v">
-                <p:oleObj spid="_x0000_s4103" name="think-cell Slide" r:id="rId5" imgW="592" imgH="591" progId="TCLayout.ActiveDocument.1">
+                <p:oleObj spid="_x0000_s4110" name="think-cell Slide" r:id="rId5" imgW="592" imgH="591" progId="TCLayout.ActiveDocument.1">
                   <p:embed/>
                 </p:oleObj>
               </mc:Choice>
@@ -6496,7 +6497,7 @@
                       <p:cNvPr id="3" name="Object 2" hidden="1">
                         <a:extLst>
                           <a:ext uri="{FF2B5EF4-FFF2-40B4-BE49-F238E27FC236}">
-                            <a16:creationId xmlns:a16="http://schemas.microsoft.com/office/drawing/2014/main" id="{A973D507-80BD-4317-93B7-89A9325B46DC}"/>
+                            <a16:creationId xmlns:a16="http://schemas.microsoft.com/office/drawing/2014/main" xmlns="" id="{A973D507-80BD-4317-93B7-89A9325B46DC}"/>
                           </a:ext>
                         </a:extLst>
                       </p:cNvPr>
@@ -6530,7 +6531,7 @@
           <p:cNvPr id="2" name="Rectangle 1" hidden="1">
             <a:extLst>
               <a:ext uri="{FF2B5EF4-FFF2-40B4-BE49-F238E27FC236}">
-                <a16:creationId xmlns:a16="http://schemas.microsoft.com/office/drawing/2014/main" id="{823C31CB-16A4-4D58-934C-21143F7EDF3F}"/>
+                <a16:creationId xmlns:a16="http://schemas.microsoft.com/office/drawing/2014/main" xmlns="" id="{823C31CB-16A4-4D58-934C-21143F7EDF3F}"/>
               </a:ext>
             </a:extLst>
           </p:cNvPr>
@@ -6647,7 +6648,7 @@
           <p:cNvPr id="11" name="Text Placeholder 5">
             <a:extLst>
               <a:ext uri="{FF2B5EF4-FFF2-40B4-BE49-F238E27FC236}">
-                <a16:creationId xmlns:a16="http://schemas.microsoft.com/office/drawing/2014/main" id="{6AC47801-77FF-4DF0-A7B5-7B1D084DA040}"/>
+                <a16:creationId xmlns:a16="http://schemas.microsoft.com/office/drawing/2014/main" xmlns="" id="{6AC47801-77FF-4DF0-A7B5-7B1D084DA040}"/>
               </a:ext>
             </a:extLst>
           </p:cNvPr>
@@ -6694,7 +6695,7 @@
           <p:cNvPr id="12" name="Text Placeholder 5">
             <a:extLst>
               <a:ext uri="{FF2B5EF4-FFF2-40B4-BE49-F238E27FC236}">
-                <a16:creationId xmlns:a16="http://schemas.microsoft.com/office/drawing/2014/main" id="{5F2EA4E5-B686-47F3-937E-1F077AEA9D03}"/>
+                <a16:creationId xmlns:a16="http://schemas.microsoft.com/office/drawing/2014/main" xmlns="" id="{5F2EA4E5-B686-47F3-937E-1F077AEA9D03}"/>
               </a:ext>
             </a:extLst>
           </p:cNvPr>
@@ -6741,7 +6742,7 @@
           <p:cNvPr id="19" name="Tijdelijke aanduiding voor verticale tekst 2">
             <a:extLst>
               <a:ext uri="{FF2B5EF4-FFF2-40B4-BE49-F238E27FC236}">
-                <a16:creationId xmlns:a16="http://schemas.microsoft.com/office/drawing/2014/main" id="{23809F10-0331-48BE-9C4B-33029A84E91C}"/>
+                <a16:creationId xmlns:a16="http://schemas.microsoft.com/office/drawing/2014/main" xmlns="" id="{23809F10-0331-48BE-9C4B-33029A84E91C}"/>
               </a:ext>
             </a:extLst>
           </p:cNvPr>
@@ -6876,7 +6877,7 @@
           <p:cNvPr id="20" name="Tijdelijke aanduiding voor verticale tekst 2">
             <a:extLst>
               <a:ext uri="{FF2B5EF4-FFF2-40B4-BE49-F238E27FC236}">
-                <a16:creationId xmlns:a16="http://schemas.microsoft.com/office/drawing/2014/main" id="{75E4C565-6BA5-456E-AB5C-09306C659AF2}"/>
+                <a16:creationId xmlns:a16="http://schemas.microsoft.com/office/drawing/2014/main" xmlns="" id="{75E4C565-6BA5-456E-AB5C-09306C659AF2}"/>
               </a:ext>
             </a:extLst>
           </p:cNvPr>
@@ -7011,7 +7012,7 @@
           <p:cNvPr id="15" name="Title 1">
             <a:extLst>
               <a:ext uri="{FF2B5EF4-FFF2-40B4-BE49-F238E27FC236}">
-                <a16:creationId xmlns:a16="http://schemas.microsoft.com/office/drawing/2014/main" id="{12A24DC3-D2B1-47DC-BF57-7C806D1B0EAB}"/>
+                <a16:creationId xmlns:a16="http://schemas.microsoft.com/office/drawing/2014/main" xmlns="" id="{12A24DC3-D2B1-47DC-BF57-7C806D1B0EAB}"/>
               </a:ext>
             </a:extLst>
           </p:cNvPr>
@@ -7120,7 +7121,7 @@
           <a:graphicData uri="http://schemas.openxmlformats.org/presentationml/2006/ole">
             <mc:AlternateContent xmlns:mc="http://schemas.openxmlformats.org/markup-compatibility/2006">
               <mc:Choice xmlns:v="urn:schemas-microsoft-com:vml" Requires="v">
-                <p:oleObj spid="_x0000_s5127" name="think-cell Slide" r:id="rId5" imgW="270" imgH="270" progId="TCLayout.ActiveDocument.1">
+                <p:oleObj spid="_x0000_s5134" name="think-cell Slide" r:id="rId5" imgW="270" imgH="270" progId="TCLayout.ActiveDocument.1">
                   <p:embed/>
                 </p:oleObj>
               </mc:Choice>
@@ -7250,7 +7251,7 @@
           <p:cNvPr id="7" name="Footer Placeholder 2">
             <a:extLst>
               <a:ext uri="{FF2B5EF4-FFF2-40B4-BE49-F238E27FC236}">
-                <a16:creationId xmlns:a16="http://schemas.microsoft.com/office/drawing/2014/main" id="{AC6AA031-27F1-47F8-BB08-9B10EAB5E48E}"/>
+                <a16:creationId xmlns:a16="http://schemas.microsoft.com/office/drawing/2014/main" xmlns="" id="{AC6AA031-27F1-47F8-BB08-9B10EAB5E48E}"/>
               </a:ext>
             </a:extLst>
           </p:cNvPr>
@@ -7388,7 +7389,7 @@
           <p:cNvPr id="11" name="Tijdelijke aanduiding voor verticale tekst 2">
             <a:extLst>
               <a:ext uri="{FF2B5EF4-FFF2-40B4-BE49-F238E27FC236}">
-                <a16:creationId xmlns:a16="http://schemas.microsoft.com/office/drawing/2014/main" id="{1637882E-8BD0-4359-A658-B79548318CBB}"/>
+                <a16:creationId xmlns:a16="http://schemas.microsoft.com/office/drawing/2014/main" xmlns="" id="{1637882E-8BD0-4359-A658-B79548318CBB}"/>
               </a:ext>
             </a:extLst>
           </p:cNvPr>
@@ -7523,7 +7524,7 @@
           <p:cNvPr id="9" name="Title 1">
             <a:extLst>
               <a:ext uri="{FF2B5EF4-FFF2-40B4-BE49-F238E27FC236}">
-                <a16:creationId xmlns:a16="http://schemas.microsoft.com/office/drawing/2014/main" id="{2D1D8C6B-EDA7-4181-9996-93F142DAD31F}"/>
+                <a16:creationId xmlns:a16="http://schemas.microsoft.com/office/drawing/2014/main" xmlns="" id="{2D1D8C6B-EDA7-4181-9996-93F142DAD31F}"/>
               </a:ext>
             </a:extLst>
           </p:cNvPr>
@@ -7605,7 +7606,7 @@
   </mc:AlternateContent>
   <p:extLst>
     <p:ext uri="{DCECCB84-F9BA-43D5-87BE-67443E8EF086}">
-      <p15:sldGuideLst xmlns:p15="http://schemas.microsoft.com/office/powerpoint/2012/main"/>
+      <p15:sldGuideLst xmlns:p15="http://schemas.microsoft.com/office/powerpoint/2012/main" xmlns=""/>
     </p:ext>
   </p:extLst>
 </p:sldLayout>
@@ -7731,7 +7732,7 @@
             <a:fld id="{B61BEF0D-F0BB-DE4B-95CE-6DB70DBA9567}" type="datetimeFigureOut">
               <a:rPr lang="en-US" dirty="0"/>
               <a:pPr/>
-              <a:t>9/1/2021</a:t>
+              <a:t>2/12/2023</a:t>
             </a:fld>
             <a:endParaRPr lang="en-US" dirty="0"/>
           </a:p>
@@ -7908,7 +7909,7 @@
           <a:graphicData uri="http://schemas.openxmlformats.org/presentationml/2006/ole">
             <mc:AlternateContent xmlns:mc="http://schemas.openxmlformats.org/markup-compatibility/2006">
               <mc:Choice xmlns:v="urn:schemas-microsoft-com:vml" Requires="v">
-                <p:oleObj spid="_x0000_s6151" name="think-cell Slide" r:id="rId5" imgW="270" imgH="270" progId="TCLayout.ActiveDocument.1">
+                <p:oleObj spid="_x0000_s6158" name="think-cell Slide" r:id="rId5" imgW="270" imgH="270" progId="TCLayout.ActiveDocument.1">
                   <p:embed/>
                 </p:oleObj>
               </mc:Choice>
@@ -7997,7 +7998,7 @@
           <p:cNvPr id="10" name="Rechthoek 9">
             <a:extLst>
               <a:ext uri="{FF2B5EF4-FFF2-40B4-BE49-F238E27FC236}">
-                <a16:creationId xmlns:a16="http://schemas.microsoft.com/office/drawing/2014/main" id="{9935F8CA-499D-47FB-B397-D396B22DA376}"/>
+                <a16:creationId xmlns:a16="http://schemas.microsoft.com/office/drawing/2014/main" xmlns="" id="{9935F8CA-499D-47FB-B397-D396B22DA376}"/>
               </a:ext>
             </a:extLst>
           </p:cNvPr>
@@ -8046,7 +8047,7 @@
           <p:cNvPr id="7" name="Picture 9">
             <a:extLst>
               <a:ext uri="{FF2B5EF4-FFF2-40B4-BE49-F238E27FC236}">
-                <a16:creationId xmlns:a16="http://schemas.microsoft.com/office/drawing/2014/main" id="{C806AF96-C386-4526-832C-A3A9EE93CC66}"/>
+                <a16:creationId xmlns:a16="http://schemas.microsoft.com/office/drawing/2014/main" xmlns="" id="{C806AF96-C386-4526-832C-A3A9EE93CC66}"/>
               </a:ext>
             </a:extLst>
           </p:cNvPr>
@@ -8081,7 +8082,7 @@
           <p:cNvPr id="9" name="Picture 8">
             <a:extLst>
               <a:ext uri="{FF2B5EF4-FFF2-40B4-BE49-F238E27FC236}">
-                <a16:creationId xmlns:a16="http://schemas.microsoft.com/office/drawing/2014/main" id="{77A37962-BFBF-411B-AE8F-6BF3B59A2514}"/>
+                <a16:creationId xmlns:a16="http://schemas.microsoft.com/office/drawing/2014/main" xmlns="" id="{77A37962-BFBF-411B-AE8F-6BF3B59A2514}"/>
               </a:ext>
             </a:extLst>
           </p:cNvPr>
@@ -8117,7 +8118,7 @@
           <p:cNvPr id="19" name="Titel 5">
             <a:extLst>
               <a:ext uri="{FF2B5EF4-FFF2-40B4-BE49-F238E27FC236}">
-                <a16:creationId xmlns:a16="http://schemas.microsoft.com/office/drawing/2014/main" id="{4977D3E1-65C3-4DED-B7F0-14EF2D857D92}"/>
+                <a16:creationId xmlns:a16="http://schemas.microsoft.com/office/drawing/2014/main" xmlns="" id="{4977D3E1-65C3-4DED-B7F0-14EF2D857D92}"/>
               </a:ext>
             </a:extLst>
           </p:cNvPr>
@@ -8157,7 +8158,7 @@
           <p:cNvPr id="20" name="Tijdelijke aanduiding voor tekst 13">
             <a:extLst>
               <a:ext uri="{FF2B5EF4-FFF2-40B4-BE49-F238E27FC236}">
-                <a16:creationId xmlns:a16="http://schemas.microsoft.com/office/drawing/2014/main" id="{1FD9EEFC-194B-4676-BD1C-B35CC18EE9A5}"/>
+                <a16:creationId xmlns:a16="http://schemas.microsoft.com/office/drawing/2014/main" xmlns="" id="{1FD9EEFC-194B-4676-BD1C-B35CC18EE9A5}"/>
               </a:ext>
             </a:extLst>
           </p:cNvPr>
@@ -8207,7 +8208,7 @@
           <p:cNvPr id="21" name="Picture 12">
             <a:extLst>
               <a:ext uri="{FF2B5EF4-FFF2-40B4-BE49-F238E27FC236}">
-                <a16:creationId xmlns:a16="http://schemas.microsoft.com/office/drawing/2014/main" id="{2ADC06D3-FB1A-4AA6-8AD3-BF07FA5D866B}"/>
+                <a16:creationId xmlns:a16="http://schemas.microsoft.com/office/drawing/2014/main" xmlns="" id="{2ADC06D3-FB1A-4AA6-8AD3-BF07FA5D866B}"/>
               </a:ext>
             </a:extLst>
           </p:cNvPr>
@@ -8289,7 +8290,7 @@
           <a:graphicData uri="http://schemas.openxmlformats.org/presentationml/2006/ole">
             <mc:AlternateContent xmlns:mc="http://schemas.openxmlformats.org/markup-compatibility/2006">
               <mc:Choice xmlns:v="urn:schemas-microsoft-com:vml" Requires="v">
-                <p:oleObj spid="_x0000_s7175" name="think-cell Slide" r:id="rId5" imgW="270" imgH="270" progId="TCLayout.ActiveDocument.1">
+                <p:oleObj spid="_x0000_s7182" name="think-cell Slide" r:id="rId5" imgW="270" imgH="270" progId="TCLayout.ActiveDocument.1">
                   <p:embed/>
                 </p:oleObj>
               </mc:Choice>
@@ -8378,7 +8379,7 @@
           <p:cNvPr id="13" name="Rechthoek 9">
             <a:extLst>
               <a:ext uri="{FF2B5EF4-FFF2-40B4-BE49-F238E27FC236}">
-                <a16:creationId xmlns:a16="http://schemas.microsoft.com/office/drawing/2014/main" id="{9935F8CA-499D-47FB-B397-D396B22DA376}"/>
+                <a16:creationId xmlns:a16="http://schemas.microsoft.com/office/drawing/2014/main" xmlns="" id="{9935F8CA-499D-47FB-B397-D396B22DA376}"/>
               </a:ext>
             </a:extLst>
           </p:cNvPr>
@@ -8430,7 +8431,7 @@
           <p:cNvPr id="7" name="Picture 9">
             <a:extLst>
               <a:ext uri="{FF2B5EF4-FFF2-40B4-BE49-F238E27FC236}">
-                <a16:creationId xmlns:a16="http://schemas.microsoft.com/office/drawing/2014/main" id="{C806AF96-C386-4526-832C-A3A9EE93CC66}"/>
+                <a16:creationId xmlns:a16="http://schemas.microsoft.com/office/drawing/2014/main" xmlns="" id="{C806AF96-C386-4526-832C-A3A9EE93CC66}"/>
               </a:ext>
             </a:extLst>
           </p:cNvPr>
@@ -8465,7 +8466,7 @@
           <p:cNvPr id="9" name="Picture 8">
             <a:extLst>
               <a:ext uri="{FF2B5EF4-FFF2-40B4-BE49-F238E27FC236}">
-                <a16:creationId xmlns:a16="http://schemas.microsoft.com/office/drawing/2014/main" id="{77A37962-BFBF-411B-AE8F-6BF3B59A2514}"/>
+                <a16:creationId xmlns:a16="http://schemas.microsoft.com/office/drawing/2014/main" xmlns="" id="{77A37962-BFBF-411B-AE8F-6BF3B59A2514}"/>
               </a:ext>
             </a:extLst>
           </p:cNvPr>
@@ -8501,7 +8502,7 @@
           <p:cNvPr id="12" name="Tijdelijke aanduiding voor afbeelding 8">
             <a:extLst>
               <a:ext uri="{FF2B5EF4-FFF2-40B4-BE49-F238E27FC236}">
-                <a16:creationId xmlns:a16="http://schemas.microsoft.com/office/drawing/2014/main" id="{DB2C018A-2135-42FD-B1B3-1AD24846299D}"/>
+                <a16:creationId xmlns:a16="http://schemas.microsoft.com/office/drawing/2014/main" xmlns="" id="{DB2C018A-2135-42FD-B1B3-1AD24846299D}"/>
               </a:ext>
             </a:extLst>
           </p:cNvPr>
@@ -8557,7 +8558,7 @@
           <p:cNvPr id="59" name="Picture 12">
             <a:extLst>
               <a:ext uri="{FF2B5EF4-FFF2-40B4-BE49-F238E27FC236}">
-                <a16:creationId xmlns:a16="http://schemas.microsoft.com/office/drawing/2014/main" id="{62B80BC6-573C-4D80-B198-85ACA222689E}"/>
+                <a16:creationId xmlns:a16="http://schemas.microsoft.com/office/drawing/2014/main" xmlns="" id="{62B80BC6-573C-4D80-B198-85ACA222689E}"/>
               </a:ext>
             </a:extLst>
           </p:cNvPr>
@@ -8593,7 +8594,7 @@
           <p:cNvPr id="58" name="Titel 5">
             <a:extLst>
               <a:ext uri="{FF2B5EF4-FFF2-40B4-BE49-F238E27FC236}">
-                <a16:creationId xmlns:a16="http://schemas.microsoft.com/office/drawing/2014/main" id="{4977D3E1-65C3-4DED-B7F0-14EF2D857D92}"/>
+                <a16:creationId xmlns:a16="http://schemas.microsoft.com/office/drawing/2014/main" xmlns="" id="{4977D3E1-65C3-4DED-B7F0-14EF2D857D92}"/>
               </a:ext>
             </a:extLst>
           </p:cNvPr>
@@ -8633,7 +8634,7 @@
           <p:cNvPr id="60" name="Tijdelijke aanduiding voor tekst 13">
             <a:extLst>
               <a:ext uri="{FF2B5EF4-FFF2-40B4-BE49-F238E27FC236}">
-                <a16:creationId xmlns:a16="http://schemas.microsoft.com/office/drawing/2014/main" id="{1FD9EEFC-194B-4676-BD1C-B35CC18EE9A5}"/>
+                <a16:creationId xmlns:a16="http://schemas.microsoft.com/office/drawing/2014/main" xmlns="" id="{1FD9EEFC-194B-4676-BD1C-B35CC18EE9A5}"/>
               </a:ext>
             </a:extLst>
           </p:cNvPr>
@@ -8713,7 +8714,7 @@
           <p:cNvPr id="10" name="Rechthoek 9">
             <a:extLst>
               <a:ext uri="{FF2B5EF4-FFF2-40B4-BE49-F238E27FC236}">
-                <a16:creationId xmlns:a16="http://schemas.microsoft.com/office/drawing/2014/main" id="{9935F8CA-499D-47FB-B397-D396B22DA376}"/>
+                <a16:creationId xmlns:a16="http://schemas.microsoft.com/office/drawing/2014/main" xmlns="" id="{9935F8CA-499D-47FB-B397-D396B22DA376}"/>
               </a:ext>
             </a:extLst>
           </p:cNvPr>
@@ -8765,7 +8766,7 @@
           <p:cNvPr id="7" name="Picture 9">
             <a:extLst>
               <a:ext uri="{FF2B5EF4-FFF2-40B4-BE49-F238E27FC236}">
-                <a16:creationId xmlns:a16="http://schemas.microsoft.com/office/drawing/2014/main" id="{C806AF96-C386-4526-832C-A3A9EE93CC66}"/>
+                <a16:creationId xmlns:a16="http://schemas.microsoft.com/office/drawing/2014/main" xmlns="" id="{C806AF96-C386-4526-832C-A3A9EE93CC66}"/>
               </a:ext>
             </a:extLst>
           </p:cNvPr>
@@ -8800,7 +8801,7 @@
           <p:cNvPr id="9" name="Picture 8">
             <a:extLst>
               <a:ext uri="{FF2B5EF4-FFF2-40B4-BE49-F238E27FC236}">
-                <a16:creationId xmlns:a16="http://schemas.microsoft.com/office/drawing/2014/main" id="{77A37962-BFBF-411B-AE8F-6BF3B59A2514}"/>
+                <a16:creationId xmlns:a16="http://schemas.microsoft.com/office/drawing/2014/main" xmlns="" id="{77A37962-BFBF-411B-AE8F-6BF3B59A2514}"/>
               </a:ext>
             </a:extLst>
           </p:cNvPr>
@@ -8836,7 +8837,7 @@
           <p:cNvPr id="61" name="Picture 12">
             <a:extLst>
               <a:ext uri="{FF2B5EF4-FFF2-40B4-BE49-F238E27FC236}">
-                <a16:creationId xmlns:a16="http://schemas.microsoft.com/office/drawing/2014/main" id="{806F4757-518C-4073-827C-AA71CBBE7DF3}"/>
+                <a16:creationId xmlns:a16="http://schemas.microsoft.com/office/drawing/2014/main" xmlns="" id="{806F4757-518C-4073-827C-AA71CBBE7DF3}"/>
               </a:ext>
             </a:extLst>
           </p:cNvPr>
@@ -8872,7 +8873,7 @@
           <p:cNvPr id="17" name="Tijdelijke aanduiding voor afbeelding 8">
             <a:extLst>
               <a:ext uri="{FF2B5EF4-FFF2-40B4-BE49-F238E27FC236}">
-                <a16:creationId xmlns:a16="http://schemas.microsoft.com/office/drawing/2014/main" id="{116416CB-EBA7-40C8-BE47-2348D375AD4D}"/>
+                <a16:creationId xmlns:a16="http://schemas.microsoft.com/office/drawing/2014/main" xmlns="" id="{116416CB-EBA7-40C8-BE47-2348D375AD4D}"/>
               </a:ext>
             </a:extLst>
           </p:cNvPr>
@@ -8928,7 +8929,7 @@
           <p:cNvPr id="59" name="Titel 5">
             <a:extLst>
               <a:ext uri="{FF2B5EF4-FFF2-40B4-BE49-F238E27FC236}">
-                <a16:creationId xmlns:a16="http://schemas.microsoft.com/office/drawing/2014/main" id="{4977D3E1-65C3-4DED-B7F0-14EF2D857D92}"/>
+                <a16:creationId xmlns:a16="http://schemas.microsoft.com/office/drawing/2014/main" xmlns="" id="{4977D3E1-65C3-4DED-B7F0-14EF2D857D92}"/>
               </a:ext>
             </a:extLst>
           </p:cNvPr>
@@ -8968,7 +8969,7 @@
           <p:cNvPr id="60" name="Tijdelijke aanduiding voor tekst 13">
             <a:extLst>
               <a:ext uri="{FF2B5EF4-FFF2-40B4-BE49-F238E27FC236}">
-                <a16:creationId xmlns:a16="http://schemas.microsoft.com/office/drawing/2014/main" id="{1FD9EEFC-194B-4676-BD1C-B35CC18EE9A5}"/>
+                <a16:creationId xmlns:a16="http://schemas.microsoft.com/office/drawing/2014/main" xmlns="" id="{1FD9EEFC-194B-4676-BD1C-B35CC18EE9A5}"/>
               </a:ext>
             </a:extLst>
           </p:cNvPr>
@@ -9048,7 +9049,7 @@
           <p:cNvPr id="10" name="Rechthoek 9">
             <a:extLst>
               <a:ext uri="{FF2B5EF4-FFF2-40B4-BE49-F238E27FC236}">
-                <a16:creationId xmlns:a16="http://schemas.microsoft.com/office/drawing/2014/main" id="{9935F8CA-499D-47FB-B397-D396B22DA376}"/>
+                <a16:creationId xmlns:a16="http://schemas.microsoft.com/office/drawing/2014/main" xmlns="" id="{9935F8CA-499D-47FB-B397-D396B22DA376}"/>
               </a:ext>
             </a:extLst>
           </p:cNvPr>
@@ -9100,7 +9101,7 @@
           <p:cNvPr id="7" name="Picture 9">
             <a:extLst>
               <a:ext uri="{FF2B5EF4-FFF2-40B4-BE49-F238E27FC236}">
-                <a16:creationId xmlns:a16="http://schemas.microsoft.com/office/drawing/2014/main" id="{C806AF96-C386-4526-832C-A3A9EE93CC66}"/>
+                <a16:creationId xmlns:a16="http://schemas.microsoft.com/office/drawing/2014/main" xmlns="" id="{C806AF96-C386-4526-832C-A3A9EE93CC66}"/>
               </a:ext>
             </a:extLst>
           </p:cNvPr>
@@ -9135,7 +9136,7 @@
           <p:cNvPr id="9" name="Picture 8">
             <a:extLst>
               <a:ext uri="{FF2B5EF4-FFF2-40B4-BE49-F238E27FC236}">
-                <a16:creationId xmlns:a16="http://schemas.microsoft.com/office/drawing/2014/main" id="{77A37962-BFBF-411B-AE8F-6BF3B59A2514}"/>
+                <a16:creationId xmlns:a16="http://schemas.microsoft.com/office/drawing/2014/main" xmlns="" id="{77A37962-BFBF-411B-AE8F-6BF3B59A2514}"/>
               </a:ext>
             </a:extLst>
           </p:cNvPr>
@@ -9171,7 +9172,7 @@
           <p:cNvPr id="63" name="Picture 7">
             <a:extLst>
               <a:ext uri="{FF2B5EF4-FFF2-40B4-BE49-F238E27FC236}">
-                <a16:creationId xmlns:a16="http://schemas.microsoft.com/office/drawing/2014/main" id="{CB3445F2-35F5-4AAC-837E-52ADB47DAB68}"/>
+                <a16:creationId xmlns:a16="http://schemas.microsoft.com/office/drawing/2014/main" xmlns="" id="{CB3445F2-35F5-4AAC-837E-52ADB47DAB68}"/>
               </a:ext>
             </a:extLst>
           </p:cNvPr>
@@ -9207,7 +9208,7 @@
           <p:cNvPr id="16" name="Tijdelijke aanduiding voor afbeelding 8">
             <a:extLst>
               <a:ext uri="{FF2B5EF4-FFF2-40B4-BE49-F238E27FC236}">
-                <a16:creationId xmlns:a16="http://schemas.microsoft.com/office/drawing/2014/main" id="{16AB1C94-D32E-491C-A27D-F3DE236E3AD4}"/>
+                <a16:creationId xmlns:a16="http://schemas.microsoft.com/office/drawing/2014/main" xmlns="" id="{16AB1C94-D32E-491C-A27D-F3DE236E3AD4}"/>
               </a:ext>
             </a:extLst>
           </p:cNvPr>
@@ -9263,7 +9264,7 @@
           <p:cNvPr id="59" name="Titel 5">
             <a:extLst>
               <a:ext uri="{FF2B5EF4-FFF2-40B4-BE49-F238E27FC236}">
-                <a16:creationId xmlns:a16="http://schemas.microsoft.com/office/drawing/2014/main" id="{4977D3E1-65C3-4DED-B7F0-14EF2D857D92}"/>
+                <a16:creationId xmlns:a16="http://schemas.microsoft.com/office/drawing/2014/main" xmlns="" id="{4977D3E1-65C3-4DED-B7F0-14EF2D857D92}"/>
               </a:ext>
             </a:extLst>
           </p:cNvPr>
@@ -9303,7 +9304,7 @@
           <p:cNvPr id="60" name="Tijdelijke aanduiding voor tekst 13">
             <a:extLst>
               <a:ext uri="{FF2B5EF4-FFF2-40B4-BE49-F238E27FC236}">
-                <a16:creationId xmlns:a16="http://schemas.microsoft.com/office/drawing/2014/main" id="{1FD9EEFC-194B-4676-BD1C-B35CC18EE9A5}"/>
+                <a16:creationId xmlns:a16="http://schemas.microsoft.com/office/drawing/2014/main" xmlns="" id="{1FD9EEFC-194B-4676-BD1C-B35CC18EE9A5}"/>
               </a:ext>
             </a:extLst>
           </p:cNvPr>
@@ -9383,7 +9384,7 @@
           <p:cNvPr id="7" name="Rechthoek 6">
             <a:extLst>
               <a:ext uri="{FF2B5EF4-FFF2-40B4-BE49-F238E27FC236}">
-                <a16:creationId xmlns:a16="http://schemas.microsoft.com/office/drawing/2014/main" id="{CF33D3B1-834D-469E-9DE8-53CBC0535382}"/>
+                <a16:creationId xmlns:a16="http://schemas.microsoft.com/office/drawing/2014/main" xmlns="" id="{CF33D3B1-834D-469E-9DE8-53CBC0535382}"/>
               </a:ext>
             </a:extLst>
           </p:cNvPr>
@@ -9432,7 +9433,7 @@
           <p:cNvPr id="14" name="Picture 8">
             <a:extLst>
               <a:ext uri="{FF2B5EF4-FFF2-40B4-BE49-F238E27FC236}">
-                <a16:creationId xmlns:a16="http://schemas.microsoft.com/office/drawing/2014/main" id="{D5A939AD-6BCB-4FE2-8FDB-FEFFA3DE338A}"/>
+                <a16:creationId xmlns:a16="http://schemas.microsoft.com/office/drawing/2014/main" xmlns="" id="{D5A939AD-6BCB-4FE2-8FDB-FEFFA3DE338A}"/>
               </a:ext>
             </a:extLst>
           </p:cNvPr>
@@ -9467,7 +9468,7 @@
           <p:cNvPr id="9" name="Tijdelijke aanduiding voor afbeelding 8">
             <a:extLst>
               <a:ext uri="{FF2B5EF4-FFF2-40B4-BE49-F238E27FC236}">
-                <a16:creationId xmlns:a16="http://schemas.microsoft.com/office/drawing/2014/main" id="{37D7AE1C-668E-4833-B70A-727FF1D0668F}"/>
+                <a16:creationId xmlns:a16="http://schemas.microsoft.com/office/drawing/2014/main" xmlns="" id="{37D7AE1C-668E-4833-B70A-727FF1D0668F}"/>
               </a:ext>
             </a:extLst>
           </p:cNvPr>
@@ -9523,7 +9524,7 @@
           <p:cNvPr id="15" name="Titel 5">
             <a:extLst>
               <a:ext uri="{FF2B5EF4-FFF2-40B4-BE49-F238E27FC236}">
-                <a16:creationId xmlns:a16="http://schemas.microsoft.com/office/drawing/2014/main" id="{4A237110-0796-4058-A7AE-FEC89F7E9286}"/>
+                <a16:creationId xmlns:a16="http://schemas.microsoft.com/office/drawing/2014/main" xmlns="" id="{4A237110-0796-4058-A7AE-FEC89F7E9286}"/>
               </a:ext>
             </a:extLst>
           </p:cNvPr>
@@ -9567,7 +9568,7 @@
           <p:cNvPr id="86" name="Picture 17">
             <a:extLst>
               <a:ext uri="{FF2B5EF4-FFF2-40B4-BE49-F238E27FC236}">
-                <a16:creationId xmlns:a16="http://schemas.microsoft.com/office/drawing/2014/main" id="{E808A474-A497-4C5E-AD1E-A317DC220B99}"/>
+                <a16:creationId xmlns:a16="http://schemas.microsoft.com/office/drawing/2014/main" xmlns="" id="{E808A474-A497-4C5E-AD1E-A317DC220B99}"/>
               </a:ext>
             </a:extLst>
           </p:cNvPr>
@@ -9633,7 +9634,7 @@
           <p:cNvPr id="7" name="Rechthoek 6">
             <a:extLst>
               <a:ext uri="{FF2B5EF4-FFF2-40B4-BE49-F238E27FC236}">
-                <a16:creationId xmlns:a16="http://schemas.microsoft.com/office/drawing/2014/main" id="{CF33D3B1-834D-469E-9DE8-53CBC0535382}"/>
+                <a16:creationId xmlns:a16="http://schemas.microsoft.com/office/drawing/2014/main" xmlns="" id="{CF33D3B1-834D-469E-9DE8-53CBC0535382}"/>
               </a:ext>
             </a:extLst>
           </p:cNvPr>
@@ -9685,7 +9686,7 @@
           <p:cNvPr id="14" name="Picture 8">
             <a:extLst>
               <a:ext uri="{FF2B5EF4-FFF2-40B4-BE49-F238E27FC236}">
-                <a16:creationId xmlns:a16="http://schemas.microsoft.com/office/drawing/2014/main" id="{D5A939AD-6BCB-4FE2-8FDB-FEFFA3DE338A}"/>
+                <a16:creationId xmlns:a16="http://schemas.microsoft.com/office/drawing/2014/main" xmlns="" id="{D5A939AD-6BCB-4FE2-8FDB-FEFFA3DE338A}"/>
               </a:ext>
             </a:extLst>
           </p:cNvPr>
@@ -9723,7 +9724,7 @@
           <p:cNvPr id="89" name="Picture 17">
             <a:extLst>
               <a:ext uri="{FF2B5EF4-FFF2-40B4-BE49-F238E27FC236}">
-                <a16:creationId xmlns:a16="http://schemas.microsoft.com/office/drawing/2014/main" id="{AC7CAF1D-9A40-4D8B-92F2-285B5DB92A1F}"/>
+                <a16:creationId xmlns:a16="http://schemas.microsoft.com/office/drawing/2014/main" xmlns="" id="{AC7CAF1D-9A40-4D8B-92F2-285B5DB92A1F}"/>
               </a:ext>
             </a:extLst>
           </p:cNvPr>
@@ -9759,7 +9760,7 @@
           <p:cNvPr id="11" name="Tijdelijke aanduiding voor afbeelding 8">
             <a:extLst>
               <a:ext uri="{FF2B5EF4-FFF2-40B4-BE49-F238E27FC236}">
-                <a16:creationId xmlns:a16="http://schemas.microsoft.com/office/drawing/2014/main" id="{74C9D7A0-9384-4ED6-9083-9CDA8FE4EDA9}"/>
+                <a16:creationId xmlns:a16="http://schemas.microsoft.com/office/drawing/2014/main" xmlns="" id="{74C9D7A0-9384-4ED6-9083-9CDA8FE4EDA9}"/>
               </a:ext>
             </a:extLst>
           </p:cNvPr>
@@ -9849,7 +9850,7 @@
           <p:cNvPr id="85" name="Titel 5">
             <a:extLst>
               <a:ext uri="{FF2B5EF4-FFF2-40B4-BE49-F238E27FC236}">
-                <a16:creationId xmlns:a16="http://schemas.microsoft.com/office/drawing/2014/main" id="{4A237110-0796-4058-A7AE-FEC89F7E9286}"/>
+                <a16:creationId xmlns:a16="http://schemas.microsoft.com/office/drawing/2014/main" xmlns="" id="{4A237110-0796-4058-A7AE-FEC89F7E9286}"/>
               </a:ext>
             </a:extLst>
           </p:cNvPr>
@@ -9923,7 +9924,7 @@
           <p:cNvPr id="7" name="Rechthoek 6">
             <a:extLst>
               <a:ext uri="{FF2B5EF4-FFF2-40B4-BE49-F238E27FC236}">
-                <a16:creationId xmlns:a16="http://schemas.microsoft.com/office/drawing/2014/main" id="{CF33D3B1-834D-469E-9DE8-53CBC0535382}"/>
+                <a16:creationId xmlns:a16="http://schemas.microsoft.com/office/drawing/2014/main" xmlns="" id="{CF33D3B1-834D-469E-9DE8-53CBC0535382}"/>
               </a:ext>
             </a:extLst>
           </p:cNvPr>
@@ -9975,7 +9976,7 @@
           <p:cNvPr id="14" name="Picture 8">
             <a:extLst>
               <a:ext uri="{FF2B5EF4-FFF2-40B4-BE49-F238E27FC236}">
-                <a16:creationId xmlns:a16="http://schemas.microsoft.com/office/drawing/2014/main" id="{D5A939AD-6BCB-4FE2-8FDB-FEFFA3DE338A}"/>
+                <a16:creationId xmlns:a16="http://schemas.microsoft.com/office/drawing/2014/main" xmlns="" id="{D5A939AD-6BCB-4FE2-8FDB-FEFFA3DE338A}"/>
               </a:ext>
             </a:extLst>
           </p:cNvPr>
@@ -10013,7 +10014,7 @@
           <p:cNvPr id="86" name="Picture 17">
             <a:extLst>
               <a:ext uri="{FF2B5EF4-FFF2-40B4-BE49-F238E27FC236}">
-                <a16:creationId xmlns:a16="http://schemas.microsoft.com/office/drawing/2014/main" id="{7C062C76-EDB5-4F15-8EA9-AAE3657D1DEC}"/>
+                <a16:creationId xmlns:a16="http://schemas.microsoft.com/office/drawing/2014/main" xmlns="" id="{7C062C76-EDB5-4F15-8EA9-AAE3657D1DEC}"/>
               </a:ext>
             </a:extLst>
           </p:cNvPr>
@@ -10049,7 +10050,7 @@
           <p:cNvPr id="11" name="Tijdelijke aanduiding voor afbeelding 8">
             <a:extLst>
               <a:ext uri="{FF2B5EF4-FFF2-40B4-BE49-F238E27FC236}">
-                <a16:creationId xmlns:a16="http://schemas.microsoft.com/office/drawing/2014/main" id="{DC7BAFE8-8F26-4403-9E07-291D0BFD03F1}"/>
+                <a16:creationId xmlns:a16="http://schemas.microsoft.com/office/drawing/2014/main" xmlns="" id="{DC7BAFE8-8F26-4403-9E07-291D0BFD03F1}"/>
               </a:ext>
             </a:extLst>
           </p:cNvPr>
@@ -10139,7 +10140,7 @@
           <p:cNvPr id="85" name="Titel 5">
             <a:extLst>
               <a:ext uri="{FF2B5EF4-FFF2-40B4-BE49-F238E27FC236}">
-                <a16:creationId xmlns:a16="http://schemas.microsoft.com/office/drawing/2014/main" id="{4A237110-0796-4058-A7AE-FEC89F7E9286}"/>
+                <a16:creationId xmlns:a16="http://schemas.microsoft.com/office/drawing/2014/main" xmlns="" id="{4A237110-0796-4058-A7AE-FEC89F7E9286}"/>
               </a:ext>
             </a:extLst>
           </p:cNvPr>
@@ -10213,7 +10214,7 @@
           <p:cNvPr id="7" name="Rechthoek 6">
             <a:extLst>
               <a:ext uri="{FF2B5EF4-FFF2-40B4-BE49-F238E27FC236}">
-                <a16:creationId xmlns:a16="http://schemas.microsoft.com/office/drawing/2014/main" id="{CF33D3B1-834D-469E-9DE8-53CBC0535382}"/>
+                <a16:creationId xmlns:a16="http://schemas.microsoft.com/office/drawing/2014/main" xmlns="" id="{CF33D3B1-834D-469E-9DE8-53CBC0535382}"/>
               </a:ext>
             </a:extLst>
           </p:cNvPr>
@@ -10265,7 +10266,7 @@
           <p:cNvPr id="14" name="Picture 8">
             <a:extLst>
               <a:ext uri="{FF2B5EF4-FFF2-40B4-BE49-F238E27FC236}">
-                <a16:creationId xmlns:a16="http://schemas.microsoft.com/office/drawing/2014/main" id="{D5A939AD-6BCB-4FE2-8FDB-FEFFA3DE338A}"/>
+                <a16:creationId xmlns:a16="http://schemas.microsoft.com/office/drawing/2014/main" xmlns="" id="{D5A939AD-6BCB-4FE2-8FDB-FEFFA3DE338A}"/>
               </a:ext>
             </a:extLst>
           </p:cNvPr>
@@ -10300,7 +10301,7 @@
           <p:cNvPr id="87" name="Picture 17">
             <a:extLst>
               <a:ext uri="{FF2B5EF4-FFF2-40B4-BE49-F238E27FC236}">
-                <a16:creationId xmlns:a16="http://schemas.microsoft.com/office/drawing/2014/main" id="{06B98FAA-2D90-433C-9726-BF23671D2C6F}"/>
+                <a16:creationId xmlns:a16="http://schemas.microsoft.com/office/drawing/2014/main" xmlns="" id="{06B98FAA-2D90-433C-9726-BF23671D2C6F}"/>
               </a:ext>
             </a:extLst>
           </p:cNvPr>
@@ -10336,7 +10337,7 @@
           <p:cNvPr id="11" name="Tijdelijke aanduiding voor afbeelding 8">
             <a:extLst>
               <a:ext uri="{FF2B5EF4-FFF2-40B4-BE49-F238E27FC236}">
-                <a16:creationId xmlns:a16="http://schemas.microsoft.com/office/drawing/2014/main" id="{333BACCA-0927-4FAE-9D64-2C581BD01C49}"/>
+                <a16:creationId xmlns:a16="http://schemas.microsoft.com/office/drawing/2014/main" xmlns="" id="{333BACCA-0927-4FAE-9D64-2C581BD01C49}"/>
               </a:ext>
             </a:extLst>
           </p:cNvPr>
@@ -10426,7 +10427,7 @@
           <p:cNvPr id="85" name="Titel 5">
             <a:extLst>
               <a:ext uri="{FF2B5EF4-FFF2-40B4-BE49-F238E27FC236}">
-                <a16:creationId xmlns:a16="http://schemas.microsoft.com/office/drawing/2014/main" id="{4A237110-0796-4058-A7AE-FEC89F7E9286}"/>
+                <a16:creationId xmlns:a16="http://schemas.microsoft.com/office/drawing/2014/main" xmlns="" id="{4A237110-0796-4058-A7AE-FEC89F7E9286}"/>
               </a:ext>
             </a:extLst>
           </p:cNvPr>
@@ -10516,7 +10517,7 @@
           <a:graphicData uri="http://schemas.openxmlformats.org/presentationml/2006/ole">
             <mc:AlternateContent xmlns:mc="http://schemas.openxmlformats.org/markup-compatibility/2006">
               <mc:Choice xmlns:v="urn:schemas-microsoft-com:vml" Requires="v">
-                <p:oleObj spid="_x0000_s8199" name="think-cell Slide" r:id="rId5" imgW="286" imgH="286" progId="TCLayout.ActiveDocument.1">
+                <p:oleObj spid="_x0000_s8206" name="think-cell Slide" r:id="rId5" imgW="286" imgH="286" progId="TCLayout.ActiveDocument.1">
                   <p:embed/>
                 </p:oleObj>
               </mc:Choice>
@@ -10556,7 +10557,7 @@
           <p:cNvPr id="2" name="Rectangle 1" hidden="1">
             <a:extLst>
               <a:ext uri="{FF2B5EF4-FFF2-40B4-BE49-F238E27FC236}">
-                <a16:creationId xmlns:a16="http://schemas.microsoft.com/office/drawing/2014/main" id="{104956B8-683C-49AE-B943-AE17BC5B40ED}"/>
+                <a16:creationId xmlns:a16="http://schemas.microsoft.com/office/drawing/2014/main" xmlns="" id="{104956B8-683C-49AE-B943-AE17BC5B40ED}"/>
               </a:ext>
             </a:extLst>
           </p:cNvPr>
@@ -10623,7 +10624,7 @@
           <p:cNvPr id="110" name="Picture 17">
             <a:extLst>
               <a:ext uri="{FF2B5EF4-FFF2-40B4-BE49-F238E27FC236}">
-                <a16:creationId xmlns:a16="http://schemas.microsoft.com/office/drawing/2014/main" id="{E956BC3F-61D2-4A58-B7B8-17CAF36782F1}"/>
+                <a16:creationId xmlns:a16="http://schemas.microsoft.com/office/drawing/2014/main" xmlns="" id="{E956BC3F-61D2-4A58-B7B8-17CAF36782F1}"/>
               </a:ext>
             </a:extLst>
           </p:cNvPr>
@@ -10675,7 +10676,7 @@
           <p:cNvPr id="119" name="Groep 118" hidden="1">
             <a:extLst>
               <a:ext uri="{FF2B5EF4-FFF2-40B4-BE49-F238E27FC236}">
-                <a16:creationId xmlns:a16="http://schemas.microsoft.com/office/drawing/2014/main" id="{77504D76-9C51-44CF-917A-242E1D3D92BE}"/>
+                <a16:creationId xmlns:a16="http://schemas.microsoft.com/office/drawing/2014/main" xmlns="" id="{77504D76-9C51-44CF-917A-242E1D3D92BE}"/>
               </a:ext>
             </a:extLst>
           </p:cNvPr>
@@ -10695,7 +10696,7 @@
             <p:cNvPr id="120" name="Groep 119">
               <a:extLst>
                 <a:ext uri="{FF2B5EF4-FFF2-40B4-BE49-F238E27FC236}">
-                  <a16:creationId xmlns:a16="http://schemas.microsoft.com/office/drawing/2014/main" id="{F31D955F-D8DC-4E02-BFCD-CE3FA62E80A1}"/>
+                  <a16:creationId xmlns:a16="http://schemas.microsoft.com/office/drawing/2014/main" xmlns="" id="{F31D955F-D8DC-4E02-BFCD-CE3FA62E80A1}"/>
                 </a:ext>
               </a:extLst>
             </p:cNvPr>
@@ -10715,7 +10716,7 @@
               <p:cNvPr id="134" name="Rechte verbindingslijn 133">
                 <a:extLst>
                   <a:ext uri="{FF2B5EF4-FFF2-40B4-BE49-F238E27FC236}">
-                    <a16:creationId xmlns:a16="http://schemas.microsoft.com/office/drawing/2014/main" id="{F3355427-16F0-4ED8-A310-E1FB8ED85E4D}"/>
+                    <a16:creationId xmlns:a16="http://schemas.microsoft.com/office/drawing/2014/main" xmlns="" id="{F3355427-16F0-4ED8-A310-E1FB8ED85E4D}"/>
                   </a:ext>
                 </a:extLst>
               </p:cNvPr>
@@ -10751,7 +10752,7 @@
               <p:cNvPr id="135" name="Rechte verbindingslijn 134">
                 <a:extLst>
                   <a:ext uri="{FF2B5EF4-FFF2-40B4-BE49-F238E27FC236}">
-                    <a16:creationId xmlns:a16="http://schemas.microsoft.com/office/drawing/2014/main" id="{0AC90256-6C1C-4BC5-ADE9-1063D262C409}"/>
+                    <a16:creationId xmlns:a16="http://schemas.microsoft.com/office/drawing/2014/main" xmlns="" id="{0AC90256-6C1C-4BC5-ADE9-1063D262C409}"/>
                   </a:ext>
                 </a:extLst>
               </p:cNvPr>
@@ -10787,7 +10788,7 @@
               <p:cNvPr id="136" name="Rechte verbindingslijn 135">
                 <a:extLst>
                   <a:ext uri="{FF2B5EF4-FFF2-40B4-BE49-F238E27FC236}">
-                    <a16:creationId xmlns:a16="http://schemas.microsoft.com/office/drawing/2014/main" id="{1081E6FA-EFA8-4B4B-B1E9-B393318F5A7F}"/>
+                    <a16:creationId xmlns:a16="http://schemas.microsoft.com/office/drawing/2014/main" xmlns="" id="{1081E6FA-EFA8-4B4B-B1E9-B393318F5A7F}"/>
                   </a:ext>
                 </a:extLst>
               </p:cNvPr>
@@ -10828,7 +10829,7 @@
               <p:cNvPr id="137" name="Rechte verbindingslijn 136">
                 <a:extLst>
                   <a:ext uri="{FF2B5EF4-FFF2-40B4-BE49-F238E27FC236}">
-                    <a16:creationId xmlns:a16="http://schemas.microsoft.com/office/drawing/2014/main" id="{FD72FB31-33A8-43D4-9242-CAA5E8873B5C}"/>
+                    <a16:creationId xmlns:a16="http://schemas.microsoft.com/office/drawing/2014/main" xmlns="" id="{FD72FB31-33A8-43D4-9242-CAA5E8873B5C}"/>
                   </a:ext>
                 </a:extLst>
               </p:cNvPr>
@@ -10869,7 +10870,7 @@
               <p:cNvPr id="138" name="Rechte verbindingslijn 137">
                 <a:extLst>
                   <a:ext uri="{FF2B5EF4-FFF2-40B4-BE49-F238E27FC236}">
-                    <a16:creationId xmlns:a16="http://schemas.microsoft.com/office/drawing/2014/main" id="{A61E3744-FF59-4BF4-A9C5-BD96C92DE0CB}"/>
+                    <a16:creationId xmlns:a16="http://schemas.microsoft.com/office/drawing/2014/main" xmlns="" id="{A61E3744-FF59-4BF4-A9C5-BD96C92DE0CB}"/>
                   </a:ext>
                 </a:extLst>
               </p:cNvPr>
@@ -10912,7 +10913,7 @@
               <p:cNvPr id="139" name="Rechte verbindingslijn 138">
                 <a:extLst>
                   <a:ext uri="{FF2B5EF4-FFF2-40B4-BE49-F238E27FC236}">
-                    <a16:creationId xmlns:a16="http://schemas.microsoft.com/office/drawing/2014/main" id="{FCF1E2B3-A134-4703-AFF5-CB4A1B11AEB5}"/>
+                    <a16:creationId xmlns:a16="http://schemas.microsoft.com/office/drawing/2014/main" xmlns="" id="{FCF1E2B3-A134-4703-AFF5-CB4A1B11AEB5}"/>
                   </a:ext>
                 </a:extLst>
               </p:cNvPr>
@@ -10954,7 +10955,7 @@
             <p:cNvPr id="121" name="Groep 120">
               <a:extLst>
                 <a:ext uri="{FF2B5EF4-FFF2-40B4-BE49-F238E27FC236}">
-                  <a16:creationId xmlns:a16="http://schemas.microsoft.com/office/drawing/2014/main" id="{8F1869D9-8BBB-4005-AE84-F18126565C91}"/>
+                  <a16:creationId xmlns:a16="http://schemas.microsoft.com/office/drawing/2014/main" xmlns="" id="{8F1869D9-8BBB-4005-AE84-F18126565C91}"/>
                 </a:ext>
               </a:extLst>
             </p:cNvPr>
@@ -10974,7 +10975,7 @@
               <p:cNvPr id="132" name="Rechte verbindingslijn 131">
                 <a:extLst>
                   <a:ext uri="{FF2B5EF4-FFF2-40B4-BE49-F238E27FC236}">
-                    <a16:creationId xmlns:a16="http://schemas.microsoft.com/office/drawing/2014/main" id="{B35407BC-3A0A-4871-ABE2-7635D73EE27A}"/>
+                    <a16:creationId xmlns:a16="http://schemas.microsoft.com/office/drawing/2014/main" xmlns="" id="{B35407BC-3A0A-4871-ABE2-7635D73EE27A}"/>
                   </a:ext>
                 </a:extLst>
               </p:cNvPr>
@@ -11010,7 +11011,7 @@
               <p:cNvPr id="133" name="Rechte verbindingslijn 132">
                 <a:extLst>
                   <a:ext uri="{FF2B5EF4-FFF2-40B4-BE49-F238E27FC236}">
-                    <a16:creationId xmlns:a16="http://schemas.microsoft.com/office/drawing/2014/main" id="{4A7DA7F0-4EA0-4615-A981-EAA793ED84CA}"/>
+                    <a16:creationId xmlns:a16="http://schemas.microsoft.com/office/drawing/2014/main" xmlns="" id="{4A7DA7F0-4EA0-4615-A981-EAA793ED84CA}"/>
                   </a:ext>
                 </a:extLst>
               </p:cNvPr>
@@ -11046,7 +11047,7 @@
               <p:cNvPr id="140" name="Rechte verbindingslijn 139">
                 <a:extLst>
                   <a:ext uri="{FF2B5EF4-FFF2-40B4-BE49-F238E27FC236}">
-                    <a16:creationId xmlns:a16="http://schemas.microsoft.com/office/drawing/2014/main" id="{B40FAD36-FE8B-49FA-9E0D-C7105A0D722B}"/>
+                    <a16:creationId xmlns:a16="http://schemas.microsoft.com/office/drawing/2014/main" xmlns="" id="{B40FAD36-FE8B-49FA-9E0D-C7105A0D722B}"/>
                   </a:ext>
                 </a:extLst>
               </p:cNvPr>
@@ -11082,7 +11083,7 @@
               <p:cNvPr id="141" name="Rechte verbindingslijn 140">
                 <a:extLst>
                   <a:ext uri="{FF2B5EF4-FFF2-40B4-BE49-F238E27FC236}">
-                    <a16:creationId xmlns:a16="http://schemas.microsoft.com/office/drawing/2014/main" id="{33609692-1305-4544-8876-5DFA20670E10}"/>
+                    <a16:creationId xmlns:a16="http://schemas.microsoft.com/office/drawing/2014/main" xmlns="" id="{33609692-1305-4544-8876-5DFA20670E10}"/>
                   </a:ext>
                 </a:extLst>
               </p:cNvPr>
@@ -11119,7 +11120,7 @@
             <p:cNvPr id="122" name="Groep 121">
               <a:extLst>
                 <a:ext uri="{FF2B5EF4-FFF2-40B4-BE49-F238E27FC236}">
-                  <a16:creationId xmlns:a16="http://schemas.microsoft.com/office/drawing/2014/main" id="{4A7F239B-2923-4D2D-8479-D51DD89FCB0F}"/>
+                  <a16:creationId xmlns:a16="http://schemas.microsoft.com/office/drawing/2014/main" xmlns="" id="{4A7F239B-2923-4D2D-8479-D51DD89FCB0F}"/>
                 </a:ext>
               </a:extLst>
             </p:cNvPr>
@@ -11139,7 +11140,7 @@
               <p:cNvPr id="128" name="Groep 127">
                 <a:extLst>
                   <a:ext uri="{FF2B5EF4-FFF2-40B4-BE49-F238E27FC236}">
-                    <a16:creationId xmlns:a16="http://schemas.microsoft.com/office/drawing/2014/main" id="{BB7ADD08-1878-4651-9B40-3AB18C9114AB}"/>
+                    <a16:creationId xmlns:a16="http://schemas.microsoft.com/office/drawing/2014/main" xmlns="" id="{BB7ADD08-1878-4651-9B40-3AB18C9114AB}"/>
                   </a:ext>
                 </a:extLst>
               </p:cNvPr>
@@ -11159,7 +11160,7 @@
                 <p:cNvPr id="130" name="Rechte verbindingslijn 129">
                   <a:extLst>
                     <a:ext uri="{FF2B5EF4-FFF2-40B4-BE49-F238E27FC236}">
-                      <a16:creationId xmlns:a16="http://schemas.microsoft.com/office/drawing/2014/main" id="{6BF1EE04-CAC4-48AF-9A18-3EE7162EB488}"/>
+                      <a16:creationId xmlns:a16="http://schemas.microsoft.com/office/drawing/2014/main" xmlns="" id="{6BF1EE04-CAC4-48AF-9A18-3EE7162EB488}"/>
                     </a:ext>
                   </a:extLst>
                 </p:cNvPr>
@@ -11195,7 +11196,7 @@
                 <p:cNvPr id="131" name="Rechte verbindingslijn 130">
                   <a:extLst>
                     <a:ext uri="{FF2B5EF4-FFF2-40B4-BE49-F238E27FC236}">
-                      <a16:creationId xmlns:a16="http://schemas.microsoft.com/office/drawing/2014/main" id="{83064D72-53F3-4A68-82DC-151399CB8F7E}"/>
+                      <a16:creationId xmlns:a16="http://schemas.microsoft.com/office/drawing/2014/main" xmlns="" id="{83064D72-53F3-4A68-82DC-151399CB8F7E}"/>
                     </a:ext>
                   </a:extLst>
                 </p:cNvPr>
@@ -11232,7 +11233,7 @@
               <p:cNvPr id="129" name="Rechte verbindingslijn 128">
                 <a:extLst>
                   <a:ext uri="{FF2B5EF4-FFF2-40B4-BE49-F238E27FC236}">
-                    <a16:creationId xmlns:a16="http://schemas.microsoft.com/office/drawing/2014/main" id="{E96240FE-AE18-431E-8E75-FD44EFA4CB95}"/>
+                    <a16:creationId xmlns:a16="http://schemas.microsoft.com/office/drawing/2014/main" xmlns="" id="{E96240FE-AE18-431E-8E75-FD44EFA4CB95}"/>
                   </a:ext>
                 </a:extLst>
               </p:cNvPr>
@@ -11269,7 +11270,7 @@
             <p:cNvPr id="123" name="Groep 122">
               <a:extLst>
                 <a:ext uri="{FF2B5EF4-FFF2-40B4-BE49-F238E27FC236}">
-                  <a16:creationId xmlns:a16="http://schemas.microsoft.com/office/drawing/2014/main" id="{3205A8CD-C152-427D-9D0C-3F6344DC510E}"/>
+                  <a16:creationId xmlns:a16="http://schemas.microsoft.com/office/drawing/2014/main" xmlns="" id="{3205A8CD-C152-427D-9D0C-3F6344DC510E}"/>
                 </a:ext>
               </a:extLst>
             </p:cNvPr>
@@ -11289,7 +11290,7 @@
               <p:cNvPr id="124" name="Groep 123">
                 <a:extLst>
                   <a:ext uri="{FF2B5EF4-FFF2-40B4-BE49-F238E27FC236}">
-                    <a16:creationId xmlns:a16="http://schemas.microsoft.com/office/drawing/2014/main" id="{8E119295-F27D-46C0-93C2-A109CEB50170}"/>
+                    <a16:creationId xmlns:a16="http://schemas.microsoft.com/office/drawing/2014/main" xmlns="" id="{8E119295-F27D-46C0-93C2-A109CEB50170}"/>
                   </a:ext>
                 </a:extLst>
               </p:cNvPr>
@@ -11309,7 +11310,7 @@
                 <p:cNvPr id="126" name="Rechte verbindingslijn 125">
                   <a:extLst>
                     <a:ext uri="{FF2B5EF4-FFF2-40B4-BE49-F238E27FC236}">
-                      <a16:creationId xmlns:a16="http://schemas.microsoft.com/office/drawing/2014/main" id="{F673D4EF-E213-4C46-A2C5-B221CF6E9E55}"/>
+                      <a16:creationId xmlns:a16="http://schemas.microsoft.com/office/drawing/2014/main" xmlns="" id="{F673D4EF-E213-4C46-A2C5-B221CF6E9E55}"/>
                     </a:ext>
                   </a:extLst>
                 </p:cNvPr>
@@ -11345,7 +11346,7 @@
                 <p:cNvPr id="127" name="Rechte verbindingslijn 126">
                   <a:extLst>
                     <a:ext uri="{FF2B5EF4-FFF2-40B4-BE49-F238E27FC236}">
-                      <a16:creationId xmlns:a16="http://schemas.microsoft.com/office/drawing/2014/main" id="{A0BF6A06-39FD-4018-B73F-118838AFDB76}"/>
+                      <a16:creationId xmlns:a16="http://schemas.microsoft.com/office/drawing/2014/main" xmlns="" id="{A0BF6A06-39FD-4018-B73F-118838AFDB76}"/>
                     </a:ext>
                   </a:extLst>
                 </p:cNvPr>
@@ -11382,7 +11383,7 @@
               <p:cNvPr id="125" name="Rechte verbindingslijn 124">
                 <a:extLst>
                   <a:ext uri="{FF2B5EF4-FFF2-40B4-BE49-F238E27FC236}">
-                    <a16:creationId xmlns:a16="http://schemas.microsoft.com/office/drawing/2014/main" id="{08B5B755-9205-47C1-A7B1-69E4CF90FE95}"/>
+                    <a16:creationId xmlns:a16="http://schemas.microsoft.com/office/drawing/2014/main" xmlns="" id="{08B5B755-9205-47C1-A7B1-69E4CF90FE95}"/>
                   </a:ext>
                 </a:extLst>
               </p:cNvPr>
@@ -11420,7 +11421,7 @@
           <p:cNvPr id="108" name="Tijdelijke aanduiding voor afbeelding 8">
             <a:extLst>
               <a:ext uri="{FF2B5EF4-FFF2-40B4-BE49-F238E27FC236}">
-                <a16:creationId xmlns:a16="http://schemas.microsoft.com/office/drawing/2014/main" id="{8F221454-F774-4671-9AF9-619946064D4E}"/>
+                <a16:creationId xmlns:a16="http://schemas.microsoft.com/office/drawing/2014/main" xmlns="" id="{8F221454-F774-4671-9AF9-619946064D4E}"/>
               </a:ext>
             </a:extLst>
           </p:cNvPr>
@@ -11531,7 +11532,7 @@
           <p:cNvPr id="41" name="Tijdelijke aanduiding voor verticale tekst 2">
             <a:extLst>
               <a:ext uri="{FF2B5EF4-FFF2-40B4-BE49-F238E27FC236}">
-                <a16:creationId xmlns:a16="http://schemas.microsoft.com/office/drawing/2014/main" id="{02CCC3D6-3CC2-41A9-9EE3-48B4BC1D8D0D}"/>
+                <a16:creationId xmlns:a16="http://schemas.microsoft.com/office/drawing/2014/main" xmlns="" id="{02CCC3D6-3CC2-41A9-9EE3-48B4BC1D8D0D}"/>
               </a:ext>
             </a:extLst>
           </p:cNvPr>
@@ -11666,7 +11667,7 @@
           <p:cNvPr id="36" name="Text Placeholder 5">
             <a:extLst>
               <a:ext uri="{FF2B5EF4-FFF2-40B4-BE49-F238E27FC236}">
-                <a16:creationId xmlns:a16="http://schemas.microsoft.com/office/drawing/2014/main" id="{57741E08-2EB3-410E-BCC4-A68C045B7534}"/>
+                <a16:creationId xmlns:a16="http://schemas.microsoft.com/office/drawing/2014/main" xmlns="" id="{57741E08-2EB3-410E-BCC4-A68C045B7534}"/>
               </a:ext>
             </a:extLst>
           </p:cNvPr>
@@ -11713,7 +11714,7 @@
           <p:cNvPr id="37" name="Title 1">
             <a:extLst>
               <a:ext uri="{FF2B5EF4-FFF2-40B4-BE49-F238E27FC236}">
-                <a16:creationId xmlns:a16="http://schemas.microsoft.com/office/drawing/2014/main" id="{20C7E9AF-3BB1-4E08-9038-BD4F4B622F86}"/>
+                <a16:creationId xmlns:a16="http://schemas.microsoft.com/office/drawing/2014/main" xmlns="" id="{20C7E9AF-3BB1-4E08-9038-BD4F4B622F86}"/>
               </a:ext>
             </a:extLst>
           </p:cNvPr>
@@ -11806,7 +11807,7 @@
           <p:cNvPr id="2" name="Object 1" hidden="1">
             <a:extLst>
               <a:ext uri="{FF2B5EF4-FFF2-40B4-BE49-F238E27FC236}">
-                <a16:creationId xmlns:a16="http://schemas.microsoft.com/office/drawing/2014/main" id="{E8F7B0EC-A631-4DF9-B83E-A8A75A82E6C0}"/>
+                <a16:creationId xmlns:a16="http://schemas.microsoft.com/office/drawing/2014/main" xmlns="" id="{E8F7B0EC-A631-4DF9-B83E-A8A75A82E6C0}"/>
               </a:ext>
             </a:extLst>
           </p:cNvPr>
@@ -11828,7 +11829,7 @@
           <a:graphicData uri="http://schemas.openxmlformats.org/presentationml/2006/ole">
             <mc:AlternateContent xmlns:mc="http://schemas.openxmlformats.org/markup-compatibility/2006">
               <mc:Choice xmlns:v="urn:schemas-microsoft-com:vml" Requires="v">
-                <p:oleObj spid="_x0000_s9223" name="think-cell Slide" r:id="rId5" imgW="592" imgH="591" progId="TCLayout.ActiveDocument.1">
+                <p:oleObj spid="_x0000_s9230" name="think-cell Slide" r:id="rId5" imgW="592" imgH="591" progId="TCLayout.ActiveDocument.1">
                   <p:embed/>
                 </p:oleObj>
               </mc:Choice>
@@ -11840,7 +11841,7 @@
                       <p:cNvPr id="2" name="Object 1" hidden="1">
                         <a:extLst>
                           <a:ext uri="{FF2B5EF4-FFF2-40B4-BE49-F238E27FC236}">
-                            <a16:creationId xmlns:a16="http://schemas.microsoft.com/office/drawing/2014/main" id="{E8F7B0EC-A631-4DF9-B83E-A8A75A82E6C0}"/>
+                            <a16:creationId xmlns:a16="http://schemas.microsoft.com/office/drawing/2014/main" xmlns="" id="{E8F7B0EC-A631-4DF9-B83E-A8A75A82E6C0}"/>
                           </a:ext>
                         </a:extLst>
                       </p:cNvPr>
@@ -11874,7 +11875,7 @@
           <p:cNvPr id="3" name="Rectangle 2" hidden="1">
             <a:extLst>
               <a:ext uri="{FF2B5EF4-FFF2-40B4-BE49-F238E27FC236}">
-                <a16:creationId xmlns:a16="http://schemas.microsoft.com/office/drawing/2014/main" id="{B7D75470-6C2F-432C-AD1A-F9E2E8B29D6B}"/>
+                <a16:creationId xmlns:a16="http://schemas.microsoft.com/office/drawing/2014/main" xmlns="" id="{B7D75470-6C2F-432C-AD1A-F9E2E8B29D6B}"/>
               </a:ext>
             </a:extLst>
           </p:cNvPr>
@@ -11941,7 +11942,7 @@
           <p:cNvPr id="110" name="Picture 17">
             <a:extLst>
               <a:ext uri="{FF2B5EF4-FFF2-40B4-BE49-F238E27FC236}">
-                <a16:creationId xmlns:a16="http://schemas.microsoft.com/office/drawing/2014/main" id="{E956BC3F-61D2-4A58-B7B8-17CAF36782F1}"/>
+                <a16:creationId xmlns:a16="http://schemas.microsoft.com/office/drawing/2014/main" xmlns="" id="{E956BC3F-61D2-4A58-B7B8-17CAF36782F1}"/>
               </a:ext>
             </a:extLst>
           </p:cNvPr>
@@ -12016,7 +12017,7 @@
           <p:cNvPr id="109" name="Tijdelijke aanduiding voor grafiek 12">
             <a:extLst>
               <a:ext uri="{FF2B5EF4-FFF2-40B4-BE49-F238E27FC236}">
-                <a16:creationId xmlns:a16="http://schemas.microsoft.com/office/drawing/2014/main" id="{5685BF9B-62F5-48C6-8576-6CBC7BFE4FFA}"/>
+                <a16:creationId xmlns:a16="http://schemas.microsoft.com/office/drawing/2014/main" xmlns="" id="{5685BF9B-62F5-48C6-8576-6CBC7BFE4FFA}"/>
               </a:ext>
             </a:extLst>
           </p:cNvPr>
@@ -12078,7 +12079,7 @@
           <p:cNvPr id="111" name="Picture 17">
             <a:extLst>
               <a:ext uri="{FF2B5EF4-FFF2-40B4-BE49-F238E27FC236}">
-                <a16:creationId xmlns:a16="http://schemas.microsoft.com/office/drawing/2014/main" id="{227AE347-6BE4-46C5-BFE6-942874CB394F}"/>
+                <a16:creationId xmlns:a16="http://schemas.microsoft.com/office/drawing/2014/main" xmlns="" id="{227AE347-6BE4-46C5-BFE6-942874CB394F}"/>
               </a:ext>
             </a:extLst>
           </p:cNvPr>
@@ -12141,7 +12142,7 @@
           <p:cNvPr id="15" name="Tijdelijke aanduiding voor verticale tekst 2">
             <a:extLst>
               <a:ext uri="{FF2B5EF4-FFF2-40B4-BE49-F238E27FC236}">
-                <a16:creationId xmlns:a16="http://schemas.microsoft.com/office/drawing/2014/main" id="{4459254B-A8B5-413A-8F32-195FDC71E7DD}"/>
+                <a16:creationId xmlns:a16="http://schemas.microsoft.com/office/drawing/2014/main" xmlns="" id="{4459254B-A8B5-413A-8F32-195FDC71E7DD}"/>
               </a:ext>
             </a:extLst>
           </p:cNvPr>
@@ -12276,7 +12277,7 @@
           <p:cNvPr id="19" name="Text Placeholder 5">
             <a:extLst>
               <a:ext uri="{FF2B5EF4-FFF2-40B4-BE49-F238E27FC236}">
-                <a16:creationId xmlns:a16="http://schemas.microsoft.com/office/drawing/2014/main" id="{00A832A4-1AFA-4667-BF72-F297CCBCB0A2}"/>
+                <a16:creationId xmlns:a16="http://schemas.microsoft.com/office/drawing/2014/main" xmlns="" id="{00A832A4-1AFA-4667-BF72-F297CCBCB0A2}"/>
               </a:ext>
             </a:extLst>
           </p:cNvPr>
@@ -12323,7 +12324,7 @@
           <p:cNvPr id="20" name="Title 1">
             <a:extLst>
               <a:ext uri="{FF2B5EF4-FFF2-40B4-BE49-F238E27FC236}">
-                <a16:creationId xmlns:a16="http://schemas.microsoft.com/office/drawing/2014/main" id="{478647B3-5A42-4EE9-9E97-116D3059215F}"/>
+                <a16:creationId xmlns:a16="http://schemas.microsoft.com/office/drawing/2014/main" xmlns="" id="{478647B3-5A42-4EE9-9E97-116D3059215F}"/>
               </a:ext>
             </a:extLst>
           </p:cNvPr>
@@ -12581,7 +12582,7 @@
             <a:fld id="{B61BEF0D-F0BB-DE4B-95CE-6DB70DBA9567}" type="datetimeFigureOut">
               <a:rPr lang="en-US" dirty="0"/>
               <a:pPr/>
-              <a:t>9/1/2021</a:t>
+              <a:t>2/12/2023</a:t>
             </a:fld>
             <a:endParaRPr lang="en-US" dirty="0"/>
           </a:p>
@@ -12747,7 +12748,7 @@
           <p:cNvPr id="3" name="Object 2" hidden="1">
             <a:extLst>
               <a:ext uri="{FF2B5EF4-FFF2-40B4-BE49-F238E27FC236}">
-                <a16:creationId xmlns:a16="http://schemas.microsoft.com/office/drawing/2014/main" id="{CD4F47F9-34E4-4E1A-B142-596ABCFEDA8A}"/>
+                <a16:creationId xmlns:a16="http://schemas.microsoft.com/office/drawing/2014/main" xmlns="" id="{CD4F47F9-34E4-4E1A-B142-596ABCFEDA8A}"/>
               </a:ext>
             </a:extLst>
           </p:cNvPr>
@@ -12769,7 +12770,7 @@
           <a:graphicData uri="http://schemas.openxmlformats.org/presentationml/2006/ole">
             <mc:AlternateContent xmlns:mc="http://schemas.openxmlformats.org/markup-compatibility/2006">
               <mc:Choice xmlns:v="urn:schemas-microsoft-com:vml" Requires="v">
-                <p:oleObj spid="_x0000_s10247" name="think-cell Slide" r:id="rId5" imgW="592" imgH="591" progId="TCLayout.ActiveDocument.1">
+                <p:oleObj spid="_x0000_s10254" name="think-cell Slide" r:id="rId5" imgW="592" imgH="591" progId="TCLayout.ActiveDocument.1">
                   <p:embed/>
                 </p:oleObj>
               </mc:Choice>
@@ -12781,7 +12782,7 @@
                       <p:cNvPr id="3" name="Object 2" hidden="1">
                         <a:extLst>
                           <a:ext uri="{FF2B5EF4-FFF2-40B4-BE49-F238E27FC236}">
-                            <a16:creationId xmlns:a16="http://schemas.microsoft.com/office/drawing/2014/main" id="{CD4F47F9-34E4-4E1A-B142-596ABCFEDA8A}"/>
+                            <a16:creationId xmlns:a16="http://schemas.microsoft.com/office/drawing/2014/main" xmlns="" id="{CD4F47F9-34E4-4E1A-B142-596ABCFEDA8A}"/>
                           </a:ext>
                         </a:extLst>
                       </p:cNvPr>
@@ -12815,7 +12816,7 @@
           <p:cNvPr id="2" name="Rectangle 1" hidden="1">
             <a:extLst>
               <a:ext uri="{FF2B5EF4-FFF2-40B4-BE49-F238E27FC236}">
-                <a16:creationId xmlns:a16="http://schemas.microsoft.com/office/drawing/2014/main" id="{089CB9FC-3516-43E7-AC4B-585BAB383F12}"/>
+                <a16:creationId xmlns:a16="http://schemas.microsoft.com/office/drawing/2014/main" xmlns="" id="{089CB9FC-3516-43E7-AC4B-585BAB383F12}"/>
               </a:ext>
             </a:extLst>
           </p:cNvPr>
@@ -12882,7 +12883,7 @@
           <p:cNvPr id="110" name="Picture 17">
             <a:extLst>
               <a:ext uri="{FF2B5EF4-FFF2-40B4-BE49-F238E27FC236}">
-                <a16:creationId xmlns:a16="http://schemas.microsoft.com/office/drawing/2014/main" id="{E956BC3F-61D2-4A58-B7B8-17CAF36782F1}"/>
+                <a16:creationId xmlns:a16="http://schemas.microsoft.com/office/drawing/2014/main" xmlns="" id="{E956BC3F-61D2-4A58-B7B8-17CAF36782F1}"/>
               </a:ext>
             </a:extLst>
           </p:cNvPr>
@@ -12957,7 +12958,7 @@
           <p:cNvPr id="111" name="Picture 17">
             <a:extLst>
               <a:ext uri="{FF2B5EF4-FFF2-40B4-BE49-F238E27FC236}">
-                <a16:creationId xmlns:a16="http://schemas.microsoft.com/office/drawing/2014/main" id="{227AE347-6BE4-46C5-BFE6-942874CB394F}"/>
+                <a16:creationId xmlns:a16="http://schemas.microsoft.com/office/drawing/2014/main" xmlns="" id="{227AE347-6BE4-46C5-BFE6-942874CB394F}"/>
               </a:ext>
             </a:extLst>
           </p:cNvPr>
@@ -12993,7 +12994,7 @@
           <p:cNvPr id="108" name="Tijdelijke aanduiding voor grafiek 12">
             <a:extLst>
               <a:ext uri="{FF2B5EF4-FFF2-40B4-BE49-F238E27FC236}">
-                <a16:creationId xmlns:a16="http://schemas.microsoft.com/office/drawing/2014/main" id="{13A571CF-54B8-4561-AD00-2E5818DE9EDA}"/>
+                <a16:creationId xmlns:a16="http://schemas.microsoft.com/office/drawing/2014/main" xmlns="" id="{13A571CF-54B8-4561-AD00-2E5818DE9EDA}"/>
               </a:ext>
             </a:extLst>
           </p:cNvPr>
@@ -13082,7 +13083,7 @@
           <p:cNvPr id="16" name="Text Placeholder 5">
             <a:extLst>
               <a:ext uri="{FF2B5EF4-FFF2-40B4-BE49-F238E27FC236}">
-                <a16:creationId xmlns:a16="http://schemas.microsoft.com/office/drawing/2014/main" id="{0BF2356B-4E52-4A23-82FC-A1D54A5968C6}"/>
+                <a16:creationId xmlns:a16="http://schemas.microsoft.com/office/drawing/2014/main" xmlns="" id="{0BF2356B-4E52-4A23-82FC-A1D54A5968C6}"/>
               </a:ext>
             </a:extLst>
           </p:cNvPr>
@@ -13129,7 +13130,7 @@
           <p:cNvPr id="17" name="Title 1">
             <a:extLst>
               <a:ext uri="{FF2B5EF4-FFF2-40B4-BE49-F238E27FC236}">
-                <a16:creationId xmlns:a16="http://schemas.microsoft.com/office/drawing/2014/main" id="{FF141B47-F62F-4223-B4B1-ED05AABE8D70}"/>
+                <a16:creationId xmlns:a16="http://schemas.microsoft.com/office/drawing/2014/main" xmlns="" id="{FF141B47-F62F-4223-B4B1-ED05AABE8D70}"/>
               </a:ext>
             </a:extLst>
           </p:cNvPr>
@@ -13222,7 +13223,7 @@
           <p:cNvPr id="2" name="Object 1" hidden="1">
             <a:extLst>
               <a:ext uri="{FF2B5EF4-FFF2-40B4-BE49-F238E27FC236}">
-                <a16:creationId xmlns:a16="http://schemas.microsoft.com/office/drawing/2014/main" id="{2C517757-3612-4F7E-8F53-EC7D82AABEBC}"/>
+                <a16:creationId xmlns:a16="http://schemas.microsoft.com/office/drawing/2014/main" xmlns="" id="{2C517757-3612-4F7E-8F53-EC7D82AABEBC}"/>
               </a:ext>
             </a:extLst>
           </p:cNvPr>
@@ -13244,7 +13245,7 @@
           <a:graphicData uri="http://schemas.openxmlformats.org/presentationml/2006/ole">
             <mc:AlternateContent xmlns:mc="http://schemas.openxmlformats.org/markup-compatibility/2006">
               <mc:Choice xmlns:v="urn:schemas-microsoft-com:vml" Requires="v">
-                <p:oleObj spid="_x0000_s11271" name="think-cell Slide" r:id="rId5" imgW="592" imgH="591" progId="TCLayout.ActiveDocument.1">
+                <p:oleObj spid="_x0000_s11278" name="think-cell Slide" r:id="rId5" imgW="592" imgH="591" progId="TCLayout.ActiveDocument.1">
                   <p:embed/>
                 </p:oleObj>
               </mc:Choice>
@@ -13256,7 +13257,7 @@
                       <p:cNvPr id="2" name="Object 1" hidden="1">
                         <a:extLst>
                           <a:ext uri="{FF2B5EF4-FFF2-40B4-BE49-F238E27FC236}">
-                            <a16:creationId xmlns:a16="http://schemas.microsoft.com/office/drawing/2014/main" id="{2C517757-3612-4F7E-8F53-EC7D82AABEBC}"/>
+                            <a16:creationId xmlns:a16="http://schemas.microsoft.com/office/drawing/2014/main" xmlns="" id="{2C517757-3612-4F7E-8F53-EC7D82AABEBC}"/>
                           </a:ext>
                         </a:extLst>
                       </p:cNvPr>
@@ -13290,7 +13291,7 @@
           <p:cNvPr id="4" name="Rectangle 3" hidden="1">
             <a:extLst>
               <a:ext uri="{FF2B5EF4-FFF2-40B4-BE49-F238E27FC236}">
-                <a16:creationId xmlns:a16="http://schemas.microsoft.com/office/drawing/2014/main" id="{6BB9DD5B-8F45-4E67-9233-B72927EAD88E}"/>
+                <a16:creationId xmlns:a16="http://schemas.microsoft.com/office/drawing/2014/main" xmlns="" id="{6BB9DD5B-8F45-4E67-9233-B72927EAD88E}"/>
               </a:ext>
             </a:extLst>
           </p:cNvPr>
@@ -13357,7 +13358,7 @@
           <p:cNvPr id="119" name="Groep 118" hidden="1">
             <a:extLst>
               <a:ext uri="{FF2B5EF4-FFF2-40B4-BE49-F238E27FC236}">
-                <a16:creationId xmlns:a16="http://schemas.microsoft.com/office/drawing/2014/main" id="{77504D76-9C51-44CF-917A-242E1D3D92BE}"/>
+                <a16:creationId xmlns:a16="http://schemas.microsoft.com/office/drawing/2014/main" xmlns="" id="{77504D76-9C51-44CF-917A-242E1D3D92BE}"/>
               </a:ext>
             </a:extLst>
           </p:cNvPr>
@@ -13377,7 +13378,7 @@
             <p:cNvPr id="120" name="Groep 119">
               <a:extLst>
                 <a:ext uri="{FF2B5EF4-FFF2-40B4-BE49-F238E27FC236}">
-                  <a16:creationId xmlns:a16="http://schemas.microsoft.com/office/drawing/2014/main" id="{F31D955F-D8DC-4E02-BFCD-CE3FA62E80A1}"/>
+                  <a16:creationId xmlns:a16="http://schemas.microsoft.com/office/drawing/2014/main" xmlns="" id="{F31D955F-D8DC-4E02-BFCD-CE3FA62E80A1}"/>
                 </a:ext>
               </a:extLst>
             </p:cNvPr>
@@ -13397,7 +13398,7 @@
               <p:cNvPr id="134" name="Rechte verbindingslijn 133">
                 <a:extLst>
                   <a:ext uri="{FF2B5EF4-FFF2-40B4-BE49-F238E27FC236}">
-                    <a16:creationId xmlns:a16="http://schemas.microsoft.com/office/drawing/2014/main" id="{F3355427-16F0-4ED8-A310-E1FB8ED85E4D}"/>
+                    <a16:creationId xmlns:a16="http://schemas.microsoft.com/office/drawing/2014/main" xmlns="" id="{F3355427-16F0-4ED8-A310-E1FB8ED85E4D}"/>
                   </a:ext>
                 </a:extLst>
               </p:cNvPr>
@@ -13433,7 +13434,7 @@
               <p:cNvPr id="135" name="Rechte verbindingslijn 134">
                 <a:extLst>
                   <a:ext uri="{FF2B5EF4-FFF2-40B4-BE49-F238E27FC236}">
-                    <a16:creationId xmlns:a16="http://schemas.microsoft.com/office/drawing/2014/main" id="{0AC90256-6C1C-4BC5-ADE9-1063D262C409}"/>
+                    <a16:creationId xmlns:a16="http://schemas.microsoft.com/office/drawing/2014/main" xmlns="" id="{0AC90256-6C1C-4BC5-ADE9-1063D262C409}"/>
                   </a:ext>
                 </a:extLst>
               </p:cNvPr>
@@ -13469,7 +13470,7 @@
               <p:cNvPr id="136" name="Rechte verbindingslijn 135">
                 <a:extLst>
                   <a:ext uri="{FF2B5EF4-FFF2-40B4-BE49-F238E27FC236}">
-                    <a16:creationId xmlns:a16="http://schemas.microsoft.com/office/drawing/2014/main" id="{1081E6FA-EFA8-4B4B-B1E9-B393318F5A7F}"/>
+                    <a16:creationId xmlns:a16="http://schemas.microsoft.com/office/drawing/2014/main" xmlns="" id="{1081E6FA-EFA8-4B4B-B1E9-B393318F5A7F}"/>
                   </a:ext>
                 </a:extLst>
               </p:cNvPr>
@@ -13510,7 +13511,7 @@
               <p:cNvPr id="137" name="Rechte verbindingslijn 136">
                 <a:extLst>
                   <a:ext uri="{FF2B5EF4-FFF2-40B4-BE49-F238E27FC236}">
-                    <a16:creationId xmlns:a16="http://schemas.microsoft.com/office/drawing/2014/main" id="{FD72FB31-33A8-43D4-9242-CAA5E8873B5C}"/>
+                    <a16:creationId xmlns:a16="http://schemas.microsoft.com/office/drawing/2014/main" xmlns="" id="{FD72FB31-33A8-43D4-9242-CAA5E8873B5C}"/>
                   </a:ext>
                 </a:extLst>
               </p:cNvPr>
@@ -13551,7 +13552,7 @@
               <p:cNvPr id="138" name="Rechte verbindingslijn 137">
                 <a:extLst>
                   <a:ext uri="{FF2B5EF4-FFF2-40B4-BE49-F238E27FC236}">
-                    <a16:creationId xmlns:a16="http://schemas.microsoft.com/office/drawing/2014/main" id="{A61E3744-FF59-4BF4-A9C5-BD96C92DE0CB}"/>
+                    <a16:creationId xmlns:a16="http://schemas.microsoft.com/office/drawing/2014/main" xmlns="" id="{A61E3744-FF59-4BF4-A9C5-BD96C92DE0CB}"/>
                   </a:ext>
                 </a:extLst>
               </p:cNvPr>
@@ -13594,7 +13595,7 @@
               <p:cNvPr id="139" name="Rechte verbindingslijn 138">
                 <a:extLst>
                   <a:ext uri="{FF2B5EF4-FFF2-40B4-BE49-F238E27FC236}">
-                    <a16:creationId xmlns:a16="http://schemas.microsoft.com/office/drawing/2014/main" id="{FCF1E2B3-A134-4703-AFF5-CB4A1B11AEB5}"/>
+                    <a16:creationId xmlns:a16="http://schemas.microsoft.com/office/drawing/2014/main" xmlns="" id="{FCF1E2B3-A134-4703-AFF5-CB4A1B11AEB5}"/>
                   </a:ext>
                 </a:extLst>
               </p:cNvPr>
@@ -13636,7 +13637,7 @@
             <p:cNvPr id="121" name="Groep 120">
               <a:extLst>
                 <a:ext uri="{FF2B5EF4-FFF2-40B4-BE49-F238E27FC236}">
-                  <a16:creationId xmlns:a16="http://schemas.microsoft.com/office/drawing/2014/main" id="{8F1869D9-8BBB-4005-AE84-F18126565C91}"/>
+                  <a16:creationId xmlns:a16="http://schemas.microsoft.com/office/drawing/2014/main" xmlns="" id="{8F1869D9-8BBB-4005-AE84-F18126565C91}"/>
                 </a:ext>
               </a:extLst>
             </p:cNvPr>
@@ -13656,7 +13657,7 @@
               <p:cNvPr id="132" name="Rechte verbindingslijn 131">
                 <a:extLst>
                   <a:ext uri="{FF2B5EF4-FFF2-40B4-BE49-F238E27FC236}">
-                    <a16:creationId xmlns:a16="http://schemas.microsoft.com/office/drawing/2014/main" id="{B35407BC-3A0A-4871-ABE2-7635D73EE27A}"/>
+                    <a16:creationId xmlns:a16="http://schemas.microsoft.com/office/drawing/2014/main" xmlns="" id="{B35407BC-3A0A-4871-ABE2-7635D73EE27A}"/>
                   </a:ext>
                 </a:extLst>
               </p:cNvPr>
@@ -13692,7 +13693,7 @@
               <p:cNvPr id="133" name="Rechte verbindingslijn 132">
                 <a:extLst>
                   <a:ext uri="{FF2B5EF4-FFF2-40B4-BE49-F238E27FC236}">
-                    <a16:creationId xmlns:a16="http://schemas.microsoft.com/office/drawing/2014/main" id="{4A7DA7F0-4EA0-4615-A981-EAA793ED84CA}"/>
+                    <a16:creationId xmlns:a16="http://schemas.microsoft.com/office/drawing/2014/main" xmlns="" id="{4A7DA7F0-4EA0-4615-A981-EAA793ED84CA}"/>
                   </a:ext>
                 </a:extLst>
               </p:cNvPr>
@@ -13728,7 +13729,7 @@
               <p:cNvPr id="140" name="Rechte verbindingslijn 139">
                 <a:extLst>
                   <a:ext uri="{FF2B5EF4-FFF2-40B4-BE49-F238E27FC236}">
-                    <a16:creationId xmlns:a16="http://schemas.microsoft.com/office/drawing/2014/main" id="{B40FAD36-FE8B-49FA-9E0D-C7105A0D722B}"/>
+                    <a16:creationId xmlns:a16="http://schemas.microsoft.com/office/drawing/2014/main" xmlns="" id="{B40FAD36-FE8B-49FA-9E0D-C7105A0D722B}"/>
                   </a:ext>
                 </a:extLst>
               </p:cNvPr>
@@ -13764,7 +13765,7 @@
               <p:cNvPr id="141" name="Rechte verbindingslijn 140">
                 <a:extLst>
                   <a:ext uri="{FF2B5EF4-FFF2-40B4-BE49-F238E27FC236}">
-                    <a16:creationId xmlns:a16="http://schemas.microsoft.com/office/drawing/2014/main" id="{33609692-1305-4544-8876-5DFA20670E10}"/>
+                    <a16:creationId xmlns:a16="http://schemas.microsoft.com/office/drawing/2014/main" xmlns="" id="{33609692-1305-4544-8876-5DFA20670E10}"/>
                   </a:ext>
                 </a:extLst>
               </p:cNvPr>
@@ -13801,7 +13802,7 @@
             <p:cNvPr id="122" name="Groep 121">
               <a:extLst>
                 <a:ext uri="{FF2B5EF4-FFF2-40B4-BE49-F238E27FC236}">
-                  <a16:creationId xmlns:a16="http://schemas.microsoft.com/office/drawing/2014/main" id="{4A7F239B-2923-4D2D-8479-D51DD89FCB0F}"/>
+                  <a16:creationId xmlns:a16="http://schemas.microsoft.com/office/drawing/2014/main" xmlns="" id="{4A7F239B-2923-4D2D-8479-D51DD89FCB0F}"/>
                 </a:ext>
               </a:extLst>
             </p:cNvPr>
@@ -13821,7 +13822,7 @@
               <p:cNvPr id="128" name="Groep 127">
                 <a:extLst>
                   <a:ext uri="{FF2B5EF4-FFF2-40B4-BE49-F238E27FC236}">
-                    <a16:creationId xmlns:a16="http://schemas.microsoft.com/office/drawing/2014/main" id="{BB7ADD08-1878-4651-9B40-3AB18C9114AB}"/>
+                    <a16:creationId xmlns:a16="http://schemas.microsoft.com/office/drawing/2014/main" xmlns="" id="{BB7ADD08-1878-4651-9B40-3AB18C9114AB}"/>
                   </a:ext>
                 </a:extLst>
               </p:cNvPr>
@@ -13841,7 +13842,7 @@
                 <p:cNvPr id="130" name="Rechte verbindingslijn 129">
                   <a:extLst>
                     <a:ext uri="{FF2B5EF4-FFF2-40B4-BE49-F238E27FC236}">
-                      <a16:creationId xmlns:a16="http://schemas.microsoft.com/office/drawing/2014/main" id="{6BF1EE04-CAC4-48AF-9A18-3EE7162EB488}"/>
+                      <a16:creationId xmlns:a16="http://schemas.microsoft.com/office/drawing/2014/main" xmlns="" id="{6BF1EE04-CAC4-48AF-9A18-3EE7162EB488}"/>
                     </a:ext>
                   </a:extLst>
                 </p:cNvPr>
@@ -13877,7 +13878,7 @@
                 <p:cNvPr id="131" name="Rechte verbindingslijn 130">
                   <a:extLst>
                     <a:ext uri="{FF2B5EF4-FFF2-40B4-BE49-F238E27FC236}">
-                      <a16:creationId xmlns:a16="http://schemas.microsoft.com/office/drawing/2014/main" id="{83064D72-53F3-4A68-82DC-151399CB8F7E}"/>
+                      <a16:creationId xmlns:a16="http://schemas.microsoft.com/office/drawing/2014/main" xmlns="" id="{83064D72-53F3-4A68-82DC-151399CB8F7E}"/>
                     </a:ext>
                   </a:extLst>
                 </p:cNvPr>
@@ -13914,7 +13915,7 @@
               <p:cNvPr id="129" name="Rechte verbindingslijn 128">
                 <a:extLst>
                   <a:ext uri="{FF2B5EF4-FFF2-40B4-BE49-F238E27FC236}">
-                    <a16:creationId xmlns:a16="http://schemas.microsoft.com/office/drawing/2014/main" id="{E96240FE-AE18-431E-8E75-FD44EFA4CB95}"/>
+                    <a16:creationId xmlns:a16="http://schemas.microsoft.com/office/drawing/2014/main" xmlns="" id="{E96240FE-AE18-431E-8E75-FD44EFA4CB95}"/>
                   </a:ext>
                 </a:extLst>
               </p:cNvPr>
@@ -13951,7 +13952,7 @@
             <p:cNvPr id="123" name="Groep 122">
               <a:extLst>
                 <a:ext uri="{FF2B5EF4-FFF2-40B4-BE49-F238E27FC236}">
-                  <a16:creationId xmlns:a16="http://schemas.microsoft.com/office/drawing/2014/main" id="{3205A8CD-C152-427D-9D0C-3F6344DC510E}"/>
+                  <a16:creationId xmlns:a16="http://schemas.microsoft.com/office/drawing/2014/main" xmlns="" id="{3205A8CD-C152-427D-9D0C-3F6344DC510E}"/>
                 </a:ext>
               </a:extLst>
             </p:cNvPr>
@@ -13971,7 +13972,7 @@
               <p:cNvPr id="124" name="Groep 123">
                 <a:extLst>
                   <a:ext uri="{FF2B5EF4-FFF2-40B4-BE49-F238E27FC236}">
-                    <a16:creationId xmlns:a16="http://schemas.microsoft.com/office/drawing/2014/main" id="{8E119295-F27D-46C0-93C2-A109CEB50170}"/>
+                    <a16:creationId xmlns:a16="http://schemas.microsoft.com/office/drawing/2014/main" xmlns="" id="{8E119295-F27D-46C0-93C2-A109CEB50170}"/>
                   </a:ext>
                 </a:extLst>
               </p:cNvPr>
@@ -13991,7 +13992,7 @@
                 <p:cNvPr id="126" name="Rechte verbindingslijn 125">
                   <a:extLst>
                     <a:ext uri="{FF2B5EF4-FFF2-40B4-BE49-F238E27FC236}">
-                      <a16:creationId xmlns:a16="http://schemas.microsoft.com/office/drawing/2014/main" id="{F673D4EF-E213-4C46-A2C5-B221CF6E9E55}"/>
+                      <a16:creationId xmlns:a16="http://schemas.microsoft.com/office/drawing/2014/main" xmlns="" id="{F673D4EF-E213-4C46-A2C5-B221CF6E9E55}"/>
                     </a:ext>
                   </a:extLst>
                 </p:cNvPr>
@@ -14027,7 +14028,7 @@
                 <p:cNvPr id="127" name="Rechte verbindingslijn 126">
                   <a:extLst>
                     <a:ext uri="{FF2B5EF4-FFF2-40B4-BE49-F238E27FC236}">
-                      <a16:creationId xmlns:a16="http://schemas.microsoft.com/office/drawing/2014/main" id="{A0BF6A06-39FD-4018-B73F-118838AFDB76}"/>
+                      <a16:creationId xmlns:a16="http://schemas.microsoft.com/office/drawing/2014/main" xmlns="" id="{A0BF6A06-39FD-4018-B73F-118838AFDB76}"/>
                     </a:ext>
                   </a:extLst>
                 </p:cNvPr>
@@ -14064,7 +14065,7 @@
               <p:cNvPr id="125" name="Rechte verbindingslijn 124">
                 <a:extLst>
                   <a:ext uri="{FF2B5EF4-FFF2-40B4-BE49-F238E27FC236}">
-                    <a16:creationId xmlns:a16="http://schemas.microsoft.com/office/drawing/2014/main" id="{08B5B755-9205-47C1-A7B1-69E4CF90FE95}"/>
+                    <a16:creationId xmlns:a16="http://schemas.microsoft.com/office/drawing/2014/main" xmlns="" id="{08B5B755-9205-47C1-A7B1-69E4CF90FE95}"/>
                   </a:ext>
                 </a:extLst>
               </p:cNvPr>
@@ -14102,7 +14103,7 @@
           <p:cNvPr id="110" name="Rounded Rectangle 7">
             <a:extLst>
               <a:ext uri="{FF2B5EF4-FFF2-40B4-BE49-F238E27FC236}">
-                <a16:creationId xmlns:a16="http://schemas.microsoft.com/office/drawing/2014/main" id="{49206924-63C7-439B-893E-2E5FD11B707B}"/>
+                <a16:creationId xmlns:a16="http://schemas.microsoft.com/office/drawing/2014/main" xmlns="" id="{49206924-63C7-439B-893E-2E5FD11B707B}"/>
               </a:ext>
             </a:extLst>
           </p:cNvPr>
@@ -14158,7 +14159,7 @@
           <p:cNvPr id="217" name="Picture 10">
             <a:extLst>
               <a:ext uri="{FF2B5EF4-FFF2-40B4-BE49-F238E27FC236}">
-                <a16:creationId xmlns:a16="http://schemas.microsoft.com/office/drawing/2014/main" id="{B45FE96A-77B6-496D-8E52-9388D495AE2A}"/>
+                <a16:creationId xmlns:a16="http://schemas.microsoft.com/office/drawing/2014/main" xmlns="" id="{B45FE96A-77B6-496D-8E52-9388D495AE2A}"/>
               </a:ext>
             </a:extLst>
           </p:cNvPr>
@@ -14249,7 +14250,7 @@
           <p:cNvPr id="39" name="Tijdelijke aanduiding voor verticale tekst 2">
             <a:extLst>
               <a:ext uri="{FF2B5EF4-FFF2-40B4-BE49-F238E27FC236}">
-                <a16:creationId xmlns:a16="http://schemas.microsoft.com/office/drawing/2014/main" id="{E7DE0271-DFDB-405B-962C-551A6C53674B}"/>
+                <a16:creationId xmlns:a16="http://schemas.microsoft.com/office/drawing/2014/main" xmlns="" id="{E7DE0271-DFDB-405B-962C-551A6C53674B}"/>
               </a:ext>
             </a:extLst>
           </p:cNvPr>
@@ -14349,7 +14350,7 @@
           <p:cNvPr id="42" name="Tijdelijke aanduiding voor verticale tekst 2">
             <a:extLst>
               <a:ext uri="{FF2B5EF4-FFF2-40B4-BE49-F238E27FC236}">
-                <a16:creationId xmlns:a16="http://schemas.microsoft.com/office/drawing/2014/main" id="{ED25C50A-F42A-40DA-BDF0-A567612DBFCB}"/>
+                <a16:creationId xmlns:a16="http://schemas.microsoft.com/office/drawing/2014/main" xmlns="" id="{ED25C50A-F42A-40DA-BDF0-A567612DBFCB}"/>
               </a:ext>
             </a:extLst>
           </p:cNvPr>
@@ -14484,7 +14485,7 @@
           <p:cNvPr id="43" name="Text Placeholder 5">
             <a:extLst>
               <a:ext uri="{FF2B5EF4-FFF2-40B4-BE49-F238E27FC236}">
-                <a16:creationId xmlns:a16="http://schemas.microsoft.com/office/drawing/2014/main" id="{87822D74-F32C-4568-85FB-2C7F5AFAAC49}"/>
+                <a16:creationId xmlns:a16="http://schemas.microsoft.com/office/drawing/2014/main" xmlns="" id="{87822D74-F32C-4568-85FB-2C7F5AFAAC49}"/>
               </a:ext>
             </a:extLst>
           </p:cNvPr>
@@ -14531,7 +14532,7 @@
           <p:cNvPr id="44" name="Title 1">
             <a:extLst>
               <a:ext uri="{FF2B5EF4-FFF2-40B4-BE49-F238E27FC236}">
-                <a16:creationId xmlns:a16="http://schemas.microsoft.com/office/drawing/2014/main" id="{74B2107D-8F02-440D-85F2-4F338FF22356}"/>
+                <a16:creationId xmlns:a16="http://schemas.microsoft.com/office/drawing/2014/main" xmlns="" id="{74B2107D-8F02-440D-85F2-4F338FF22356}"/>
               </a:ext>
             </a:extLst>
           </p:cNvPr>
@@ -14624,7 +14625,7 @@
           <p:cNvPr id="4" name="Object 3" hidden="1">
             <a:extLst>
               <a:ext uri="{FF2B5EF4-FFF2-40B4-BE49-F238E27FC236}">
-                <a16:creationId xmlns:a16="http://schemas.microsoft.com/office/drawing/2014/main" id="{4C98A293-DFC4-42B5-8BB6-E604CAA2FC5A}"/>
+                <a16:creationId xmlns:a16="http://schemas.microsoft.com/office/drawing/2014/main" xmlns="" id="{4C98A293-DFC4-42B5-8BB6-E604CAA2FC5A}"/>
               </a:ext>
             </a:extLst>
           </p:cNvPr>
@@ -14646,7 +14647,7 @@
           <a:graphicData uri="http://schemas.openxmlformats.org/presentationml/2006/ole">
             <mc:AlternateContent xmlns:mc="http://schemas.openxmlformats.org/markup-compatibility/2006">
               <mc:Choice xmlns:v="urn:schemas-microsoft-com:vml" Requires="v">
-                <p:oleObj spid="_x0000_s12295" name="think-cell Slide" r:id="rId5" imgW="592" imgH="591" progId="TCLayout.ActiveDocument.1">
+                <p:oleObj spid="_x0000_s12302" name="think-cell Slide" r:id="rId5" imgW="592" imgH="591" progId="TCLayout.ActiveDocument.1">
                   <p:embed/>
                 </p:oleObj>
               </mc:Choice>
@@ -14658,7 +14659,7 @@
                       <p:cNvPr id="4" name="Object 3" hidden="1">
                         <a:extLst>
                           <a:ext uri="{FF2B5EF4-FFF2-40B4-BE49-F238E27FC236}">
-                            <a16:creationId xmlns:a16="http://schemas.microsoft.com/office/drawing/2014/main" id="{4C98A293-DFC4-42B5-8BB6-E604CAA2FC5A}"/>
+                            <a16:creationId xmlns:a16="http://schemas.microsoft.com/office/drawing/2014/main" xmlns="" id="{4C98A293-DFC4-42B5-8BB6-E604CAA2FC5A}"/>
                           </a:ext>
                         </a:extLst>
                       </p:cNvPr>
@@ -14692,7 +14693,7 @@
           <p:cNvPr id="2" name="Rectangle 1" hidden="1">
             <a:extLst>
               <a:ext uri="{FF2B5EF4-FFF2-40B4-BE49-F238E27FC236}">
-                <a16:creationId xmlns:a16="http://schemas.microsoft.com/office/drawing/2014/main" id="{5DCDCCF1-DE2F-4B14-8D83-8297AA419810}"/>
+                <a16:creationId xmlns:a16="http://schemas.microsoft.com/office/drawing/2014/main" xmlns="" id="{5DCDCCF1-DE2F-4B14-8D83-8297AA419810}"/>
               </a:ext>
             </a:extLst>
           </p:cNvPr>
@@ -14814,7 +14815,7 @@
           <p:cNvPr id="9" name="Rounded Rectangle 7">
             <a:extLst>
               <a:ext uri="{FF2B5EF4-FFF2-40B4-BE49-F238E27FC236}">
-                <a16:creationId xmlns:a16="http://schemas.microsoft.com/office/drawing/2014/main" id="{9A0C6F21-36E5-4371-B6ED-CE151F0D8C55}"/>
+                <a16:creationId xmlns:a16="http://schemas.microsoft.com/office/drawing/2014/main" xmlns="" id="{9A0C6F21-36E5-4371-B6ED-CE151F0D8C55}"/>
               </a:ext>
             </a:extLst>
           </p:cNvPr>
@@ -14868,7 +14869,7 @@
           <p:cNvPr id="11" name="Tijdelijke aanduiding voor verticale tekst 2">
             <a:extLst>
               <a:ext uri="{FF2B5EF4-FFF2-40B4-BE49-F238E27FC236}">
-                <a16:creationId xmlns:a16="http://schemas.microsoft.com/office/drawing/2014/main" id="{AC62E099-5D50-43CE-AC85-EFF2806DB36C}"/>
+                <a16:creationId xmlns:a16="http://schemas.microsoft.com/office/drawing/2014/main" xmlns="" id="{AC62E099-5D50-43CE-AC85-EFF2806DB36C}"/>
               </a:ext>
             </a:extLst>
           </p:cNvPr>
@@ -14968,7 +14969,7 @@
           <p:cNvPr id="222" name="Picture 10">
             <a:extLst>
               <a:ext uri="{FF2B5EF4-FFF2-40B4-BE49-F238E27FC236}">
-                <a16:creationId xmlns:a16="http://schemas.microsoft.com/office/drawing/2014/main" id="{9681D520-161E-42FB-BF95-D1F88AA78C3D}"/>
+                <a16:creationId xmlns:a16="http://schemas.microsoft.com/office/drawing/2014/main" xmlns="" id="{9681D520-161E-42FB-BF95-D1F88AA78C3D}"/>
               </a:ext>
             </a:extLst>
           </p:cNvPr>
@@ -15004,7 +15005,7 @@
           <p:cNvPr id="18" name="Tijdelijke aanduiding voor verticale tekst 2">
             <a:extLst>
               <a:ext uri="{FF2B5EF4-FFF2-40B4-BE49-F238E27FC236}">
-                <a16:creationId xmlns:a16="http://schemas.microsoft.com/office/drawing/2014/main" id="{61A0EA42-27DC-4031-A126-75343F97BAA5}"/>
+                <a16:creationId xmlns:a16="http://schemas.microsoft.com/office/drawing/2014/main" xmlns="" id="{61A0EA42-27DC-4031-A126-75343F97BAA5}"/>
               </a:ext>
             </a:extLst>
           </p:cNvPr>
@@ -15139,7 +15140,7 @@
           <p:cNvPr id="16" name="Text Placeholder 5">
             <a:extLst>
               <a:ext uri="{FF2B5EF4-FFF2-40B4-BE49-F238E27FC236}">
-                <a16:creationId xmlns:a16="http://schemas.microsoft.com/office/drawing/2014/main" id="{15F8978B-78E4-4C09-9443-5519F1D844D1}"/>
+                <a16:creationId xmlns:a16="http://schemas.microsoft.com/office/drawing/2014/main" xmlns="" id="{15F8978B-78E4-4C09-9443-5519F1D844D1}"/>
               </a:ext>
             </a:extLst>
           </p:cNvPr>
@@ -15186,7 +15187,7 @@
           <p:cNvPr id="19" name="Title 1">
             <a:extLst>
               <a:ext uri="{FF2B5EF4-FFF2-40B4-BE49-F238E27FC236}">
-                <a16:creationId xmlns:a16="http://schemas.microsoft.com/office/drawing/2014/main" id="{205E8325-F8D2-4EFE-BBDF-624B987CFDC0}"/>
+                <a16:creationId xmlns:a16="http://schemas.microsoft.com/office/drawing/2014/main" xmlns="" id="{205E8325-F8D2-4EFE-BBDF-624B987CFDC0}"/>
               </a:ext>
             </a:extLst>
           </p:cNvPr>
@@ -15279,7 +15280,7 @@
           <p:cNvPr id="4" name="Object 3" hidden="1">
             <a:extLst>
               <a:ext uri="{FF2B5EF4-FFF2-40B4-BE49-F238E27FC236}">
-                <a16:creationId xmlns:a16="http://schemas.microsoft.com/office/drawing/2014/main" id="{4C98A293-DFC4-42B5-8BB6-E604CAA2FC5A}"/>
+                <a16:creationId xmlns:a16="http://schemas.microsoft.com/office/drawing/2014/main" xmlns="" id="{4C98A293-DFC4-42B5-8BB6-E604CAA2FC5A}"/>
               </a:ext>
             </a:extLst>
           </p:cNvPr>
@@ -15301,7 +15302,7 @@
           <a:graphicData uri="http://schemas.openxmlformats.org/presentationml/2006/ole">
             <mc:AlternateContent xmlns:mc="http://schemas.openxmlformats.org/markup-compatibility/2006">
               <mc:Choice xmlns:v="urn:schemas-microsoft-com:vml" Requires="v">
-                <p:oleObj spid="_x0000_s13319" name="think-cell Slide" r:id="rId5" imgW="592" imgH="591" progId="TCLayout.ActiveDocument.1">
+                <p:oleObj spid="_x0000_s13326" name="think-cell Slide" r:id="rId5" imgW="592" imgH="591" progId="TCLayout.ActiveDocument.1">
                   <p:embed/>
                 </p:oleObj>
               </mc:Choice>
@@ -15313,7 +15314,7 @@
                       <p:cNvPr id="4" name="Object 3" hidden="1">
                         <a:extLst>
                           <a:ext uri="{FF2B5EF4-FFF2-40B4-BE49-F238E27FC236}">
-                            <a16:creationId xmlns:a16="http://schemas.microsoft.com/office/drawing/2014/main" id="{4C98A293-DFC4-42B5-8BB6-E604CAA2FC5A}"/>
+                            <a16:creationId xmlns:a16="http://schemas.microsoft.com/office/drawing/2014/main" xmlns="" id="{4C98A293-DFC4-42B5-8BB6-E604CAA2FC5A}"/>
                           </a:ext>
                         </a:extLst>
                       </p:cNvPr>
@@ -15347,7 +15348,7 @@
           <p:cNvPr id="2" name="Rectangle 1" hidden="1">
             <a:extLst>
               <a:ext uri="{FF2B5EF4-FFF2-40B4-BE49-F238E27FC236}">
-                <a16:creationId xmlns:a16="http://schemas.microsoft.com/office/drawing/2014/main" id="{5DCDCCF1-DE2F-4B14-8D83-8297AA419810}"/>
+                <a16:creationId xmlns:a16="http://schemas.microsoft.com/office/drawing/2014/main" xmlns="" id="{5DCDCCF1-DE2F-4B14-8D83-8297AA419810}"/>
               </a:ext>
             </a:extLst>
           </p:cNvPr>
@@ -15469,7 +15470,7 @@
           <p:cNvPr id="9" name="Rounded Rectangle 7">
             <a:extLst>
               <a:ext uri="{FF2B5EF4-FFF2-40B4-BE49-F238E27FC236}">
-                <a16:creationId xmlns:a16="http://schemas.microsoft.com/office/drawing/2014/main" id="{9A0C6F21-36E5-4371-B6ED-CE151F0D8C55}"/>
+                <a16:creationId xmlns:a16="http://schemas.microsoft.com/office/drawing/2014/main" xmlns="" id="{9A0C6F21-36E5-4371-B6ED-CE151F0D8C55}"/>
               </a:ext>
             </a:extLst>
           </p:cNvPr>
@@ -15523,7 +15524,7 @@
           <p:cNvPr id="11" name="Tijdelijke aanduiding voor verticale tekst 2">
             <a:extLst>
               <a:ext uri="{FF2B5EF4-FFF2-40B4-BE49-F238E27FC236}">
-                <a16:creationId xmlns:a16="http://schemas.microsoft.com/office/drawing/2014/main" id="{AC62E099-5D50-43CE-AC85-EFF2806DB36C}"/>
+                <a16:creationId xmlns:a16="http://schemas.microsoft.com/office/drawing/2014/main" xmlns="" id="{AC62E099-5D50-43CE-AC85-EFF2806DB36C}"/>
               </a:ext>
             </a:extLst>
           </p:cNvPr>
@@ -15623,7 +15624,7 @@
           <p:cNvPr id="222" name="Picture 10">
             <a:extLst>
               <a:ext uri="{FF2B5EF4-FFF2-40B4-BE49-F238E27FC236}">
-                <a16:creationId xmlns:a16="http://schemas.microsoft.com/office/drawing/2014/main" id="{9681D520-161E-42FB-BF95-D1F88AA78C3D}"/>
+                <a16:creationId xmlns:a16="http://schemas.microsoft.com/office/drawing/2014/main" xmlns="" id="{9681D520-161E-42FB-BF95-D1F88AA78C3D}"/>
               </a:ext>
             </a:extLst>
           </p:cNvPr>
@@ -15659,7 +15660,7 @@
           <p:cNvPr id="17" name="Tijdelijke aanduiding voor verticale tekst 2">
             <a:extLst>
               <a:ext uri="{FF2B5EF4-FFF2-40B4-BE49-F238E27FC236}">
-                <a16:creationId xmlns:a16="http://schemas.microsoft.com/office/drawing/2014/main" id="{BCE838F5-5269-49ED-ADB9-B3EFC9B81FEE}"/>
+                <a16:creationId xmlns:a16="http://schemas.microsoft.com/office/drawing/2014/main" xmlns="" id="{BCE838F5-5269-49ED-ADB9-B3EFC9B81FEE}"/>
               </a:ext>
             </a:extLst>
           </p:cNvPr>
@@ -15794,7 +15795,7 @@
           <p:cNvPr id="18" name="Text Placeholder 5">
             <a:extLst>
               <a:ext uri="{FF2B5EF4-FFF2-40B4-BE49-F238E27FC236}">
-                <a16:creationId xmlns:a16="http://schemas.microsoft.com/office/drawing/2014/main" id="{AEC58F36-D463-46EA-9CB3-57A9E3E1F03D}"/>
+                <a16:creationId xmlns:a16="http://schemas.microsoft.com/office/drawing/2014/main" xmlns="" id="{AEC58F36-D463-46EA-9CB3-57A9E3E1F03D}"/>
               </a:ext>
             </a:extLst>
           </p:cNvPr>
@@ -15841,7 +15842,7 @@
           <p:cNvPr id="19" name="Title 1">
             <a:extLst>
               <a:ext uri="{FF2B5EF4-FFF2-40B4-BE49-F238E27FC236}">
-                <a16:creationId xmlns:a16="http://schemas.microsoft.com/office/drawing/2014/main" id="{94242D3D-AF58-4DBC-91BF-1787BDCCD6B0}"/>
+                <a16:creationId xmlns:a16="http://schemas.microsoft.com/office/drawing/2014/main" xmlns="" id="{94242D3D-AF58-4DBC-91BF-1787BDCCD6B0}"/>
               </a:ext>
             </a:extLst>
           </p:cNvPr>
@@ -15934,7 +15935,7 @@
           <p:cNvPr id="2" name="Object 1" hidden="1">
             <a:extLst>
               <a:ext uri="{FF2B5EF4-FFF2-40B4-BE49-F238E27FC236}">
-                <a16:creationId xmlns:a16="http://schemas.microsoft.com/office/drawing/2014/main" id="{2C517757-3612-4F7E-8F53-EC7D82AABEBC}"/>
+                <a16:creationId xmlns:a16="http://schemas.microsoft.com/office/drawing/2014/main" xmlns="" id="{2C517757-3612-4F7E-8F53-EC7D82AABEBC}"/>
               </a:ext>
             </a:extLst>
           </p:cNvPr>
@@ -15956,7 +15957,7 @@
           <a:graphicData uri="http://schemas.openxmlformats.org/presentationml/2006/ole">
             <mc:AlternateContent xmlns:mc="http://schemas.openxmlformats.org/markup-compatibility/2006">
               <mc:Choice xmlns:v="urn:schemas-microsoft-com:vml" Requires="v">
-                <p:oleObj spid="_x0000_s14343" name="think-cell Slide" r:id="rId5" imgW="592" imgH="591" progId="TCLayout.ActiveDocument.1">
+                <p:oleObj spid="_x0000_s14350" name="think-cell Slide" r:id="rId5" imgW="592" imgH="591" progId="TCLayout.ActiveDocument.1">
                   <p:embed/>
                 </p:oleObj>
               </mc:Choice>
@@ -15968,7 +15969,7 @@
                       <p:cNvPr id="2" name="Object 1" hidden="1">
                         <a:extLst>
                           <a:ext uri="{FF2B5EF4-FFF2-40B4-BE49-F238E27FC236}">
-                            <a16:creationId xmlns:a16="http://schemas.microsoft.com/office/drawing/2014/main" id="{2C517757-3612-4F7E-8F53-EC7D82AABEBC}"/>
+                            <a16:creationId xmlns:a16="http://schemas.microsoft.com/office/drawing/2014/main" xmlns="" id="{2C517757-3612-4F7E-8F53-EC7D82AABEBC}"/>
                           </a:ext>
                         </a:extLst>
                       </p:cNvPr>
@@ -16002,7 +16003,7 @@
           <p:cNvPr id="3" name="Rectangle 2" hidden="1">
             <a:extLst>
               <a:ext uri="{FF2B5EF4-FFF2-40B4-BE49-F238E27FC236}">
-                <a16:creationId xmlns:a16="http://schemas.microsoft.com/office/drawing/2014/main" id="{42B190B2-308C-4C6B-81D4-0416B05007DC}"/>
+                <a16:creationId xmlns:a16="http://schemas.microsoft.com/office/drawing/2014/main" xmlns="" id="{42B190B2-308C-4C6B-81D4-0416B05007DC}"/>
               </a:ext>
             </a:extLst>
           </p:cNvPr>
@@ -16069,7 +16070,7 @@
           <p:cNvPr id="119" name="Groep 118" hidden="1">
             <a:extLst>
               <a:ext uri="{FF2B5EF4-FFF2-40B4-BE49-F238E27FC236}">
-                <a16:creationId xmlns:a16="http://schemas.microsoft.com/office/drawing/2014/main" id="{77504D76-9C51-44CF-917A-242E1D3D92BE}"/>
+                <a16:creationId xmlns:a16="http://schemas.microsoft.com/office/drawing/2014/main" xmlns="" id="{77504D76-9C51-44CF-917A-242E1D3D92BE}"/>
               </a:ext>
             </a:extLst>
           </p:cNvPr>
@@ -16089,7 +16090,7 @@
             <p:cNvPr id="120" name="Groep 119">
               <a:extLst>
                 <a:ext uri="{FF2B5EF4-FFF2-40B4-BE49-F238E27FC236}">
-                  <a16:creationId xmlns:a16="http://schemas.microsoft.com/office/drawing/2014/main" id="{F31D955F-D8DC-4E02-BFCD-CE3FA62E80A1}"/>
+                  <a16:creationId xmlns:a16="http://schemas.microsoft.com/office/drawing/2014/main" xmlns="" id="{F31D955F-D8DC-4E02-BFCD-CE3FA62E80A1}"/>
                 </a:ext>
               </a:extLst>
             </p:cNvPr>
@@ -16109,7 +16110,7 @@
               <p:cNvPr id="134" name="Rechte verbindingslijn 133">
                 <a:extLst>
                   <a:ext uri="{FF2B5EF4-FFF2-40B4-BE49-F238E27FC236}">
-                    <a16:creationId xmlns:a16="http://schemas.microsoft.com/office/drawing/2014/main" id="{F3355427-16F0-4ED8-A310-E1FB8ED85E4D}"/>
+                    <a16:creationId xmlns:a16="http://schemas.microsoft.com/office/drawing/2014/main" xmlns="" id="{F3355427-16F0-4ED8-A310-E1FB8ED85E4D}"/>
                   </a:ext>
                 </a:extLst>
               </p:cNvPr>
@@ -16145,7 +16146,7 @@
               <p:cNvPr id="135" name="Rechte verbindingslijn 134">
                 <a:extLst>
                   <a:ext uri="{FF2B5EF4-FFF2-40B4-BE49-F238E27FC236}">
-                    <a16:creationId xmlns:a16="http://schemas.microsoft.com/office/drawing/2014/main" id="{0AC90256-6C1C-4BC5-ADE9-1063D262C409}"/>
+                    <a16:creationId xmlns:a16="http://schemas.microsoft.com/office/drawing/2014/main" xmlns="" id="{0AC90256-6C1C-4BC5-ADE9-1063D262C409}"/>
                   </a:ext>
                 </a:extLst>
               </p:cNvPr>
@@ -16181,7 +16182,7 @@
               <p:cNvPr id="136" name="Rechte verbindingslijn 135">
                 <a:extLst>
                   <a:ext uri="{FF2B5EF4-FFF2-40B4-BE49-F238E27FC236}">
-                    <a16:creationId xmlns:a16="http://schemas.microsoft.com/office/drawing/2014/main" id="{1081E6FA-EFA8-4B4B-B1E9-B393318F5A7F}"/>
+                    <a16:creationId xmlns:a16="http://schemas.microsoft.com/office/drawing/2014/main" xmlns="" id="{1081E6FA-EFA8-4B4B-B1E9-B393318F5A7F}"/>
                   </a:ext>
                 </a:extLst>
               </p:cNvPr>
@@ -16222,7 +16223,7 @@
               <p:cNvPr id="137" name="Rechte verbindingslijn 136">
                 <a:extLst>
                   <a:ext uri="{FF2B5EF4-FFF2-40B4-BE49-F238E27FC236}">
-                    <a16:creationId xmlns:a16="http://schemas.microsoft.com/office/drawing/2014/main" id="{FD72FB31-33A8-43D4-9242-CAA5E8873B5C}"/>
+                    <a16:creationId xmlns:a16="http://schemas.microsoft.com/office/drawing/2014/main" xmlns="" id="{FD72FB31-33A8-43D4-9242-CAA5E8873B5C}"/>
                   </a:ext>
                 </a:extLst>
               </p:cNvPr>
@@ -16263,7 +16264,7 @@
               <p:cNvPr id="138" name="Rechte verbindingslijn 137">
                 <a:extLst>
                   <a:ext uri="{FF2B5EF4-FFF2-40B4-BE49-F238E27FC236}">
-                    <a16:creationId xmlns:a16="http://schemas.microsoft.com/office/drawing/2014/main" id="{A61E3744-FF59-4BF4-A9C5-BD96C92DE0CB}"/>
+                    <a16:creationId xmlns:a16="http://schemas.microsoft.com/office/drawing/2014/main" xmlns="" id="{A61E3744-FF59-4BF4-A9C5-BD96C92DE0CB}"/>
                   </a:ext>
                 </a:extLst>
               </p:cNvPr>
@@ -16306,7 +16307,7 @@
               <p:cNvPr id="139" name="Rechte verbindingslijn 138">
                 <a:extLst>
                   <a:ext uri="{FF2B5EF4-FFF2-40B4-BE49-F238E27FC236}">
-                    <a16:creationId xmlns:a16="http://schemas.microsoft.com/office/drawing/2014/main" id="{FCF1E2B3-A134-4703-AFF5-CB4A1B11AEB5}"/>
+                    <a16:creationId xmlns:a16="http://schemas.microsoft.com/office/drawing/2014/main" xmlns="" id="{FCF1E2B3-A134-4703-AFF5-CB4A1B11AEB5}"/>
                   </a:ext>
                 </a:extLst>
               </p:cNvPr>
@@ -16348,7 +16349,7 @@
             <p:cNvPr id="121" name="Groep 120">
               <a:extLst>
                 <a:ext uri="{FF2B5EF4-FFF2-40B4-BE49-F238E27FC236}">
-                  <a16:creationId xmlns:a16="http://schemas.microsoft.com/office/drawing/2014/main" id="{8F1869D9-8BBB-4005-AE84-F18126565C91}"/>
+                  <a16:creationId xmlns:a16="http://schemas.microsoft.com/office/drawing/2014/main" xmlns="" id="{8F1869D9-8BBB-4005-AE84-F18126565C91}"/>
                 </a:ext>
               </a:extLst>
             </p:cNvPr>
@@ -16368,7 +16369,7 @@
               <p:cNvPr id="132" name="Rechte verbindingslijn 131">
                 <a:extLst>
                   <a:ext uri="{FF2B5EF4-FFF2-40B4-BE49-F238E27FC236}">
-                    <a16:creationId xmlns:a16="http://schemas.microsoft.com/office/drawing/2014/main" id="{B35407BC-3A0A-4871-ABE2-7635D73EE27A}"/>
+                    <a16:creationId xmlns:a16="http://schemas.microsoft.com/office/drawing/2014/main" xmlns="" id="{B35407BC-3A0A-4871-ABE2-7635D73EE27A}"/>
                   </a:ext>
                 </a:extLst>
               </p:cNvPr>
@@ -16404,7 +16405,7 @@
               <p:cNvPr id="133" name="Rechte verbindingslijn 132">
                 <a:extLst>
                   <a:ext uri="{FF2B5EF4-FFF2-40B4-BE49-F238E27FC236}">
-                    <a16:creationId xmlns:a16="http://schemas.microsoft.com/office/drawing/2014/main" id="{4A7DA7F0-4EA0-4615-A981-EAA793ED84CA}"/>
+                    <a16:creationId xmlns:a16="http://schemas.microsoft.com/office/drawing/2014/main" xmlns="" id="{4A7DA7F0-4EA0-4615-A981-EAA793ED84CA}"/>
                   </a:ext>
                 </a:extLst>
               </p:cNvPr>
@@ -16440,7 +16441,7 @@
               <p:cNvPr id="140" name="Rechte verbindingslijn 139">
                 <a:extLst>
                   <a:ext uri="{FF2B5EF4-FFF2-40B4-BE49-F238E27FC236}">
-                    <a16:creationId xmlns:a16="http://schemas.microsoft.com/office/drawing/2014/main" id="{B40FAD36-FE8B-49FA-9E0D-C7105A0D722B}"/>
+                    <a16:creationId xmlns:a16="http://schemas.microsoft.com/office/drawing/2014/main" xmlns="" id="{B40FAD36-FE8B-49FA-9E0D-C7105A0D722B}"/>
                   </a:ext>
                 </a:extLst>
               </p:cNvPr>
@@ -16476,7 +16477,7 @@
               <p:cNvPr id="141" name="Rechte verbindingslijn 140">
                 <a:extLst>
                   <a:ext uri="{FF2B5EF4-FFF2-40B4-BE49-F238E27FC236}">
-                    <a16:creationId xmlns:a16="http://schemas.microsoft.com/office/drawing/2014/main" id="{33609692-1305-4544-8876-5DFA20670E10}"/>
+                    <a16:creationId xmlns:a16="http://schemas.microsoft.com/office/drawing/2014/main" xmlns="" id="{33609692-1305-4544-8876-5DFA20670E10}"/>
                   </a:ext>
                 </a:extLst>
               </p:cNvPr>
@@ -16513,7 +16514,7 @@
             <p:cNvPr id="122" name="Groep 121">
               <a:extLst>
                 <a:ext uri="{FF2B5EF4-FFF2-40B4-BE49-F238E27FC236}">
-                  <a16:creationId xmlns:a16="http://schemas.microsoft.com/office/drawing/2014/main" id="{4A7F239B-2923-4D2D-8479-D51DD89FCB0F}"/>
+                  <a16:creationId xmlns:a16="http://schemas.microsoft.com/office/drawing/2014/main" xmlns="" id="{4A7F239B-2923-4D2D-8479-D51DD89FCB0F}"/>
                 </a:ext>
               </a:extLst>
             </p:cNvPr>
@@ -16533,7 +16534,7 @@
               <p:cNvPr id="128" name="Groep 127">
                 <a:extLst>
                   <a:ext uri="{FF2B5EF4-FFF2-40B4-BE49-F238E27FC236}">
-                    <a16:creationId xmlns:a16="http://schemas.microsoft.com/office/drawing/2014/main" id="{BB7ADD08-1878-4651-9B40-3AB18C9114AB}"/>
+                    <a16:creationId xmlns:a16="http://schemas.microsoft.com/office/drawing/2014/main" xmlns="" id="{BB7ADD08-1878-4651-9B40-3AB18C9114AB}"/>
                   </a:ext>
                 </a:extLst>
               </p:cNvPr>
@@ -16553,7 +16554,7 @@
                 <p:cNvPr id="130" name="Rechte verbindingslijn 129">
                   <a:extLst>
                     <a:ext uri="{FF2B5EF4-FFF2-40B4-BE49-F238E27FC236}">
-                      <a16:creationId xmlns:a16="http://schemas.microsoft.com/office/drawing/2014/main" id="{6BF1EE04-CAC4-48AF-9A18-3EE7162EB488}"/>
+                      <a16:creationId xmlns:a16="http://schemas.microsoft.com/office/drawing/2014/main" xmlns="" id="{6BF1EE04-CAC4-48AF-9A18-3EE7162EB488}"/>
                     </a:ext>
                   </a:extLst>
                 </p:cNvPr>
@@ -16589,7 +16590,7 @@
                 <p:cNvPr id="131" name="Rechte verbindingslijn 130">
                   <a:extLst>
                     <a:ext uri="{FF2B5EF4-FFF2-40B4-BE49-F238E27FC236}">
-                      <a16:creationId xmlns:a16="http://schemas.microsoft.com/office/drawing/2014/main" id="{83064D72-53F3-4A68-82DC-151399CB8F7E}"/>
+                      <a16:creationId xmlns:a16="http://schemas.microsoft.com/office/drawing/2014/main" xmlns="" id="{83064D72-53F3-4A68-82DC-151399CB8F7E}"/>
                     </a:ext>
                   </a:extLst>
                 </p:cNvPr>
@@ -16626,7 +16627,7 @@
               <p:cNvPr id="129" name="Rechte verbindingslijn 128">
                 <a:extLst>
                   <a:ext uri="{FF2B5EF4-FFF2-40B4-BE49-F238E27FC236}">
-                    <a16:creationId xmlns:a16="http://schemas.microsoft.com/office/drawing/2014/main" id="{E96240FE-AE18-431E-8E75-FD44EFA4CB95}"/>
+                    <a16:creationId xmlns:a16="http://schemas.microsoft.com/office/drawing/2014/main" xmlns="" id="{E96240FE-AE18-431E-8E75-FD44EFA4CB95}"/>
                   </a:ext>
                 </a:extLst>
               </p:cNvPr>
@@ -16663,7 +16664,7 @@
             <p:cNvPr id="123" name="Groep 122">
               <a:extLst>
                 <a:ext uri="{FF2B5EF4-FFF2-40B4-BE49-F238E27FC236}">
-                  <a16:creationId xmlns:a16="http://schemas.microsoft.com/office/drawing/2014/main" id="{3205A8CD-C152-427D-9D0C-3F6344DC510E}"/>
+                  <a16:creationId xmlns:a16="http://schemas.microsoft.com/office/drawing/2014/main" xmlns="" id="{3205A8CD-C152-427D-9D0C-3F6344DC510E}"/>
                 </a:ext>
               </a:extLst>
             </p:cNvPr>
@@ -16683,7 +16684,7 @@
               <p:cNvPr id="124" name="Groep 123">
                 <a:extLst>
                   <a:ext uri="{FF2B5EF4-FFF2-40B4-BE49-F238E27FC236}">
-                    <a16:creationId xmlns:a16="http://schemas.microsoft.com/office/drawing/2014/main" id="{8E119295-F27D-46C0-93C2-A109CEB50170}"/>
+                    <a16:creationId xmlns:a16="http://schemas.microsoft.com/office/drawing/2014/main" xmlns="" id="{8E119295-F27D-46C0-93C2-A109CEB50170}"/>
                   </a:ext>
                 </a:extLst>
               </p:cNvPr>
@@ -16703,7 +16704,7 @@
                 <p:cNvPr id="126" name="Rechte verbindingslijn 125">
                   <a:extLst>
                     <a:ext uri="{FF2B5EF4-FFF2-40B4-BE49-F238E27FC236}">
-                      <a16:creationId xmlns:a16="http://schemas.microsoft.com/office/drawing/2014/main" id="{F673D4EF-E213-4C46-A2C5-B221CF6E9E55}"/>
+                      <a16:creationId xmlns:a16="http://schemas.microsoft.com/office/drawing/2014/main" xmlns="" id="{F673D4EF-E213-4C46-A2C5-B221CF6E9E55}"/>
                     </a:ext>
                   </a:extLst>
                 </p:cNvPr>
@@ -16739,7 +16740,7 @@
                 <p:cNvPr id="127" name="Rechte verbindingslijn 126">
                   <a:extLst>
                     <a:ext uri="{FF2B5EF4-FFF2-40B4-BE49-F238E27FC236}">
-                      <a16:creationId xmlns:a16="http://schemas.microsoft.com/office/drawing/2014/main" id="{A0BF6A06-39FD-4018-B73F-118838AFDB76}"/>
+                      <a16:creationId xmlns:a16="http://schemas.microsoft.com/office/drawing/2014/main" xmlns="" id="{A0BF6A06-39FD-4018-B73F-118838AFDB76}"/>
                     </a:ext>
                   </a:extLst>
                 </p:cNvPr>
@@ -16776,7 +16777,7 @@
               <p:cNvPr id="125" name="Rechte verbindingslijn 124">
                 <a:extLst>
                   <a:ext uri="{FF2B5EF4-FFF2-40B4-BE49-F238E27FC236}">
-                    <a16:creationId xmlns:a16="http://schemas.microsoft.com/office/drawing/2014/main" id="{08B5B755-9205-47C1-A7B1-69E4CF90FE95}"/>
+                    <a16:creationId xmlns:a16="http://schemas.microsoft.com/office/drawing/2014/main" xmlns="" id="{08B5B755-9205-47C1-A7B1-69E4CF90FE95}"/>
                   </a:ext>
                 </a:extLst>
               </p:cNvPr>
@@ -16814,7 +16815,7 @@
           <p:cNvPr id="110" name="Rounded Rectangle 7">
             <a:extLst>
               <a:ext uri="{FF2B5EF4-FFF2-40B4-BE49-F238E27FC236}">
-                <a16:creationId xmlns:a16="http://schemas.microsoft.com/office/drawing/2014/main" id="{49206924-63C7-439B-893E-2E5FD11B707B}"/>
+                <a16:creationId xmlns:a16="http://schemas.microsoft.com/office/drawing/2014/main" xmlns="" id="{49206924-63C7-439B-893E-2E5FD11B707B}"/>
               </a:ext>
             </a:extLst>
           </p:cNvPr>
@@ -16868,7 +16869,7 @@
           <p:cNvPr id="217" name="Picture 10">
             <a:extLst>
               <a:ext uri="{FF2B5EF4-FFF2-40B4-BE49-F238E27FC236}">
-                <a16:creationId xmlns:a16="http://schemas.microsoft.com/office/drawing/2014/main" id="{B45FE96A-77B6-496D-8E52-9388D495AE2A}"/>
+                <a16:creationId xmlns:a16="http://schemas.microsoft.com/office/drawing/2014/main" xmlns="" id="{B45FE96A-77B6-496D-8E52-9388D495AE2A}"/>
               </a:ext>
             </a:extLst>
           </p:cNvPr>
@@ -16959,7 +16960,7 @@
           <p:cNvPr id="39" name="Tijdelijke aanduiding voor verticale tekst 2">
             <a:extLst>
               <a:ext uri="{FF2B5EF4-FFF2-40B4-BE49-F238E27FC236}">
-                <a16:creationId xmlns:a16="http://schemas.microsoft.com/office/drawing/2014/main" id="{E7DE0271-DFDB-405B-962C-551A6C53674B}"/>
+                <a16:creationId xmlns:a16="http://schemas.microsoft.com/office/drawing/2014/main" xmlns="" id="{E7DE0271-DFDB-405B-962C-551A6C53674B}"/>
               </a:ext>
             </a:extLst>
           </p:cNvPr>
@@ -17059,7 +17060,7 @@
           <p:cNvPr id="33" name="Tijdelijke aanduiding voor grafiek 12">
             <a:extLst>
               <a:ext uri="{FF2B5EF4-FFF2-40B4-BE49-F238E27FC236}">
-                <a16:creationId xmlns:a16="http://schemas.microsoft.com/office/drawing/2014/main" id="{BB9DE0E2-58A3-473F-8A22-62189674A19E}"/>
+                <a16:creationId xmlns:a16="http://schemas.microsoft.com/office/drawing/2014/main" xmlns="" id="{BB9DE0E2-58A3-473F-8A22-62189674A19E}"/>
               </a:ext>
             </a:extLst>
           </p:cNvPr>
@@ -17121,7 +17122,7 @@
           <p:cNvPr id="36" name="Text Placeholder 5">
             <a:extLst>
               <a:ext uri="{FF2B5EF4-FFF2-40B4-BE49-F238E27FC236}">
-                <a16:creationId xmlns:a16="http://schemas.microsoft.com/office/drawing/2014/main" id="{62DD76D0-C0F2-48C6-93FC-B389F75F196D}"/>
+                <a16:creationId xmlns:a16="http://schemas.microsoft.com/office/drawing/2014/main" xmlns="" id="{62DD76D0-C0F2-48C6-93FC-B389F75F196D}"/>
               </a:ext>
             </a:extLst>
           </p:cNvPr>
@@ -17168,7 +17169,7 @@
           <p:cNvPr id="41" name="Title 1">
             <a:extLst>
               <a:ext uri="{FF2B5EF4-FFF2-40B4-BE49-F238E27FC236}">
-                <a16:creationId xmlns:a16="http://schemas.microsoft.com/office/drawing/2014/main" id="{8D49EC70-9316-4312-8191-3EAA7336EC2C}"/>
+                <a16:creationId xmlns:a16="http://schemas.microsoft.com/office/drawing/2014/main" xmlns="" id="{8D49EC70-9316-4312-8191-3EAA7336EC2C}"/>
               </a:ext>
             </a:extLst>
           </p:cNvPr>
@@ -17261,7 +17262,7 @@
           <p:cNvPr id="2" name="Object 1" hidden="1">
             <a:extLst>
               <a:ext uri="{FF2B5EF4-FFF2-40B4-BE49-F238E27FC236}">
-                <a16:creationId xmlns:a16="http://schemas.microsoft.com/office/drawing/2014/main" id="{6CD55E24-8724-45BE-B974-D7BECE5F02F0}"/>
+                <a16:creationId xmlns:a16="http://schemas.microsoft.com/office/drawing/2014/main" xmlns="" id="{6CD55E24-8724-45BE-B974-D7BECE5F02F0}"/>
               </a:ext>
             </a:extLst>
           </p:cNvPr>
@@ -17283,7 +17284,7 @@
           <a:graphicData uri="http://schemas.openxmlformats.org/presentationml/2006/ole">
             <mc:AlternateContent xmlns:mc="http://schemas.openxmlformats.org/markup-compatibility/2006">
               <mc:Choice xmlns:v="urn:schemas-microsoft-com:vml" Requires="v">
-                <p:oleObj spid="_x0000_s15367" name="think-cell Slide" r:id="rId5" imgW="592" imgH="591" progId="TCLayout.ActiveDocument.1">
+                <p:oleObj spid="_x0000_s15374" name="think-cell Slide" r:id="rId5" imgW="592" imgH="591" progId="TCLayout.ActiveDocument.1">
                   <p:embed/>
                 </p:oleObj>
               </mc:Choice>
@@ -17295,7 +17296,7 @@
                       <p:cNvPr id="2" name="Object 1" hidden="1">
                         <a:extLst>
                           <a:ext uri="{FF2B5EF4-FFF2-40B4-BE49-F238E27FC236}">
-                            <a16:creationId xmlns:a16="http://schemas.microsoft.com/office/drawing/2014/main" id="{6CD55E24-8724-45BE-B974-D7BECE5F02F0}"/>
+                            <a16:creationId xmlns:a16="http://schemas.microsoft.com/office/drawing/2014/main" xmlns="" id="{6CD55E24-8724-45BE-B974-D7BECE5F02F0}"/>
                           </a:ext>
                         </a:extLst>
                       </p:cNvPr>
@@ -17329,7 +17330,7 @@
           <p:cNvPr id="3" name="Rectangle 2" hidden="1">
             <a:extLst>
               <a:ext uri="{FF2B5EF4-FFF2-40B4-BE49-F238E27FC236}">
-                <a16:creationId xmlns:a16="http://schemas.microsoft.com/office/drawing/2014/main" id="{BE72FC09-B19D-4987-9DEB-DF43291BA08A}"/>
+                <a16:creationId xmlns:a16="http://schemas.microsoft.com/office/drawing/2014/main" xmlns="" id="{BE72FC09-B19D-4987-9DEB-DF43291BA08A}"/>
               </a:ext>
             </a:extLst>
           </p:cNvPr>
@@ -17419,7 +17420,7 @@
           <p:cNvPr id="110" name="Rounded Rectangle 7">
             <a:extLst>
               <a:ext uri="{FF2B5EF4-FFF2-40B4-BE49-F238E27FC236}">
-                <a16:creationId xmlns:a16="http://schemas.microsoft.com/office/drawing/2014/main" id="{49206924-63C7-439B-893E-2E5FD11B707B}"/>
+                <a16:creationId xmlns:a16="http://schemas.microsoft.com/office/drawing/2014/main" xmlns="" id="{49206924-63C7-439B-893E-2E5FD11B707B}"/>
               </a:ext>
             </a:extLst>
           </p:cNvPr>
@@ -17473,7 +17474,7 @@
           <p:cNvPr id="115" name="Tijdelijke aanduiding voor tabel 8">
             <a:extLst>
               <a:ext uri="{FF2B5EF4-FFF2-40B4-BE49-F238E27FC236}">
-                <a16:creationId xmlns:a16="http://schemas.microsoft.com/office/drawing/2014/main" id="{D7192F76-CAF5-4904-A7A0-A7863AE932E7}"/>
+                <a16:creationId xmlns:a16="http://schemas.microsoft.com/office/drawing/2014/main" xmlns="" id="{D7192F76-CAF5-4904-A7A0-A7863AE932E7}"/>
               </a:ext>
             </a:extLst>
           </p:cNvPr>
@@ -17558,7 +17559,7 @@
           <p:cNvPr id="11" name="Tijdelijke aanduiding voor verticale tekst 2">
             <a:extLst>
               <a:ext uri="{FF2B5EF4-FFF2-40B4-BE49-F238E27FC236}">
-                <a16:creationId xmlns:a16="http://schemas.microsoft.com/office/drawing/2014/main" id="{19BF5391-E6C8-40CF-83A1-0977EE1BBA72}"/>
+                <a16:creationId xmlns:a16="http://schemas.microsoft.com/office/drawing/2014/main" xmlns="" id="{19BF5391-E6C8-40CF-83A1-0977EE1BBA72}"/>
               </a:ext>
             </a:extLst>
           </p:cNvPr>
@@ -17658,7 +17659,7 @@
           <p:cNvPr id="12" name="Picture 10">
             <a:extLst>
               <a:ext uri="{FF2B5EF4-FFF2-40B4-BE49-F238E27FC236}">
-                <a16:creationId xmlns:a16="http://schemas.microsoft.com/office/drawing/2014/main" id="{7F746EC4-8E60-4587-84EE-341D28A66AAA}"/>
+                <a16:creationId xmlns:a16="http://schemas.microsoft.com/office/drawing/2014/main" xmlns="" id="{7F746EC4-8E60-4587-84EE-341D28A66AAA}"/>
               </a:ext>
             </a:extLst>
           </p:cNvPr>
@@ -17694,7 +17695,7 @@
           <p:cNvPr id="15" name="Text Placeholder 5">
             <a:extLst>
               <a:ext uri="{FF2B5EF4-FFF2-40B4-BE49-F238E27FC236}">
-                <a16:creationId xmlns:a16="http://schemas.microsoft.com/office/drawing/2014/main" id="{008A424E-4058-487D-BA60-2829146CF164}"/>
+                <a16:creationId xmlns:a16="http://schemas.microsoft.com/office/drawing/2014/main" xmlns="" id="{008A424E-4058-487D-BA60-2829146CF164}"/>
               </a:ext>
             </a:extLst>
           </p:cNvPr>
@@ -17741,7 +17742,7 @@
           <p:cNvPr id="18" name="Title 1">
             <a:extLst>
               <a:ext uri="{FF2B5EF4-FFF2-40B4-BE49-F238E27FC236}">
-                <a16:creationId xmlns:a16="http://schemas.microsoft.com/office/drawing/2014/main" id="{62A48196-FA4A-42EA-B13D-FE332DC4363B}"/>
+                <a16:creationId xmlns:a16="http://schemas.microsoft.com/office/drawing/2014/main" xmlns="" id="{62A48196-FA4A-42EA-B13D-FE332DC4363B}"/>
               </a:ext>
             </a:extLst>
           </p:cNvPr>
@@ -17834,7 +17835,7 @@
           <p:cNvPr id="2" name="Object 1" hidden="1">
             <a:extLst>
               <a:ext uri="{FF2B5EF4-FFF2-40B4-BE49-F238E27FC236}">
-                <a16:creationId xmlns:a16="http://schemas.microsoft.com/office/drawing/2014/main" id="{6CD55E24-8724-45BE-B974-D7BECE5F02F0}"/>
+                <a16:creationId xmlns:a16="http://schemas.microsoft.com/office/drawing/2014/main" xmlns="" id="{6CD55E24-8724-45BE-B974-D7BECE5F02F0}"/>
               </a:ext>
             </a:extLst>
           </p:cNvPr>
@@ -17856,7 +17857,7 @@
           <a:graphicData uri="http://schemas.openxmlformats.org/presentationml/2006/ole">
             <mc:AlternateContent xmlns:mc="http://schemas.openxmlformats.org/markup-compatibility/2006">
               <mc:Choice xmlns:v="urn:schemas-microsoft-com:vml" Requires="v">
-                <p:oleObj spid="_x0000_s16391" name="think-cell Slide" r:id="rId5" imgW="592" imgH="591" progId="TCLayout.ActiveDocument.1">
+                <p:oleObj spid="_x0000_s16398" name="think-cell Slide" r:id="rId5" imgW="592" imgH="591" progId="TCLayout.ActiveDocument.1">
                   <p:embed/>
                 </p:oleObj>
               </mc:Choice>
@@ -17868,7 +17869,7 @@
                       <p:cNvPr id="2" name="Object 1" hidden="1">
                         <a:extLst>
                           <a:ext uri="{FF2B5EF4-FFF2-40B4-BE49-F238E27FC236}">
-                            <a16:creationId xmlns:a16="http://schemas.microsoft.com/office/drawing/2014/main" id="{6CD55E24-8724-45BE-B974-D7BECE5F02F0}"/>
+                            <a16:creationId xmlns:a16="http://schemas.microsoft.com/office/drawing/2014/main" xmlns="" id="{6CD55E24-8724-45BE-B974-D7BECE5F02F0}"/>
                           </a:ext>
                         </a:extLst>
                       </p:cNvPr>
@@ -17902,7 +17903,7 @@
           <p:cNvPr id="3" name="Rectangle 2" hidden="1">
             <a:extLst>
               <a:ext uri="{FF2B5EF4-FFF2-40B4-BE49-F238E27FC236}">
-                <a16:creationId xmlns:a16="http://schemas.microsoft.com/office/drawing/2014/main" id="{13C6ECE0-EA6A-4C59-BCA6-D23468C6A5D4}"/>
+                <a16:creationId xmlns:a16="http://schemas.microsoft.com/office/drawing/2014/main" xmlns="" id="{13C6ECE0-EA6A-4C59-BCA6-D23468C6A5D4}"/>
               </a:ext>
             </a:extLst>
           </p:cNvPr>
@@ -17992,7 +17993,7 @@
           <p:cNvPr id="110" name="Rounded Rectangle 7">
             <a:extLst>
               <a:ext uri="{FF2B5EF4-FFF2-40B4-BE49-F238E27FC236}">
-                <a16:creationId xmlns:a16="http://schemas.microsoft.com/office/drawing/2014/main" id="{49206924-63C7-439B-893E-2E5FD11B707B}"/>
+                <a16:creationId xmlns:a16="http://schemas.microsoft.com/office/drawing/2014/main" xmlns="" id="{49206924-63C7-439B-893E-2E5FD11B707B}"/>
               </a:ext>
             </a:extLst>
           </p:cNvPr>
@@ -18046,7 +18047,7 @@
           <p:cNvPr id="115" name="Tijdelijke aanduiding voor tabel 8">
             <a:extLst>
               <a:ext uri="{FF2B5EF4-FFF2-40B4-BE49-F238E27FC236}">
-                <a16:creationId xmlns:a16="http://schemas.microsoft.com/office/drawing/2014/main" id="{D7192F76-CAF5-4904-A7A0-A7863AE932E7}"/>
+                <a16:creationId xmlns:a16="http://schemas.microsoft.com/office/drawing/2014/main" xmlns="" id="{D7192F76-CAF5-4904-A7A0-A7863AE932E7}"/>
               </a:ext>
             </a:extLst>
           </p:cNvPr>
@@ -18131,7 +18132,7 @@
           <p:cNvPr id="11" name="Tijdelijke aanduiding voor verticale tekst 2">
             <a:extLst>
               <a:ext uri="{FF2B5EF4-FFF2-40B4-BE49-F238E27FC236}">
-                <a16:creationId xmlns:a16="http://schemas.microsoft.com/office/drawing/2014/main" id="{19BF5391-E6C8-40CF-83A1-0977EE1BBA72}"/>
+                <a16:creationId xmlns:a16="http://schemas.microsoft.com/office/drawing/2014/main" xmlns="" id="{19BF5391-E6C8-40CF-83A1-0977EE1BBA72}"/>
               </a:ext>
             </a:extLst>
           </p:cNvPr>
@@ -18231,7 +18232,7 @@
           <p:cNvPr id="10" name="Picture 10">
             <a:extLst>
               <a:ext uri="{FF2B5EF4-FFF2-40B4-BE49-F238E27FC236}">
-                <a16:creationId xmlns:a16="http://schemas.microsoft.com/office/drawing/2014/main" id="{A5720880-F413-4FBC-9D10-8C89F4FC02EA}"/>
+                <a16:creationId xmlns:a16="http://schemas.microsoft.com/office/drawing/2014/main" xmlns="" id="{A5720880-F413-4FBC-9D10-8C89F4FC02EA}"/>
               </a:ext>
             </a:extLst>
           </p:cNvPr>
@@ -18267,7 +18268,7 @@
           <p:cNvPr id="15" name="Text Placeholder 5">
             <a:extLst>
               <a:ext uri="{FF2B5EF4-FFF2-40B4-BE49-F238E27FC236}">
-                <a16:creationId xmlns:a16="http://schemas.microsoft.com/office/drawing/2014/main" id="{643E6399-10A6-4BBE-AB30-0A396724680A}"/>
+                <a16:creationId xmlns:a16="http://schemas.microsoft.com/office/drawing/2014/main" xmlns="" id="{643E6399-10A6-4BBE-AB30-0A396724680A}"/>
               </a:ext>
             </a:extLst>
           </p:cNvPr>
@@ -18314,7 +18315,7 @@
           <p:cNvPr id="17" name="Title 1">
             <a:extLst>
               <a:ext uri="{FF2B5EF4-FFF2-40B4-BE49-F238E27FC236}">
-                <a16:creationId xmlns:a16="http://schemas.microsoft.com/office/drawing/2014/main" id="{CFC2EC18-1E37-464F-9370-B0F9135BAC1F}"/>
+                <a16:creationId xmlns:a16="http://schemas.microsoft.com/office/drawing/2014/main" xmlns="" id="{CFC2EC18-1E37-464F-9370-B0F9135BAC1F}"/>
               </a:ext>
             </a:extLst>
           </p:cNvPr>
@@ -18407,7 +18408,7 @@
           <p:cNvPr id="3" name="Object 2" hidden="1">
             <a:extLst>
               <a:ext uri="{FF2B5EF4-FFF2-40B4-BE49-F238E27FC236}">
-                <a16:creationId xmlns:a16="http://schemas.microsoft.com/office/drawing/2014/main" id="{56A6B907-2844-477B-B0F6-CE91006D9231}"/>
+                <a16:creationId xmlns:a16="http://schemas.microsoft.com/office/drawing/2014/main" xmlns="" id="{56A6B907-2844-477B-B0F6-CE91006D9231}"/>
               </a:ext>
             </a:extLst>
           </p:cNvPr>
@@ -18429,7 +18430,7 @@
           <a:graphicData uri="http://schemas.openxmlformats.org/presentationml/2006/ole">
             <mc:AlternateContent xmlns:mc="http://schemas.openxmlformats.org/markup-compatibility/2006">
               <mc:Choice xmlns:v="urn:schemas-microsoft-com:vml" Requires="v">
-                <p:oleObj spid="_x0000_s17415" name="think-cell Slide" r:id="rId5" imgW="592" imgH="591" progId="TCLayout.ActiveDocument.1">
+                <p:oleObj spid="_x0000_s17422" name="think-cell Slide" r:id="rId5" imgW="592" imgH="591" progId="TCLayout.ActiveDocument.1">
                   <p:embed/>
                 </p:oleObj>
               </mc:Choice>
@@ -18441,7 +18442,7 @@
                       <p:cNvPr id="3" name="Object 2" hidden="1">
                         <a:extLst>
                           <a:ext uri="{FF2B5EF4-FFF2-40B4-BE49-F238E27FC236}">
-                            <a16:creationId xmlns:a16="http://schemas.microsoft.com/office/drawing/2014/main" id="{56A6B907-2844-477B-B0F6-CE91006D9231}"/>
+                            <a16:creationId xmlns:a16="http://schemas.microsoft.com/office/drawing/2014/main" xmlns="" id="{56A6B907-2844-477B-B0F6-CE91006D9231}"/>
                           </a:ext>
                         </a:extLst>
                       </p:cNvPr>
@@ -18475,7 +18476,7 @@
           <p:cNvPr id="2" name="Rectangle 1" hidden="1">
             <a:extLst>
               <a:ext uri="{FF2B5EF4-FFF2-40B4-BE49-F238E27FC236}">
-                <a16:creationId xmlns:a16="http://schemas.microsoft.com/office/drawing/2014/main" id="{D2BF0DAF-60D2-4E00-9D7D-19BEC7E09B6F}"/>
+                <a16:creationId xmlns:a16="http://schemas.microsoft.com/office/drawing/2014/main" xmlns="" id="{D2BF0DAF-60D2-4E00-9D7D-19BEC7E09B6F}"/>
               </a:ext>
             </a:extLst>
           </p:cNvPr>
@@ -18565,7 +18566,7 @@
           <p:cNvPr id="107" name="Ovaal 106">
             <a:extLst>
               <a:ext uri="{FF2B5EF4-FFF2-40B4-BE49-F238E27FC236}">
-                <a16:creationId xmlns:a16="http://schemas.microsoft.com/office/drawing/2014/main" id="{373626ED-5C29-4711-8E42-3F8432F0CEFD}"/>
+                <a16:creationId xmlns:a16="http://schemas.microsoft.com/office/drawing/2014/main" xmlns="" id="{373626ED-5C29-4711-8E42-3F8432F0CEFD}"/>
               </a:ext>
             </a:extLst>
           </p:cNvPr>
@@ -18615,7 +18616,7 @@
           <p:cNvPr id="111" name="Tijdelijke aanduiding voor tekst 13">
             <a:extLst>
               <a:ext uri="{FF2B5EF4-FFF2-40B4-BE49-F238E27FC236}">
-                <a16:creationId xmlns:a16="http://schemas.microsoft.com/office/drawing/2014/main" id="{273D64F0-578E-4A43-A1D7-BB30597F34E8}"/>
+                <a16:creationId xmlns:a16="http://schemas.microsoft.com/office/drawing/2014/main" xmlns="" id="{273D64F0-578E-4A43-A1D7-BB30597F34E8}"/>
               </a:ext>
             </a:extLst>
           </p:cNvPr>
@@ -18671,7 +18672,7 @@
           <p:cNvPr id="112" name="Tijdelijke aanduiding voor tabel 8">
             <a:extLst>
               <a:ext uri="{FF2B5EF4-FFF2-40B4-BE49-F238E27FC236}">
-                <a16:creationId xmlns:a16="http://schemas.microsoft.com/office/drawing/2014/main" id="{F92D02E3-3F87-4550-9BBA-BA5F4CBCE7AF}"/>
+                <a16:creationId xmlns:a16="http://schemas.microsoft.com/office/drawing/2014/main" xmlns="" id="{F92D02E3-3F87-4550-9BBA-BA5F4CBCE7AF}"/>
               </a:ext>
             </a:extLst>
           </p:cNvPr>
@@ -18729,7 +18730,7 @@
           <p:cNvPr id="114" name="Picture 30">
             <a:extLst>
               <a:ext uri="{FF2B5EF4-FFF2-40B4-BE49-F238E27FC236}">
-                <a16:creationId xmlns:a16="http://schemas.microsoft.com/office/drawing/2014/main" id="{435A6C5E-99F0-4722-A349-21A058831E47}"/>
+                <a16:creationId xmlns:a16="http://schemas.microsoft.com/office/drawing/2014/main" xmlns="" id="{435A6C5E-99F0-4722-A349-21A058831E47}"/>
               </a:ext>
             </a:extLst>
           </p:cNvPr>
@@ -18792,7 +18793,7 @@
           <p:cNvPr id="16" name="Text Placeholder 5">
             <a:extLst>
               <a:ext uri="{FF2B5EF4-FFF2-40B4-BE49-F238E27FC236}">
-                <a16:creationId xmlns:a16="http://schemas.microsoft.com/office/drawing/2014/main" id="{B5A6B3C0-0DC0-44B3-A0CC-F3D0D53250B5}"/>
+                <a16:creationId xmlns:a16="http://schemas.microsoft.com/office/drawing/2014/main" xmlns="" id="{B5A6B3C0-0DC0-44B3-A0CC-F3D0D53250B5}"/>
               </a:ext>
             </a:extLst>
           </p:cNvPr>
@@ -18839,7 +18840,7 @@
           <p:cNvPr id="17" name="Title 1">
             <a:extLst>
               <a:ext uri="{FF2B5EF4-FFF2-40B4-BE49-F238E27FC236}">
-                <a16:creationId xmlns:a16="http://schemas.microsoft.com/office/drawing/2014/main" id="{4371381D-3652-4CCB-84FD-EB89354DEAF9}"/>
+                <a16:creationId xmlns:a16="http://schemas.microsoft.com/office/drawing/2014/main" xmlns="" id="{4371381D-3652-4CCB-84FD-EB89354DEAF9}"/>
               </a:ext>
             </a:extLst>
           </p:cNvPr>
@@ -18932,7 +18933,7 @@
           <p:cNvPr id="10" name="Rechthoek 9">
             <a:extLst>
               <a:ext uri="{FF2B5EF4-FFF2-40B4-BE49-F238E27FC236}">
-                <a16:creationId xmlns:a16="http://schemas.microsoft.com/office/drawing/2014/main" id="{9935F8CA-499D-47FB-B397-D396B22DA376}"/>
+                <a16:creationId xmlns:a16="http://schemas.microsoft.com/office/drawing/2014/main" xmlns="" id="{9935F8CA-499D-47FB-B397-D396B22DA376}"/>
               </a:ext>
             </a:extLst>
           </p:cNvPr>
@@ -18984,7 +18985,7 @@
           <p:cNvPr id="59" name="Picture 3">
             <a:extLst>
               <a:ext uri="{FF2B5EF4-FFF2-40B4-BE49-F238E27FC236}">
-                <a16:creationId xmlns:a16="http://schemas.microsoft.com/office/drawing/2014/main" id="{F79F39C3-0BCE-4BAE-A43F-EAA2E8256780}"/>
+                <a16:creationId xmlns:a16="http://schemas.microsoft.com/office/drawing/2014/main" xmlns="" id="{F79F39C3-0BCE-4BAE-A43F-EAA2E8256780}"/>
               </a:ext>
             </a:extLst>
           </p:cNvPr>
@@ -19045,7 +19046,7 @@
           <p:cNvPr id="12" name="Tijdelijke aanduiding voor afbeelding 8">
             <a:extLst>
               <a:ext uri="{FF2B5EF4-FFF2-40B4-BE49-F238E27FC236}">
-                <a16:creationId xmlns:a16="http://schemas.microsoft.com/office/drawing/2014/main" id="{DB2C018A-2135-42FD-B1B3-1AD24846299D}"/>
+                <a16:creationId xmlns:a16="http://schemas.microsoft.com/office/drawing/2014/main" xmlns="" id="{DB2C018A-2135-42FD-B1B3-1AD24846299D}"/>
               </a:ext>
             </a:extLst>
           </p:cNvPr>
@@ -19135,7 +19136,7 @@
           <p:cNvPr id="14" name="Tijdelijke aanduiding voor tekst 13">
             <a:extLst>
               <a:ext uri="{FF2B5EF4-FFF2-40B4-BE49-F238E27FC236}">
-                <a16:creationId xmlns:a16="http://schemas.microsoft.com/office/drawing/2014/main" id="{F16003CA-C211-4E25-930F-7506678492E4}"/>
+                <a16:creationId xmlns:a16="http://schemas.microsoft.com/office/drawing/2014/main" xmlns="" id="{F16003CA-C211-4E25-930F-7506678492E4}"/>
               </a:ext>
             </a:extLst>
           </p:cNvPr>
@@ -19191,7 +19192,7 @@
           <p:cNvPr id="133" name="Picture 17">
             <a:extLst>
               <a:ext uri="{FF2B5EF4-FFF2-40B4-BE49-F238E27FC236}">
-                <a16:creationId xmlns:a16="http://schemas.microsoft.com/office/drawing/2014/main" id="{09B21A57-EAC1-478B-A7C4-1BC7EA7F6AC3}"/>
+                <a16:creationId xmlns:a16="http://schemas.microsoft.com/office/drawing/2014/main" xmlns="" id="{09B21A57-EAC1-478B-A7C4-1BC7EA7F6AC3}"/>
               </a:ext>
             </a:extLst>
           </p:cNvPr>
@@ -19284,7 +19285,7 @@
           <p:cNvPr id="10" name="Rechthoek 9">
             <a:extLst>
               <a:ext uri="{FF2B5EF4-FFF2-40B4-BE49-F238E27FC236}">
-                <a16:creationId xmlns:a16="http://schemas.microsoft.com/office/drawing/2014/main" id="{9935F8CA-499D-47FB-B397-D396B22DA376}"/>
+                <a16:creationId xmlns:a16="http://schemas.microsoft.com/office/drawing/2014/main" xmlns="" id="{9935F8CA-499D-47FB-B397-D396B22DA376}"/>
               </a:ext>
             </a:extLst>
           </p:cNvPr>
@@ -19336,7 +19337,7 @@
           <p:cNvPr id="59" name="Picture 3">
             <a:extLst>
               <a:ext uri="{FF2B5EF4-FFF2-40B4-BE49-F238E27FC236}">
-                <a16:creationId xmlns:a16="http://schemas.microsoft.com/office/drawing/2014/main" id="{F79F39C3-0BCE-4BAE-A43F-EAA2E8256780}"/>
+                <a16:creationId xmlns:a16="http://schemas.microsoft.com/office/drawing/2014/main" xmlns="" id="{F79F39C3-0BCE-4BAE-A43F-EAA2E8256780}"/>
               </a:ext>
             </a:extLst>
           </p:cNvPr>
@@ -19394,7 +19395,7 @@
           <p:cNvPr id="133" name="Picture 17">
             <a:extLst>
               <a:ext uri="{FF2B5EF4-FFF2-40B4-BE49-F238E27FC236}">
-                <a16:creationId xmlns:a16="http://schemas.microsoft.com/office/drawing/2014/main" id="{877905F9-4CCB-48C2-9FB3-9D0B2C81F2E9}"/>
+                <a16:creationId xmlns:a16="http://schemas.microsoft.com/office/drawing/2014/main" xmlns="" id="{877905F9-4CCB-48C2-9FB3-9D0B2C81F2E9}"/>
               </a:ext>
             </a:extLst>
           </p:cNvPr>
@@ -19430,7 +19431,7 @@
           <p:cNvPr id="13" name="Tijdelijke aanduiding voor afbeelding 8">
             <a:extLst>
               <a:ext uri="{FF2B5EF4-FFF2-40B4-BE49-F238E27FC236}">
-                <a16:creationId xmlns:a16="http://schemas.microsoft.com/office/drawing/2014/main" id="{D5848E48-1D76-4892-9652-12FAF2F234FB}"/>
+                <a16:creationId xmlns:a16="http://schemas.microsoft.com/office/drawing/2014/main" xmlns="" id="{D5848E48-1D76-4892-9652-12FAF2F234FB}"/>
               </a:ext>
             </a:extLst>
           </p:cNvPr>
@@ -19520,7 +19521,7 @@
           <p:cNvPr id="12" name="Tijdelijke aanduiding voor tekst 13">
             <a:extLst>
               <a:ext uri="{FF2B5EF4-FFF2-40B4-BE49-F238E27FC236}">
-                <a16:creationId xmlns:a16="http://schemas.microsoft.com/office/drawing/2014/main" id="{F16003CA-C211-4E25-930F-7506678492E4}"/>
+                <a16:creationId xmlns:a16="http://schemas.microsoft.com/office/drawing/2014/main" xmlns="" id="{F16003CA-C211-4E25-930F-7506678492E4}"/>
               </a:ext>
             </a:extLst>
           </p:cNvPr>
@@ -19787,7 +19788,7 @@
             <a:fld id="{B61BEF0D-F0BB-DE4B-95CE-6DB70DBA9567}" type="datetimeFigureOut">
               <a:rPr lang="en-US" dirty="0"/>
               <a:pPr/>
-              <a:t>9/1/2021</a:t>
+              <a:t>2/12/2023</a:t>
             </a:fld>
             <a:endParaRPr lang="en-US" dirty="0"/>
           </a:p>
@@ -19953,7 +19954,7 @@
           <p:cNvPr id="10" name="Rechthoek 9">
             <a:extLst>
               <a:ext uri="{FF2B5EF4-FFF2-40B4-BE49-F238E27FC236}">
-                <a16:creationId xmlns:a16="http://schemas.microsoft.com/office/drawing/2014/main" id="{9935F8CA-499D-47FB-B397-D396B22DA376}"/>
+                <a16:creationId xmlns:a16="http://schemas.microsoft.com/office/drawing/2014/main" xmlns="" id="{9935F8CA-499D-47FB-B397-D396B22DA376}"/>
               </a:ext>
             </a:extLst>
           </p:cNvPr>
@@ -20005,7 +20006,7 @@
           <p:cNvPr id="59" name="Picture 3">
             <a:extLst>
               <a:ext uri="{FF2B5EF4-FFF2-40B4-BE49-F238E27FC236}">
-                <a16:creationId xmlns:a16="http://schemas.microsoft.com/office/drawing/2014/main" id="{F79F39C3-0BCE-4BAE-A43F-EAA2E8256780}"/>
+                <a16:creationId xmlns:a16="http://schemas.microsoft.com/office/drawing/2014/main" xmlns="" id="{F79F39C3-0BCE-4BAE-A43F-EAA2E8256780}"/>
               </a:ext>
             </a:extLst>
           </p:cNvPr>
@@ -20066,7 +20067,7 @@
           <p:cNvPr id="133" name="Picture 17">
             <a:extLst>
               <a:ext uri="{FF2B5EF4-FFF2-40B4-BE49-F238E27FC236}">
-                <a16:creationId xmlns:a16="http://schemas.microsoft.com/office/drawing/2014/main" id="{0ACA17D8-971C-4CDE-AC38-A78A01F24518}"/>
+                <a16:creationId xmlns:a16="http://schemas.microsoft.com/office/drawing/2014/main" xmlns="" id="{0ACA17D8-971C-4CDE-AC38-A78A01F24518}"/>
               </a:ext>
             </a:extLst>
           </p:cNvPr>
@@ -20102,7 +20103,7 @@
           <p:cNvPr id="13" name="Tijdelijke aanduiding voor afbeelding 8">
             <a:extLst>
               <a:ext uri="{FF2B5EF4-FFF2-40B4-BE49-F238E27FC236}">
-                <a16:creationId xmlns:a16="http://schemas.microsoft.com/office/drawing/2014/main" id="{B6A49145-E83E-4B8D-BDA0-4A69D8E3AA3B}"/>
+                <a16:creationId xmlns:a16="http://schemas.microsoft.com/office/drawing/2014/main" xmlns="" id="{B6A49145-E83E-4B8D-BDA0-4A69D8E3AA3B}"/>
               </a:ext>
             </a:extLst>
           </p:cNvPr>
@@ -20192,7 +20193,7 @@
           <p:cNvPr id="12" name="Tijdelijke aanduiding voor tekst 13">
             <a:extLst>
               <a:ext uri="{FF2B5EF4-FFF2-40B4-BE49-F238E27FC236}">
-                <a16:creationId xmlns:a16="http://schemas.microsoft.com/office/drawing/2014/main" id="{F16003CA-C211-4E25-930F-7506678492E4}"/>
+                <a16:creationId xmlns:a16="http://schemas.microsoft.com/office/drawing/2014/main" xmlns="" id="{F16003CA-C211-4E25-930F-7506678492E4}"/>
               </a:ext>
             </a:extLst>
           </p:cNvPr>
@@ -20305,7 +20306,7 @@
           <p:cNvPr id="10" name="Rechthoek 9">
             <a:extLst>
               <a:ext uri="{FF2B5EF4-FFF2-40B4-BE49-F238E27FC236}">
-                <a16:creationId xmlns:a16="http://schemas.microsoft.com/office/drawing/2014/main" id="{9935F8CA-499D-47FB-B397-D396B22DA376}"/>
+                <a16:creationId xmlns:a16="http://schemas.microsoft.com/office/drawing/2014/main" xmlns="" id="{9935F8CA-499D-47FB-B397-D396B22DA376}"/>
               </a:ext>
             </a:extLst>
           </p:cNvPr>
@@ -20357,7 +20358,7 @@
           <p:cNvPr id="59" name="Picture 3">
             <a:extLst>
               <a:ext uri="{FF2B5EF4-FFF2-40B4-BE49-F238E27FC236}">
-                <a16:creationId xmlns:a16="http://schemas.microsoft.com/office/drawing/2014/main" id="{F79F39C3-0BCE-4BAE-A43F-EAA2E8256780}"/>
+                <a16:creationId xmlns:a16="http://schemas.microsoft.com/office/drawing/2014/main" xmlns="" id="{F79F39C3-0BCE-4BAE-A43F-EAA2E8256780}"/>
               </a:ext>
             </a:extLst>
           </p:cNvPr>
@@ -20424,7 +20425,7 @@
           <p:cNvPr id="133" name="Picture 17">
             <a:extLst>
               <a:ext uri="{FF2B5EF4-FFF2-40B4-BE49-F238E27FC236}">
-                <a16:creationId xmlns:a16="http://schemas.microsoft.com/office/drawing/2014/main" id="{733AED8E-BA39-4FB6-A8A2-E2CC82B97364}"/>
+                <a16:creationId xmlns:a16="http://schemas.microsoft.com/office/drawing/2014/main" xmlns="" id="{733AED8E-BA39-4FB6-A8A2-E2CC82B97364}"/>
               </a:ext>
             </a:extLst>
           </p:cNvPr>
@@ -20460,7 +20461,7 @@
           <p:cNvPr id="13" name="Tijdelijke aanduiding voor afbeelding 8">
             <a:extLst>
               <a:ext uri="{FF2B5EF4-FFF2-40B4-BE49-F238E27FC236}">
-                <a16:creationId xmlns:a16="http://schemas.microsoft.com/office/drawing/2014/main" id="{AF2ED82E-0474-4E9D-AB24-A1212E27D1E4}"/>
+                <a16:creationId xmlns:a16="http://schemas.microsoft.com/office/drawing/2014/main" xmlns="" id="{AF2ED82E-0474-4E9D-AB24-A1212E27D1E4}"/>
               </a:ext>
             </a:extLst>
           </p:cNvPr>
@@ -20550,7 +20551,7 @@
           <p:cNvPr id="12" name="Tijdelijke aanduiding voor tekst 13">
             <a:extLst>
               <a:ext uri="{FF2B5EF4-FFF2-40B4-BE49-F238E27FC236}">
-                <a16:creationId xmlns:a16="http://schemas.microsoft.com/office/drawing/2014/main" id="{F16003CA-C211-4E25-930F-7506678492E4}"/>
+                <a16:creationId xmlns:a16="http://schemas.microsoft.com/office/drawing/2014/main" xmlns="" id="{F16003CA-C211-4E25-930F-7506678492E4}"/>
               </a:ext>
             </a:extLst>
           </p:cNvPr>
@@ -20663,7 +20664,7 @@
           <p:cNvPr id="12" name="Tijdelijke aanduiding voor afbeelding 8">
             <a:extLst>
               <a:ext uri="{FF2B5EF4-FFF2-40B4-BE49-F238E27FC236}">
-                <a16:creationId xmlns:a16="http://schemas.microsoft.com/office/drawing/2014/main" id="{DB2C018A-2135-42FD-B1B3-1AD24846299D}"/>
+                <a16:creationId xmlns:a16="http://schemas.microsoft.com/office/drawing/2014/main" xmlns="" id="{DB2C018A-2135-42FD-B1B3-1AD24846299D}"/>
               </a:ext>
             </a:extLst>
           </p:cNvPr>
@@ -20723,7 +20724,7 @@
           <p:cNvPr id="16" name="Tijdelijke aanduiding voor tekst 13">
             <a:extLst>
               <a:ext uri="{FF2B5EF4-FFF2-40B4-BE49-F238E27FC236}">
-                <a16:creationId xmlns:a16="http://schemas.microsoft.com/office/drawing/2014/main" id="{195DE720-32C9-4CFD-AE8E-8CCF7889C2E7}"/>
+                <a16:creationId xmlns:a16="http://schemas.microsoft.com/office/drawing/2014/main" xmlns="" id="{195DE720-32C9-4CFD-AE8E-8CCF7889C2E7}"/>
               </a:ext>
             </a:extLst>
           </p:cNvPr>
@@ -20821,7 +20822,7 @@
           <p:cNvPr id="14" name="Tijdelijke aanduiding voor tekst 13">
             <a:extLst>
               <a:ext uri="{FF2B5EF4-FFF2-40B4-BE49-F238E27FC236}">
-                <a16:creationId xmlns:a16="http://schemas.microsoft.com/office/drawing/2014/main" id="{F16003CA-C211-4E25-930F-7506678492E4}"/>
+                <a16:creationId xmlns:a16="http://schemas.microsoft.com/office/drawing/2014/main" xmlns="" id="{F16003CA-C211-4E25-930F-7506678492E4}"/>
               </a:ext>
             </a:extLst>
           </p:cNvPr>
@@ -20889,7 +20890,7 @@
           <p:cNvPr id="21" name="Tijdelijke aanduiding voor tekst 13">
             <a:extLst>
               <a:ext uri="{FF2B5EF4-FFF2-40B4-BE49-F238E27FC236}">
-                <a16:creationId xmlns:a16="http://schemas.microsoft.com/office/drawing/2014/main" id="{B5D50386-124C-4DC4-8936-0422F8603D22}"/>
+                <a16:creationId xmlns:a16="http://schemas.microsoft.com/office/drawing/2014/main" xmlns="" id="{B5D50386-124C-4DC4-8936-0422F8603D22}"/>
               </a:ext>
             </a:extLst>
           </p:cNvPr>
@@ -20952,7 +20953,7 @@
           <p:cNvPr id="22" name="Tijdelijke aanduiding voor tekst 13">
             <a:extLst>
               <a:ext uri="{FF2B5EF4-FFF2-40B4-BE49-F238E27FC236}">
-                <a16:creationId xmlns:a16="http://schemas.microsoft.com/office/drawing/2014/main" id="{CE269618-05A1-4694-9DC1-BCCCA32087A7}"/>
+                <a16:creationId xmlns:a16="http://schemas.microsoft.com/office/drawing/2014/main" xmlns="" id="{CE269618-05A1-4694-9DC1-BCCCA32087A7}"/>
               </a:ext>
             </a:extLst>
           </p:cNvPr>
@@ -21005,7 +21006,7 @@
           <p:cNvPr id="26" name="Titel 5">
             <a:extLst>
               <a:ext uri="{FF2B5EF4-FFF2-40B4-BE49-F238E27FC236}">
-                <a16:creationId xmlns:a16="http://schemas.microsoft.com/office/drawing/2014/main" id="{9B265A4B-6BD7-4DB1-A51C-DB34429087AA}"/>
+                <a16:creationId xmlns:a16="http://schemas.microsoft.com/office/drawing/2014/main" xmlns="" id="{9B265A4B-6BD7-4DB1-A51C-DB34429087AA}"/>
               </a:ext>
             </a:extLst>
           </p:cNvPr>
@@ -21068,7 +21069,7 @@
           <p:cNvPr id="27" name="Tijdelijke aanduiding voor tekst 13">
             <a:extLst>
               <a:ext uri="{FF2B5EF4-FFF2-40B4-BE49-F238E27FC236}">
-                <a16:creationId xmlns:a16="http://schemas.microsoft.com/office/drawing/2014/main" id="{CBA54B9D-96C5-4739-8FEA-D49FD5340F3F}"/>
+                <a16:creationId xmlns:a16="http://schemas.microsoft.com/office/drawing/2014/main" xmlns="" id="{CBA54B9D-96C5-4739-8FEA-D49FD5340F3F}"/>
               </a:ext>
             </a:extLst>
           </p:cNvPr>
@@ -21139,7 +21140,7 @@
           <p:cNvPr id="103" name="Tijdelijke aanduiding voor tekst 13">
             <a:extLst>
               <a:ext uri="{FF2B5EF4-FFF2-40B4-BE49-F238E27FC236}">
-                <a16:creationId xmlns:a16="http://schemas.microsoft.com/office/drawing/2014/main" id="{481F00D0-9193-4352-9210-C36CC748253D}"/>
+                <a16:creationId xmlns:a16="http://schemas.microsoft.com/office/drawing/2014/main" xmlns="" id="{481F00D0-9193-4352-9210-C36CC748253D}"/>
               </a:ext>
             </a:extLst>
           </p:cNvPr>
@@ -21196,7 +21197,7 @@
           <p:cNvPr id="104" name="Tijdelijke aanduiding voor tekst 13">
             <a:extLst>
               <a:ext uri="{FF2B5EF4-FFF2-40B4-BE49-F238E27FC236}">
-                <a16:creationId xmlns:a16="http://schemas.microsoft.com/office/drawing/2014/main" id="{A0DCC1D8-6CD9-438A-8279-FC390BB04AFC}"/>
+                <a16:creationId xmlns:a16="http://schemas.microsoft.com/office/drawing/2014/main" xmlns="" id="{A0DCC1D8-6CD9-438A-8279-FC390BB04AFC}"/>
               </a:ext>
             </a:extLst>
           </p:cNvPr>
@@ -21283,7 +21284,7 @@
           <p:cNvPr id="12" name="Tijdelijke aanduiding voor afbeelding 8">
             <a:extLst>
               <a:ext uri="{FF2B5EF4-FFF2-40B4-BE49-F238E27FC236}">
-                <a16:creationId xmlns:a16="http://schemas.microsoft.com/office/drawing/2014/main" id="{DB2C018A-2135-42FD-B1B3-1AD24846299D}"/>
+                <a16:creationId xmlns:a16="http://schemas.microsoft.com/office/drawing/2014/main" xmlns="" id="{DB2C018A-2135-42FD-B1B3-1AD24846299D}"/>
               </a:ext>
             </a:extLst>
           </p:cNvPr>
@@ -21343,7 +21344,7 @@
           <p:cNvPr id="22" name="Tijdelijke aanduiding voor tekst 13">
             <a:extLst>
               <a:ext uri="{FF2B5EF4-FFF2-40B4-BE49-F238E27FC236}">
-                <a16:creationId xmlns:a16="http://schemas.microsoft.com/office/drawing/2014/main" id="{CE269618-05A1-4694-9DC1-BCCCA32087A7}"/>
+                <a16:creationId xmlns:a16="http://schemas.microsoft.com/office/drawing/2014/main" xmlns="" id="{CE269618-05A1-4694-9DC1-BCCCA32087A7}"/>
               </a:ext>
             </a:extLst>
           </p:cNvPr>
@@ -21396,7 +21397,7 @@
           <p:cNvPr id="21" name="Tijdelijke aanduiding voor tekst 13">
             <a:extLst>
               <a:ext uri="{FF2B5EF4-FFF2-40B4-BE49-F238E27FC236}">
-                <a16:creationId xmlns:a16="http://schemas.microsoft.com/office/drawing/2014/main" id="{B5D50386-124C-4DC4-8936-0422F8603D22}"/>
+                <a16:creationId xmlns:a16="http://schemas.microsoft.com/office/drawing/2014/main" xmlns="" id="{B5D50386-124C-4DC4-8936-0422F8603D22}"/>
               </a:ext>
             </a:extLst>
           </p:cNvPr>
@@ -21459,7 +21460,7 @@
           <p:cNvPr id="24" name="Tijdelijke aanduiding voor tekst 13">
             <a:extLst>
               <a:ext uri="{FF2B5EF4-FFF2-40B4-BE49-F238E27FC236}">
-                <a16:creationId xmlns:a16="http://schemas.microsoft.com/office/drawing/2014/main" id="{E5964C3D-39FB-486E-B1CA-327355345BC5}"/>
+                <a16:creationId xmlns:a16="http://schemas.microsoft.com/office/drawing/2014/main" xmlns="" id="{E5964C3D-39FB-486E-B1CA-327355345BC5}"/>
               </a:ext>
             </a:extLst>
           </p:cNvPr>
@@ -21522,7 +21523,7 @@
           <p:cNvPr id="26" name="Tijdelijke aanduiding voor tekst 13">
             <a:extLst>
               <a:ext uri="{FF2B5EF4-FFF2-40B4-BE49-F238E27FC236}">
-                <a16:creationId xmlns:a16="http://schemas.microsoft.com/office/drawing/2014/main" id="{5D7AAD86-A20B-4FED-ABB5-690DD462CDE0}"/>
+                <a16:creationId xmlns:a16="http://schemas.microsoft.com/office/drawing/2014/main" xmlns="" id="{5D7AAD86-A20B-4FED-ABB5-690DD462CDE0}"/>
               </a:ext>
             </a:extLst>
           </p:cNvPr>
@@ -21578,7 +21579,7 @@
           <p:cNvPr id="27" name="Tijdelijke aanduiding voor tekst 13">
             <a:extLst>
               <a:ext uri="{FF2B5EF4-FFF2-40B4-BE49-F238E27FC236}">
-                <a16:creationId xmlns:a16="http://schemas.microsoft.com/office/drawing/2014/main" id="{D2DA99D1-2C1C-4553-8198-85E59B09FF35}"/>
+                <a16:creationId xmlns:a16="http://schemas.microsoft.com/office/drawing/2014/main" xmlns="" id="{D2DA99D1-2C1C-4553-8198-85E59B09FF35}"/>
               </a:ext>
             </a:extLst>
           </p:cNvPr>
@@ -21634,7 +21635,7 @@
           <p:cNvPr id="99" name="Tijdelijke aanduiding voor tekst 13">
             <a:extLst>
               <a:ext uri="{FF2B5EF4-FFF2-40B4-BE49-F238E27FC236}">
-                <a16:creationId xmlns:a16="http://schemas.microsoft.com/office/drawing/2014/main" id="{487AAEE7-3E5F-4E8C-9062-3C7FDB0C8370}"/>
+                <a16:creationId xmlns:a16="http://schemas.microsoft.com/office/drawing/2014/main" xmlns="" id="{487AAEE7-3E5F-4E8C-9062-3C7FDB0C8370}"/>
               </a:ext>
             </a:extLst>
           </p:cNvPr>
@@ -21888,7 +21889,7 @@
             <a:fld id="{B61BEF0D-F0BB-DE4B-95CE-6DB70DBA9567}" type="datetimeFigureOut">
               <a:rPr lang="en-US" dirty="0"/>
               <a:pPr/>
-              <a:t>9/1/2021</a:t>
+              <a:t>2/12/2023</a:t>
             </a:fld>
             <a:endParaRPr lang="en-US" dirty="0"/>
           </a:p>
@@ -22157,7 +22158,7 @@
             <a:fld id="{B61BEF0D-F0BB-DE4B-95CE-6DB70DBA9567}" type="datetimeFigureOut">
               <a:rPr lang="en-US" dirty="0"/>
               <a:pPr/>
-              <a:t>9/1/2021</a:t>
+              <a:t>2/12/2023</a:t>
             </a:fld>
             <a:endParaRPr lang="en-US" dirty="0"/>
           </a:p>
@@ -22611,7 +22612,7 @@
             <a:fld id="{B61BEF0D-F0BB-DE4B-95CE-6DB70DBA9567}" type="datetimeFigureOut">
               <a:rPr lang="en-US" dirty="0"/>
               <a:pPr/>
-              <a:t>9/1/2021</a:t>
+              <a:t>2/12/2023</a:t>
             </a:fld>
             <a:endParaRPr lang="en-US" dirty="0"/>
           </a:p>
@@ -22813,7 +22814,7 @@
             <a:fld id="{B61BEF0D-F0BB-DE4B-95CE-6DB70DBA9567}" type="datetimeFigureOut">
               <a:rPr lang="en-US" dirty="0"/>
               <a:pPr/>
-              <a:t>9/1/2021</a:t>
+              <a:t>2/12/2023</a:t>
             </a:fld>
             <a:endParaRPr lang="en-US" dirty="0"/>
           </a:p>
@@ -22987,7 +22988,7 @@
             <a:fld id="{B61BEF0D-F0BB-DE4B-95CE-6DB70DBA9567}" type="datetimeFigureOut">
               <a:rPr lang="en-US" dirty="0"/>
               <a:pPr/>
-              <a:t>9/1/2021</a:t>
+              <a:t>2/12/2023</a:t>
             </a:fld>
             <a:endParaRPr lang="en-US" dirty="0"/>
           </a:p>
@@ -23317,7 +23318,7 @@
             <a:fld id="{B61BEF0D-F0BB-DE4B-95CE-6DB70DBA9567}" type="datetimeFigureOut">
               <a:rPr lang="en-US" dirty="0"/>
               <a:pPr/>
-              <a:t>9/1/2021</a:t>
+              <a:t>2/12/2023</a:t>
             </a:fld>
             <a:endParaRPr lang="en-US" dirty="0"/>
           </a:p>
@@ -23659,7 +23660,7 @@
             <a:fld id="{B61BEF0D-F0BB-DE4B-95CE-6DB70DBA9567}" type="datetimeFigureOut">
               <a:rPr lang="en-US" dirty="0"/>
               <a:pPr/>
-              <a:t>9/1/2021</a:t>
+              <a:t>2/12/2023</a:t>
             </a:fld>
             <a:endParaRPr lang="en-US" dirty="0"/>
           </a:p>
@@ -25773,7 +25774,7 @@
             <a:fld id="{B61BEF0D-F0BB-DE4B-95CE-6DB70DBA9567}" type="datetimeFigureOut">
               <a:rPr lang="en-US" dirty="0"/>
               <a:pPr/>
-              <a:t>9/1/2021</a:t>
+              <a:t>2/12/2023</a:t>
             </a:fld>
             <a:endParaRPr lang="en-US" dirty="0"/>
           </a:p>
@@ -26316,7 +26317,7 @@
           <a:graphicData uri="http://schemas.openxmlformats.org/presentationml/2006/ole">
             <mc:AlternateContent xmlns:mc="http://schemas.openxmlformats.org/markup-compatibility/2006">
               <mc:Choice xmlns:v="urn:schemas-microsoft-com:vml" Requires="v">
-                <p:oleObj spid="_x0000_s2055" name="think-cell Slide" r:id="rId34" imgW="286" imgH="286" progId="TCLayout.ActiveDocument.1">
+                <p:oleObj spid="_x0000_s2062" name="think-cell Slide" r:id="rId34" imgW="286" imgH="286" progId="TCLayout.ActiveDocument.1">
                   <p:embed/>
                 </p:oleObj>
               </mc:Choice>
@@ -26505,7 +26506,7 @@
           <p:cNvPr id="26" name="Picture 17">
             <a:extLst>
               <a:ext uri="{FF2B5EF4-FFF2-40B4-BE49-F238E27FC236}">
-                <a16:creationId xmlns:a16="http://schemas.microsoft.com/office/drawing/2014/main" id="{7E508851-1889-4E58-B1A1-122653D19601}"/>
+                <a16:creationId xmlns:a16="http://schemas.microsoft.com/office/drawing/2014/main" xmlns="" id="{7E508851-1889-4E58-B1A1-122653D19601}"/>
               </a:ext>
             </a:extLst>
           </p:cNvPr>
@@ -26541,7 +26542,7 @@
           <p:cNvPr id="4" name="TextBox 3">
             <a:extLst>
               <a:ext uri="{FF2B5EF4-FFF2-40B4-BE49-F238E27FC236}">
-                <a16:creationId xmlns:a16="http://schemas.microsoft.com/office/drawing/2014/main" id="{B7EEBF1E-B876-4544-8D7E-F3970A085C73}"/>
+                <a16:creationId xmlns:a16="http://schemas.microsoft.com/office/drawing/2014/main" xmlns="" id="{B7EEBF1E-B876-4544-8D7E-F3970A085C73}"/>
               </a:ext>
             </a:extLst>
           </p:cNvPr>
@@ -26549,7 +26550,7 @@
           <p:nvPr userDrawn="1">
             <p:extLst>
               <p:ext uri="{1162E1C5-73C7-4A58-AE30-91384D911F3F}">
-                <p184:classification xmlns:p184="http://schemas.microsoft.com/office/powerpoint/2018/4/main" xmlns="" val="ftr"/>
+                <p184:classification xmlns="" xmlns:p184="http://schemas.microsoft.com/office/powerpoint/2018/4/main" val="ftr"/>
               </p:ext>
             </p:extLst>
           </p:nvPr>
@@ -26973,7 +26974,7 @@
   </p:txStyles>
   <p:extLst>
     <p:ext uri="{27BBF7A9-308A-43DC-89C8-2F10F3537804}">
-      <p15:sldGuideLst xmlns:p15="http://schemas.microsoft.com/office/powerpoint/2012/main">
+      <p15:sldGuideLst xmlns:p15="http://schemas.microsoft.com/office/powerpoint/2012/main" xmlns="">
         <p15:guide id="6" pos="438">
           <p15:clr>
             <a:srgbClr val="F26B43"/>
@@ -27022,7 +27023,7 @@
           <p:cNvPr id="2" name="Title 1">
             <a:extLst>
               <a:ext uri="{FF2B5EF4-FFF2-40B4-BE49-F238E27FC236}">
-                <a16:creationId xmlns:a16="http://schemas.microsoft.com/office/drawing/2014/main" id="{E04E5062-3C9D-6447-BD77-9B2B0AEB1AFF}"/>
+                <a16:creationId xmlns:a16="http://schemas.microsoft.com/office/drawing/2014/main" xmlns="" id="{E04E5062-3C9D-6447-BD77-9B2B0AEB1AFF}"/>
               </a:ext>
             </a:extLst>
           </p:cNvPr>
@@ -27061,7 +27062,7 @@
           <p:cNvPr id="3" name="Subtitle 2">
             <a:extLst>
               <a:ext uri="{FF2B5EF4-FFF2-40B4-BE49-F238E27FC236}">
-                <a16:creationId xmlns:a16="http://schemas.microsoft.com/office/drawing/2014/main" id="{95F58DE3-ECD9-2F4B-9F91-33ED33AE6CA3}"/>
+                <a16:creationId xmlns:a16="http://schemas.microsoft.com/office/drawing/2014/main" xmlns="" id="{95F58DE3-ECD9-2F4B-9F91-33ED33AE6CA3}"/>
               </a:ext>
             </a:extLst>
           </p:cNvPr>
@@ -27167,7 +27168,7 @@
           <p:cNvPr id="5" name="Title 1">
             <a:extLst>
               <a:ext uri="{FF2B5EF4-FFF2-40B4-BE49-F238E27FC236}">
-                <a16:creationId xmlns:a16="http://schemas.microsoft.com/office/drawing/2014/main" id="{6D41B2FE-9E04-4745-9A2C-2A7473E89DAF}"/>
+                <a16:creationId xmlns:a16="http://schemas.microsoft.com/office/drawing/2014/main" xmlns="" id="{6D41B2FE-9E04-4745-9A2C-2A7473E89DAF}"/>
               </a:ext>
             </a:extLst>
           </p:cNvPr>
@@ -27299,110 +27300,14 @@
         </p:blipFill>
         <p:spPr>
           <a:xfrm>
-            <a:off x="1175232" y="1246909"/>
-            <a:ext cx="10058400" cy="5611091"/>
+            <a:off x="1939782" y="1219198"/>
+            <a:ext cx="9545636" cy="5611091"/>
           </a:xfrm>
           <a:prstGeom prst="rect">
             <a:avLst/>
           </a:prstGeom>
         </p:spPr>
       </p:pic>
-      <p:sp>
-        <p:nvSpPr>
-          <p:cNvPr id="4" name="TextBox 3"/>
-          <p:cNvSpPr txBox="1"/>
-          <p:nvPr/>
-        </p:nvSpPr>
-        <p:spPr>
-          <a:xfrm>
-            <a:off x="1330035" y="4975615"/>
-            <a:ext cx="1388522" cy="523220"/>
-          </a:xfrm>
-          <a:prstGeom prst="rect">
-            <a:avLst/>
-          </a:prstGeom>
-          <a:noFill/>
-        </p:spPr>
-        <p:txBody>
-          <a:bodyPr wrap="none" rtlCol="0">
-            <a:spAutoFit/>
-          </a:bodyPr>
-          <a:lstStyle/>
-          <a:p>
-            <a:r>
-              <a:rPr lang="en-GB" sz="1400" b="1" dirty="0" smtClean="0">
-                <a:solidFill>
-                  <a:srgbClr val="FF0000"/>
-                </a:solidFill>
-              </a:rPr>
-              <a:t>Transactional </a:t>
-            </a:r>
-          </a:p>
-          <a:p>
-            <a:r>
-              <a:rPr lang="en-GB" sz="1400" b="1" dirty="0" smtClean="0">
-                <a:solidFill>
-                  <a:srgbClr val="FF0000"/>
-                </a:solidFill>
-              </a:rPr>
-              <a:t>Fact Table</a:t>
-            </a:r>
-            <a:endParaRPr lang="en-GB" sz="1400" b="1" dirty="0">
-              <a:solidFill>
-                <a:srgbClr val="FF0000"/>
-              </a:solidFill>
-            </a:endParaRPr>
-          </a:p>
-        </p:txBody>
-      </p:sp>
-      <p:sp>
-        <p:nvSpPr>
-          <p:cNvPr id="7" name="TextBox 6"/>
-          <p:cNvSpPr txBox="1"/>
-          <p:nvPr/>
-        </p:nvSpPr>
-        <p:spPr>
-          <a:xfrm>
-            <a:off x="9562906" y="2272146"/>
-            <a:ext cx="1080745" cy="523220"/>
-          </a:xfrm>
-          <a:prstGeom prst="rect">
-            <a:avLst/>
-          </a:prstGeom>
-          <a:noFill/>
-        </p:spPr>
-        <p:txBody>
-          <a:bodyPr wrap="none" rtlCol="0">
-            <a:spAutoFit/>
-          </a:bodyPr>
-          <a:lstStyle/>
-          <a:p>
-            <a:r>
-              <a:rPr lang="en-GB" sz="1400" b="1" dirty="0" smtClean="0">
-                <a:solidFill>
-                  <a:srgbClr val="FF0000"/>
-                </a:solidFill>
-              </a:rPr>
-              <a:t>Snapshot </a:t>
-            </a:r>
-          </a:p>
-          <a:p>
-            <a:r>
-              <a:rPr lang="en-GB" sz="1400" b="1" dirty="0" smtClean="0">
-                <a:solidFill>
-                  <a:srgbClr val="FF0000"/>
-                </a:solidFill>
-              </a:rPr>
-              <a:t>Fact Table</a:t>
-            </a:r>
-            <a:endParaRPr lang="en-GB" sz="1400" b="1" dirty="0">
-              <a:solidFill>
-                <a:srgbClr val="FF0000"/>
-              </a:solidFill>
-            </a:endParaRPr>
-          </a:p>
-        </p:txBody>
-      </p:sp>
     </p:spTree>
     <p:extLst>
       <p:ext uri="{BB962C8B-B14F-4D97-AF65-F5344CB8AC3E}">
@@ -27413,6 +27318,13 @@
   <p:clrMapOvr>
     <a:masterClrMapping/>
   </p:clrMapOvr>
+  <p:timing>
+    <p:tnLst>
+      <p:par>
+        <p:cTn id="1" dur="indefinite" restart="never" nodeType="tmRoot"/>
+      </p:par>
+    </p:tnLst>
+  </p:timing>
 </p:sld>
 </file>
 
@@ -27438,7 +27350,7 @@
           <p:cNvPr id="5" name="Title 1">
             <a:extLst>
               <a:ext uri="{FF2B5EF4-FFF2-40B4-BE49-F238E27FC236}">
-                <a16:creationId xmlns:a16="http://schemas.microsoft.com/office/drawing/2014/main" id="{6D41B2FE-9E04-4745-9A2C-2A7473E89DAF}"/>
+                <a16:creationId xmlns:a16="http://schemas.microsoft.com/office/drawing/2014/main" xmlns="" id="{6D41B2FE-9E04-4745-9A2C-2A7473E89DAF}"/>
               </a:ext>
             </a:extLst>
           </p:cNvPr>
@@ -27570,90 +27482,14 @@
         </p:blipFill>
         <p:spPr>
           <a:xfrm>
-            <a:off x="1222381" y="1218721"/>
-            <a:ext cx="9710279" cy="5639280"/>
+            <a:off x="803564" y="1218721"/>
+            <a:ext cx="10723418" cy="5639280"/>
           </a:xfrm>
           <a:prstGeom prst="rect">
             <a:avLst/>
           </a:prstGeom>
         </p:spPr>
       </p:pic>
-      <p:sp>
-        <p:nvSpPr>
-          <p:cNvPr id="7" name="TextBox 6"/>
-          <p:cNvSpPr txBox="1"/>
-          <p:nvPr/>
-        </p:nvSpPr>
-        <p:spPr>
-          <a:xfrm>
-            <a:off x="9103124" y="3115509"/>
-            <a:ext cx="1654620" cy="307777"/>
-          </a:xfrm>
-          <a:prstGeom prst="rect">
-            <a:avLst/>
-          </a:prstGeom>
-          <a:noFill/>
-        </p:spPr>
-        <p:txBody>
-          <a:bodyPr wrap="none" rtlCol="0">
-            <a:spAutoFit/>
-          </a:bodyPr>
-          <a:lstStyle/>
-          <a:p>
-            <a:r>
-              <a:rPr lang="en-GB" sz="1400" b="1" dirty="0" smtClean="0">
-                <a:solidFill>
-                  <a:srgbClr val="FF0000"/>
-                </a:solidFill>
-              </a:rPr>
-              <a:t>From Transaction</a:t>
-            </a:r>
-            <a:endParaRPr lang="en-GB" sz="1400" b="1" dirty="0">
-              <a:solidFill>
-                <a:srgbClr val="FF0000"/>
-              </a:solidFill>
-            </a:endParaRPr>
-          </a:p>
-        </p:txBody>
-      </p:sp>
-      <p:sp>
-        <p:nvSpPr>
-          <p:cNvPr id="8" name="TextBox 7"/>
-          <p:cNvSpPr txBox="1"/>
-          <p:nvPr/>
-        </p:nvSpPr>
-        <p:spPr>
-          <a:xfrm>
-            <a:off x="1444143" y="2868898"/>
-            <a:ext cx="1067921" cy="307777"/>
-          </a:xfrm>
-          <a:prstGeom prst="rect">
-            <a:avLst/>
-          </a:prstGeom>
-          <a:noFill/>
-        </p:spPr>
-        <p:txBody>
-          <a:bodyPr wrap="none" rtlCol="0">
-            <a:spAutoFit/>
-          </a:bodyPr>
-          <a:lstStyle/>
-          <a:p>
-            <a:r>
-              <a:rPr lang="en-GB" sz="1400" b="1" dirty="0" smtClean="0">
-                <a:solidFill>
-                  <a:srgbClr val="FF0000"/>
-                </a:solidFill>
-              </a:rPr>
-              <a:t>From CRM</a:t>
-            </a:r>
-            <a:endParaRPr lang="en-GB" sz="1400" b="1" dirty="0">
-              <a:solidFill>
-                <a:srgbClr val="FF0000"/>
-              </a:solidFill>
-            </a:endParaRPr>
-          </a:p>
-        </p:txBody>
-      </p:sp>
     </p:spTree>
     <p:extLst>
       <p:ext uri="{BB962C8B-B14F-4D97-AF65-F5344CB8AC3E}">
@@ -27664,6 +27500,13 @@
   <p:clrMapOvr>
     <a:masterClrMapping/>
   </p:clrMapOvr>
+  <p:timing>
+    <p:tnLst>
+      <p:par>
+        <p:cTn id="1" dur="indefinite" restart="never" nodeType="tmRoot"/>
+      </p:par>
+    </p:tnLst>
+  </p:timing>
 </p:sld>
 </file>
 
@@ -27689,7 +27532,7 @@
           <p:cNvPr id="5" name="Title 1">
             <a:extLst>
               <a:ext uri="{FF2B5EF4-FFF2-40B4-BE49-F238E27FC236}">
-                <a16:creationId xmlns:a16="http://schemas.microsoft.com/office/drawing/2014/main" id="{6D41B2FE-9E04-4745-9A2C-2A7473E89DAF}"/>
+                <a16:creationId xmlns:a16="http://schemas.microsoft.com/office/drawing/2014/main" xmlns="" id="{6D41B2FE-9E04-4745-9A2C-2A7473E89DAF}"/>
               </a:ext>
             </a:extLst>
           </p:cNvPr>
@@ -27801,85 +27644,383 @@
       </p:sp>
       <p:pic>
         <p:nvPicPr>
-          <p:cNvPr id="3" name="Picture 2"/>
+          <p:cNvPr id="4" name="Picture 3"/>
           <p:cNvPicPr>
             <a:picLocks noChangeAspect="1"/>
           </p:cNvPicPr>
           <p:nvPr/>
         </p:nvPicPr>
         <p:blipFill>
-          <a:blip r:embed="rId3"/>
+          <a:blip r:embed="rId2">
+            <a:extLst>
+              <a:ext uri="{28A0092B-C50C-407E-A947-70E740481C1C}">
+                <a14:useLocalDpi xmlns:a14="http://schemas.microsoft.com/office/drawing/2010/main" val="0"/>
+              </a:ext>
+            </a:extLst>
+          </a:blip>
           <a:stretch>
             <a:fillRect/>
           </a:stretch>
         </p:blipFill>
         <p:spPr>
           <a:xfrm>
-            <a:off x="2066925" y="1772759"/>
-            <a:ext cx="8058150" cy="3543300"/>
+            <a:off x="760799" y="3694727"/>
+            <a:ext cx="11269652" cy="2872325"/>
           </a:xfrm>
           <a:prstGeom prst="rect">
             <a:avLst/>
           </a:prstGeom>
         </p:spPr>
       </p:pic>
-      <p:graphicFrame>
-        <p:nvGraphicFramePr>
-          <p:cNvPr id="9" name="Object 8"/>
-          <p:cNvGraphicFramePr>
-            <a:graphicFrameLocks noChangeAspect="1"/>
-          </p:cNvGraphicFramePr>
-          <p:nvPr>
-            <p:extLst>
-              <p:ext uri="{D42A27DB-BD31-4B8C-83A1-F6EECF244321}">
-                <p14:modId xmlns:p14="http://schemas.microsoft.com/office/powerpoint/2010/main" val="2502686973"/>
-              </p:ext>
-            </p:extLst>
-          </p:nvPr>
-        </p:nvGraphicFramePr>
-        <p:xfrm>
-          <a:off x="10209320" y="5543262"/>
-          <a:ext cx="1721070" cy="1106179"/>
-        </p:xfrm>
-        <a:graphic>
-          <a:graphicData uri="http://schemas.openxmlformats.org/presentationml/2006/ole">
-            <mc:AlternateContent xmlns:mc="http://schemas.openxmlformats.org/markup-compatibility/2006">
-              <mc:Choice xmlns:v="urn:schemas-microsoft-com:vml" Requires="v">
-                <p:oleObj spid="_x0000_s19463" name="Worksheet" showAsIcon="1" r:id="rId4" imgW="914400" imgH="771480" progId="Excel.Sheet.12">
-                  <p:embed/>
-                </p:oleObj>
-              </mc:Choice>
-              <mc:Fallback>
-                <p:oleObj name="Worksheet" showAsIcon="1" r:id="rId4" imgW="914400" imgH="771480" progId="Excel.Sheet.12">
-                  <p:embed/>
-                  <p:pic>
-                    <p:nvPicPr>
-                      <p:cNvPr id="4" name="Object 3"/>
-                      <p:cNvPicPr/>
-                      <p:nvPr/>
-                    </p:nvPicPr>
-                    <p:blipFill>
-                      <a:blip r:embed="rId5"/>
-                      <a:stretch>
-                        <a:fillRect/>
-                      </a:stretch>
-                    </p:blipFill>
-                    <p:spPr>
-                      <a:xfrm>
-                        <a:off x="10209320" y="5543262"/>
-                        <a:ext cx="1721070" cy="1106179"/>
-                      </a:xfrm>
-                      <a:prstGeom prst="rect">
-                        <a:avLst/>
-                      </a:prstGeom>
-                    </p:spPr>
-                  </p:pic>
-                </p:oleObj>
-              </mc:Fallback>
-            </mc:AlternateContent>
-          </a:graphicData>
-        </a:graphic>
-      </p:graphicFrame>
+      <p:sp>
+        <p:nvSpPr>
+          <p:cNvPr id="10" name="TextBox 9"/>
+          <p:cNvSpPr txBox="1"/>
+          <p:nvPr/>
+        </p:nvSpPr>
+        <p:spPr>
+          <a:xfrm>
+            <a:off x="7046710" y="1339892"/>
+            <a:ext cx="1002197" cy="369332"/>
+          </a:xfrm>
+          <a:prstGeom prst="rect">
+            <a:avLst/>
+          </a:prstGeom>
+        </p:spPr>
+        <p:style>
+          <a:lnRef idx="1">
+            <a:schemeClr val="accent5"/>
+          </a:lnRef>
+          <a:fillRef idx="2">
+            <a:schemeClr val="accent5"/>
+          </a:fillRef>
+          <a:effectRef idx="1">
+            <a:schemeClr val="accent5"/>
+          </a:effectRef>
+          <a:fontRef idx="minor">
+            <a:schemeClr val="dk1"/>
+          </a:fontRef>
+        </p:style>
+        <p:txBody>
+          <a:bodyPr wrap="none" rtlCol="0">
+            <a:spAutoFit/>
+          </a:bodyPr>
+          <a:lstStyle/>
+          <a:p>
+            <a:r>
+              <a:rPr lang="en-US" b="1" dirty="0">
+                <a:solidFill>
+                  <a:srgbClr val="FF0000"/>
+                </a:solidFill>
+              </a:rPr>
+              <a:t>CRM- </a:t>
+            </a:r>
+            <a:r>
+              <a:rPr lang="en-US" b="1" dirty="0" smtClean="0">
+                <a:solidFill>
+                  <a:srgbClr val="FF0000"/>
+                </a:solidFill>
+              </a:rPr>
+              <a:t>B</a:t>
+            </a:r>
+            <a:endParaRPr lang="en-US" b="1" dirty="0">
+              <a:solidFill>
+                <a:srgbClr val="FF0000"/>
+              </a:solidFill>
+            </a:endParaRPr>
+          </a:p>
+        </p:txBody>
+      </p:sp>
+      <p:sp>
+        <p:nvSpPr>
+          <p:cNvPr id="11" name="TextBox 10"/>
+          <p:cNvSpPr txBox="1"/>
+          <p:nvPr/>
+        </p:nvSpPr>
+        <p:spPr>
+          <a:xfrm>
+            <a:off x="760799" y="1339675"/>
+            <a:ext cx="1035861" cy="369332"/>
+          </a:xfrm>
+          <a:prstGeom prst="rect">
+            <a:avLst/>
+          </a:prstGeom>
+        </p:spPr>
+        <p:style>
+          <a:lnRef idx="1">
+            <a:schemeClr val="accent5"/>
+          </a:lnRef>
+          <a:fillRef idx="2">
+            <a:schemeClr val="accent5"/>
+          </a:fillRef>
+          <a:effectRef idx="1">
+            <a:schemeClr val="accent5"/>
+          </a:effectRef>
+          <a:fontRef idx="minor">
+            <a:schemeClr val="dk1"/>
+          </a:fontRef>
+        </p:style>
+        <p:txBody>
+          <a:bodyPr wrap="none" rtlCol="0">
+            <a:spAutoFit/>
+          </a:bodyPr>
+          <a:lstStyle/>
+          <a:p>
+            <a:r>
+              <a:rPr lang="en-US" b="1" dirty="0">
+                <a:solidFill>
+                  <a:srgbClr val="FF0000"/>
+                </a:solidFill>
+              </a:rPr>
+              <a:t>CRM- A</a:t>
+            </a:r>
+            <a:endParaRPr lang="en-US" b="1" dirty="0">
+              <a:solidFill>
+                <a:srgbClr val="FF0000"/>
+              </a:solidFill>
+            </a:endParaRPr>
+          </a:p>
+        </p:txBody>
+      </p:sp>
+      <p:sp>
+        <p:nvSpPr>
+          <p:cNvPr id="12" name="Rectangle 11"/>
+          <p:cNvSpPr/>
+          <p:nvPr/>
+        </p:nvSpPr>
+        <p:spPr>
+          <a:xfrm>
+            <a:off x="3474842" y="5818909"/>
+            <a:ext cx="2920783" cy="748143"/>
+          </a:xfrm>
+          <a:prstGeom prst="rect">
+            <a:avLst/>
+          </a:prstGeom>
+          <a:noFill/>
+          <a:ln w="38100"/>
+        </p:spPr>
+        <p:style>
+          <a:lnRef idx="2">
+            <a:schemeClr val="accent2"/>
+          </a:lnRef>
+          <a:fillRef idx="1">
+            <a:schemeClr val="lt1"/>
+          </a:fillRef>
+          <a:effectRef idx="0">
+            <a:schemeClr val="accent2"/>
+          </a:effectRef>
+          <a:fontRef idx="minor">
+            <a:schemeClr val="dk1"/>
+          </a:fontRef>
+        </p:style>
+        <p:txBody>
+          <a:bodyPr rtlCol="0" anchor="ctr"/>
+          <a:lstStyle/>
+          <a:p>
+            <a:pPr algn="ctr"/>
+            <a:endParaRPr lang="en-US"/>
+          </a:p>
+        </p:txBody>
+      </p:sp>
+      <p:sp>
+        <p:nvSpPr>
+          <p:cNvPr id="13" name="Rectangle 12"/>
+          <p:cNvSpPr/>
+          <p:nvPr/>
+        </p:nvSpPr>
+        <p:spPr>
+          <a:xfrm>
+            <a:off x="3441958" y="4100945"/>
+            <a:ext cx="2920783" cy="1029944"/>
+          </a:xfrm>
+          <a:prstGeom prst="rect">
+            <a:avLst/>
+          </a:prstGeom>
+          <a:noFill/>
+          <a:ln w="38100"/>
+        </p:spPr>
+        <p:style>
+          <a:lnRef idx="2">
+            <a:schemeClr val="accent2"/>
+          </a:lnRef>
+          <a:fillRef idx="1">
+            <a:schemeClr val="lt1"/>
+          </a:fillRef>
+          <a:effectRef idx="0">
+            <a:schemeClr val="accent2"/>
+          </a:effectRef>
+          <a:fontRef idx="minor">
+            <a:schemeClr val="dk1"/>
+          </a:fontRef>
+        </p:style>
+        <p:txBody>
+          <a:bodyPr rtlCol="0" anchor="ctr"/>
+          <a:lstStyle/>
+          <a:p>
+            <a:pPr algn="ctr"/>
+            <a:endParaRPr lang="en-US"/>
+          </a:p>
+        </p:txBody>
+      </p:sp>
+      <p:sp>
+        <p:nvSpPr>
+          <p:cNvPr id="14" name="TextBox 13"/>
+          <p:cNvSpPr txBox="1"/>
+          <p:nvPr/>
+        </p:nvSpPr>
+        <p:spPr>
+          <a:xfrm>
+            <a:off x="760799" y="3325395"/>
+            <a:ext cx="803425" cy="369332"/>
+          </a:xfrm>
+          <a:prstGeom prst="rect">
+            <a:avLst/>
+          </a:prstGeom>
+        </p:spPr>
+        <p:style>
+          <a:lnRef idx="1">
+            <a:schemeClr val="accent5"/>
+          </a:lnRef>
+          <a:fillRef idx="2">
+            <a:schemeClr val="accent5"/>
+          </a:fillRef>
+          <a:effectRef idx="1">
+            <a:schemeClr val="accent5"/>
+          </a:effectRef>
+          <a:fontRef idx="minor">
+            <a:schemeClr val="dk1"/>
+          </a:fontRef>
+        </p:style>
+        <p:txBody>
+          <a:bodyPr wrap="none" rtlCol="0">
+            <a:spAutoFit/>
+          </a:bodyPr>
+          <a:lstStyle/>
+          <a:p>
+            <a:r>
+              <a:rPr lang="en-US" b="1" dirty="0" smtClean="0">
+                <a:solidFill>
+                  <a:srgbClr val="FF0000"/>
+                </a:solidFill>
+              </a:rPr>
+              <a:t>ACNT</a:t>
+            </a:r>
+            <a:endParaRPr lang="en-US" b="1" dirty="0">
+              <a:solidFill>
+                <a:srgbClr val="FF0000"/>
+              </a:solidFill>
+            </a:endParaRPr>
+          </a:p>
+        </p:txBody>
+      </p:sp>
+      <p:pic>
+        <p:nvPicPr>
+          <p:cNvPr id="19464" name="Picture 8"/>
+          <p:cNvPicPr>
+            <a:picLocks noChangeAspect="1" noChangeArrowheads="1"/>
+          </p:cNvPicPr>
+          <p:nvPr/>
+        </p:nvPicPr>
+        <p:blipFill>
+          <a:blip r:embed="rId3">
+            <a:extLst>
+              <a:ext uri="{28A0092B-C50C-407E-A947-70E740481C1C}">
+                <a14:useLocalDpi xmlns:a14="http://schemas.microsoft.com/office/drawing/2010/main" val="0"/>
+              </a:ext>
+            </a:extLst>
+          </a:blip>
+          <a:srcRect/>
+          <a:stretch>
+            <a:fillRect/>
+          </a:stretch>
+        </p:blipFill>
+        <p:spPr bwMode="auto">
+          <a:xfrm>
+            <a:off x="760799" y="1805322"/>
+            <a:ext cx="5806256" cy="1432134"/>
+          </a:xfrm>
+          <a:prstGeom prst="rect">
+            <a:avLst/>
+          </a:prstGeom>
+          <a:noFill/>
+          <a:ln>
+            <a:noFill/>
+          </a:ln>
+          <a:extLst>
+            <a:ext uri="{909E8E84-426E-40DD-AFC4-6F175D3DCCD1}">
+              <a14:hiddenFill xmlns:a14="http://schemas.microsoft.com/office/drawing/2010/main">
+                <a:solidFill>
+                  <a:schemeClr val="accent1"/>
+                </a:solidFill>
+              </a14:hiddenFill>
+            </a:ext>
+            <a:ext uri="{91240B29-F687-4F45-9708-019B960494DF}">
+              <a14:hiddenLine xmlns:a14="http://schemas.microsoft.com/office/drawing/2010/main" w="9525">
+                <a:solidFill>
+                  <a:schemeClr val="tx1"/>
+                </a:solidFill>
+                <a:miter lim="800000"/>
+                <a:headEnd/>
+                <a:tailEnd/>
+              </a14:hiddenLine>
+            </a:ext>
+          </a:extLst>
+        </p:spPr>
+      </p:pic>
+      <p:pic>
+        <p:nvPicPr>
+          <p:cNvPr id="19465" name="Picture 9"/>
+          <p:cNvPicPr>
+            <a:picLocks noChangeAspect="1" noChangeArrowheads="1"/>
+          </p:cNvPicPr>
+          <p:nvPr/>
+        </p:nvPicPr>
+        <p:blipFill>
+          <a:blip r:embed="rId4">
+            <a:extLst>
+              <a:ext uri="{28A0092B-C50C-407E-A947-70E740481C1C}">
+                <a14:useLocalDpi xmlns:a14="http://schemas.microsoft.com/office/drawing/2010/main" val="0"/>
+              </a:ext>
+            </a:extLst>
+          </a:blip>
+          <a:srcRect/>
+          <a:stretch>
+            <a:fillRect/>
+          </a:stretch>
+        </p:blipFill>
+        <p:spPr bwMode="auto">
+          <a:xfrm>
+            <a:off x="7046710" y="1893261"/>
+            <a:ext cx="4983741" cy="1432134"/>
+          </a:xfrm>
+          <a:prstGeom prst="rect">
+            <a:avLst/>
+          </a:prstGeom>
+          <a:noFill/>
+          <a:ln>
+            <a:noFill/>
+          </a:ln>
+          <a:extLst>
+            <a:ext uri="{909E8E84-426E-40DD-AFC4-6F175D3DCCD1}">
+              <a14:hiddenFill xmlns:a14="http://schemas.microsoft.com/office/drawing/2010/main">
+                <a:solidFill>
+                  <a:schemeClr val="accent1"/>
+                </a:solidFill>
+              </a14:hiddenFill>
+            </a:ext>
+            <a:ext uri="{91240B29-F687-4F45-9708-019B960494DF}">
+              <a14:hiddenLine xmlns:a14="http://schemas.microsoft.com/office/drawing/2010/main" w="9525">
+                <a:solidFill>
+                  <a:schemeClr val="tx1"/>
+                </a:solidFill>
+                <a:miter lim="800000"/>
+                <a:headEnd/>
+                <a:tailEnd/>
+              </a14:hiddenLine>
+            </a:ext>
+          </a:extLst>
+        </p:spPr>
+      </p:pic>
     </p:spTree>
     <p:extLst>
       <p:ext uri="{BB962C8B-B14F-4D97-AF65-F5344CB8AC3E}">
@@ -27890,6 +28031,13 @@
   <p:clrMapOvr>
     <a:masterClrMapping/>
   </p:clrMapOvr>
+  <p:timing>
+    <p:tnLst>
+      <p:par>
+        <p:cTn id="1" dur="indefinite" restart="never" nodeType="tmRoot"/>
+      </p:par>
+    </p:tnLst>
+  </p:timing>
 </p:sld>
 </file>
 
@@ -27915,7 +28063,7 @@
           <p:cNvPr id="5" name="Title 1">
             <a:extLst>
               <a:ext uri="{FF2B5EF4-FFF2-40B4-BE49-F238E27FC236}">
-                <a16:creationId xmlns:a16="http://schemas.microsoft.com/office/drawing/2014/main" id="{6D41B2FE-9E04-4745-9A2C-2A7473E89DAF}"/>
+                <a16:creationId xmlns:a16="http://schemas.microsoft.com/office/drawing/2014/main" xmlns="" id="{6D41B2FE-9E04-4745-9A2C-2A7473E89DAF}"/>
               </a:ext>
             </a:extLst>
           </p:cNvPr>
@@ -27927,7 +28075,7 @@
         <p:spPr>
           <a:xfrm>
             <a:off x="1939782" y="624110"/>
-            <a:ext cx="9712287" cy="729202"/>
+            <a:ext cx="8911687" cy="729202"/>
           </a:xfrm>
           <a:prstGeom prst="rect">
             <a:avLst/>
@@ -28015,16 +28163,21 @@
           <a:p>
             <a:r>
               <a:rPr lang="en-US" dirty="0"/>
-              <a:t>Solution Details : Job Process Model</a:t>
-            </a:r>
+              <a:t>Solution Details </a:t>
+            </a:r>
+            <a:r>
+              <a:rPr lang="en-US" dirty="0" smtClean="0"/>
+              <a:t>: Report</a:t>
+            </a:r>
+            <a:endParaRPr lang="en-US" dirty="0"/>
           </a:p>
         </p:txBody>
       </p:sp>
       <p:pic>
         <p:nvPicPr>
-          <p:cNvPr id="2" name="Picture 1"/>
+          <p:cNvPr id="20484" name="Picture 4"/>
           <p:cNvPicPr>
-            <a:picLocks noChangeAspect="1"/>
+            <a:picLocks noChangeAspect="1" noChangeArrowheads="1"/>
           </p:cNvPicPr>
           <p:nvPr/>
         </p:nvPicPr>
@@ -28036,30 +28189,61 @@
               </a:ext>
             </a:extLst>
           </a:blip>
+          <a:srcRect/>
           <a:stretch>
             <a:fillRect/>
           </a:stretch>
         </p:blipFill>
-        <p:spPr>
+        <p:spPr bwMode="auto">
           <a:xfrm>
-            <a:off x="764771" y="1473300"/>
-            <a:ext cx="11106040" cy="5168569"/>
+            <a:off x="592716" y="1353312"/>
+            <a:ext cx="11363757" cy="5204352"/>
           </a:xfrm>
           <a:prstGeom prst="rect">
             <a:avLst/>
           </a:prstGeom>
+          <a:noFill/>
+          <a:ln>
+            <a:noFill/>
+          </a:ln>
+          <a:extLst>
+            <a:ext uri="{909E8E84-426E-40DD-AFC4-6F175D3DCCD1}">
+              <a14:hiddenFill xmlns:a14="http://schemas.microsoft.com/office/drawing/2010/main">
+                <a:solidFill>
+                  <a:schemeClr val="accent1"/>
+                </a:solidFill>
+              </a14:hiddenFill>
+            </a:ext>
+            <a:ext uri="{91240B29-F687-4F45-9708-019B960494DF}">
+              <a14:hiddenLine xmlns:a14="http://schemas.microsoft.com/office/drawing/2010/main" w="9525">
+                <a:solidFill>
+                  <a:schemeClr val="tx1"/>
+                </a:solidFill>
+                <a:miter lim="800000"/>
+                <a:headEnd/>
+                <a:tailEnd/>
+              </a14:hiddenLine>
+            </a:ext>
+          </a:extLst>
         </p:spPr>
       </p:pic>
     </p:spTree>
     <p:extLst>
       <p:ext uri="{BB962C8B-B14F-4D97-AF65-F5344CB8AC3E}">
-        <p14:creationId xmlns:p14="http://schemas.microsoft.com/office/powerpoint/2010/main" val="176936914"/>
+        <p14:creationId xmlns:p14="http://schemas.microsoft.com/office/powerpoint/2010/main" val="3030792868"/>
       </p:ext>
     </p:extLst>
   </p:cSld>
   <p:clrMapOvr>
     <a:masterClrMapping/>
   </p:clrMapOvr>
+  <p:timing>
+    <p:tnLst>
+      <p:par>
+        <p:cTn id="1" dur="indefinite" restart="never" nodeType="tmRoot"/>
+      </p:par>
+    </p:tnLst>
+  </p:timing>
 </p:sld>
 </file>
 
@@ -28085,7 +28269,184 @@
           <p:cNvPr id="5" name="Title 1">
             <a:extLst>
               <a:ext uri="{FF2B5EF4-FFF2-40B4-BE49-F238E27FC236}">
-                <a16:creationId xmlns:a16="http://schemas.microsoft.com/office/drawing/2014/main" id="{6D41B2FE-9E04-4745-9A2C-2A7473E89DAF}"/>
+                <a16:creationId xmlns:a16="http://schemas.microsoft.com/office/drawing/2014/main" xmlns="" id="{6D41B2FE-9E04-4745-9A2C-2A7473E89DAF}"/>
+              </a:ext>
+            </a:extLst>
+          </p:cNvPr>
+          <p:cNvSpPr txBox="1">
+            <a:spLocks/>
+          </p:cNvSpPr>
+          <p:nvPr/>
+        </p:nvSpPr>
+        <p:spPr>
+          <a:xfrm>
+            <a:off x="1939782" y="624110"/>
+            <a:ext cx="9712287" cy="729202"/>
+          </a:xfrm>
+          <a:prstGeom prst="rect">
+            <a:avLst/>
+          </a:prstGeom>
+        </p:spPr>
+        <p:txBody>
+          <a:bodyPr vert="horz" lIns="91440" tIns="45720" rIns="91440" bIns="45720" rtlCol="0" anchor="t">
+            <a:normAutofit/>
+          </a:bodyPr>
+          <a:lstStyle>
+            <a:lvl1pPr algn="l" defTabSz="457200" rtl="0" eaLnBrk="1" latinLnBrk="0" hangingPunct="1">
+              <a:spcBef>
+                <a:spcPct val="0"/>
+              </a:spcBef>
+              <a:buNone/>
+              <a:defRPr sz="3600" kern="1200">
+                <a:solidFill>
+                  <a:schemeClr val="tx1">
+                    <a:lumMod val="85000"/>
+                    <a:lumOff val="15000"/>
+                  </a:schemeClr>
+                </a:solidFill>
+                <a:latin typeface="+mj-lt"/>
+                <a:ea typeface="+mj-ea"/>
+                <a:cs typeface="+mj-cs"/>
+              </a:defRPr>
+            </a:lvl1pPr>
+            <a:lvl2pPr eaLnBrk="1" hangingPunct="1">
+              <a:defRPr>
+                <a:solidFill>
+                  <a:schemeClr val="tx2"/>
+                </a:solidFill>
+              </a:defRPr>
+            </a:lvl2pPr>
+            <a:lvl3pPr eaLnBrk="1" hangingPunct="1">
+              <a:defRPr>
+                <a:solidFill>
+                  <a:schemeClr val="tx2"/>
+                </a:solidFill>
+              </a:defRPr>
+            </a:lvl3pPr>
+            <a:lvl4pPr eaLnBrk="1" hangingPunct="1">
+              <a:defRPr>
+                <a:solidFill>
+                  <a:schemeClr val="tx2"/>
+                </a:solidFill>
+              </a:defRPr>
+            </a:lvl4pPr>
+            <a:lvl5pPr eaLnBrk="1" hangingPunct="1">
+              <a:defRPr>
+                <a:solidFill>
+                  <a:schemeClr val="tx2"/>
+                </a:solidFill>
+              </a:defRPr>
+            </a:lvl5pPr>
+            <a:lvl6pPr eaLnBrk="1" hangingPunct="1">
+              <a:defRPr>
+                <a:solidFill>
+                  <a:schemeClr val="tx2"/>
+                </a:solidFill>
+              </a:defRPr>
+            </a:lvl6pPr>
+            <a:lvl7pPr eaLnBrk="1" hangingPunct="1">
+              <a:defRPr>
+                <a:solidFill>
+                  <a:schemeClr val="tx2"/>
+                </a:solidFill>
+              </a:defRPr>
+            </a:lvl7pPr>
+            <a:lvl8pPr eaLnBrk="1" hangingPunct="1">
+              <a:defRPr>
+                <a:solidFill>
+                  <a:schemeClr val="tx2"/>
+                </a:solidFill>
+              </a:defRPr>
+            </a:lvl8pPr>
+            <a:lvl9pPr eaLnBrk="1" hangingPunct="1">
+              <a:defRPr>
+                <a:solidFill>
+                  <a:schemeClr val="tx2"/>
+                </a:solidFill>
+              </a:defRPr>
+            </a:lvl9pPr>
+          </a:lstStyle>
+          <a:p>
+            <a:r>
+              <a:rPr lang="en-US" dirty="0"/>
+              <a:t>Solution Details : Job Process Model</a:t>
+            </a:r>
+          </a:p>
+        </p:txBody>
+      </p:sp>
+      <p:pic>
+        <p:nvPicPr>
+          <p:cNvPr id="3" name="Picture 2"/>
+          <p:cNvPicPr>
+            <a:picLocks noChangeAspect="1"/>
+          </p:cNvPicPr>
+          <p:nvPr/>
+        </p:nvPicPr>
+        <p:blipFill>
+          <a:blip r:embed="rId2">
+            <a:extLst>
+              <a:ext uri="{28A0092B-C50C-407E-A947-70E740481C1C}">
+                <a14:useLocalDpi xmlns:a14="http://schemas.microsoft.com/office/drawing/2010/main" val="0"/>
+              </a:ext>
+            </a:extLst>
+          </a:blip>
+          <a:stretch>
+            <a:fillRect/>
+          </a:stretch>
+        </p:blipFill>
+        <p:spPr>
+          <a:xfrm>
+            <a:off x="0" y="1353312"/>
+            <a:ext cx="12192000" cy="5504687"/>
+          </a:xfrm>
+          <a:prstGeom prst="rect">
+            <a:avLst/>
+          </a:prstGeom>
+        </p:spPr>
+      </p:pic>
+    </p:spTree>
+    <p:extLst>
+      <p:ext uri="{BB962C8B-B14F-4D97-AF65-F5344CB8AC3E}">
+        <p14:creationId xmlns:p14="http://schemas.microsoft.com/office/powerpoint/2010/main" val="176936914"/>
+      </p:ext>
+    </p:extLst>
+  </p:cSld>
+  <p:clrMapOvr>
+    <a:masterClrMapping/>
+  </p:clrMapOvr>
+  <p:timing>
+    <p:tnLst>
+      <p:par>
+        <p:cTn id="1" dur="indefinite" restart="never" nodeType="tmRoot"/>
+      </p:par>
+    </p:tnLst>
+  </p:timing>
+</p:sld>
+</file>
+
+<file path=ppt/slides/slide15.xml><?xml version="1.0" encoding="utf-8"?>
+<p:sld xmlns:a="http://schemas.openxmlformats.org/drawingml/2006/main" xmlns:r="http://schemas.openxmlformats.org/officeDocument/2006/relationships" xmlns:p="http://schemas.openxmlformats.org/presentationml/2006/main">
+  <p:cSld>
+    <p:spTree>
+      <p:nvGrpSpPr>
+        <p:cNvPr id="1" name=""/>
+        <p:cNvGrpSpPr/>
+        <p:nvPr/>
+      </p:nvGrpSpPr>
+      <p:grpSpPr>
+        <a:xfrm>
+          <a:off x="0" y="0"/>
+          <a:ext cx="0" cy="0"/>
+          <a:chOff x="0" y="0"/>
+          <a:chExt cx="0" cy="0"/>
+        </a:xfrm>
+      </p:grpSpPr>
+      <p:sp>
+        <p:nvSpPr>
+          <p:cNvPr id="5" name="Title 1">
+            <a:extLst>
+              <a:ext uri="{FF2B5EF4-FFF2-40B4-BE49-F238E27FC236}">
+                <a16:creationId xmlns:a16="http://schemas.microsoft.com/office/drawing/2014/main" xmlns="" id="{6D41B2FE-9E04-4745-9A2C-2A7473E89DAF}"/>
               </a:ext>
             </a:extLst>
           </p:cNvPr>
@@ -28709,21 +29070,21 @@
                 <a:gridCol w="1420728">
                   <a:extLst>
                     <a:ext uri="{9D8B030D-6E8A-4147-A177-3AD203B41FA5}">
-                      <a16:colId xmlns:a16="http://schemas.microsoft.com/office/drawing/2014/main" val="736635389"/>
+                      <a16:colId xmlns:a16="http://schemas.microsoft.com/office/drawing/2014/main" xmlns="" val="736635389"/>
                     </a:ext>
                   </a:extLst>
                 </a:gridCol>
                 <a:gridCol w="1711331">
                   <a:extLst>
                     <a:ext uri="{9D8B030D-6E8A-4147-A177-3AD203B41FA5}">
-                      <a16:colId xmlns:a16="http://schemas.microsoft.com/office/drawing/2014/main" val="297964325"/>
+                      <a16:colId xmlns:a16="http://schemas.microsoft.com/office/drawing/2014/main" xmlns="" val="297964325"/>
                     </a:ext>
                   </a:extLst>
                 </a:gridCol>
                 <a:gridCol w="4124953">
                   <a:extLst>
                     <a:ext uri="{9D8B030D-6E8A-4147-A177-3AD203B41FA5}">
-                      <a16:colId xmlns:a16="http://schemas.microsoft.com/office/drawing/2014/main" val="1753455201"/>
+                      <a16:colId xmlns:a16="http://schemas.microsoft.com/office/drawing/2014/main" xmlns="" val="1753455201"/>
                     </a:ext>
                   </a:extLst>
                 </a:gridCol>
@@ -28773,7 +29134,7 @@
                 </a:tc>
                 <a:extLst>
                   <a:ext uri="{0D108BD9-81ED-4DB2-BD59-A6C34878D82A}">
-                    <a16:rowId xmlns:a16="http://schemas.microsoft.com/office/drawing/2014/main" val="2820878805"/>
+                    <a16:rowId xmlns:a16="http://schemas.microsoft.com/office/drawing/2014/main" xmlns="" val="2820878805"/>
                   </a:ext>
                 </a:extLst>
               </a:tr>
@@ -28830,7 +29191,7 @@
                 </a:tc>
                 <a:extLst>
                   <a:ext uri="{0D108BD9-81ED-4DB2-BD59-A6C34878D82A}">
-                    <a16:rowId xmlns:a16="http://schemas.microsoft.com/office/drawing/2014/main" val="4101995063"/>
+                    <a16:rowId xmlns:a16="http://schemas.microsoft.com/office/drawing/2014/main" xmlns="" val="4101995063"/>
                   </a:ext>
                 </a:extLst>
               </a:tr>
@@ -28887,7 +29248,7 @@
                 </a:tc>
                 <a:extLst>
                   <a:ext uri="{0D108BD9-81ED-4DB2-BD59-A6C34878D82A}">
-                    <a16:rowId xmlns:a16="http://schemas.microsoft.com/office/drawing/2014/main" val="1287191887"/>
+                    <a16:rowId xmlns:a16="http://schemas.microsoft.com/office/drawing/2014/main" xmlns="" val="1287191887"/>
                   </a:ext>
                 </a:extLst>
               </a:tr>
@@ -28905,223 +29266,13 @@
   <p:clrMapOvr>
     <a:masterClrMapping/>
   </p:clrMapOvr>
-</p:sld>
-</file>
-
-<file path=ppt/slides/slide15.xml><?xml version="1.0" encoding="utf-8"?>
-<p:sld xmlns:a="http://schemas.openxmlformats.org/drawingml/2006/main" xmlns:r="http://schemas.openxmlformats.org/officeDocument/2006/relationships" xmlns:p="http://schemas.openxmlformats.org/presentationml/2006/main">
-  <p:cSld>
-    <p:spTree>
-      <p:nvGrpSpPr>
-        <p:cNvPr id="1" name=""/>
-        <p:cNvGrpSpPr/>
-        <p:nvPr/>
-      </p:nvGrpSpPr>
-      <p:grpSpPr>
-        <a:xfrm>
-          <a:off x="0" y="0"/>
-          <a:ext cx="0" cy="0"/>
-          <a:chOff x="0" y="0"/>
-          <a:chExt cx="0" cy="0"/>
-        </a:xfrm>
-      </p:grpSpPr>
-      <p:sp>
-        <p:nvSpPr>
-          <p:cNvPr id="5" name="Title 1">
-            <a:extLst>
-              <a:ext uri="{FF2B5EF4-FFF2-40B4-BE49-F238E27FC236}">
-                <a16:creationId xmlns:a16="http://schemas.microsoft.com/office/drawing/2014/main" id="{6D41B2FE-9E04-4745-9A2C-2A7473E89DAF}"/>
-              </a:ext>
-            </a:extLst>
-          </p:cNvPr>
-          <p:cNvSpPr txBox="1">
-            <a:spLocks/>
-          </p:cNvSpPr>
-          <p:nvPr/>
-        </p:nvSpPr>
-        <p:spPr>
-          <a:xfrm>
-            <a:off x="1939782" y="624110"/>
-            <a:ext cx="9712287" cy="729202"/>
-          </a:xfrm>
-          <a:prstGeom prst="rect">
-            <a:avLst/>
-          </a:prstGeom>
-        </p:spPr>
-        <p:txBody>
-          <a:bodyPr vert="horz" lIns="91440" tIns="45720" rIns="91440" bIns="45720" rtlCol="0" anchor="t">
-            <a:normAutofit/>
-          </a:bodyPr>
-          <a:lstStyle>
-            <a:lvl1pPr algn="l" defTabSz="457200" rtl="0" eaLnBrk="1" latinLnBrk="0" hangingPunct="1">
-              <a:spcBef>
-                <a:spcPct val="0"/>
-              </a:spcBef>
-              <a:buNone/>
-              <a:defRPr sz="3600" kern="1200">
-                <a:solidFill>
-                  <a:schemeClr val="tx1">
-                    <a:lumMod val="85000"/>
-                    <a:lumOff val="15000"/>
-                  </a:schemeClr>
-                </a:solidFill>
-                <a:latin typeface="+mj-lt"/>
-                <a:ea typeface="+mj-ea"/>
-                <a:cs typeface="+mj-cs"/>
-              </a:defRPr>
-            </a:lvl1pPr>
-            <a:lvl2pPr eaLnBrk="1" hangingPunct="1">
-              <a:defRPr>
-                <a:solidFill>
-                  <a:schemeClr val="tx2"/>
-                </a:solidFill>
-              </a:defRPr>
-            </a:lvl2pPr>
-            <a:lvl3pPr eaLnBrk="1" hangingPunct="1">
-              <a:defRPr>
-                <a:solidFill>
-                  <a:schemeClr val="tx2"/>
-                </a:solidFill>
-              </a:defRPr>
-            </a:lvl3pPr>
-            <a:lvl4pPr eaLnBrk="1" hangingPunct="1">
-              <a:defRPr>
-                <a:solidFill>
-                  <a:schemeClr val="tx2"/>
-                </a:solidFill>
-              </a:defRPr>
-            </a:lvl4pPr>
-            <a:lvl5pPr eaLnBrk="1" hangingPunct="1">
-              <a:defRPr>
-                <a:solidFill>
-                  <a:schemeClr val="tx2"/>
-                </a:solidFill>
-              </a:defRPr>
-            </a:lvl5pPr>
-            <a:lvl6pPr eaLnBrk="1" hangingPunct="1">
-              <a:defRPr>
-                <a:solidFill>
-                  <a:schemeClr val="tx2"/>
-                </a:solidFill>
-              </a:defRPr>
-            </a:lvl6pPr>
-            <a:lvl7pPr eaLnBrk="1" hangingPunct="1">
-              <a:defRPr>
-                <a:solidFill>
-                  <a:schemeClr val="tx2"/>
-                </a:solidFill>
-              </a:defRPr>
-            </a:lvl7pPr>
-            <a:lvl8pPr eaLnBrk="1" hangingPunct="1">
-              <a:defRPr>
-                <a:solidFill>
-                  <a:schemeClr val="tx2"/>
-                </a:solidFill>
-              </a:defRPr>
-            </a:lvl8pPr>
-            <a:lvl9pPr eaLnBrk="1" hangingPunct="1">
-              <a:defRPr>
-                <a:solidFill>
-                  <a:schemeClr val="tx2"/>
-                </a:solidFill>
-              </a:defRPr>
-            </a:lvl9pPr>
-          </a:lstStyle>
-          <a:p>
-            <a:r>
-              <a:rPr lang="en-US" dirty="0"/>
-              <a:t>Demo</a:t>
-            </a:r>
-          </a:p>
-        </p:txBody>
-      </p:sp>
-      <p:sp>
-        <p:nvSpPr>
-          <p:cNvPr id="6" name="Content Placeholder 2">
-            <a:extLst>
-              <a:ext uri="{FF2B5EF4-FFF2-40B4-BE49-F238E27FC236}">
-                <a16:creationId xmlns:a16="http://schemas.microsoft.com/office/drawing/2014/main" id="{6179E3E6-D2E0-0641-9044-A5C8BE90872E}"/>
-              </a:ext>
-            </a:extLst>
-          </p:cNvPr>
-          <p:cNvSpPr>
-            <a:spLocks noGrp="1"/>
-          </p:cNvSpPr>
-          <p:nvPr>
-            <p:ph idx="1"/>
-          </p:nvPr>
-        </p:nvSpPr>
-        <p:spPr>
-          <a:xfrm>
-            <a:off x="1939782" y="1724297"/>
-            <a:ext cx="8915400" cy="3777622"/>
-          </a:xfrm>
-        </p:spPr>
-        <p:txBody>
-          <a:bodyPr/>
-          <a:lstStyle/>
-          <a:p>
-            <a:r>
-              <a:rPr lang="en-US" dirty="0"/>
-              <a:t>Done on a </a:t>
-            </a:r>
-            <a:r>
-              <a:rPr lang="en-US" dirty="0" smtClean="0"/>
-              <a:t>small </a:t>
-            </a:r>
-            <a:r>
-              <a:rPr lang="en-US" dirty="0"/>
-              <a:t>set of Data(</a:t>
-            </a:r>
-            <a:r>
-              <a:rPr lang="en-US" sz="1600" i="1" dirty="0"/>
-              <a:t>in the interest of time</a:t>
-            </a:r>
-            <a:r>
-              <a:rPr lang="en-US" dirty="0"/>
-              <a:t>)</a:t>
-            </a:r>
-          </a:p>
-          <a:p>
-            <a:r>
-              <a:rPr lang="en-US" dirty="0"/>
-              <a:t>Will be an E2E demo inclusive of:</a:t>
-            </a:r>
-          </a:p>
-          <a:p>
-            <a:pPr lvl="1"/>
-            <a:r>
-              <a:rPr lang="en-US" dirty="0" smtClean="0"/>
-              <a:t>SQL </a:t>
-            </a:r>
-            <a:r>
-              <a:rPr lang="en-US" dirty="0"/>
-              <a:t>code walkthrough</a:t>
-            </a:r>
-          </a:p>
-          <a:p>
-            <a:pPr lvl="1"/>
-            <a:r>
-              <a:rPr lang="en-US" dirty="0" smtClean="0"/>
-              <a:t>Job execution using Airflow</a:t>
-            </a:r>
-            <a:endParaRPr lang="en-US" dirty="0"/>
-          </a:p>
-          <a:p>
-            <a:endParaRPr lang="en-US" dirty="0"/>
-          </a:p>
-        </p:txBody>
-      </p:sp>
-    </p:spTree>
-    <p:extLst>
-      <p:ext uri="{BB962C8B-B14F-4D97-AF65-F5344CB8AC3E}">
-        <p14:creationId xmlns:p14="http://schemas.microsoft.com/office/powerpoint/2010/main" val="1999878894"/>
-      </p:ext>
-    </p:extLst>
-  </p:cSld>
-  <p:clrMapOvr>
-    <a:masterClrMapping/>
-  </p:clrMapOvr>
+  <p:timing>
+    <p:tnLst>
+      <p:par>
+        <p:cTn id="1" dur="indefinite" restart="never" nodeType="tmRoot"/>
+      </p:par>
+    </p:tnLst>
+  </p:timing>
 </p:sld>
 </file>
 
@@ -29147,7 +29298,231 @@
           <p:cNvPr id="5" name="Title 1">
             <a:extLst>
               <a:ext uri="{FF2B5EF4-FFF2-40B4-BE49-F238E27FC236}">
-                <a16:creationId xmlns:a16="http://schemas.microsoft.com/office/drawing/2014/main" id="{6D41B2FE-9E04-4745-9A2C-2A7473E89DAF}"/>
+                <a16:creationId xmlns:a16="http://schemas.microsoft.com/office/drawing/2014/main" xmlns="" id="{6D41B2FE-9E04-4745-9A2C-2A7473E89DAF}"/>
+              </a:ext>
+            </a:extLst>
+          </p:cNvPr>
+          <p:cNvSpPr txBox="1">
+            <a:spLocks/>
+          </p:cNvSpPr>
+          <p:nvPr/>
+        </p:nvSpPr>
+        <p:spPr>
+          <a:xfrm>
+            <a:off x="1939782" y="624110"/>
+            <a:ext cx="9712287" cy="729202"/>
+          </a:xfrm>
+          <a:prstGeom prst="rect">
+            <a:avLst/>
+          </a:prstGeom>
+        </p:spPr>
+        <p:txBody>
+          <a:bodyPr vert="horz" lIns="91440" tIns="45720" rIns="91440" bIns="45720" rtlCol="0" anchor="t">
+            <a:normAutofit/>
+          </a:bodyPr>
+          <a:lstStyle>
+            <a:lvl1pPr algn="l" defTabSz="457200" rtl="0" eaLnBrk="1" latinLnBrk="0" hangingPunct="1">
+              <a:spcBef>
+                <a:spcPct val="0"/>
+              </a:spcBef>
+              <a:buNone/>
+              <a:defRPr sz="3600" kern="1200">
+                <a:solidFill>
+                  <a:schemeClr val="tx1">
+                    <a:lumMod val="85000"/>
+                    <a:lumOff val="15000"/>
+                  </a:schemeClr>
+                </a:solidFill>
+                <a:latin typeface="+mj-lt"/>
+                <a:ea typeface="+mj-ea"/>
+                <a:cs typeface="+mj-cs"/>
+              </a:defRPr>
+            </a:lvl1pPr>
+            <a:lvl2pPr eaLnBrk="1" hangingPunct="1">
+              <a:defRPr>
+                <a:solidFill>
+                  <a:schemeClr val="tx2"/>
+                </a:solidFill>
+              </a:defRPr>
+            </a:lvl2pPr>
+            <a:lvl3pPr eaLnBrk="1" hangingPunct="1">
+              <a:defRPr>
+                <a:solidFill>
+                  <a:schemeClr val="tx2"/>
+                </a:solidFill>
+              </a:defRPr>
+            </a:lvl3pPr>
+            <a:lvl4pPr eaLnBrk="1" hangingPunct="1">
+              <a:defRPr>
+                <a:solidFill>
+                  <a:schemeClr val="tx2"/>
+                </a:solidFill>
+              </a:defRPr>
+            </a:lvl4pPr>
+            <a:lvl5pPr eaLnBrk="1" hangingPunct="1">
+              <a:defRPr>
+                <a:solidFill>
+                  <a:schemeClr val="tx2"/>
+                </a:solidFill>
+              </a:defRPr>
+            </a:lvl5pPr>
+            <a:lvl6pPr eaLnBrk="1" hangingPunct="1">
+              <a:defRPr>
+                <a:solidFill>
+                  <a:schemeClr val="tx2"/>
+                </a:solidFill>
+              </a:defRPr>
+            </a:lvl6pPr>
+            <a:lvl7pPr eaLnBrk="1" hangingPunct="1">
+              <a:defRPr>
+                <a:solidFill>
+                  <a:schemeClr val="tx2"/>
+                </a:solidFill>
+              </a:defRPr>
+            </a:lvl7pPr>
+            <a:lvl8pPr eaLnBrk="1" hangingPunct="1">
+              <a:defRPr>
+                <a:solidFill>
+                  <a:schemeClr val="tx2"/>
+                </a:solidFill>
+              </a:defRPr>
+            </a:lvl8pPr>
+            <a:lvl9pPr eaLnBrk="1" hangingPunct="1">
+              <a:defRPr>
+                <a:solidFill>
+                  <a:schemeClr val="tx2"/>
+                </a:solidFill>
+              </a:defRPr>
+            </a:lvl9pPr>
+          </a:lstStyle>
+          <a:p>
+            <a:r>
+              <a:rPr lang="en-US" dirty="0"/>
+              <a:t>Demo</a:t>
+            </a:r>
+          </a:p>
+        </p:txBody>
+      </p:sp>
+      <p:sp>
+        <p:nvSpPr>
+          <p:cNvPr id="6" name="Content Placeholder 2">
+            <a:extLst>
+              <a:ext uri="{FF2B5EF4-FFF2-40B4-BE49-F238E27FC236}">
+                <a16:creationId xmlns:a16="http://schemas.microsoft.com/office/drawing/2014/main" xmlns="" id="{6179E3E6-D2E0-0641-9044-A5C8BE90872E}"/>
+              </a:ext>
+            </a:extLst>
+          </p:cNvPr>
+          <p:cNvSpPr>
+            <a:spLocks noGrp="1"/>
+          </p:cNvSpPr>
+          <p:nvPr>
+            <p:ph idx="1"/>
+          </p:nvPr>
+        </p:nvSpPr>
+        <p:spPr>
+          <a:xfrm>
+            <a:off x="1939782" y="1724297"/>
+            <a:ext cx="8915400" cy="3777622"/>
+          </a:xfrm>
+        </p:spPr>
+        <p:txBody>
+          <a:bodyPr/>
+          <a:lstStyle/>
+          <a:p>
+            <a:r>
+              <a:rPr lang="en-US" dirty="0"/>
+              <a:t>Done on a </a:t>
+            </a:r>
+            <a:r>
+              <a:rPr lang="en-US" dirty="0" smtClean="0"/>
+              <a:t>small </a:t>
+            </a:r>
+            <a:r>
+              <a:rPr lang="en-US" dirty="0"/>
+              <a:t>set of Data(</a:t>
+            </a:r>
+            <a:r>
+              <a:rPr lang="en-US" sz="1600" i="1" dirty="0"/>
+              <a:t>in the interest of time</a:t>
+            </a:r>
+            <a:r>
+              <a:rPr lang="en-US" dirty="0"/>
+              <a:t>)</a:t>
+            </a:r>
+          </a:p>
+          <a:p>
+            <a:r>
+              <a:rPr lang="en-US" dirty="0"/>
+              <a:t>Will be an E2E demo inclusive of:</a:t>
+            </a:r>
+          </a:p>
+          <a:p>
+            <a:pPr lvl="1"/>
+            <a:r>
+              <a:rPr lang="en-US" dirty="0" smtClean="0"/>
+              <a:t>SQL </a:t>
+            </a:r>
+            <a:r>
+              <a:rPr lang="en-US" dirty="0"/>
+              <a:t>code walkthrough</a:t>
+            </a:r>
+          </a:p>
+          <a:p>
+            <a:pPr lvl="1"/>
+            <a:r>
+              <a:rPr lang="en-US" dirty="0" smtClean="0"/>
+              <a:t>Job execution using Airflow</a:t>
+            </a:r>
+            <a:endParaRPr lang="en-US" dirty="0"/>
+          </a:p>
+          <a:p>
+            <a:endParaRPr lang="en-US" dirty="0"/>
+          </a:p>
+        </p:txBody>
+      </p:sp>
+    </p:spTree>
+    <p:extLst>
+      <p:ext uri="{BB962C8B-B14F-4D97-AF65-F5344CB8AC3E}">
+        <p14:creationId xmlns:p14="http://schemas.microsoft.com/office/powerpoint/2010/main" val="1999878894"/>
+      </p:ext>
+    </p:extLst>
+  </p:cSld>
+  <p:clrMapOvr>
+    <a:masterClrMapping/>
+  </p:clrMapOvr>
+  <p:timing>
+    <p:tnLst>
+      <p:par>
+        <p:cTn id="1" dur="indefinite" restart="never" nodeType="tmRoot"/>
+      </p:par>
+    </p:tnLst>
+  </p:timing>
+</p:sld>
+</file>
+
+<file path=ppt/slides/slide17.xml><?xml version="1.0" encoding="utf-8"?>
+<p:sld xmlns:a="http://schemas.openxmlformats.org/drawingml/2006/main" xmlns:r="http://schemas.openxmlformats.org/officeDocument/2006/relationships" xmlns:p="http://schemas.openxmlformats.org/presentationml/2006/main">
+  <p:cSld>
+    <p:spTree>
+      <p:nvGrpSpPr>
+        <p:cNvPr id="1" name=""/>
+        <p:cNvGrpSpPr/>
+        <p:nvPr/>
+      </p:nvGrpSpPr>
+      <p:grpSpPr>
+        <a:xfrm>
+          <a:off x="0" y="0"/>
+          <a:ext cx="0" cy="0"/>
+          <a:chOff x="0" y="0"/>
+          <a:chExt cx="0" cy="0"/>
+        </a:xfrm>
+      </p:grpSpPr>
+      <p:sp>
+        <p:nvSpPr>
+          <p:cNvPr id="5" name="Title 1">
+            <a:extLst>
+              <a:ext uri="{FF2B5EF4-FFF2-40B4-BE49-F238E27FC236}">
+                <a16:creationId xmlns:a16="http://schemas.microsoft.com/office/drawing/2014/main" xmlns="" id="{6D41B2FE-9E04-4745-9A2C-2A7473E89DAF}"/>
               </a:ext>
             </a:extLst>
           </p:cNvPr>
@@ -29292,10 +29667,17 @@
   <p:clrMapOvr>
     <a:masterClrMapping/>
   </p:clrMapOvr>
+  <p:timing>
+    <p:tnLst>
+      <p:par>
+        <p:cTn id="1" dur="indefinite" restart="never" nodeType="tmRoot"/>
+      </p:par>
+    </p:tnLst>
+  </p:timing>
 </p:sld>
 </file>
 
-<file path=ppt/slides/slide17.xml><?xml version="1.0" encoding="utf-8"?>
+<file path=ppt/slides/slide18.xml><?xml version="1.0" encoding="utf-8"?>
 <p:sld xmlns:a="http://schemas.openxmlformats.org/drawingml/2006/main" xmlns:r="http://schemas.openxmlformats.org/officeDocument/2006/relationships" xmlns:p="http://schemas.openxmlformats.org/presentationml/2006/main">
   <p:cSld>
     <p:spTree>
@@ -29317,7 +29699,7 @@
           <p:cNvPr id="5" name="Content Placeholder 4">
             <a:extLst>
               <a:ext uri="{FF2B5EF4-FFF2-40B4-BE49-F238E27FC236}">
-                <a16:creationId xmlns:a16="http://schemas.microsoft.com/office/drawing/2014/main" id="{B2A11469-D219-6F4A-AC43-38B81A8701AC}"/>
+                <a16:creationId xmlns:a16="http://schemas.microsoft.com/office/drawing/2014/main" xmlns="" id="{B2A11469-D219-6F4A-AC43-38B81A8701AC}"/>
               </a:ext>
             </a:extLst>
           </p:cNvPr>
@@ -29346,7 +29728,7 @@
           <p:cNvPr id="2" name="Title 1">
             <a:extLst>
               <a:ext uri="{FF2B5EF4-FFF2-40B4-BE49-F238E27FC236}">
-                <a16:creationId xmlns:a16="http://schemas.microsoft.com/office/drawing/2014/main" id="{FF2E6130-F4E9-BA4A-BFF0-8A33FDBF17C9}"/>
+                <a16:creationId xmlns:a16="http://schemas.microsoft.com/office/drawing/2014/main" xmlns="" id="{FF2E6130-F4E9-BA4A-BFF0-8A33FDBF17C9}"/>
               </a:ext>
             </a:extLst>
           </p:cNvPr>
@@ -29384,328 +29766,13 @@
   <p:clrMapOvr>
     <a:masterClrMapping/>
   </p:clrMapOvr>
-</p:sld>
-</file>
-
-<file path=ppt/slides/slide18.xml><?xml version="1.0" encoding="utf-8"?>
-<p:sld xmlns:a="http://schemas.openxmlformats.org/drawingml/2006/main" xmlns:r="http://schemas.openxmlformats.org/officeDocument/2006/relationships" xmlns:p="http://schemas.openxmlformats.org/presentationml/2006/main">
-  <p:cSld>
-    <p:spTree>
-      <p:nvGrpSpPr>
-        <p:cNvPr id="1" name=""/>
-        <p:cNvGrpSpPr/>
-        <p:nvPr/>
-      </p:nvGrpSpPr>
-      <p:grpSpPr>
-        <a:xfrm>
-          <a:off x="0" y="0"/>
-          <a:ext cx="0" cy="0"/>
-          <a:chOff x="0" y="0"/>
-          <a:chExt cx="0" cy="0"/>
-        </a:xfrm>
-      </p:grpSpPr>
-      <p:sp>
-        <p:nvSpPr>
-          <p:cNvPr id="3" name="Content Placeholder 2">
-            <a:extLst>
-              <a:ext uri="{FF2B5EF4-FFF2-40B4-BE49-F238E27FC236}">
-                <a16:creationId xmlns:a16="http://schemas.microsoft.com/office/drawing/2014/main" id="{CE0C006A-2597-DA48-8B7C-0DB563267741}"/>
-              </a:ext>
-            </a:extLst>
-          </p:cNvPr>
-          <p:cNvSpPr>
-            <a:spLocks noGrp="1"/>
-          </p:cNvSpPr>
-          <p:nvPr>
-            <p:ph idx="1"/>
-          </p:nvPr>
-        </p:nvSpPr>
-        <p:spPr>
-          <a:xfrm>
-            <a:off x="1939781" y="1515290"/>
-            <a:ext cx="9346527" cy="5342709"/>
-          </a:xfrm>
-        </p:spPr>
-        <p:txBody>
-          <a:bodyPr>
-            <a:normAutofit fontScale="92500" lnSpcReduction="10000"/>
-          </a:bodyPr>
-          <a:lstStyle/>
-          <a:p>
-            <a:r>
-              <a:rPr lang="en-US" dirty="0">
-                <a:solidFill>
-                  <a:srgbClr val="002060"/>
-                </a:solidFill>
-              </a:rPr>
-              <a:t>Event Based Trigger : (Automatic triggering of DWH batch)</a:t>
-            </a:r>
-          </a:p>
-          <a:p>
-            <a:pPr lvl="1"/>
-            <a:r>
-              <a:rPr lang="en-US" dirty="0" smtClean="0"/>
-              <a:t>We </a:t>
-            </a:r>
-            <a:r>
-              <a:rPr lang="en-US" dirty="0"/>
-              <a:t>can create an airflow dag task to check every 2-5 seconds, if </a:t>
-            </a:r>
-            <a:r>
-              <a:rPr lang="en-US" dirty="0" smtClean="0"/>
-              <a:t>already all files have  been delivered then start the batch. </a:t>
-            </a:r>
-            <a:endParaRPr lang="en-US" dirty="0" smtClean="0"/>
-          </a:p>
-          <a:p>
-            <a:r>
-              <a:rPr lang="en-US" dirty="0" smtClean="0">
-                <a:solidFill>
-                  <a:srgbClr val="002060"/>
-                </a:solidFill>
-              </a:rPr>
-              <a:t>Batch </a:t>
-            </a:r>
-            <a:r>
-              <a:rPr lang="en-US" dirty="0">
-                <a:solidFill>
-                  <a:srgbClr val="002060"/>
-                </a:solidFill>
-              </a:rPr>
-              <a:t>Status Mail : </a:t>
-            </a:r>
-          </a:p>
-          <a:p>
-            <a:pPr lvl="1"/>
-            <a:r>
-              <a:rPr lang="en-US" dirty="0"/>
-              <a:t>We can create a job which will send (Team) an email confirmation that batch has started, completed staging, completed fact and OLAP etc. In each stage we can get notified.</a:t>
-            </a:r>
-          </a:p>
-          <a:p>
-            <a:r>
-              <a:rPr lang="en-US" dirty="0">
-                <a:solidFill>
-                  <a:srgbClr val="002060"/>
-                </a:solidFill>
-              </a:rPr>
-              <a:t>Staging Area </a:t>
-            </a:r>
-            <a:r>
-              <a:rPr lang="en-US" dirty="0" smtClean="0">
-                <a:solidFill>
-                  <a:srgbClr val="002060"/>
-                </a:solidFill>
-              </a:rPr>
-              <a:t>:</a:t>
-            </a:r>
-          </a:p>
-          <a:p>
-            <a:pPr lvl="1"/>
-            <a:r>
-              <a:rPr lang="en-US" dirty="0" smtClean="0"/>
-              <a:t>Parallel </a:t>
-            </a:r>
-            <a:r>
-              <a:rPr lang="en-US" dirty="0"/>
-              <a:t>processing : If we use Amazon redshift(distributed network) to store whole DWH area, then these huge data can be processed parallel across multiple nodes</a:t>
-            </a:r>
-            <a:r>
-              <a:rPr lang="en-US" dirty="0" smtClean="0"/>
-              <a:t>.</a:t>
-            </a:r>
-          </a:p>
-          <a:p>
-            <a:r>
-              <a:rPr lang="en-US" dirty="0">
-                <a:solidFill>
-                  <a:srgbClr val="002060"/>
-                </a:solidFill>
-              </a:rPr>
-              <a:t>Batch Monitoring Dashboard :</a:t>
-            </a:r>
-          </a:p>
-          <a:p>
-            <a:pPr lvl="1"/>
-            <a:r>
-              <a:rPr lang="en-US" dirty="0" smtClean="0"/>
-              <a:t>Create </a:t>
-            </a:r>
-            <a:r>
-              <a:rPr lang="en-US" dirty="0"/>
-              <a:t>a Batch monitoring dashboard using </a:t>
-            </a:r>
-            <a:r>
-              <a:rPr lang="en-US" dirty="0" err="1"/>
-              <a:t>auditing_own</a:t>
-            </a:r>
-            <a:r>
-              <a:rPr lang="en-US" dirty="0"/>
-              <a:t> schema tables, where we can easily monitor the  batch status(if not airflow</a:t>
-            </a:r>
-            <a:r>
-              <a:rPr lang="en-US" dirty="0" smtClean="0"/>
-              <a:t>).</a:t>
-            </a:r>
-          </a:p>
-          <a:p>
-            <a:r>
-              <a:rPr lang="en-US" dirty="0">
-                <a:solidFill>
-                  <a:srgbClr val="002060"/>
-                </a:solidFill>
-              </a:rPr>
-              <a:t>Source File Movement :</a:t>
-            </a:r>
-          </a:p>
-          <a:p>
-            <a:pPr lvl="1"/>
-            <a:r>
-              <a:rPr lang="en-US" dirty="0" smtClean="0"/>
-              <a:t>Once Python processes the source file, the file should be moved to done location. In that way we will not be overriding the files of one date to another.</a:t>
-            </a:r>
-          </a:p>
-          <a:p>
-            <a:pPr lvl="1"/>
-            <a:r>
-              <a:rPr lang="en-US" dirty="0" smtClean="0"/>
-              <a:t>In case there is a failure we should move the file to working location. In that way it would be clear which </a:t>
-            </a:r>
-            <a:r>
-              <a:rPr lang="en-US" dirty="0" smtClean="0"/>
-              <a:t>one is </a:t>
-            </a:r>
-            <a:r>
-              <a:rPr lang="en-US" dirty="0" smtClean="0"/>
-              <a:t>still pending for processing.</a:t>
-            </a:r>
-            <a:endParaRPr lang="en-US" dirty="0"/>
-          </a:p>
-          <a:p>
-            <a:endParaRPr lang="en-US" dirty="0"/>
-          </a:p>
-        </p:txBody>
-      </p:sp>
-      <p:sp>
-        <p:nvSpPr>
-          <p:cNvPr id="4" name="Title 1">
-            <a:extLst>
-              <a:ext uri="{FF2B5EF4-FFF2-40B4-BE49-F238E27FC236}">
-                <a16:creationId xmlns:a16="http://schemas.microsoft.com/office/drawing/2014/main" id="{6D41B2FE-9E04-4745-9A2C-2A7473E89DAF}"/>
-              </a:ext>
-            </a:extLst>
-          </p:cNvPr>
-          <p:cNvSpPr txBox="1">
-            <a:spLocks/>
-          </p:cNvSpPr>
-          <p:nvPr/>
-        </p:nvSpPr>
-        <p:spPr>
-          <a:xfrm>
-            <a:off x="1939782" y="624110"/>
-            <a:ext cx="9712287" cy="729202"/>
-          </a:xfrm>
-          <a:prstGeom prst="rect">
-            <a:avLst/>
-          </a:prstGeom>
-        </p:spPr>
-        <p:txBody>
-          <a:bodyPr vert="horz" lIns="91440" tIns="45720" rIns="91440" bIns="45720" rtlCol="0" anchor="t">
-            <a:normAutofit/>
-          </a:bodyPr>
-          <a:lstStyle>
-            <a:lvl1pPr algn="l" defTabSz="457200" rtl="0" eaLnBrk="1" latinLnBrk="0" hangingPunct="1">
-              <a:spcBef>
-                <a:spcPct val="0"/>
-              </a:spcBef>
-              <a:buNone/>
-              <a:defRPr sz="3600" kern="1200">
-                <a:solidFill>
-                  <a:schemeClr val="tx1">
-                    <a:lumMod val="85000"/>
-                    <a:lumOff val="15000"/>
-                  </a:schemeClr>
-                </a:solidFill>
-                <a:latin typeface="+mj-lt"/>
-                <a:ea typeface="+mj-ea"/>
-                <a:cs typeface="+mj-cs"/>
-              </a:defRPr>
-            </a:lvl1pPr>
-            <a:lvl2pPr eaLnBrk="1" hangingPunct="1">
-              <a:defRPr>
-                <a:solidFill>
-                  <a:schemeClr val="tx2"/>
-                </a:solidFill>
-              </a:defRPr>
-            </a:lvl2pPr>
-            <a:lvl3pPr eaLnBrk="1" hangingPunct="1">
-              <a:defRPr>
-                <a:solidFill>
-                  <a:schemeClr val="tx2"/>
-                </a:solidFill>
-              </a:defRPr>
-            </a:lvl3pPr>
-            <a:lvl4pPr eaLnBrk="1" hangingPunct="1">
-              <a:defRPr>
-                <a:solidFill>
-                  <a:schemeClr val="tx2"/>
-                </a:solidFill>
-              </a:defRPr>
-            </a:lvl4pPr>
-            <a:lvl5pPr eaLnBrk="1" hangingPunct="1">
-              <a:defRPr>
-                <a:solidFill>
-                  <a:schemeClr val="tx2"/>
-                </a:solidFill>
-              </a:defRPr>
-            </a:lvl5pPr>
-            <a:lvl6pPr eaLnBrk="1" hangingPunct="1">
-              <a:defRPr>
-                <a:solidFill>
-                  <a:schemeClr val="tx2"/>
-                </a:solidFill>
-              </a:defRPr>
-            </a:lvl6pPr>
-            <a:lvl7pPr eaLnBrk="1" hangingPunct="1">
-              <a:defRPr>
-                <a:solidFill>
-                  <a:schemeClr val="tx2"/>
-                </a:solidFill>
-              </a:defRPr>
-            </a:lvl7pPr>
-            <a:lvl8pPr eaLnBrk="1" hangingPunct="1">
-              <a:defRPr>
-                <a:solidFill>
-                  <a:schemeClr val="tx2"/>
-                </a:solidFill>
-              </a:defRPr>
-            </a:lvl8pPr>
-            <a:lvl9pPr eaLnBrk="1" hangingPunct="1">
-              <a:defRPr>
-                <a:solidFill>
-                  <a:schemeClr val="tx2"/>
-                </a:solidFill>
-              </a:defRPr>
-            </a:lvl9pPr>
-          </a:lstStyle>
-          <a:p>
-            <a:r>
-              <a:rPr lang="en-US" dirty="0"/>
-              <a:t>Future Improvements</a:t>
-            </a:r>
-          </a:p>
-        </p:txBody>
-      </p:sp>
-    </p:spTree>
-    <p:extLst>
-      <p:ext uri="{BB962C8B-B14F-4D97-AF65-F5344CB8AC3E}">
-        <p14:creationId xmlns:p14="http://schemas.microsoft.com/office/powerpoint/2010/main" val="3442659592"/>
-      </p:ext>
-    </p:extLst>
-  </p:cSld>
-  <p:clrMapOvr>
-    <a:masterClrMapping/>
-  </p:clrMapOvr>
+  <p:timing>
+    <p:tnLst>
+      <p:par>
+        <p:cTn id="1" dur="indefinite" restart="never" nodeType="tmRoot"/>
+      </p:par>
+    </p:tnLst>
+  </p:timing>
 </p:sld>
 </file>
 
@@ -29731,7 +29798,7 @@
           <p:cNvPr id="3" name="Content Placeholder 2">
             <a:extLst>
               <a:ext uri="{FF2B5EF4-FFF2-40B4-BE49-F238E27FC236}">
-                <a16:creationId xmlns:a16="http://schemas.microsoft.com/office/drawing/2014/main" id="{CE0C006A-2597-DA48-8B7C-0DB563267741}"/>
+                <a16:creationId xmlns:a16="http://schemas.microsoft.com/office/drawing/2014/main" xmlns="" id="{CE0C006A-2597-DA48-8B7C-0DB563267741}"/>
               </a:ext>
             </a:extLst>
           </p:cNvPr>
@@ -29750,31 +29817,86 @@
         </p:spPr>
         <p:txBody>
           <a:bodyPr>
-            <a:normAutofit/>
+            <a:normAutofit fontScale="92500" lnSpcReduction="10000"/>
           </a:bodyPr>
           <a:lstStyle/>
           <a:p>
             <a:r>
+              <a:rPr lang="en-US" dirty="0">
+                <a:solidFill>
+                  <a:srgbClr val="002060"/>
+                </a:solidFill>
+              </a:rPr>
+              <a:t>Event Based Trigger : (Automatic triggering of DWH batch)</a:t>
+            </a:r>
+          </a:p>
+          <a:p>
+            <a:pPr lvl="1"/>
+            <a:r>
+              <a:rPr lang="en-US" dirty="0" smtClean="0"/>
+              <a:t>We </a:t>
+            </a:r>
+            <a:r>
+              <a:rPr lang="en-US" dirty="0"/>
+              <a:t>can create an airflow dag task to check every 2-5 seconds, if </a:t>
+            </a:r>
+            <a:r>
+              <a:rPr lang="en-US" dirty="0" smtClean="0"/>
+              <a:t>already all files have  been delivered then start the batch. </a:t>
+            </a:r>
+          </a:p>
+          <a:p>
+            <a:r>
               <a:rPr lang="en-US" dirty="0" smtClean="0">
                 <a:solidFill>
                   <a:srgbClr val="002060"/>
                 </a:solidFill>
               </a:rPr>
-              <a:t>Independent Execution of airflow containers :</a:t>
+              <a:t>Batch </a:t>
+            </a:r>
+            <a:r>
+              <a:rPr lang="en-US" dirty="0">
+                <a:solidFill>
+                  <a:srgbClr val="002060"/>
+                </a:solidFill>
+              </a:rPr>
+              <a:t>Status Mail : </a:t>
             </a:r>
           </a:p>
           <a:p>
             <a:pPr lvl="1"/>
             <a:r>
               <a:rPr lang="en-US" dirty="0"/>
-              <a:t>In a production environment set up , we should separate airflow scheduler &amp; webserver, so that they should run in two different containers.</a:t>
+              <a:t>We can create a job which will send (Team) an email confirmation that batch has started, completed staging, completed fact and OLAP etc. In each stage we can get notified.</a:t>
+            </a:r>
+          </a:p>
+          <a:p>
+            <a:r>
+              <a:rPr lang="en-US" dirty="0">
+                <a:solidFill>
+                  <a:srgbClr val="002060"/>
+                </a:solidFill>
+              </a:rPr>
+              <a:t>Staging Area </a:t>
+            </a:r>
+            <a:r>
+              <a:rPr lang="en-US" dirty="0" smtClean="0">
+                <a:solidFill>
+                  <a:srgbClr val="002060"/>
+                </a:solidFill>
+              </a:rPr>
+              <a:t>:</a:t>
             </a:r>
           </a:p>
           <a:p>
             <a:pPr lvl="1"/>
             <a:r>
+              <a:rPr lang="en-US" dirty="0" smtClean="0"/>
+              <a:t>Parallel </a:t>
+            </a:r>
+            <a:r>
               <a:rPr lang="en-US" dirty="0"/>
-              <a:t>Proper networking between containers</a:t>
+              <a:t>processing : If we use Amazon redshift(distributed network) to store whole DWH area, then these huge data can be processed parallel across multiple nodes</a:t>
             </a:r>
             <a:r>
               <a:rPr lang="en-US" dirty="0" smtClean="0"/>
@@ -29782,35 +29904,65 @@
             </a:r>
           </a:p>
           <a:p>
+            <a:r>
+              <a:rPr lang="en-US" dirty="0">
+                <a:solidFill>
+                  <a:srgbClr val="002060"/>
+                </a:solidFill>
+              </a:rPr>
+              <a:t>Batch Monitoring Dashboard :</a:t>
+            </a:r>
+          </a:p>
+          <a:p>
             <a:pPr lvl="1"/>
             <a:r>
               <a:rPr lang="en-US" dirty="0" smtClean="0"/>
-              <a:t>Creating an </a:t>
-            </a:r>
-            <a:r>
-              <a:rPr lang="en-US" dirty="0" err="1" smtClean="0"/>
-              <a:t>docker-compose.yml</a:t>
+              <a:t>Create </a:t>
+            </a:r>
+            <a:r>
+              <a:rPr lang="en-US" dirty="0"/>
+              <a:t>a Batch monitoring dashboard using </a:t>
+            </a:r>
+            <a:r>
+              <a:rPr lang="en-US" dirty="0" err="1"/>
+              <a:t>auditing_own</a:t>
+            </a:r>
+            <a:r>
+              <a:rPr lang="en-US" dirty="0"/>
+              <a:t> schema tables, where we can easily monitor the  batch status(if not airflow</a:t>
             </a:r>
             <a:r>
               <a:rPr lang="en-US" dirty="0" smtClean="0"/>
-              <a:t> file to start all these containers at once</a:t>
+              <a:t>).</a:t>
+            </a:r>
+          </a:p>
+          <a:p>
+            <a:r>
+              <a:rPr lang="en-US" dirty="0">
+                <a:solidFill>
+                  <a:srgbClr val="002060"/>
+                </a:solidFill>
+              </a:rPr>
+              <a:t>Source File Movement :</a:t>
+            </a:r>
+          </a:p>
+          <a:p>
+            <a:pPr lvl="1"/>
+            <a:r>
+              <a:rPr lang="en-US" dirty="0" smtClean="0"/>
+              <a:t>Once Python processes the source file, the file should be moved to done location. In that way we will not be overriding the files of one date to another.</a:t>
+            </a:r>
+          </a:p>
+          <a:p>
+            <a:pPr lvl="1"/>
+            <a:r>
+              <a:rPr lang="en-US" dirty="0" smtClean="0"/>
+              <a:t>In case there is a failure we should move the file to working location. In that way it would be clear which one is still pending for processing.</a:t>
             </a:r>
             <a:endParaRPr lang="en-US" dirty="0"/>
           </a:p>
           <a:p>
-            <a:r>
-              <a:rPr lang="en-US" dirty="0">
-                <a:solidFill>
-                  <a:srgbClr val="002060"/>
-                </a:solidFill>
-              </a:rPr>
-              <a:t>PDF Report to DNB</a:t>
-            </a:r>
-            <a:endParaRPr lang="en-US" dirty="0">
-              <a:solidFill>
-                <a:srgbClr val="002060"/>
-              </a:solidFill>
-            </a:endParaRPr>
+            <a:endParaRPr lang="en-US" dirty="0"/>
           </a:p>
         </p:txBody>
       </p:sp>
@@ -29819,7 +29971,7 @@
           <p:cNvPr id="4" name="Title 1">
             <a:extLst>
               <a:ext uri="{FF2B5EF4-FFF2-40B4-BE49-F238E27FC236}">
-                <a16:creationId xmlns:a16="http://schemas.microsoft.com/office/drawing/2014/main" id="{6D41B2FE-9E04-4745-9A2C-2A7473E89DAF}"/>
+                <a16:creationId xmlns:a16="http://schemas.microsoft.com/office/drawing/2014/main" xmlns="" id="{6D41B2FE-9E04-4745-9A2C-2A7473E89DAF}"/>
               </a:ext>
             </a:extLst>
           </p:cNvPr>
@@ -29927,13 +30079,20 @@
     </p:spTree>
     <p:extLst>
       <p:ext uri="{BB962C8B-B14F-4D97-AF65-F5344CB8AC3E}">
-        <p14:creationId xmlns:p14="http://schemas.microsoft.com/office/powerpoint/2010/main" val="1533494410"/>
+        <p14:creationId xmlns:p14="http://schemas.microsoft.com/office/powerpoint/2010/main" val="3442659592"/>
       </p:ext>
     </p:extLst>
   </p:cSld>
   <p:clrMapOvr>
     <a:masterClrMapping/>
   </p:clrMapOvr>
+  <p:timing>
+    <p:tnLst>
+      <p:par>
+        <p:cTn id="1" dur="indefinite" restart="never" nodeType="tmRoot"/>
+      </p:par>
+    </p:tnLst>
+  </p:timing>
 </p:sld>
 </file>
 
@@ -29959,7 +30118,7 @@
           <p:cNvPr id="2" name="Title 1">
             <a:extLst>
               <a:ext uri="{FF2B5EF4-FFF2-40B4-BE49-F238E27FC236}">
-                <a16:creationId xmlns:a16="http://schemas.microsoft.com/office/drawing/2014/main" id="{6D41B2FE-9E04-4745-9A2C-2A7473E89DAF}"/>
+                <a16:creationId xmlns:a16="http://schemas.microsoft.com/office/drawing/2014/main" xmlns="" id="{6D41B2FE-9E04-4745-9A2C-2A7473E89DAF}"/>
               </a:ext>
             </a:extLst>
           </p:cNvPr>
@@ -29992,7 +30151,7 @@
           <p:cNvPr id="3" name="Content Placeholder 2">
             <a:extLst>
               <a:ext uri="{FF2B5EF4-FFF2-40B4-BE49-F238E27FC236}">
-                <a16:creationId xmlns:a16="http://schemas.microsoft.com/office/drawing/2014/main" id="{8803B833-6AB9-8E4C-B6B5-1ECAF6497F9C}"/>
+                <a16:creationId xmlns:a16="http://schemas.microsoft.com/office/drawing/2014/main" xmlns="" id="{8803B833-6AB9-8E4C-B6B5-1ECAF6497F9C}"/>
               </a:ext>
             </a:extLst>
           </p:cNvPr>
@@ -30044,7 +30203,6 @@
               <a:rPr lang="en-US" dirty="0" smtClean="0"/>
               <a:t>Assumptions</a:t>
             </a:r>
-            <a:endParaRPr lang="en-US" dirty="0" smtClean="0"/>
           </a:p>
           <a:p>
             <a:pPr lvl="1"/>
@@ -30106,11 +30264,7 @@
           <a:p>
             <a:r>
               <a:rPr lang="en-US" dirty="0" smtClean="0"/>
-              <a:t>Future </a:t>
-            </a:r>
-            <a:r>
-              <a:rPr lang="en-US" dirty="0" smtClean="0"/>
-              <a:t>Improvements</a:t>
+              <a:t>Future Improvements</a:t>
             </a:r>
           </a:p>
           <a:p>
@@ -30161,7 +30315,13 @@
       </p:grpSpPr>
       <p:sp>
         <p:nvSpPr>
-          <p:cNvPr id="3" name="Content Placeholder 2"/>
+          <p:cNvPr id="3" name="Content Placeholder 2">
+            <a:extLst>
+              <a:ext uri="{FF2B5EF4-FFF2-40B4-BE49-F238E27FC236}">
+                <a16:creationId xmlns:a16="http://schemas.microsoft.com/office/drawing/2014/main" xmlns="" id="{CE0C006A-2597-DA48-8B7C-0DB563267741}"/>
+              </a:ext>
+            </a:extLst>
+          </p:cNvPr>
           <p:cNvSpPr>
             <a:spLocks noGrp="1"/>
           </p:cNvSpPr>
@@ -30171,27 +30331,10 @@
         </p:nvSpPr>
         <p:spPr>
           <a:xfrm>
-            <a:off x="1383866" y="1340565"/>
-            <a:ext cx="9971319" cy="5359493"/>
-          </a:xfrm>
-          <a:solidFill>
-            <a:schemeClr val="bg1"/>
-          </a:solidFill>
-        </p:spPr>
-        <p:style>
-          <a:lnRef idx="1">
-            <a:schemeClr val="accent6"/>
-          </a:lnRef>
-          <a:fillRef idx="2">
-            <a:schemeClr val="accent6"/>
-          </a:fillRef>
-          <a:effectRef idx="1">
-            <a:schemeClr val="accent6"/>
-          </a:effectRef>
-          <a:fontRef idx="minor">
-            <a:schemeClr val="dk1"/>
-          </a:fontRef>
-        </p:style>
+            <a:off x="1939781" y="1515290"/>
+            <a:ext cx="9346527" cy="5342709"/>
+          </a:xfrm>
+        </p:spPr>
         <p:txBody>
           <a:bodyPr>
             <a:normAutofit/>
@@ -30199,177 +30342,57 @@
           <a:lstStyle/>
           <a:p>
             <a:r>
-              <a:rPr lang="en-GB" dirty="0" smtClean="0"/>
-              <a:t>Docker Images(Airflow + </a:t>
-            </a:r>
-            <a:r>
-              <a:rPr lang="en-GB" dirty="0" err="1" smtClean="0"/>
-              <a:t>Postgres</a:t>
-            </a:r>
-            <a:r>
-              <a:rPr lang="en-GB" dirty="0" smtClean="0"/>
-              <a:t>)</a:t>
+              <a:rPr lang="en-US" dirty="0" smtClean="0">
+                <a:solidFill>
+                  <a:srgbClr val="002060"/>
+                </a:solidFill>
+              </a:rPr>
+              <a:t>Independent Execution of airflow containers :</a:t>
             </a:r>
           </a:p>
           <a:p>
             <a:pPr lvl="1"/>
             <a:r>
-              <a:rPr lang="en-GB" dirty="0" err="1" smtClean="0"/>
-              <a:t>Dockerfiles</a:t>
-            </a:r>
-            <a:r>
-              <a:rPr lang="en-GB" dirty="0"/>
-              <a:t> : </a:t>
-            </a:r>
-            <a:r>
-              <a:rPr lang="en-GB" dirty="0">
-                <a:hlinkClick r:id="rId2"/>
+              <a:rPr lang="en-US" dirty="0"/>
+              <a:t>In a production environment set up , we should separate airflow scheduler &amp; webserver, so that they should run in two different containers.</a:t>
+            </a:r>
+          </a:p>
+          <a:p>
+            <a:pPr lvl="1"/>
+            <a:r>
+              <a:rPr lang="en-US" dirty="0"/>
+              <a:t>Proper networking between containers</a:t>
+            </a:r>
+            <a:r>
+              <a:rPr lang="en-US" dirty="0" smtClean="0"/>
+              <a:t>.</a:t>
+            </a:r>
+          </a:p>
+          <a:p>
+            <a:pPr lvl="1"/>
+            <a:r>
+              <a:rPr lang="en-US" dirty="0" smtClean="0"/>
+              <a:t>Creating an </a:t>
+            </a:r>
+            <a:r>
+              <a:rPr lang="en-US" dirty="0" err="1" smtClean="0"/>
+              <a:t>docker-compose.yml</a:t>
+            </a:r>
+            <a:r>
+              <a:rPr lang="en-US" dirty="0" smtClean="0"/>
+              <a:t> file to start all these containers at once</a:t>
+            </a:r>
+            <a:endParaRPr lang="en-US" dirty="0"/>
+          </a:p>
+          <a:p>
+            <a:r>
+              <a:rPr lang="en-US" dirty="0">
+                <a:solidFill>
+                  <a:srgbClr val="002060"/>
+                </a:solidFill>
               </a:rPr>
-              <a:t>https://</a:t>
-            </a:r>
-            <a:r>
-              <a:rPr lang="en-GB" dirty="0" smtClean="0">
-                <a:hlinkClick r:id="rId2"/>
-              </a:rPr>
-              <a:t>github.com/Kulamanipradhan0/knab_dwh</a:t>
-            </a:r>
-            <a:endParaRPr lang="en-GB" dirty="0" smtClean="0"/>
-          </a:p>
-          <a:p>
-            <a:pPr lvl="2"/>
-            <a:r>
-              <a:rPr lang="en-GB" dirty="0" err="1" smtClean="0"/>
-              <a:t>Dockerfile_pg</a:t>
-            </a:r>
-            <a:endParaRPr lang="en-GB" dirty="0" smtClean="0"/>
-          </a:p>
-          <a:p>
-            <a:pPr lvl="2"/>
-            <a:r>
-              <a:rPr lang="en-GB" dirty="0" err="1" smtClean="0"/>
-              <a:t>Dockerfile_airflow</a:t>
-            </a:r>
-            <a:endParaRPr lang="en-GB" dirty="0" smtClean="0"/>
-          </a:p>
-          <a:p>
-            <a:pPr lvl="1"/>
-            <a:r>
-              <a:rPr lang="en-GB" dirty="0" smtClean="0"/>
-              <a:t>Images </a:t>
-            </a:r>
-            <a:r>
-              <a:rPr lang="en-GB" dirty="0"/>
-              <a:t>: https://hub.docker.com/repository/docker/mekpradhan/knab_dwh</a:t>
-            </a:r>
-            <a:endParaRPr lang="en-GB" dirty="0" smtClean="0"/>
-          </a:p>
-          <a:p>
-            <a:r>
-              <a:rPr lang="en-GB" dirty="0" smtClean="0"/>
-              <a:t>DDL Code base : This is used to create all DB objects i.e. schema, users, tables, partitions </a:t>
-            </a:r>
-            <a:r>
-              <a:rPr lang="en-GB" dirty="0" err="1" smtClean="0"/>
-              <a:t>etc</a:t>
-            </a:r>
-            <a:endParaRPr lang="en-GB" dirty="0" smtClean="0"/>
-          </a:p>
-          <a:p>
-            <a:pPr lvl="1"/>
-            <a:r>
-              <a:rPr lang="en-GB" dirty="0">
-                <a:hlinkClick r:id="rId3"/>
-              </a:rPr>
-              <a:t>https://</a:t>
-            </a:r>
-            <a:r>
-              <a:rPr lang="en-GB" dirty="0" smtClean="0">
-                <a:hlinkClick r:id="rId3"/>
-              </a:rPr>
-              <a:t>github.com/Kulamanipradhan0/knab_dwh/tree/main/db_scripts</a:t>
-            </a:r>
-            <a:endParaRPr lang="en-GB" dirty="0" smtClean="0"/>
-          </a:p>
-          <a:p>
-            <a:r>
-              <a:rPr lang="en-GB" dirty="0" smtClean="0"/>
-              <a:t>ETL Repository : All code base related to staging, dimension, fact &amp; report loading</a:t>
-            </a:r>
-          </a:p>
-          <a:p>
-            <a:pPr lvl="1"/>
-            <a:r>
-              <a:rPr lang="en-GB" dirty="0">
-                <a:hlinkClick r:id="rId4"/>
-              </a:rPr>
-              <a:t>https://</a:t>
-            </a:r>
-            <a:r>
-              <a:rPr lang="en-GB" dirty="0" smtClean="0">
-                <a:hlinkClick r:id="rId4"/>
-              </a:rPr>
-              <a:t>github.com/Kulamanipradhan0/knab_dwh/tree/main/etl_repo</a:t>
-            </a:r>
-            <a:endParaRPr lang="en-GB" dirty="0" smtClean="0"/>
-          </a:p>
-          <a:p>
-            <a:r>
-              <a:rPr lang="en-GB" dirty="0" smtClean="0"/>
-              <a:t>Sample Source Files : All sample flat files </a:t>
-            </a:r>
-          </a:p>
-          <a:p>
-            <a:pPr lvl="1"/>
-            <a:r>
-              <a:rPr lang="en-GB" dirty="0">
-                <a:hlinkClick r:id="rId5"/>
-              </a:rPr>
-              <a:t>https://</a:t>
-            </a:r>
-            <a:r>
-              <a:rPr lang="en-GB" dirty="0" smtClean="0">
-                <a:hlinkClick r:id="rId5"/>
-              </a:rPr>
-              <a:t>github.com/Kulamanipradhan0/knab_dwh/tree/main/src_files/polling</a:t>
-            </a:r>
-            <a:endParaRPr lang="en-GB" dirty="0" smtClean="0"/>
-          </a:p>
-          <a:p>
-            <a:r>
-              <a:rPr lang="en-GB" dirty="0" smtClean="0"/>
-              <a:t>Airflow Dag file : Used for running the complete DWH batch</a:t>
-            </a:r>
-          </a:p>
-          <a:p>
-            <a:pPr lvl="1"/>
-            <a:r>
-              <a:rPr lang="en-GB" dirty="0">
-                <a:hlinkClick r:id="rId6"/>
-              </a:rPr>
-              <a:t>https://</a:t>
-            </a:r>
-            <a:r>
-              <a:rPr lang="en-GB" dirty="0" smtClean="0">
-                <a:hlinkClick r:id="rId6"/>
-              </a:rPr>
-              <a:t>github.com/Kulamanipradhan0/knab_dwh/tree/main/airflow/dags</a:t>
-            </a:r>
-            <a:endParaRPr lang="en-GB" dirty="0" smtClean="0"/>
-          </a:p>
-          <a:p>
-            <a:pPr lvl="1"/>
-            <a:endParaRPr lang="en-GB" dirty="0" smtClean="0"/>
-          </a:p>
-          <a:p>
-            <a:pPr lvl="1"/>
-            <a:endParaRPr lang="en-GB" dirty="0" smtClean="0"/>
-          </a:p>
-          <a:p>
-            <a:pPr lvl="1"/>
-            <a:endParaRPr lang="en-GB" dirty="0"/>
-          </a:p>
-          <a:p>
-            <a:endParaRPr lang="en-GB" dirty="0"/>
+              <a:t>PDF Report to DNB</a:t>
+            </a:r>
           </a:p>
         </p:txBody>
       </p:sp>
@@ -30378,7 +30401,7 @@
           <p:cNvPr id="4" name="Title 1">
             <a:extLst>
               <a:ext uri="{FF2B5EF4-FFF2-40B4-BE49-F238E27FC236}">
-                <a16:creationId xmlns:a16="http://schemas.microsoft.com/office/drawing/2014/main" id="{6D41B2FE-9E04-4745-9A2C-2A7473E89DAF}"/>
+                <a16:creationId xmlns:a16="http://schemas.microsoft.com/office/drawing/2014/main" xmlns="" id="{6D41B2FE-9E04-4745-9A2C-2A7473E89DAF}"/>
               </a:ext>
             </a:extLst>
           </p:cNvPr>
@@ -30477,31 +30500,29 @@
           </a:lstStyle>
           <a:p>
             <a:r>
-              <a:rPr lang="en-GB" dirty="0"/>
-              <a:t>Code </a:t>
-            </a:r>
-            <a:r>
-              <a:rPr lang="en-GB" dirty="0" smtClean="0"/>
-              <a:t>Base Links </a:t>
-            </a:r>
-            <a:r>
-              <a:rPr lang="en-GB" dirty="0"/>
-              <a:t>:</a:t>
-            </a:r>
-            <a:endParaRPr lang="en-US" dirty="0"/>
+              <a:rPr lang="en-US" dirty="0"/>
+              <a:t>Future Improvements</a:t>
+            </a:r>
           </a:p>
         </p:txBody>
       </p:sp>
     </p:spTree>
     <p:extLst>
       <p:ext uri="{BB962C8B-B14F-4D97-AF65-F5344CB8AC3E}">
-        <p14:creationId xmlns:p14="http://schemas.microsoft.com/office/powerpoint/2010/main" val="2875045890"/>
+        <p14:creationId xmlns:p14="http://schemas.microsoft.com/office/powerpoint/2010/main" val="1533494410"/>
       </p:ext>
     </p:extLst>
   </p:cSld>
   <p:clrMapOvr>
     <a:masterClrMapping/>
   </p:clrMapOvr>
+  <p:timing>
+    <p:tnLst>
+      <p:par>
+        <p:cTn id="1" dur="indefinite" restart="never" nodeType="tmRoot"/>
+      </p:par>
+    </p:tnLst>
+  </p:timing>
 </p:sld>
 </file>
 
@@ -30557,24 +30578,33 @@
         </p:style>
         <p:txBody>
           <a:bodyPr>
-            <a:normAutofit fontScale="92500" lnSpcReduction="20000"/>
+            <a:normAutofit/>
           </a:bodyPr>
           <a:lstStyle/>
           <a:p>
             <a:r>
               <a:rPr lang="en-GB" dirty="0" smtClean="0"/>
-              <a:t>Loading data from Transaction to EOD Position </a:t>
-            </a:r>
-            <a:r>
-              <a:rPr lang="en-GB" dirty="0" smtClean="0">
-                <a:sym typeface="Wingdings" panose="05000000000000000000" pitchFamily="2" charset="2"/>
-              </a:rPr>
-              <a:t>: (Making sure all active customers are getting loaded everyday )</a:t>
-            </a:r>
-            <a:endParaRPr lang="en-GB" dirty="0" smtClean="0"/>
+              <a:t>Docker Images(Airflow + </a:t>
+            </a:r>
+            <a:r>
+              <a:rPr lang="en-GB" dirty="0" err="1" smtClean="0"/>
+              <a:t>Postgres</a:t>
+            </a:r>
+            <a:r>
+              <a:rPr lang="en-GB" dirty="0" smtClean="0"/>
+              <a:t>)</a:t>
+            </a:r>
           </a:p>
           <a:p>
             <a:pPr lvl="1"/>
+            <a:r>
+              <a:rPr lang="en-GB" dirty="0" err="1" smtClean="0"/>
+              <a:t>Dockerfiles</a:t>
+            </a:r>
+            <a:r>
+              <a:rPr lang="en-GB" dirty="0"/>
+              <a:t> : </a:t>
+            </a:r>
             <a:r>
               <a:rPr lang="en-GB" dirty="0">
                 <a:hlinkClick r:id="rId2"/>
@@ -30585,15 +30615,48 @@
               <a:rPr lang="en-GB" dirty="0" smtClean="0">
                 <a:hlinkClick r:id="rId2"/>
               </a:rPr>
-              <a:t>github.com/Kulamanipradhan0/knab_dwh/blob/main/etl_repo/fact/fac_dwh_eod_position.sql</a:t>
+              <a:t>github.com/Kulamanipradhan0/knab_dwh</a:t>
             </a:r>
             <a:endParaRPr lang="en-GB" dirty="0" smtClean="0"/>
           </a:p>
           <a:p>
+            <a:pPr lvl="2"/>
+            <a:r>
+              <a:rPr lang="en-GB" dirty="0" err="1" smtClean="0"/>
+              <a:t>Dockerfile_pg</a:t>
+            </a:r>
+            <a:endParaRPr lang="en-GB" dirty="0" smtClean="0"/>
+          </a:p>
+          <a:p>
+            <a:pPr lvl="2"/>
+            <a:r>
+              <a:rPr lang="en-GB" dirty="0" err="1" smtClean="0"/>
+              <a:t>Dockerfile_airflow</a:t>
+            </a:r>
+            <a:endParaRPr lang="en-GB" dirty="0" smtClean="0"/>
+          </a:p>
+          <a:p>
+            <a:pPr lvl="1"/>
             <a:r>
               <a:rPr lang="en-GB" dirty="0" smtClean="0"/>
-              <a:t>Data Validation Layer(nice to have). Ex:</a:t>
-            </a:r>
+              <a:t>Images </a:t>
+            </a:r>
+            <a:r>
+              <a:rPr lang="en-GB" dirty="0"/>
+              <a:t>: https://hub.docker.com/repository/docker/mekpradhan/knab_dwh</a:t>
+            </a:r>
+            <a:endParaRPr lang="en-GB" dirty="0" smtClean="0"/>
+          </a:p>
+          <a:p>
+            <a:r>
+              <a:rPr lang="en-GB" dirty="0" smtClean="0"/>
+              <a:t>DDL Code base : This is used to create all DB objects i.e. schema, users, tables, partitions </a:t>
+            </a:r>
+            <a:r>
+              <a:rPr lang="en-GB" dirty="0" err="1" smtClean="0"/>
+              <a:t>etc</a:t>
+            </a:r>
+            <a:endParaRPr lang="en-GB" dirty="0" smtClean="0"/>
           </a:p>
           <a:p>
             <a:pPr lvl="1"/>
@@ -30607,18 +30670,14 @@
               <a:rPr lang="en-GB" dirty="0" smtClean="0">
                 <a:hlinkClick r:id="rId3"/>
               </a:rPr>
-              <a:t>github.com/Kulamanipradhan0/knab_dwh/blob/main/etl_repo/staging/staging_data_validation.sql</a:t>
+              <a:t>github.com/Kulamanipradhan0/knab_dwh/tree/main/db_scripts</a:t>
             </a:r>
             <a:endParaRPr lang="en-GB" dirty="0" smtClean="0"/>
           </a:p>
           <a:p>
             <a:r>
               <a:rPr lang="en-GB" dirty="0" smtClean="0"/>
-              <a:t>ETL </a:t>
-            </a:r>
-            <a:r>
-              <a:rPr lang="en-GB" dirty="0"/>
-              <a:t>Log files : During Job run ETL logs will be created in this directory.</a:t>
+              <a:t>ETL Repository : All code base related to staging, dimension, fact &amp; report loading</a:t>
             </a:r>
           </a:p>
           <a:p>
@@ -30627,30 +30686,20 @@
               <a:rPr lang="en-GB" dirty="0">
                 <a:hlinkClick r:id="rId4"/>
               </a:rPr>
-              <a:t>https://github.com/Kulamanipradhan0/knab_dwh/tree/main/log_files</a:t>
-            </a:r>
-            <a:endParaRPr lang="en-GB" dirty="0"/>
-          </a:p>
-          <a:p>
-            <a:r>
-              <a:rPr lang="en-GB" dirty="0"/>
-              <a:t>SCD Type 2 Implementation </a:t>
-            </a:r>
+              <a:t>https://</a:t>
+            </a:r>
+            <a:r>
+              <a:rPr lang="en-GB" dirty="0" smtClean="0">
+                <a:hlinkClick r:id="rId4"/>
+              </a:rPr>
+              <a:t>github.com/Kulamanipradhan0/knab_dwh/tree/main/etl_repo</a:t>
+            </a:r>
+            <a:endParaRPr lang="en-GB" dirty="0" smtClean="0"/>
+          </a:p>
+          <a:p>
             <a:r>
               <a:rPr lang="en-GB" dirty="0" smtClean="0"/>
-              <a:t>using SQL : </a:t>
-            </a:r>
-            <a:r>
-              <a:rPr lang="en-GB" dirty="0"/>
-              <a:t>(</a:t>
-            </a:r>
-            <a:r>
-              <a:rPr lang="en-GB" dirty="0" err="1"/>
-              <a:t>dim_customer</a:t>
-            </a:r>
-            <a:r>
-              <a:rPr lang="en-GB" dirty="0"/>
-              <a:t>)</a:t>
+              <a:t>Sample Source Files : All sample flat files </a:t>
             </a:r>
           </a:p>
           <a:p>
@@ -30659,62 +30708,36 @@
               <a:rPr lang="en-GB" dirty="0">
                 <a:hlinkClick r:id="rId5"/>
               </a:rPr>
-              <a:t>https://github.com/Kulamanipradhan0/knab_dwh/blob/main/etl_repo/dimension/dim_customer_type2_load.sql</a:t>
-            </a:r>
-            <a:endParaRPr lang="en-GB" dirty="0"/>
-          </a:p>
-          <a:p>
-            <a:r>
-              <a:rPr lang="en-GB" dirty="0"/>
-              <a:t> Report Code : (</a:t>
-            </a:r>
-            <a:r>
-              <a:rPr lang="en-GB" u="sng" dirty="0" err="1"/>
-              <a:t>DNB_DGS_Last_Year_Report</a:t>
-            </a:r>
-            <a:r>
-              <a:rPr lang="en-GB" u="sng" dirty="0"/>
-              <a:t>)</a:t>
+              <a:t>https://</a:t>
+            </a:r>
+            <a:r>
+              <a:rPr lang="en-GB" dirty="0" smtClean="0">
+                <a:hlinkClick r:id="rId5"/>
+              </a:rPr>
+              <a:t>github.com/Kulamanipradhan0/knab_dwh/tree/main/src_files/polling</a:t>
+            </a:r>
+            <a:endParaRPr lang="en-GB" dirty="0" smtClean="0"/>
+          </a:p>
+          <a:p>
+            <a:r>
+              <a:rPr lang="en-GB" dirty="0" smtClean="0"/>
+              <a:t>Airflow Dag file : Used for running the complete DWH batch</a:t>
             </a:r>
           </a:p>
           <a:p>
             <a:pPr lvl="1"/>
-            <a:r>
-              <a:rPr lang="en-GB" dirty="0"/>
-              <a:t>Main Job : </a:t>
-            </a:r>
             <a:r>
               <a:rPr lang="en-GB" dirty="0">
                 <a:hlinkClick r:id="rId6"/>
               </a:rPr>
-              <a:t>https://github.com/Kulamanipradhan0/knab_dwh/blob/main/etl_repo/report/DNB_DGS_Last_Year_Report.py</a:t>
-            </a:r>
-            <a:endParaRPr lang="en-GB" dirty="0"/>
-          </a:p>
-          <a:p>
-            <a:pPr lvl="1"/>
-            <a:r>
-              <a:rPr lang="en-GB" dirty="0"/>
-              <a:t>SQL : </a:t>
-            </a:r>
-            <a:r>
-              <a:rPr lang="en-GB" dirty="0">
-                <a:hlinkClick r:id="rId7"/>
+              <a:t>https://</a:t>
+            </a:r>
+            <a:r>
+              <a:rPr lang="en-GB" dirty="0" smtClean="0">
+                <a:hlinkClick r:id="rId6"/>
               </a:rPr>
-              <a:t>https://github.com/Kulamanipradhan0/knab_dwh/blob/main/etl_repo/report/dnb_dgs_report_query.sql</a:t>
-            </a:r>
-            <a:endParaRPr lang="en-GB" dirty="0"/>
-          </a:p>
-          <a:p>
-            <a:pPr lvl="1"/>
-            <a:endParaRPr lang="en-GB" dirty="0" smtClean="0"/>
-          </a:p>
-          <a:p>
-            <a:pPr lvl="1"/>
-            <a:endParaRPr lang="en-GB" dirty="0" smtClean="0"/>
-          </a:p>
-          <a:p>
-            <a:pPr lvl="1"/>
+              <a:t>github.com/Kulamanipradhan0/knab_dwh/tree/main/airflow/dags</a:t>
+            </a:r>
             <a:endParaRPr lang="en-GB" dirty="0" smtClean="0"/>
           </a:p>
           <a:p>
@@ -30739,7 +30762,7 @@
           <p:cNvPr id="4" name="Title 1">
             <a:extLst>
               <a:ext uri="{FF2B5EF4-FFF2-40B4-BE49-F238E27FC236}">
-                <a16:creationId xmlns:a16="http://schemas.microsoft.com/office/drawing/2014/main" id="{6D41B2FE-9E04-4745-9A2C-2A7473E89DAF}"/>
+                <a16:creationId xmlns:a16="http://schemas.microsoft.com/office/drawing/2014/main" xmlns="" id="{6D41B2FE-9E04-4745-9A2C-2A7473E89DAF}"/>
               </a:ext>
             </a:extLst>
           </p:cNvPr>
@@ -30856,6 +30879,374 @@
     </p:spTree>
     <p:extLst>
       <p:ext uri="{BB962C8B-B14F-4D97-AF65-F5344CB8AC3E}">
+        <p14:creationId xmlns:p14="http://schemas.microsoft.com/office/powerpoint/2010/main" val="2875045890"/>
+      </p:ext>
+    </p:extLst>
+  </p:cSld>
+  <p:clrMapOvr>
+    <a:masterClrMapping/>
+  </p:clrMapOvr>
+  <p:timing>
+    <p:tnLst>
+      <p:par>
+        <p:cTn id="1" dur="indefinite" restart="never" nodeType="tmRoot"/>
+      </p:par>
+    </p:tnLst>
+  </p:timing>
+</p:sld>
+</file>
+
+<file path=ppt/slides/slide22.xml><?xml version="1.0" encoding="utf-8"?>
+<p:sld xmlns:a="http://schemas.openxmlformats.org/drawingml/2006/main" xmlns:r="http://schemas.openxmlformats.org/officeDocument/2006/relationships" xmlns:p="http://schemas.openxmlformats.org/presentationml/2006/main">
+  <p:cSld>
+    <p:spTree>
+      <p:nvGrpSpPr>
+        <p:cNvPr id="1" name=""/>
+        <p:cNvGrpSpPr/>
+        <p:nvPr/>
+      </p:nvGrpSpPr>
+      <p:grpSpPr>
+        <a:xfrm>
+          <a:off x="0" y="0"/>
+          <a:ext cx="0" cy="0"/>
+          <a:chOff x="0" y="0"/>
+          <a:chExt cx="0" cy="0"/>
+        </a:xfrm>
+      </p:grpSpPr>
+      <p:sp>
+        <p:nvSpPr>
+          <p:cNvPr id="3" name="Content Placeholder 2"/>
+          <p:cNvSpPr>
+            <a:spLocks noGrp="1"/>
+          </p:cNvSpPr>
+          <p:nvPr>
+            <p:ph idx="1"/>
+          </p:nvPr>
+        </p:nvSpPr>
+        <p:spPr>
+          <a:xfrm>
+            <a:off x="1383866" y="1340565"/>
+            <a:ext cx="9971319" cy="5359493"/>
+          </a:xfrm>
+          <a:solidFill>
+            <a:schemeClr val="bg1"/>
+          </a:solidFill>
+        </p:spPr>
+        <p:style>
+          <a:lnRef idx="1">
+            <a:schemeClr val="accent6"/>
+          </a:lnRef>
+          <a:fillRef idx="2">
+            <a:schemeClr val="accent6"/>
+          </a:fillRef>
+          <a:effectRef idx="1">
+            <a:schemeClr val="accent6"/>
+          </a:effectRef>
+          <a:fontRef idx="minor">
+            <a:schemeClr val="dk1"/>
+          </a:fontRef>
+        </p:style>
+        <p:txBody>
+          <a:bodyPr>
+            <a:normAutofit fontScale="92500" lnSpcReduction="20000"/>
+          </a:bodyPr>
+          <a:lstStyle/>
+          <a:p>
+            <a:r>
+              <a:rPr lang="en-GB" dirty="0" smtClean="0"/>
+              <a:t>Loading data from Transaction to EOD Position </a:t>
+            </a:r>
+            <a:r>
+              <a:rPr lang="en-GB" dirty="0" smtClean="0">
+                <a:sym typeface="Wingdings" panose="05000000000000000000" pitchFamily="2" charset="2"/>
+              </a:rPr>
+              <a:t>: (Making sure all active customers are getting loaded everyday )</a:t>
+            </a:r>
+            <a:endParaRPr lang="en-GB" dirty="0" smtClean="0"/>
+          </a:p>
+          <a:p>
+            <a:pPr lvl="1"/>
+            <a:r>
+              <a:rPr lang="en-GB" dirty="0">
+                <a:hlinkClick r:id="rId2"/>
+              </a:rPr>
+              <a:t>https://</a:t>
+            </a:r>
+            <a:r>
+              <a:rPr lang="en-GB" dirty="0" smtClean="0">
+                <a:hlinkClick r:id="rId2"/>
+              </a:rPr>
+              <a:t>github.com/Kulamanipradhan0/knab_dwh/blob/main/etl_repo/fact/fac_dwh_eod_position.sql</a:t>
+            </a:r>
+            <a:endParaRPr lang="en-GB" dirty="0" smtClean="0"/>
+          </a:p>
+          <a:p>
+            <a:r>
+              <a:rPr lang="en-GB" dirty="0" smtClean="0"/>
+              <a:t>Data Validation Layer(nice to have). Ex:</a:t>
+            </a:r>
+          </a:p>
+          <a:p>
+            <a:pPr lvl="1"/>
+            <a:r>
+              <a:rPr lang="en-GB" dirty="0">
+                <a:hlinkClick r:id="rId3"/>
+              </a:rPr>
+              <a:t>https://</a:t>
+            </a:r>
+            <a:r>
+              <a:rPr lang="en-GB" dirty="0" smtClean="0">
+                <a:hlinkClick r:id="rId3"/>
+              </a:rPr>
+              <a:t>github.com/Kulamanipradhan0/knab_dwh/blob/main/etl_repo/staging/staging_data_validation.sql</a:t>
+            </a:r>
+            <a:endParaRPr lang="en-GB" dirty="0" smtClean="0"/>
+          </a:p>
+          <a:p>
+            <a:r>
+              <a:rPr lang="en-GB" dirty="0" smtClean="0"/>
+              <a:t>ETL </a:t>
+            </a:r>
+            <a:r>
+              <a:rPr lang="en-GB" dirty="0"/>
+              <a:t>Log files : During Job run ETL logs will be created in this directory.</a:t>
+            </a:r>
+          </a:p>
+          <a:p>
+            <a:pPr lvl="1"/>
+            <a:r>
+              <a:rPr lang="en-GB" dirty="0">
+                <a:hlinkClick r:id="rId4"/>
+              </a:rPr>
+              <a:t>https://github.com/Kulamanipradhan0/knab_dwh/tree/main/log_files</a:t>
+            </a:r>
+            <a:endParaRPr lang="en-GB" dirty="0"/>
+          </a:p>
+          <a:p>
+            <a:r>
+              <a:rPr lang="en-GB" dirty="0"/>
+              <a:t>SCD Type 2 Implementation </a:t>
+            </a:r>
+            <a:r>
+              <a:rPr lang="en-GB" dirty="0" smtClean="0"/>
+              <a:t>using SQL : </a:t>
+            </a:r>
+            <a:r>
+              <a:rPr lang="en-GB" dirty="0"/>
+              <a:t>(</a:t>
+            </a:r>
+            <a:r>
+              <a:rPr lang="en-GB" dirty="0" err="1"/>
+              <a:t>dim_customer</a:t>
+            </a:r>
+            <a:r>
+              <a:rPr lang="en-GB" dirty="0"/>
+              <a:t>)</a:t>
+            </a:r>
+          </a:p>
+          <a:p>
+            <a:pPr lvl="1"/>
+            <a:r>
+              <a:rPr lang="en-GB" dirty="0">
+                <a:hlinkClick r:id="rId5"/>
+              </a:rPr>
+              <a:t>https://github.com/Kulamanipradhan0/knab_dwh/blob/main/etl_repo/dimension/dim_customer_type2_load.sql</a:t>
+            </a:r>
+            <a:endParaRPr lang="en-GB" dirty="0"/>
+          </a:p>
+          <a:p>
+            <a:r>
+              <a:rPr lang="en-GB" dirty="0"/>
+              <a:t> Report Code : (</a:t>
+            </a:r>
+            <a:r>
+              <a:rPr lang="en-GB" u="sng" dirty="0" err="1"/>
+              <a:t>DNB_DGS_Last_Year_Report</a:t>
+            </a:r>
+            <a:r>
+              <a:rPr lang="en-GB" u="sng" dirty="0"/>
+              <a:t>)</a:t>
+            </a:r>
+          </a:p>
+          <a:p>
+            <a:pPr lvl="1"/>
+            <a:r>
+              <a:rPr lang="en-GB" dirty="0"/>
+              <a:t>Main Job : </a:t>
+            </a:r>
+            <a:r>
+              <a:rPr lang="en-GB" dirty="0">
+                <a:hlinkClick r:id="rId6"/>
+              </a:rPr>
+              <a:t>https://github.com/Kulamanipradhan0/knab_dwh/blob/main/etl_repo/report/DNB_DGS_Last_Year_Report.py</a:t>
+            </a:r>
+            <a:endParaRPr lang="en-GB" dirty="0"/>
+          </a:p>
+          <a:p>
+            <a:pPr lvl="1"/>
+            <a:r>
+              <a:rPr lang="en-GB" dirty="0"/>
+              <a:t>SQL : </a:t>
+            </a:r>
+            <a:r>
+              <a:rPr lang="en-GB" dirty="0">
+                <a:hlinkClick r:id="rId7"/>
+              </a:rPr>
+              <a:t>https://github.com/Kulamanipradhan0/knab_dwh/blob/main/etl_repo/report/dnb_dgs_report_query.sql</a:t>
+            </a:r>
+            <a:endParaRPr lang="en-GB" dirty="0"/>
+          </a:p>
+          <a:p>
+            <a:pPr lvl="1"/>
+            <a:endParaRPr lang="en-GB" dirty="0" smtClean="0"/>
+          </a:p>
+          <a:p>
+            <a:pPr lvl="1"/>
+            <a:endParaRPr lang="en-GB" dirty="0" smtClean="0"/>
+          </a:p>
+          <a:p>
+            <a:pPr lvl="1"/>
+            <a:endParaRPr lang="en-GB" dirty="0" smtClean="0"/>
+          </a:p>
+          <a:p>
+            <a:pPr lvl="1"/>
+            <a:endParaRPr lang="en-GB" dirty="0" smtClean="0"/>
+          </a:p>
+          <a:p>
+            <a:pPr lvl="1"/>
+            <a:endParaRPr lang="en-GB" dirty="0" smtClean="0"/>
+          </a:p>
+          <a:p>
+            <a:pPr lvl="1"/>
+            <a:endParaRPr lang="en-GB" dirty="0"/>
+          </a:p>
+          <a:p>
+            <a:endParaRPr lang="en-GB" dirty="0"/>
+          </a:p>
+        </p:txBody>
+      </p:sp>
+      <p:sp>
+        <p:nvSpPr>
+          <p:cNvPr id="4" name="Title 1">
+            <a:extLst>
+              <a:ext uri="{FF2B5EF4-FFF2-40B4-BE49-F238E27FC236}">
+                <a16:creationId xmlns:a16="http://schemas.microsoft.com/office/drawing/2014/main" xmlns="" id="{6D41B2FE-9E04-4745-9A2C-2A7473E89DAF}"/>
+              </a:ext>
+            </a:extLst>
+          </p:cNvPr>
+          <p:cNvSpPr txBox="1">
+            <a:spLocks/>
+          </p:cNvSpPr>
+          <p:nvPr/>
+        </p:nvSpPr>
+        <p:spPr>
+          <a:xfrm>
+            <a:off x="1939782" y="624110"/>
+            <a:ext cx="9712287" cy="729202"/>
+          </a:xfrm>
+          <a:prstGeom prst="rect">
+            <a:avLst/>
+          </a:prstGeom>
+        </p:spPr>
+        <p:txBody>
+          <a:bodyPr vert="horz" lIns="91440" tIns="45720" rIns="91440" bIns="45720" rtlCol="0" anchor="t">
+            <a:normAutofit/>
+          </a:bodyPr>
+          <a:lstStyle>
+            <a:lvl1pPr algn="l" defTabSz="457200" rtl="0" eaLnBrk="1" latinLnBrk="0" hangingPunct="1">
+              <a:spcBef>
+                <a:spcPct val="0"/>
+              </a:spcBef>
+              <a:buNone/>
+              <a:defRPr sz="3600" kern="1200">
+                <a:solidFill>
+                  <a:schemeClr val="tx1">
+                    <a:lumMod val="85000"/>
+                    <a:lumOff val="15000"/>
+                  </a:schemeClr>
+                </a:solidFill>
+                <a:latin typeface="+mj-lt"/>
+                <a:ea typeface="+mj-ea"/>
+                <a:cs typeface="+mj-cs"/>
+              </a:defRPr>
+            </a:lvl1pPr>
+            <a:lvl2pPr eaLnBrk="1" hangingPunct="1">
+              <a:defRPr>
+                <a:solidFill>
+                  <a:schemeClr val="tx2"/>
+                </a:solidFill>
+              </a:defRPr>
+            </a:lvl2pPr>
+            <a:lvl3pPr eaLnBrk="1" hangingPunct="1">
+              <a:defRPr>
+                <a:solidFill>
+                  <a:schemeClr val="tx2"/>
+                </a:solidFill>
+              </a:defRPr>
+            </a:lvl3pPr>
+            <a:lvl4pPr eaLnBrk="1" hangingPunct="1">
+              <a:defRPr>
+                <a:solidFill>
+                  <a:schemeClr val="tx2"/>
+                </a:solidFill>
+              </a:defRPr>
+            </a:lvl4pPr>
+            <a:lvl5pPr eaLnBrk="1" hangingPunct="1">
+              <a:defRPr>
+                <a:solidFill>
+                  <a:schemeClr val="tx2"/>
+                </a:solidFill>
+              </a:defRPr>
+            </a:lvl5pPr>
+            <a:lvl6pPr eaLnBrk="1" hangingPunct="1">
+              <a:defRPr>
+                <a:solidFill>
+                  <a:schemeClr val="tx2"/>
+                </a:solidFill>
+              </a:defRPr>
+            </a:lvl6pPr>
+            <a:lvl7pPr eaLnBrk="1" hangingPunct="1">
+              <a:defRPr>
+                <a:solidFill>
+                  <a:schemeClr val="tx2"/>
+                </a:solidFill>
+              </a:defRPr>
+            </a:lvl7pPr>
+            <a:lvl8pPr eaLnBrk="1" hangingPunct="1">
+              <a:defRPr>
+                <a:solidFill>
+                  <a:schemeClr val="tx2"/>
+                </a:solidFill>
+              </a:defRPr>
+            </a:lvl8pPr>
+            <a:lvl9pPr eaLnBrk="1" hangingPunct="1">
+              <a:defRPr>
+                <a:solidFill>
+                  <a:schemeClr val="tx2"/>
+                </a:solidFill>
+              </a:defRPr>
+            </a:lvl9pPr>
+          </a:lstStyle>
+          <a:p>
+            <a:r>
+              <a:rPr lang="en-GB" dirty="0"/>
+              <a:t>Code </a:t>
+            </a:r>
+            <a:r>
+              <a:rPr lang="en-GB" dirty="0" smtClean="0"/>
+              <a:t>Base Links </a:t>
+            </a:r>
+            <a:r>
+              <a:rPr lang="en-GB" dirty="0"/>
+              <a:t>:</a:t>
+            </a:r>
+            <a:endParaRPr lang="en-US" dirty="0"/>
+          </a:p>
+        </p:txBody>
+      </p:sp>
+    </p:spTree>
+    <p:extLst>
+      <p:ext uri="{BB962C8B-B14F-4D97-AF65-F5344CB8AC3E}">
         <p14:creationId xmlns:p14="http://schemas.microsoft.com/office/powerpoint/2010/main" val="1506378466"/>
       </p:ext>
     </p:extLst>
@@ -30863,10 +31254,17 @@
   <p:clrMapOvr>
     <a:masterClrMapping/>
   </p:clrMapOvr>
+  <p:timing>
+    <p:tnLst>
+      <p:par>
+        <p:cTn id="1" dur="indefinite" restart="never" nodeType="tmRoot"/>
+      </p:par>
+    </p:tnLst>
+  </p:timing>
 </p:sld>
 </file>
 
-<file path=ppt/slides/slide22.xml><?xml version="1.0" encoding="utf-8"?>
+<file path=ppt/slides/slide23.xml><?xml version="1.0" encoding="utf-8"?>
 <p:sld xmlns:a="http://schemas.openxmlformats.org/drawingml/2006/main" xmlns:r="http://schemas.openxmlformats.org/officeDocument/2006/relationships" xmlns:p="http://schemas.openxmlformats.org/presentationml/2006/main">
   <p:cSld>
     <p:spTree>
@@ -30888,7 +31286,7 @@
           <p:cNvPr id="5" name="Content Placeholder 4">
             <a:extLst>
               <a:ext uri="{FF2B5EF4-FFF2-40B4-BE49-F238E27FC236}">
-                <a16:creationId xmlns:a16="http://schemas.microsoft.com/office/drawing/2014/main" id="{44B266B3-A24B-6840-98F9-748A84108B8C}"/>
+                <a16:creationId xmlns:a16="http://schemas.microsoft.com/office/drawing/2014/main" xmlns="" id="{44B266B3-A24B-6840-98F9-748A84108B8C}"/>
               </a:ext>
             </a:extLst>
           </p:cNvPr>
@@ -30922,6 +31320,13 @@
   <p:clrMapOvr>
     <a:masterClrMapping/>
   </p:clrMapOvr>
+  <p:timing>
+    <p:tnLst>
+      <p:par>
+        <p:cTn id="1" dur="indefinite" restart="never" nodeType="tmRoot"/>
+      </p:par>
+    </p:tnLst>
+  </p:timing>
 </p:sld>
 </file>
 
@@ -30947,7 +31352,7 @@
           <p:cNvPr id="2" name="Title 1">
             <a:extLst>
               <a:ext uri="{FF2B5EF4-FFF2-40B4-BE49-F238E27FC236}">
-                <a16:creationId xmlns:a16="http://schemas.microsoft.com/office/drawing/2014/main" id="{EB542356-1E69-224C-BB10-3756C04F7B7E}"/>
+                <a16:creationId xmlns:a16="http://schemas.microsoft.com/office/drawing/2014/main" xmlns="" id="{EB542356-1E69-224C-BB10-3756C04F7B7E}"/>
               </a:ext>
             </a:extLst>
           </p:cNvPr>
@@ -30980,7 +31385,7 @@
           <p:cNvPr id="3" name="Content Placeholder 2">
             <a:extLst>
               <a:ext uri="{FF2B5EF4-FFF2-40B4-BE49-F238E27FC236}">
-                <a16:creationId xmlns:a16="http://schemas.microsoft.com/office/drawing/2014/main" id="{F86F10B9-9992-9B43-B135-EC8E72FB2A1C}"/>
+                <a16:creationId xmlns:a16="http://schemas.microsoft.com/office/drawing/2014/main" xmlns="" id="{F86F10B9-9992-9B43-B135-EC8E72FB2A1C}"/>
               </a:ext>
             </a:extLst>
           </p:cNvPr>
@@ -31024,14 +31429,31 @@
             <a:pPr lvl="1"/>
             <a:r>
               <a:rPr lang="en-US" dirty="0"/>
-              <a:t>Professional experience &gt; 7 years</a:t>
-            </a:r>
+              <a:t>Professional experience &gt; </a:t>
+            </a:r>
+            <a:r>
+              <a:rPr lang="en-US" dirty="0" smtClean="0"/>
+              <a:t>9 </a:t>
+            </a:r>
+            <a:r>
+              <a:rPr lang="en-US" dirty="0" smtClean="0"/>
+              <a:t>years</a:t>
+            </a:r>
+            <a:endParaRPr lang="en-US" dirty="0"/>
           </a:p>
           <a:p>
             <a:pPr lvl="1"/>
             <a:r>
               <a:rPr lang="en-US" dirty="0" smtClean="0"/>
-              <a:t>BI Developer</a:t>
+              <a:t>DWH</a:t>
+            </a:r>
+            <a:r>
+              <a:rPr lang="en-US" dirty="0" smtClean="0"/>
+              <a:t> </a:t>
+            </a:r>
+            <a:r>
+              <a:rPr lang="en-US" dirty="0" smtClean="0"/>
+              <a:t>Developer</a:t>
             </a:r>
             <a:endParaRPr lang="en-US" dirty="0"/>
           </a:p>
@@ -31049,7 +31471,7 @@
           <p:cNvPr id="5" name="Picture 4">
             <a:extLst>
               <a:ext uri="{FF2B5EF4-FFF2-40B4-BE49-F238E27FC236}">
-                <a16:creationId xmlns:a16="http://schemas.microsoft.com/office/drawing/2014/main" id="{4BA1D8AA-9AB7-9948-AC2D-F50B89373C75}"/>
+                <a16:creationId xmlns:a16="http://schemas.microsoft.com/office/drawing/2014/main" xmlns="" id="{4BA1D8AA-9AB7-9948-AC2D-F50B89373C75}"/>
               </a:ext>
             </a:extLst>
           </p:cNvPr>
@@ -31116,7 +31538,7 @@
           <p:cNvPr id="9" name="Object 8" hidden="1">
             <a:extLst>
               <a:ext uri="{FF2B5EF4-FFF2-40B4-BE49-F238E27FC236}">
-                <a16:creationId xmlns:a16="http://schemas.microsoft.com/office/drawing/2014/main" id="{30A5C641-0BF6-124F-B9B2-C55FB1608FDD}"/>
+                <a16:creationId xmlns:a16="http://schemas.microsoft.com/office/drawing/2014/main" xmlns="" id="{30A5C641-0BF6-124F-B9B2-C55FB1608FDD}"/>
               </a:ext>
             </a:extLst>
           </p:cNvPr>
@@ -31138,7 +31560,7 @@
           <a:graphicData uri="http://schemas.openxmlformats.org/presentationml/2006/ole">
             <mc:AlternateContent xmlns:mc="http://schemas.openxmlformats.org/markup-compatibility/2006">
               <mc:Choice xmlns:v="urn:schemas-microsoft-com:vml" Requires="v">
-                <p:oleObj spid="_x0000_s18439" name="think-cell Slide" r:id="rId4" imgW="7772400" imgH="10058400" progId="TCLayout.ActiveDocument.1">
+                <p:oleObj spid="_x0000_s18446" name="think-cell Slide" r:id="rId4" imgW="7772400" imgH="10058400" progId="TCLayout.ActiveDocument.1">
                   <p:embed/>
                 </p:oleObj>
               </mc:Choice>
@@ -31150,7 +31572,7 @@
                       <p:cNvPr id="9" name="Object 8" hidden="1">
                         <a:extLst>
                           <a:ext uri="{FF2B5EF4-FFF2-40B4-BE49-F238E27FC236}">
-                            <a16:creationId xmlns:a16="http://schemas.microsoft.com/office/drawing/2014/main" id="{30A5C641-0BF6-124F-B9B2-C55FB1608FDD}"/>
+                            <a16:creationId xmlns:a16="http://schemas.microsoft.com/office/drawing/2014/main" xmlns="" id="{30A5C641-0BF6-124F-B9B2-C55FB1608FDD}"/>
                           </a:ext>
                         </a:extLst>
                       </p:cNvPr>
@@ -31184,7 +31606,7 @@
           <p:cNvPr id="2" name="Slide Number Placeholder 1">
             <a:extLst>
               <a:ext uri="{FF2B5EF4-FFF2-40B4-BE49-F238E27FC236}">
-                <a16:creationId xmlns:a16="http://schemas.microsoft.com/office/drawing/2014/main" id="{D178420A-7812-2F4F-A440-137C7D6A14AC}"/>
+                <a16:creationId xmlns:a16="http://schemas.microsoft.com/office/drawing/2014/main" xmlns="" id="{D178420A-7812-2F4F-A440-137C7D6A14AC}"/>
               </a:ext>
             </a:extLst>
           </p:cNvPr>
@@ -31277,7 +31699,7 @@
           <p:cNvPr id="4" name="Text Placeholder 3">
             <a:extLst>
               <a:ext uri="{FF2B5EF4-FFF2-40B4-BE49-F238E27FC236}">
-                <a16:creationId xmlns:a16="http://schemas.microsoft.com/office/drawing/2014/main" id="{642365E3-428A-4948-B854-7AE3CC410EBC}"/>
+                <a16:creationId xmlns:a16="http://schemas.microsoft.com/office/drawing/2014/main" xmlns="" id="{642365E3-428A-4948-B854-7AE3CC410EBC}"/>
               </a:ext>
             </a:extLst>
           </p:cNvPr>
@@ -31305,7 +31727,7 @@
           <p:cNvPr id="5" name="Text Placeholder 4">
             <a:extLst>
               <a:ext uri="{FF2B5EF4-FFF2-40B4-BE49-F238E27FC236}">
-                <a16:creationId xmlns:a16="http://schemas.microsoft.com/office/drawing/2014/main" id="{3CCD307A-4F9E-4749-A916-499177BB16FA}"/>
+                <a16:creationId xmlns:a16="http://schemas.microsoft.com/office/drawing/2014/main" xmlns="" id="{3CCD307A-4F9E-4749-A916-499177BB16FA}"/>
               </a:ext>
             </a:extLst>
           </p:cNvPr>
@@ -31333,7 +31755,7 @@
           <p:cNvPr id="6" name="Vertical Text Placeholder 5">
             <a:extLst>
               <a:ext uri="{FF2B5EF4-FFF2-40B4-BE49-F238E27FC236}">
-                <a16:creationId xmlns:a16="http://schemas.microsoft.com/office/drawing/2014/main" id="{2994ECE7-9A92-784D-A21D-3209008F5D22}"/>
+                <a16:creationId xmlns:a16="http://schemas.microsoft.com/office/drawing/2014/main" xmlns="" id="{2994ECE7-9A92-784D-A21D-3209008F5D22}"/>
               </a:ext>
             </a:extLst>
           </p:cNvPr>
@@ -31408,7 +31830,7 @@
           <p:cNvPr id="7" name="Vertical Text Placeholder 6">
             <a:extLst>
               <a:ext uri="{FF2B5EF4-FFF2-40B4-BE49-F238E27FC236}">
-                <a16:creationId xmlns:a16="http://schemas.microsoft.com/office/drawing/2014/main" id="{687117B4-E28D-CD42-91F4-5E9BF26CC338}"/>
+                <a16:creationId xmlns:a16="http://schemas.microsoft.com/office/drawing/2014/main" xmlns="" id="{687117B4-E28D-CD42-91F4-5E9BF26CC338}"/>
               </a:ext>
             </a:extLst>
           </p:cNvPr>
@@ -31462,7 +31884,7 @@
           <p:cNvPr id="8" name="Title 7">
             <a:extLst>
               <a:ext uri="{FF2B5EF4-FFF2-40B4-BE49-F238E27FC236}">
-                <a16:creationId xmlns:a16="http://schemas.microsoft.com/office/drawing/2014/main" id="{BADE4275-1AFF-8C48-8988-390DA570F3B5}"/>
+                <a16:creationId xmlns:a16="http://schemas.microsoft.com/office/drawing/2014/main" xmlns="" id="{BADE4275-1AFF-8C48-8988-390DA570F3B5}"/>
               </a:ext>
             </a:extLst>
           </p:cNvPr>
@@ -31490,7 +31912,7 @@
           <p:cNvPr id="11" name="Can 10">
             <a:extLst>
               <a:ext uri="{FF2B5EF4-FFF2-40B4-BE49-F238E27FC236}">
-                <a16:creationId xmlns:a16="http://schemas.microsoft.com/office/drawing/2014/main" id="{4F1FAF9B-C6E8-2A42-B2AB-D1775C041D2B}"/>
+                <a16:creationId xmlns:a16="http://schemas.microsoft.com/office/drawing/2014/main" xmlns="" id="{4F1FAF9B-C6E8-2A42-B2AB-D1775C041D2B}"/>
               </a:ext>
             </a:extLst>
           </p:cNvPr>
@@ -31568,7 +31990,7 @@
           <p:cNvPr id="12" name="Can 11">
             <a:extLst>
               <a:ext uri="{FF2B5EF4-FFF2-40B4-BE49-F238E27FC236}">
-                <a16:creationId xmlns:a16="http://schemas.microsoft.com/office/drawing/2014/main" id="{3B14E560-DDE4-9F44-AC3B-DFA196AD0B4F}"/>
+                <a16:creationId xmlns:a16="http://schemas.microsoft.com/office/drawing/2014/main" xmlns="" id="{3B14E560-DDE4-9F44-AC3B-DFA196AD0B4F}"/>
               </a:ext>
             </a:extLst>
           </p:cNvPr>
@@ -31646,7 +32068,7 @@
           <p:cNvPr id="13" name="Can 12">
             <a:extLst>
               <a:ext uri="{FF2B5EF4-FFF2-40B4-BE49-F238E27FC236}">
-                <a16:creationId xmlns:a16="http://schemas.microsoft.com/office/drawing/2014/main" id="{0B6B90A5-7F53-4B4D-B882-7AF1A232F0E6}"/>
+                <a16:creationId xmlns:a16="http://schemas.microsoft.com/office/drawing/2014/main" xmlns="" id="{0B6B90A5-7F53-4B4D-B882-7AF1A232F0E6}"/>
               </a:ext>
             </a:extLst>
           </p:cNvPr>
@@ -31724,7 +32146,7 @@
           <p:cNvPr id="14" name="Can 13">
             <a:extLst>
               <a:ext uri="{FF2B5EF4-FFF2-40B4-BE49-F238E27FC236}">
-                <a16:creationId xmlns:a16="http://schemas.microsoft.com/office/drawing/2014/main" id="{69389FD3-EA3D-8844-B5B5-82CD6E9262A7}"/>
+                <a16:creationId xmlns:a16="http://schemas.microsoft.com/office/drawing/2014/main" xmlns="" id="{69389FD3-EA3D-8844-B5B5-82CD6E9262A7}"/>
               </a:ext>
             </a:extLst>
           </p:cNvPr>
@@ -31839,7 +32261,7 @@
           <p:cNvPr id="4" name="Content Placeholder 3">
             <a:extLst>
               <a:ext uri="{FF2B5EF4-FFF2-40B4-BE49-F238E27FC236}">
-                <a16:creationId xmlns:a16="http://schemas.microsoft.com/office/drawing/2014/main" id="{4DA1BDDE-EFBC-314F-8669-EB7A33D8756E}"/>
+                <a16:creationId xmlns:a16="http://schemas.microsoft.com/office/drawing/2014/main" xmlns="" id="{4DA1BDDE-EFBC-314F-8669-EB7A33D8756E}"/>
               </a:ext>
             </a:extLst>
           </p:cNvPr>
@@ -31870,7 +32292,7 @@
           <p:cNvPr id="5" name="Title 1">
             <a:extLst>
               <a:ext uri="{FF2B5EF4-FFF2-40B4-BE49-F238E27FC236}">
-                <a16:creationId xmlns:a16="http://schemas.microsoft.com/office/drawing/2014/main" id="{6D41B2FE-9E04-4745-9A2C-2A7473E89DAF}"/>
+                <a16:creationId xmlns:a16="http://schemas.microsoft.com/office/drawing/2014/main" xmlns="" id="{6D41B2FE-9E04-4745-9A2C-2A7473E89DAF}"/>
               </a:ext>
             </a:extLst>
           </p:cNvPr>
@@ -31980,7 +32402,7 @@
           <p:cNvPr id="8" name="Picture 7">
             <a:extLst>
               <a:ext uri="{FF2B5EF4-FFF2-40B4-BE49-F238E27FC236}">
-                <a16:creationId xmlns:a16="http://schemas.microsoft.com/office/drawing/2014/main" id="{6DEACD9B-C0A8-7D47-BB64-C2D9B2A748C3}"/>
+                <a16:creationId xmlns:a16="http://schemas.microsoft.com/office/drawing/2014/main" xmlns="" id="{6DEACD9B-C0A8-7D47-BB64-C2D9B2A748C3}"/>
               </a:ext>
             </a:extLst>
           </p:cNvPr>
@@ -32015,7 +32437,7 @@
           <p:cNvPr id="9" name="Picture 8">
             <a:extLst>
               <a:ext uri="{FF2B5EF4-FFF2-40B4-BE49-F238E27FC236}">
-                <a16:creationId xmlns:a16="http://schemas.microsoft.com/office/drawing/2014/main" id="{4C85993B-C9BA-E848-BD0E-F962693CAA29}"/>
+                <a16:creationId xmlns:a16="http://schemas.microsoft.com/office/drawing/2014/main" xmlns="" id="{4C85993B-C9BA-E848-BD0E-F962693CAA29}"/>
               </a:ext>
             </a:extLst>
           </p:cNvPr>
@@ -32050,7 +32472,7 @@
           <p:cNvPr id="11" name="Picture 10">
             <a:extLst>
               <a:ext uri="{FF2B5EF4-FFF2-40B4-BE49-F238E27FC236}">
-                <a16:creationId xmlns:a16="http://schemas.microsoft.com/office/drawing/2014/main" id="{A97E09F1-2749-6940-89C1-33766CD3E051}"/>
+                <a16:creationId xmlns:a16="http://schemas.microsoft.com/office/drawing/2014/main" xmlns="" id="{A97E09F1-2749-6940-89C1-33766CD3E051}"/>
               </a:ext>
             </a:extLst>
           </p:cNvPr>
@@ -32091,7 +32513,7 @@
           <p:cNvPr id="12" name="Picture 11">
             <a:extLst>
               <a:ext uri="{FF2B5EF4-FFF2-40B4-BE49-F238E27FC236}">
-                <a16:creationId xmlns:a16="http://schemas.microsoft.com/office/drawing/2014/main" id="{58BFF212-B6E5-F742-84B8-488D6D059D08}"/>
+                <a16:creationId xmlns:a16="http://schemas.microsoft.com/office/drawing/2014/main" xmlns="" id="{58BFF212-B6E5-F742-84B8-488D6D059D08}"/>
               </a:ext>
             </a:extLst>
           </p:cNvPr>
@@ -32126,7 +32548,7 @@
           <p:cNvPr id="13" name="Picture 12">
             <a:extLst>
               <a:ext uri="{FF2B5EF4-FFF2-40B4-BE49-F238E27FC236}">
-                <a16:creationId xmlns:a16="http://schemas.microsoft.com/office/drawing/2014/main" id="{52EDF090-2923-4D4E-A1C1-440F546426D9}"/>
+                <a16:creationId xmlns:a16="http://schemas.microsoft.com/office/drawing/2014/main" xmlns="" id="{52EDF090-2923-4D4E-A1C1-440F546426D9}"/>
               </a:ext>
             </a:extLst>
           </p:cNvPr>
@@ -32191,7 +32613,7 @@
           <p:cNvPr id="17" name="Picture 16">
             <a:extLst>
               <a:ext uri="{FF2B5EF4-FFF2-40B4-BE49-F238E27FC236}">
-                <a16:creationId xmlns:a16="http://schemas.microsoft.com/office/drawing/2014/main" id="{4C85993B-C9BA-E848-BD0E-F962693CAA29}"/>
+                <a16:creationId xmlns:a16="http://schemas.microsoft.com/office/drawing/2014/main" xmlns="" id="{4C85993B-C9BA-E848-BD0E-F962693CAA29}"/>
               </a:ext>
             </a:extLst>
           </p:cNvPr>
@@ -32226,7 +32648,7 @@
           <p:cNvPr id="18" name="Picture 17">
             <a:extLst>
               <a:ext uri="{FF2B5EF4-FFF2-40B4-BE49-F238E27FC236}">
-                <a16:creationId xmlns:a16="http://schemas.microsoft.com/office/drawing/2014/main" id="{A97E09F1-2749-6940-89C1-33766CD3E051}"/>
+                <a16:creationId xmlns:a16="http://schemas.microsoft.com/office/drawing/2014/main" xmlns="" id="{A97E09F1-2749-6940-89C1-33766CD3E051}"/>
               </a:ext>
             </a:extLst>
           </p:cNvPr>
@@ -32267,7 +32689,7 @@
           <p:cNvPr id="19" name="Picture 18">
             <a:extLst>
               <a:ext uri="{FF2B5EF4-FFF2-40B4-BE49-F238E27FC236}">
-                <a16:creationId xmlns:a16="http://schemas.microsoft.com/office/drawing/2014/main" id="{58BFF212-B6E5-F742-84B8-488D6D059D08}"/>
+                <a16:creationId xmlns:a16="http://schemas.microsoft.com/office/drawing/2014/main" xmlns="" id="{58BFF212-B6E5-F742-84B8-488D6D059D08}"/>
               </a:ext>
             </a:extLst>
           </p:cNvPr>
@@ -32302,7 +32724,7 @@
           <p:cNvPr id="16" name="Picture 15">
             <a:extLst>
               <a:ext uri="{FF2B5EF4-FFF2-40B4-BE49-F238E27FC236}">
-                <a16:creationId xmlns:a16="http://schemas.microsoft.com/office/drawing/2014/main" id="{52EDF090-2923-4D4E-A1C1-440F546426D9}"/>
+                <a16:creationId xmlns:a16="http://schemas.microsoft.com/office/drawing/2014/main" xmlns="" id="{52EDF090-2923-4D4E-A1C1-440F546426D9}"/>
               </a:ext>
             </a:extLst>
           </p:cNvPr>
@@ -32351,9 +32773,504 @@
   <p:timing>
     <p:tnLst>
       <p:par>
-        <p:cTn id="1" dur="indefinite" restart="never" nodeType="tmRoot"/>
+        <p:cTn id="1" dur="indefinite" restart="never" nodeType="tmRoot">
+          <p:childTnLst>
+            <p:seq concurrent="1" nextAc="seek">
+              <p:cTn id="2" dur="indefinite" nodeType="mainSeq">
+                <p:childTnLst>
+                  <p:par>
+                    <p:cTn id="3" fill="hold">
+                      <p:stCondLst>
+                        <p:cond delay="indefinite"/>
+                      </p:stCondLst>
+                      <p:childTnLst>
+                        <p:par>
+                          <p:cTn id="4" fill="hold">
+                            <p:stCondLst>
+                              <p:cond delay="0"/>
+                            </p:stCondLst>
+                            <p:childTnLst>
+                              <p:par>
+                                <p:cTn id="5" presetID="1" presetClass="entr" presetSubtype="0" fill="hold" grpId="0" nodeType="clickEffect">
+                                  <p:stCondLst>
+                                    <p:cond delay="0"/>
+                                  </p:stCondLst>
+                                  <p:childTnLst>
+                                    <p:set>
+                                      <p:cBhvr>
+                                        <p:cTn id="6" dur="1" fill="hold">
+                                          <p:stCondLst>
+                                            <p:cond delay="0"/>
+                                          </p:stCondLst>
+                                        </p:cTn>
+                                        <p:tgtEl>
+                                          <p:spTgt spid="4"/>
+                                        </p:tgtEl>
+                                        <p:attrNameLst>
+                                          <p:attrName>style.visibility</p:attrName>
+                                        </p:attrNameLst>
+                                      </p:cBhvr>
+                                      <p:to>
+                                        <p:strVal val="visible"/>
+                                      </p:to>
+                                    </p:set>
+                                  </p:childTnLst>
+                                </p:cTn>
+                              </p:par>
+                            </p:childTnLst>
+                          </p:cTn>
+                        </p:par>
+                      </p:childTnLst>
+                    </p:cTn>
+                  </p:par>
+                  <p:par>
+                    <p:cTn id="7" fill="hold">
+                      <p:stCondLst>
+                        <p:cond delay="indefinite"/>
+                      </p:stCondLst>
+                      <p:childTnLst>
+                        <p:par>
+                          <p:cTn id="8" fill="hold">
+                            <p:stCondLst>
+                              <p:cond delay="0"/>
+                            </p:stCondLst>
+                            <p:childTnLst>
+                              <p:par>
+                                <p:cTn id="9" presetID="10" presetClass="entr" presetSubtype="0" fill="hold" nodeType="clickEffect">
+                                  <p:stCondLst>
+                                    <p:cond delay="0"/>
+                                  </p:stCondLst>
+                                  <p:childTnLst>
+                                    <p:set>
+                                      <p:cBhvr>
+                                        <p:cTn id="10" dur="1" fill="hold">
+                                          <p:stCondLst>
+                                            <p:cond delay="0"/>
+                                          </p:stCondLst>
+                                        </p:cTn>
+                                        <p:tgtEl>
+                                          <p:spTgt spid="15"/>
+                                        </p:tgtEl>
+                                        <p:attrNameLst>
+                                          <p:attrName>style.visibility</p:attrName>
+                                        </p:attrNameLst>
+                                      </p:cBhvr>
+                                      <p:to>
+                                        <p:strVal val="visible"/>
+                                      </p:to>
+                                    </p:set>
+                                    <p:animEffect transition="in" filter="fade">
+                                      <p:cBhvr>
+                                        <p:cTn id="11" dur="500"/>
+                                        <p:tgtEl>
+                                          <p:spTgt spid="15"/>
+                                        </p:tgtEl>
+                                      </p:cBhvr>
+                                    </p:animEffect>
+                                  </p:childTnLst>
+                                </p:cTn>
+                              </p:par>
+                            </p:childTnLst>
+                          </p:cTn>
+                        </p:par>
+                      </p:childTnLst>
+                    </p:cTn>
+                  </p:par>
+                  <p:par>
+                    <p:cTn id="12" fill="hold">
+                      <p:stCondLst>
+                        <p:cond delay="indefinite"/>
+                      </p:stCondLst>
+                      <p:childTnLst>
+                        <p:par>
+                          <p:cTn id="13" fill="hold">
+                            <p:stCondLst>
+                              <p:cond delay="0"/>
+                            </p:stCondLst>
+                            <p:childTnLst>
+                              <p:par>
+                                <p:cTn id="14" presetID="10" presetClass="entr" presetSubtype="0" fill="hold" nodeType="clickEffect">
+                                  <p:stCondLst>
+                                    <p:cond delay="0"/>
+                                  </p:stCondLst>
+                                  <p:childTnLst>
+                                    <p:set>
+                                      <p:cBhvr>
+                                        <p:cTn id="15" dur="1" fill="hold">
+                                          <p:stCondLst>
+                                            <p:cond delay="0"/>
+                                          </p:stCondLst>
+                                        </p:cTn>
+                                        <p:tgtEl>
+                                          <p:spTgt spid="9"/>
+                                        </p:tgtEl>
+                                        <p:attrNameLst>
+                                          <p:attrName>style.visibility</p:attrName>
+                                        </p:attrNameLst>
+                                      </p:cBhvr>
+                                      <p:to>
+                                        <p:strVal val="visible"/>
+                                      </p:to>
+                                    </p:set>
+                                    <p:animEffect transition="in" filter="fade">
+                                      <p:cBhvr>
+                                        <p:cTn id="16" dur="500"/>
+                                        <p:tgtEl>
+                                          <p:spTgt spid="9"/>
+                                        </p:tgtEl>
+                                      </p:cBhvr>
+                                    </p:animEffect>
+                                  </p:childTnLst>
+                                </p:cTn>
+                              </p:par>
+                              <p:par>
+                                <p:cTn id="17" presetID="10" presetClass="entr" presetSubtype="0" fill="hold" nodeType="withEffect">
+                                  <p:stCondLst>
+                                    <p:cond delay="0"/>
+                                  </p:stCondLst>
+                                  <p:childTnLst>
+                                    <p:set>
+                                      <p:cBhvr>
+                                        <p:cTn id="18" dur="1" fill="hold">
+                                          <p:stCondLst>
+                                            <p:cond delay="0"/>
+                                          </p:stCondLst>
+                                        </p:cTn>
+                                        <p:tgtEl>
+                                          <p:spTgt spid="11"/>
+                                        </p:tgtEl>
+                                        <p:attrNameLst>
+                                          <p:attrName>style.visibility</p:attrName>
+                                        </p:attrNameLst>
+                                      </p:cBhvr>
+                                      <p:to>
+                                        <p:strVal val="visible"/>
+                                      </p:to>
+                                    </p:set>
+                                    <p:animEffect transition="in" filter="fade">
+                                      <p:cBhvr>
+                                        <p:cTn id="19" dur="500"/>
+                                        <p:tgtEl>
+                                          <p:spTgt spid="11"/>
+                                        </p:tgtEl>
+                                      </p:cBhvr>
+                                    </p:animEffect>
+                                  </p:childTnLst>
+                                </p:cTn>
+                              </p:par>
+                              <p:par>
+                                <p:cTn id="20" presetID="10" presetClass="entr" presetSubtype="0" fill="hold" nodeType="withEffect">
+                                  <p:stCondLst>
+                                    <p:cond delay="0"/>
+                                  </p:stCondLst>
+                                  <p:childTnLst>
+                                    <p:set>
+                                      <p:cBhvr>
+                                        <p:cTn id="21" dur="1" fill="hold">
+                                          <p:stCondLst>
+                                            <p:cond delay="0"/>
+                                          </p:stCondLst>
+                                        </p:cTn>
+                                        <p:tgtEl>
+                                          <p:spTgt spid="12"/>
+                                        </p:tgtEl>
+                                        <p:attrNameLst>
+                                          <p:attrName>style.visibility</p:attrName>
+                                        </p:attrNameLst>
+                                      </p:cBhvr>
+                                      <p:to>
+                                        <p:strVal val="visible"/>
+                                      </p:to>
+                                    </p:set>
+                                    <p:animEffect transition="in" filter="fade">
+                                      <p:cBhvr>
+                                        <p:cTn id="22" dur="500"/>
+                                        <p:tgtEl>
+                                          <p:spTgt spid="12"/>
+                                        </p:tgtEl>
+                                      </p:cBhvr>
+                                    </p:animEffect>
+                                  </p:childTnLst>
+                                </p:cTn>
+                              </p:par>
+                            </p:childTnLst>
+                          </p:cTn>
+                        </p:par>
+                      </p:childTnLst>
+                    </p:cTn>
+                  </p:par>
+                  <p:par>
+                    <p:cTn id="23" fill="hold">
+                      <p:stCondLst>
+                        <p:cond delay="indefinite"/>
+                      </p:stCondLst>
+                      <p:childTnLst>
+                        <p:par>
+                          <p:cTn id="24" fill="hold">
+                            <p:stCondLst>
+                              <p:cond delay="0"/>
+                            </p:stCondLst>
+                            <p:childTnLst>
+                              <p:par>
+                                <p:cTn id="25" presetID="10" presetClass="entr" presetSubtype="0" fill="hold" nodeType="clickEffect">
+                                  <p:stCondLst>
+                                    <p:cond delay="0"/>
+                                  </p:stCondLst>
+                                  <p:childTnLst>
+                                    <p:set>
+                                      <p:cBhvr>
+                                        <p:cTn id="26" dur="1" fill="hold">
+                                          <p:stCondLst>
+                                            <p:cond delay="0"/>
+                                          </p:stCondLst>
+                                        </p:cTn>
+                                        <p:tgtEl>
+                                          <p:spTgt spid="8"/>
+                                        </p:tgtEl>
+                                        <p:attrNameLst>
+                                          <p:attrName>style.visibility</p:attrName>
+                                        </p:attrNameLst>
+                                      </p:cBhvr>
+                                      <p:to>
+                                        <p:strVal val="visible"/>
+                                      </p:to>
+                                    </p:set>
+                                    <p:animEffect transition="in" filter="fade">
+                                      <p:cBhvr>
+                                        <p:cTn id="27" dur="500"/>
+                                        <p:tgtEl>
+                                          <p:spTgt spid="8"/>
+                                        </p:tgtEl>
+                                      </p:cBhvr>
+                                    </p:animEffect>
+                                  </p:childTnLst>
+                                </p:cTn>
+                              </p:par>
+                              <p:par>
+                                <p:cTn id="28" presetID="10" presetClass="entr" presetSubtype="0" fill="hold" nodeType="withEffect">
+                                  <p:stCondLst>
+                                    <p:cond delay="0"/>
+                                  </p:stCondLst>
+                                  <p:childTnLst>
+                                    <p:set>
+                                      <p:cBhvr>
+                                        <p:cTn id="29" dur="1" fill="hold">
+                                          <p:stCondLst>
+                                            <p:cond delay="0"/>
+                                          </p:stCondLst>
+                                        </p:cTn>
+                                        <p:tgtEl>
+                                          <p:spTgt spid="16"/>
+                                        </p:tgtEl>
+                                        <p:attrNameLst>
+                                          <p:attrName>style.visibility</p:attrName>
+                                        </p:attrNameLst>
+                                      </p:cBhvr>
+                                      <p:to>
+                                        <p:strVal val="visible"/>
+                                      </p:to>
+                                    </p:set>
+                                    <p:animEffect transition="in" filter="fade">
+                                      <p:cBhvr>
+                                        <p:cTn id="30" dur="500"/>
+                                        <p:tgtEl>
+                                          <p:spTgt spid="16"/>
+                                        </p:tgtEl>
+                                      </p:cBhvr>
+                                    </p:animEffect>
+                                  </p:childTnLst>
+                                </p:cTn>
+                              </p:par>
+                              <p:par>
+                                <p:cTn id="31" presetID="10" presetClass="entr" presetSubtype="0" fill="hold" nodeType="withEffect">
+                                  <p:stCondLst>
+                                    <p:cond delay="0"/>
+                                  </p:stCondLst>
+                                  <p:childTnLst>
+                                    <p:set>
+                                      <p:cBhvr>
+                                        <p:cTn id="32" dur="1" fill="hold">
+                                          <p:stCondLst>
+                                            <p:cond delay="0"/>
+                                          </p:stCondLst>
+                                        </p:cTn>
+                                        <p:tgtEl>
+                                          <p:spTgt spid="13"/>
+                                        </p:tgtEl>
+                                        <p:attrNameLst>
+                                          <p:attrName>style.visibility</p:attrName>
+                                        </p:attrNameLst>
+                                      </p:cBhvr>
+                                      <p:to>
+                                        <p:strVal val="visible"/>
+                                      </p:to>
+                                    </p:set>
+                                    <p:animEffect transition="in" filter="fade">
+                                      <p:cBhvr>
+                                        <p:cTn id="33" dur="500"/>
+                                        <p:tgtEl>
+                                          <p:spTgt spid="13"/>
+                                        </p:tgtEl>
+                                      </p:cBhvr>
+                                    </p:animEffect>
+                                  </p:childTnLst>
+                                </p:cTn>
+                              </p:par>
+                            </p:childTnLst>
+                          </p:cTn>
+                        </p:par>
+                      </p:childTnLst>
+                    </p:cTn>
+                  </p:par>
+                  <p:par>
+                    <p:cTn id="34" fill="hold">
+                      <p:stCondLst>
+                        <p:cond delay="indefinite"/>
+                      </p:stCondLst>
+                      <p:childTnLst>
+                        <p:par>
+                          <p:cTn id="35" fill="hold">
+                            <p:stCondLst>
+                              <p:cond delay="0"/>
+                            </p:stCondLst>
+                            <p:childTnLst>
+                              <p:par>
+                                <p:cTn id="36" presetID="10" presetClass="entr" presetSubtype="0" fill="hold" nodeType="clickEffect">
+                                  <p:stCondLst>
+                                    <p:cond delay="0"/>
+                                  </p:stCondLst>
+                                  <p:childTnLst>
+                                    <p:set>
+                                      <p:cBhvr>
+                                        <p:cTn id="37" dur="1" fill="hold">
+                                          <p:stCondLst>
+                                            <p:cond delay="0"/>
+                                          </p:stCondLst>
+                                        </p:cTn>
+                                        <p:tgtEl>
+                                          <p:spTgt spid="17"/>
+                                        </p:tgtEl>
+                                        <p:attrNameLst>
+                                          <p:attrName>style.visibility</p:attrName>
+                                        </p:attrNameLst>
+                                      </p:cBhvr>
+                                      <p:to>
+                                        <p:strVal val="visible"/>
+                                      </p:to>
+                                    </p:set>
+                                    <p:animEffect transition="in" filter="fade">
+                                      <p:cBhvr>
+                                        <p:cTn id="38" dur="500"/>
+                                        <p:tgtEl>
+                                          <p:spTgt spid="17"/>
+                                        </p:tgtEl>
+                                      </p:cBhvr>
+                                    </p:animEffect>
+                                  </p:childTnLst>
+                                </p:cTn>
+                              </p:par>
+                              <p:par>
+                                <p:cTn id="39" presetID="10" presetClass="entr" presetSubtype="0" fill="hold" nodeType="withEffect">
+                                  <p:stCondLst>
+                                    <p:cond delay="0"/>
+                                  </p:stCondLst>
+                                  <p:childTnLst>
+                                    <p:set>
+                                      <p:cBhvr>
+                                        <p:cTn id="40" dur="1" fill="hold">
+                                          <p:stCondLst>
+                                            <p:cond delay="0"/>
+                                          </p:stCondLst>
+                                        </p:cTn>
+                                        <p:tgtEl>
+                                          <p:spTgt spid="18"/>
+                                        </p:tgtEl>
+                                        <p:attrNameLst>
+                                          <p:attrName>style.visibility</p:attrName>
+                                        </p:attrNameLst>
+                                      </p:cBhvr>
+                                      <p:to>
+                                        <p:strVal val="visible"/>
+                                      </p:to>
+                                    </p:set>
+                                    <p:animEffect transition="in" filter="fade">
+                                      <p:cBhvr>
+                                        <p:cTn id="41" dur="500"/>
+                                        <p:tgtEl>
+                                          <p:spTgt spid="18"/>
+                                        </p:tgtEl>
+                                      </p:cBhvr>
+                                    </p:animEffect>
+                                  </p:childTnLst>
+                                </p:cTn>
+                              </p:par>
+                              <p:par>
+                                <p:cTn id="42" presetID="10" presetClass="entr" presetSubtype="0" fill="hold" nodeType="withEffect">
+                                  <p:stCondLst>
+                                    <p:cond delay="0"/>
+                                  </p:stCondLst>
+                                  <p:childTnLst>
+                                    <p:set>
+                                      <p:cBhvr>
+                                        <p:cTn id="43" dur="1" fill="hold">
+                                          <p:stCondLst>
+                                            <p:cond delay="0"/>
+                                          </p:stCondLst>
+                                        </p:cTn>
+                                        <p:tgtEl>
+                                          <p:spTgt spid="19"/>
+                                        </p:tgtEl>
+                                        <p:attrNameLst>
+                                          <p:attrName>style.visibility</p:attrName>
+                                        </p:attrNameLst>
+                                      </p:cBhvr>
+                                      <p:to>
+                                        <p:strVal val="visible"/>
+                                      </p:to>
+                                    </p:set>
+                                    <p:animEffect transition="in" filter="fade">
+                                      <p:cBhvr>
+                                        <p:cTn id="44" dur="500"/>
+                                        <p:tgtEl>
+                                          <p:spTgt spid="19"/>
+                                        </p:tgtEl>
+                                      </p:cBhvr>
+                                    </p:animEffect>
+                                  </p:childTnLst>
+                                </p:cTn>
+                              </p:par>
+                            </p:childTnLst>
+                          </p:cTn>
+                        </p:par>
+                      </p:childTnLst>
+                    </p:cTn>
+                  </p:par>
+                </p:childTnLst>
+              </p:cTn>
+              <p:prevCondLst>
+                <p:cond evt="onPrev" delay="0">
+                  <p:tgtEl>
+                    <p:sldTgt/>
+                  </p:tgtEl>
+                </p:cond>
+              </p:prevCondLst>
+              <p:nextCondLst>
+                <p:cond evt="onNext" delay="0">
+                  <p:tgtEl>
+                    <p:sldTgt/>
+                  </p:tgtEl>
+                </p:cond>
+              </p:nextCondLst>
+            </p:seq>
+          </p:childTnLst>
+        </p:cTn>
       </p:par>
     </p:tnLst>
+    <p:bldLst>
+      <p:bldGraphic spid="4" grpId="0">
+        <p:bldAsOne/>
+      </p:bldGraphic>
+    </p:bldLst>
   </p:timing>
 </p:sld>
 </file>
@@ -32380,7 +33297,7 @@
           <p:cNvPr id="5" name="Title 1">
             <a:extLst>
               <a:ext uri="{FF2B5EF4-FFF2-40B4-BE49-F238E27FC236}">
-                <a16:creationId xmlns:a16="http://schemas.microsoft.com/office/drawing/2014/main" id="{6D41B2FE-9E04-4745-9A2C-2A7473E89DAF}"/>
+                <a16:creationId xmlns:a16="http://schemas.microsoft.com/office/drawing/2014/main" xmlns="" id="{6D41B2FE-9E04-4745-9A2C-2A7473E89DAF}"/>
               </a:ext>
             </a:extLst>
           </p:cNvPr>
@@ -33345,7 +34262,7 @@
           <p:cNvPr id="3" name="Content Placeholder 2">
             <a:extLst>
               <a:ext uri="{FF2B5EF4-FFF2-40B4-BE49-F238E27FC236}">
-                <a16:creationId xmlns:a16="http://schemas.microsoft.com/office/drawing/2014/main" id="{CE0C006A-2597-DA48-8B7C-0DB563267741}"/>
+                <a16:creationId xmlns:a16="http://schemas.microsoft.com/office/drawing/2014/main" xmlns="" id="{CE0C006A-2597-DA48-8B7C-0DB563267741}"/>
               </a:ext>
             </a:extLst>
           </p:cNvPr>
@@ -33358,8 +34275,8 @@
         </p:nvSpPr>
         <p:spPr>
           <a:xfrm>
-            <a:off x="1939781" y="1515291"/>
-            <a:ext cx="9390465" cy="4694316"/>
+            <a:off x="1939781" y="1515290"/>
+            <a:ext cx="9614910" cy="5148745"/>
           </a:xfrm>
         </p:spPr>
         <p:txBody>
@@ -33370,145 +34287,112 @@
           <a:p>
             <a:pPr lvl="1"/>
             <a:r>
-              <a:rPr lang="en-US" dirty="0" smtClean="0"/>
+              <a:rPr lang="en-US" sz="1800" dirty="0" smtClean="0"/>
               <a:t>CRM system is an internal OLTP system of </a:t>
             </a:r>
             <a:r>
-              <a:rPr lang="en-US" dirty="0" err="1" smtClean="0"/>
+              <a:rPr lang="en-US" sz="1800" dirty="0" err="1" smtClean="0"/>
               <a:t>Knab</a:t>
             </a:r>
             <a:r>
-              <a:rPr lang="en-US" dirty="0" smtClean="0"/>
-              <a:t>. If we have external files then approach </a:t>
-            </a:r>
-            <a:r>
-              <a:rPr lang="en-US" dirty="0" smtClean="0"/>
-              <a:t>will change.</a:t>
-            </a:r>
-            <a:endParaRPr lang="en-US" dirty="0" smtClean="0"/>
+              <a:rPr lang="en-US" sz="1800" dirty="0" smtClean="0"/>
+              <a:t>. If we have external files then approach will change.</a:t>
+            </a:r>
           </a:p>
           <a:p>
             <a:pPr lvl="1"/>
             <a:r>
-              <a:rPr lang="en-US" dirty="0" smtClean="0"/>
+              <a:rPr lang="en-US" sz="1800" dirty="0" smtClean="0"/>
               <a:t>A </a:t>
             </a:r>
             <a:r>
-              <a:rPr lang="en-US" dirty="0"/>
+              <a:rPr lang="en-US" sz="1800" dirty="0"/>
               <a:t>f</a:t>
             </a:r>
             <a:r>
-              <a:rPr lang="en-US" dirty="0" smtClean="0"/>
-              <a:t>inancial transaction is related to an account and that account must belong to a customer. A customer can have multiple accounts on their name.</a:t>
-            </a:r>
-            <a:endParaRPr lang="en-US" dirty="0"/>
+              <a:rPr lang="en-US" sz="1800" dirty="0" smtClean="0"/>
+              <a:t>inancial transaction is related to an account and that account must belong to a customer. A customer can have multiple accounts on their name</a:t>
+            </a:r>
+            <a:r>
+              <a:rPr lang="en-US" sz="1800" dirty="0" smtClean="0"/>
+              <a:t>.</a:t>
+            </a:r>
           </a:p>
           <a:p>
             <a:pPr lvl="1"/>
             <a:r>
-              <a:rPr lang="en-US" dirty="0" smtClean="0"/>
-              <a:t>We will </a:t>
-            </a:r>
-            <a:r>
-              <a:rPr lang="en-US" dirty="0" smtClean="0"/>
-              <a:t>receive an acknowledgement file with filename &amp; record count </a:t>
-            </a:r>
-            <a:r>
-              <a:rPr lang="en-US" dirty="0" smtClean="0"/>
-              <a:t>of each and every source files. </a:t>
-            </a:r>
-            <a:endParaRPr lang="en-US" dirty="0" smtClean="0"/>
+              <a:rPr lang="en-US" sz="1800" dirty="0" smtClean="0"/>
+              <a:t>An account can be allocated to multiple customers</a:t>
+            </a:r>
+            <a:endParaRPr lang="en-US" sz="1800" dirty="0"/>
           </a:p>
           <a:p>
             <a:pPr lvl="1"/>
             <a:r>
-              <a:rPr lang="en-US" dirty="0" smtClean="0"/>
-              <a:t>We will </a:t>
-            </a:r>
-            <a:r>
-              <a:rPr lang="en-US" dirty="0" smtClean="0"/>
-              <a:t>receive an account file with opening balance and closing balance in it on daily basis. </a:t>
-            </a:r>
-            <a:endParaRPr lang="en-US" dirty="0" smtClean="0"/>
+              <a:rPr lang="en-US" sz="1800" dirty="0" smtClean="0"/>
+              <a:t>We will receive an acknowledgement file with filename &amp; record count of each and every source files. </a:t>
+            </a:r>
           </a:p>
           <a:p>
             <a:pPr lvl="1"/>
             <a:r>
-              <a:rPr lang="en-US" dirty="0" smtClean="0"/>
-              <a:t>DNB </a:t>
-            </a:r>
-            <a:r>
-              <a:rPr lang="en-US" dirty="0" smtClean="0"/>
-              <a:t>is giving guarantee 100K per customer, doesn’t matter how many accounts that customer has.</a:t>
+              <a:rPr lang="en-US" sz="1800" dirty="0" smtClean="0"/>
+              <a:t>We will receive an account file with opening balance and closing balance in it on daily basis. </a:t>
             </a:r>
           </a:p>
           <a:p>
             <a:pPr lvl="1"/>
             <a:r>
-              <a:rPr lang="en-US" dirty="0" smtClean="0"/>
-              <a:t>All attributes </a:t>
-            </a:r>
-            <a:r>
-              <a:rPr lang="en-US" dirty="0" smtClean="0"/>
-              <a:t>within </a:t>
-            </a:r>
-            <a:r>
-              <a:rPr lang="en-US" dirty="0" smtClean="0"/>
-              <a:t>staging </a:t>
-            </a:r>
-            <a:r>
-              <a:rPr lang="en-US" dirty="0" smtClean="0"/>
-              <a:t>table.</a:t>
+              <a:rPr lang="en-US" sz="1800" dirty="0" smtClean="0"/>
+              <a:t>DNB is giving guarantee 100K per customer, doesn’t matter how many accounts that customer has.</a:t>
             </a:r>
           </a:p>
           <a:p>
             <a:pPr lvl="1"/>
             <a:r>
-              <a:rPr lang="en-US" dirty="0" smtClean="0"/>
+              <a:rPr lang="en-US" sz="1800" dirty="0" smtClean="0"/>
+              <a:t>All attributes within staging table.</a:t>
+            </a:r>
+          </a:p>
+          <a:p>
+            <a:pPr lvl="1"/>
+            <a:r>
+              <a:rPr lang="en-US" sz="1800" dirty="0" smtClean="0"/>
               <a:t>Flat file are in csv format and both </a:t>
             </a:r>
             <a:r>
-              <a:rPr lang="en-US" dirty="0" err="1" smtClean="0"/>
+              <a:rPr lang="en-US" sz="1800" dirty="0" err="1" smtClean="0"/>
               <a:t>crm_a</a:t>
             </a:r>
             <a:r>
-              <a:rPr lang="en-US" dirty="0" smtClean="0"/>
+              <a:rPr lang="en-US" sz="1800" dirty="0" smtClean="0"/>
               <a:t> &amp; </a:t>
             </a:r>
             <a:r>
-              <a:rPr lang="en-US" dirty="0" err="1" smtClean="0"/>
+              <a:rPr lang="en-US" sz="1800" dirty="0" err="1" smtClean="0"/>
               <a:t>crm_b</a:t>
             </a:r>
             <a:r>
-              <a:rPr lang="en-US" dirty="0" smtClean="0"/>
+              <a:rPr lang="en-US" sz="1800" dirty="0" smtClean="0"/>
               <a:t> has similar structure. Same for </a:t>
             </a:r>
             <a:r>
-              <a:rPr lang="en-US" dirty="0" err="1" smtClean="0"/>
+              <a:rPr lang="en-US" sz="1800" dirty="0" err="1" smtClean="0"/>
               <a:t>fin_txn_a</a:t>
             </a:r>
             <a:r>
-              <a:rPr lang="en-US" dirty="0" smtClean="0"/>
+              <a:rPr lang="en-US" sz="1800" dirty="0" smtClean="0"/>
               <a:t> &amp; </a:t>
             </a:r>
             <a:r>
-              <a:rPr lang="en-US" dirty="0" err="1" smtClean="0"/>
+              <a:rPr lang="en-US" sz="1800" dirty="0" err="1" smtClean="0"/>
               <a:t>fin_txn_b</a:t>
             </a:r>
             <a:r>
-              <a:rPr lang="en-US" dirty="0" smtClean="0"/>
+              <a:rPr lang="en-US" sz="1800" dirty="0" smtClean="0"/>
               <a:t>.</a:t>
             </a:r>
-          </a:p>
-          <a:p>
-            <a:pPr lvl="1"/>
-            <a:endParaRPr lang="en-US" dirty="0" smtClean="0"/>
-          </a:p>
-          <a:p>
-            <a:pPr marL="457200" lvl="1" indent="0">
-              <a:buNone/>
-            </a:pPr>
-            <a:endParaRPr lang="en-US" dirty="0"/>
+            <a:endParaRPr lang="en-US" sz="1800" dirty="0" smtClean="0"/>
           </a:p>
         </p:txBody>
       </p:sp>
@@ -33517,7 +34401,7 @@
           <p:cNvPr id="4" name="Title 1">
             <a:extLst>
               <a:ext uri="{FF2B5EF4-FFF2-40B4-BE49-F238E27FC236}">
-                <a16:creationId xmlns:a16="http://schemas.microsoft.com/office/drawing/2014/main" id="{6D41B2FE-9E04-4745-9A2C-2A7473E89DAF}"/>
+                <a16:creationId xmlns:a16="http://schemas.microsoft.com/office/drawing/2014/main" xmlns="" id="{6D41B2FE-9E04-4745-9A2C-2A7473E89DAF}"/>
               </a:ext>
             </a:extLst>
           </p:cNvPr>
@@ -33665,7 +34549,7 @@
           <p:cNvPr id="5" name="Title 1">
             <a:extLst>
               <a:ext uri="{FF2B5EF4-FFF2-40B4-BE49-F238E27FC236}">
-                <a16:creationId xmlns:a16="http://schemas.microsoft.com/office/drawing/2014/main" id="{6D41B2FE-9E04-4745-9A2C-2A7473E89DAF}"/>
+                <a16:creationId xmlns:a16="http://schemas.microsoft.com/office/drawing/2014/main" xmlns="" id="{6D41B2FE-9E04-4745-9A2C-2A7473E89DAF}"/>
               </a:ext>
             </a:extLst>
           </p:cNvPr>
@@ -33904,7 +34788,7 @@
           <p:cNvPr id="5" name="Title 1">
             <a:extLst>
               <a:ext uri="{FF2B5EF4-FFF2-40B4-BE49-F238E27FC236}">
-                <a16:creationId xmlns:a16="http://schemas.microsoft.com/office/drawing/2014/main" id="{6D41B2FE-9E04-4745-9A2C-2A7473E89DAF}"/>
+                <a16:creationId xmlns:a16="http://schemas.microsoft.com/office/drawing/2014/main" xmlns="" id="{6D41B2FE-9E04-4745-9A2C-2A7473E89DAF}"/>
               </a:ext>
             </a:extLst>
           </p:cNvPr>
@@ -34765,7 +35649,7 @@
   <a:extraClrSchemeLst/>
   <a:extLst>
     <a:ext uri="{05A4C25C-085E-4340-85A3-A5531E510DB2}">
-      <thm15:themeFamily xmlns:thm15="http://schemas.microsoft.com/office/thememl/2012/main" name="Wisp" id="{7CB32D59-10C0-40DD-B7BD-2E94284A981C}" vid="{24B1A44C-C006-48B2-A4D7-E5549B3D8CD4}"/>
+      <thm15:themeFamily xmlns:thm15="http://schemas.microsoft.com/office/thememl/2012/main" xmlns="" name="Wisp" id="{7CB32D59-10C0-40DD-B7BD-2E94284A981C}" vid="{24B1A44C-C006-48B2-A4D7-E5549B3D8CD4}"/>
     </a:ext>
   </a:extLst>
 </a:theme>
@@ -34980,7 +35864,7 @@
   <a:extraClrSchemeLst/>
   <a:extLst>
     <a:ext uri="{05A4C25C-085E-4340-85A3-A5531E510DB2}">
-      <thm15:themeFamily xmlns:thm15="http://schemas.microsoft.com/office/thememl/2012/main" name="Knab Theme" id="{26AB789D-961D-9245-B629-CEE60EBD2278}" vid="{916A9AD8-B5B9-2E40-BD3B-DFB7C56B0215}"/>
+      <thm15:themeFamily xmlns:thm15="http://schemas.microsoft.com/office/thememl/2012/main" xmlns="" name="Knab Theme" id="{26AB789D-961D-9245-B629-CEE60EBD2278}" vid="{916A9AD8-B5B9-2E40-BD3B-DFB7C56B0215}"/>
     </a:ext>
   </a:extLst>
 </a:theme>

--- a/KPradhan_Knab_DWH_Presentation.pptx
+++ b/KPradhan_Knab_DWH_Presentation.pptx
@@ -129,7 +129,7 @@
   </p:defaultTextStyle>
   <p:extLst>
     <p:ext uri="{EFAFB233-063F-42B5-8137-9DF3F51BA10A}">
-      <p15:sldGuideLst xmlns:p15="http://schemas.microsoft.com/office/powerpoint/2012/main" xmlns=""/>
+      <p15:sldGuideLst xmlns="" xmlns:p15="http://schemas.microsoft.com/office/powerpoint/2012/main"/>
     </p:ext>
   </p:extLst>
 </p:presentation>
@@ -5903,7 +5903,7 @@
           <a:graphicData uri="http://schemas.openxmlformats.org/presentationml/2006/ole">
             <mc:AlternateContent xmlns:mc="http://schemas.openxmlformats.org/markup-compatibility/2006">
               <mc:Choice xmlns:v="urn:schemas-microsoft-com:vml" Requires="v">
-                <p:oleObj spid="_x0000_s3086" name="think-cell Slide" r:id="rId5" imgW="270" imgH="270" progId="TCLayout.ActiveDocument.1">
+                <p:oleObj spid="_x0000_s3087" name="think-cell Slide" r:id="rId5" imgW="270" imgH="270" progId="TCLayout.ActiveDocument.1">
                   <p:embed/>
                 </p:oleObj>
               </mc:Choice>
@@ -6033,7 +6033,7 @@
           <p:cNvPr id="10" name="Footer Placeholder 2">
             <a:extLst>
               <a:ext uri="{FF2B5EF4-FFF2-40B4-BE49-F238E27FC236}">
-                <a16:creationId xmlns:a16="http://schemas.microsoft.com/office/drawing/2014/main" xmlns="" id="{EA56D503-80D1-4AC7-A49B-BEC0B1AA89FA}"/>
+                <a16:creationId xmlns="" xmlns:a16="http://schemas.microsoft.com/office/drawing/2014/main" id="{EA56D503-80D1-4AC7-A49B-BEC0B1AA89FA}"/>
               </a:ext>
             </a:extLst>
           </p:cNvPr>
@@ -6171,7 +6171,7 @@
           <p:cNvPr id="12" name="Text Placeholder 5">
             <a:extLst>
               <a:ext uri="{FF2B5EF4-FFF2-40B4-BE49-F238E27FC236}">
-                <a16:creationId xmlns:a16="http://schemas.microsoft.com/office/drawing/2014/main" xmlns="" id="{8EB1ECA6-73DF-4EBB-A920-A672D7F2B1CA}"/>
+                <a16:creationId xmlns="" xmlns:a16="http://schemas.microsoft.com/office/drawing/2014/main" id="{8EB1ECA6-73DF-4EBB-A920-A672D7F2B1CA}"/>
               </a:ext>
             </a:extLst>
           </p:cNvPr>
@@ -6218,7 +6218,7 @@
           <p:cNvPr id="14" name="Tijdelijke aanduiding voor verticale tekst 2">
             <a:extLst>
               <a:ext uri="{FF2B5EF4-FFF2-40B4-BE49-F238E27FC236}">
-                <a16:creationId xmlns:a16="http://schemas.microsoft.com/office/drawing/2014/main" xmlns="" id="{8276DC8F-5F19-426F-BA94-D1FACEE20402}"/>
+                <a16:creationId xmlns="" xmlns:a16="http://schemas.microsoft.com/office/drawing/2014/main" id="{8276DC8F-5F19-426F-BA94-D1FACEE20402}"/>
               </a:ext>
             </a:extLst>
           </p:cNvPr>
@@ -6353,7 +6353,7 @@
           <p:cNvPr id="13" name="Title 1">
             <a:extLst>
               <a:ext uri="{FF2B5EF4-FFF2-40B4-BE49-F238E27FC236}">
-                <a16:creationId xmlns:a16="http://schemas.microsoft.com/office/drawing/2014/main" xmlns="" id="{DCEE5E7D-E7BC-4AF6-B72A-9905F8EB3CF2}"/>
+                <a16:creationId xmlns="" xmlns:a16="http://schemas.microsoft.com/office/drawing/2014/main" id="{DCEE5E7D-E7BC-4AF6-B72A-9905F8EB3CF2}"/>
               </a:ext>
             </a:extLst>
           </p:cNvPr>
@@ -6435,7 +6435,7 @@
   </mc:AlternateContent>
   <p:extLst>
     <p:ext uri="{DCECCB84-F9BA-43D5-87BE-67443E8EF086}">
-      <p15:sldGuideLst xmlns:p15="http://schemas.microsoft.com/office/powerpoint/2012/main" xmlns=""/>
+      <p15:sldGuideLst xmlns="" xmlns:p15="http://schemas.microsoft.com/office/powerpoint/2012/main"/>
     </p:ext>
   </p:extLst>
 </p:sldLayout>
@@ -6463,7 +6463,7 @@
           <p:cNvPr id="3" name="Object 2" hidden="1">
             <a:extLst>
               <a:ext uri="{FF2B5EF4-FFF2-40B4-BE49-F238E27FC236}">
-                <a16:creationId xmlns:a16="http://schemas.microsoft.com/office/drawing/2014/main" xmlns="" id="{A973D507-80BD-4317-93B7-89A9325B46DC}"/>
+                <a16:creationId xmlns="" xmlns:a16="http://schemas.microsoft.com/office/drawing/2014/main" id="{A973D507-80BD-4317-93B7-89A9325B46DC}"/>
               </a:ext>
             </a:extLst>
           </p:cNvPr>
@@ -6485,7 +6485,7 @@
           <a:graphicData uri="http://schemas.openxmlformats.org/presentationml/2006/ole">
             <mc:AlternateContent xmlns:mc="http://schemas.openxmlformats.org/markup-compatibility/2006">
               <mc:Choice xmlns:v="urn:schemas-microsoft-com:vml" Requires="v">
-                <p:oleObj spid="_x0000_s4110" name="think-cell Slide" r:id="rId5" imgW="592" imgH="591" progId="TCLayout.ActiveDocument.1">
+                <p:oleObj spid="_x0000_s4111" name="think-cell Slide" r:id="rId5" imgW="592" imgH="591" progId="TCLayout.ActiveDocument.1">
                   <p:embed/>
                 </p:oleObj>
               </mc:Choice>
@@ -6497,7 +6497,7 @@
                       <p:cNvPr id="3" name="Object 2" hidden="1">
                         <a:extLst>
                           <a:ext uri="{FF2B5EF4-FFF2-40B4-BE49-F238E27FC236}">
-                            <a16:creationId xmlns:a16="http://schemas.microsoft.com/office/drawing/2014/main" xmlns="" id="{A973D507-80BD-4317-93B7-89A9325B46DC}"/>
+                            <a16:creationId xmlns="" xmlns:a16="http://schemas.microsoft.com/office/drawing/2014/main" id="{A973D507-80BD-4317-93B7-89A9325B46DC}"/>
                           </a:ext>
                         </a:extLst>
                       </p:cNvPr>
@@ -6531,7 +6531,7 @@
           <p:cNvPr id="2" name="Rectangle 1" hidden="1">
             <a:extLst>
               <a:ext uri="{FF2B5EF4-FFF2-40B4-BE49-F238E27FC236}">
-                <a16:creationId xmlns:a16="http://schemas.microsoft.com/office/drawing/2014/main" xmlns="" id="{823C31CB-16A4-4D58-934C-21143F7EDF3F}"/>
+                <a16:creationId xmlns="" xmlns:a16="http://schemas.microsoft.com/office/drawing/2014/main" id="{823C31CB-16A4-4D58-934C-21143F7EDF3F}"/>
               </a:ext>
             </a:extLst>
           </p:cNvPr>
@@ -6648,7 +6648,7 @@
           <p:cNvPr id="11" name="Text Placeholder 5">
             <a:extLst>
               <a:ext uri="{FF2B5EF4-FFF2-40B4-BE49-F238E27FC236}">
-                <a16:creationId xmlns:a16="http://schemas.microsoft.com/office/drawing/2014/main" xmlns="" id="{6AC47801-77FF-4DF0-A7B5-7B1D084DA040}"/>
+                <a16:creationId xmlns="" xmlns:a16="http://schemas.microsoft.com/office/drawing/2014/main" id="{6AC47801-77FF-4DF0-A7B5-7B1D084DA040}"/>
               </a:ext>
             </a:extLst>
           </p:cNvPr>
@@ -6695,7 +6695,7 @@
           <p:cNvPr id="12" name="Text Placeholder 5">
             <a:extLst>
               <a:ext uri="{FF2B5EF4-FFF2-40B4-BE49-F238E27FC236}">
-                <a16:creationId xmlns:a16="http://schemas.microsoft.com/office/drawing/2014/main" xmlns="" id="{5F2EA4E5-B686-47F3-937E-1F077AEA9D03}"/>
+                <a16:creationId xmlns="" xmlns:a16="http://schemas.microsoft.com/office/drawing/2014/main" id="{5F2EA4E5-B686-47F3-937E-1F077AEA9D03}"/>
               </a:ext>
             </a:extLst>
           </p:cNvPr>
@@ -6742,7 +6742,7 @@
           <p:cNvPr id="19" name="Tijdelijke aanduiding voor verticale tekst 2">
             <a:extLst>
               <a:ext uri="{FF2B5EF4-FFF2-40B4-BE49-F238E27FC236}">
-                <a16:creationId xmlns:a16="http://schemas.microsoft.com/office/drawing/2014/main" xmlns="" id="{23809F10-0331-48BE-9C4B-33029A84E91C}"/>
+                <a16:creationId xmlns="" xmlns:a16="http://schemas.microsoft.com/office/drawing/2014/main" id="{23809F10-0331-48BE-9C4B-33029A84E91C}"/>
               </a:ext>
             </a:extLst>
           </p:cNvPr>
@@ -6877,7 +6877,7 @@
           <p:cNvPr id="20" name="Tijdelijke aanduiding voor verticale tekst 2">
             <a:extLst>
               <a:ext uri="{FF2B5EF4-FFF2-40B4-BE49-F238E27FC236}">
-                <a16:creationId xmlns:a16="http://schemas.microsoft.com/office/drawing/2014/main" xmlns="" id="{75E4C565-6BA5-456E-AB5C-09306C659AF2}"/>
+                <a16:creationId xmlns="" xmlns:a16="http://schemas.microsoft.com/office/drawing/2014/main" id="{75E4C565-6BA5-456E-AB5C-09306C659AF2}"/>
               </a:ext>
             </a:extLst>
           </p:cNvPr>
@@ -7012,7 +7012,7 @@
           <p:cNvPr id="15" name="Title 1">
             <a:extLst>
               <a:ext uri="{FF2B5EF4-FFF2-40B4-BE49-F238E27FC236}">
-                <a16:creationId xmlns:a16="http://schemas.microsoft.com/office/drawing/2014/main" xmlns="" id="{12A24DC3-D2B1-47DC-BF57-7C806D1B0EAB}"/>
+                <a16:creationId xmlns="" xmlns:a16="http://schemas.microsoft.com/office/drawing/2014/main" id="{12A24DC3-D2B1-47DC-BF57-7C806D1B0EAB}"/>
               </a:ext>
             </a:extLst>
           </p:cNvPr>
@@ -7121,7 +7121,7 @@
           <a:graphicData uri="http://schemas.openxmlformats.org/presentationml/2006/ole">
             <mc:AlternateContent xmlns:mc="http://schemas.openxmlformats.org/markup-compatibility/2006">
               <mc:Choice xmlns:v="urn:schemas-microsoft-com:vml" Requires="v">
-                <p:oleObj spid="_x0000_s5134" name="think-cell Slide" r:id="rId5" imgW="270" imgH="270" progId="TCLayout.ActiveDocument.1">
+                <p:oleObj spid="_x0000_s5135" name="think-cell Slide" r:id="rId5" imgW="270" imgH="270" progId="TCLayout.ActiveDocument.1">
                   <p:embed/>
                 </p:oleObj>
               </mc:Choice>
@@ -7251,7 +7251,7 @@
           <p:cNvPr id="7" name="Footer Placeholder 2">
             <a:extLst>
               <a:ext uri="{FF2B5EF4-FFF2-40B4-BE49-F238E27FC236}">
-                <a16:creationId xmlns:a16="http://schemas.microsoft.com/office/drawing/2014/main" xmlns="" id="{AC6AA031-27F1-47F8-BB08-9B10EAB5E48E}"/>
+                <a16:creationId xmlns="" xmlns:a16="http://schemas.microsoft.com/office/drawing/2014/main" id="{AC6AA031-27F1-47F8-BB08-9B10EAB5E48E}"/>
               </a:ext>
             </a:extLst>
           </p:cNvPr>
@@ -7389,7 +7389,7 @@
           <p:cNvPr id="11" name="Tijdelijke aanduiding voor verticale tekst 2">
             <a:extLst>
               <a:ext uri="{FF2B5EF4-FFF2-40B4-BE49-F238E27FC236}">
-                <a16:creationId xmlns:a16="http://schemas.microsoft.com/office/drawing/2014/main" xmlns="" id="{1637882E-8BD0-4359-A658-B79548318CBB}"/>
+                <a16:creationId xmlns="" xmlns:a16="http://schemas.microsoft.com/office/drawing/2014/main" id="{1637882E-8BD0-4359-A658-B79548318CBB}"/>
               </a:ext>
             </a:extLst>
           </p:cNvPr>
@@ -7524,7 +7524,7 @@
           <p:cNvPr id="9" name="Title 1">
             <a:extLst>
               <a:ext uri="{FF2B5EF4-FFF2-40B4-BE49-F238E27FC236}">
-                <a16:creationId xmlns:a16="http://schemas.microsoft.com/office/drawing/2014/main" xmlns="" id="{2D1D8C6B-EDA7-4181-9996-93F142DAD31F}"/>
+                <a16:creationId xmlns="" xmlns:a16="http://schemas.microsoft.com/office/drawing/2014/main" id="{2D1D8C6B-EDA7-4181-9996-93F142DAD31F}"/>
               </a:ext>
             </a:extLst>
           </p:cNvPr>
@@ -7606,7 +7606,7 @@
   </mc:AlternateContent>
   <p:extLst>
     <p:ext uri="{DCECCB84-F9BA-43D5-87BE-67443E8EF086}">
-      <p15:sldGuideLst xmlns:p15="http://schemas.microsoft.com/office/powerpoint/2012/main" xmlns=""/>
+      <p15:sldGuideLst xmlns="" xmlns:p15="http://schemas.microsoft.com/office/powerpoint/2012/main"/>
     </p:ext>
   </p:extLst>
 </p:sldLayout>
@@ -7909,7 +7909,7 @@
           <a:graphicData uri="http://schemas.openxmlformats.org/presentationml/2006/ole">
             <mc:AlternateContent xmlns:mc="http://schemas.openxmlformats.org/markup-compatibility/2006">
               <mc:Choice xmlns:v="urn:schemas-microsoft-com:vml" Requires="v">
-                <p:oleObj spid="_x0000_s6158" name="think-cell Slide" r:id="rId5" imgW="270" imgH="270" progId="TCLayout.ActiveDocument.1">
+                <p:oleObj spid="_x0000_s6159" name="think-cell Slide" r:id="rId5" imgW="270" imgH="270" progId="TCLayout.ActiveDocument.1">
                   <p:embed/>
                 </p:oleObj>
               </mc:Choice>
@@ -7998,7 +7998,7 @@
           <p:cNvPr id="10" name="Rechthoek 9">
             <a:extLst>
               <a:ext uri="{FF2B5EF4-FFF2-40B4-BE49-F238E27FC236}">
-                <a16:creationId xmlns:a16="http://schemas.microsoft.com/office/drawing/2014/main" xmlns="" id="{9935F8CA-499D-47FB-B397-D396B22DA376}"/>
+                <a16:creationId xmlns="" xmlns:a16="http://schemas.microsoft.com/office/drawing/2014/main" id="{9935F8CA-499D-47FB-B397-D396B22DA376}"/>
               </a:ext>
             </a:extLst>
           </p:cNvPr>
@@ -8047,7 +8047,7 @@
           <p:cNvPr id="7" name="Picture 9">
             <a:extLst>
               <a:ext uri="{FF2B5EF4-FFF2-40B4-BE49-F238E27FC236}">
-                <a16:creationId xmlns:a16="http://schemas.microsoft.com/office/drawing/2014/main" xmlns="" id="{C806AF96-C386-4526-832C-A3A9EE93CC66}"/>
+                <a16:creationId xmlns="" xmlns:a16="http://schemas.microsoft.com/office/drawing/2014/main" id="{C806AF96-C386-4526-832C-A3A9EE93CC66}"/>
               </a:ext>
             </a:extLst>
           </p:cNvPr>
@@ -8082,7 +8082,7 @@
           <p:cNvPr id="9" name="Picture 8">
             <a:extLst>
               <a:ext uri="{FF2B5EF4-FFF2-40B4-BE49-F238E27FC236}">
-                <a16:creationId xmlns:a16="http://schemas.microsoft.com/office/drawing/2014/main" xmlns="" id="{77A37962-BFBF-411B-AE8F-6BF3B59A2514}"/>
+                <a16:creationId xmlns="" xmlns:a16="http://schemas.microsoft.com/office/drawing/2014/main" id="{77A37962-BFBF-411B-AE8F-6BF3B59A2514}"/>
               </a:ext>
             </a:extLst>
           </p:cNvPr>
@@ -8118,7 +8118,7 @@
           <p:cNvPr id="19" name="Titel 5">
             <a:extLst>
               <a:ext uri="{FF2B5EF4-FFF2-40B4-BE49-F238E27FC236}">
-                <a16:creationId xmlns:a16="http://schemas.microsoft.com/office/drawing/2014/main" xmlns="" id="{4977D3E1-65C3-4DED-B7F0-14EF2D857D92}"/>
+                <a16:creationId xmlns="" xmlns:a16="http://schemas.microsoft.com/office/drawing/2014/main" id="{4977D3E1-65C3-4DED-B7F0-14EF2D857D92}"/>
               </a:ext>
             </a:extLst>
           </p:cNvPr>
@@ -8158,7 +8158,7 @@
           <p:cNvPr id="20" name="Tijdelijke aanduiding voor tekst 13">
             <a:extLst>
               <a:ext uri="{FF2B5EF4-FFF2-40B4-BE49-F238E27FC236}">
-                <a16:creationId xmlns:a16="http://schemas.microsoft.com/office/drawing/2014/main" xmlns="" id="{1FD9EEFC-194B-4676-BD1C-B35CC18EE9A5}"/>
+                <a16:creationId xmlns="" xmlns:a16="http://schemas.microsoft.com/office/drawing/2014/main" id="{1FD9EEFC-194B-4676-BD1C-B35CC18EE9A5}"/>
               </a:ext>
             </a:extLst>
           </p:cNvPr>
@@ -8208,7 +8208,7 @@
           <p:cNvPr id="21" name="Picture 12">
             <a:extLst>
               <a:ext uri="{FF2B5EF4-FFF2-40B4-BE49-F238E27FC236}">
-                <a16:creationId xmlns:a16="http://schemas.microsoft.com/office/drawing/2014/main" xmlns="" id="{2ADC06D3-FB1A-4AA6-8AD3-BF07FA5D866B}"/>
+                <a16:creationId xmlns="" xmlns:a16="http://schemas.microsoft.com/office/drawing/2014/main" id="{2ADC06D3-FB1A-4AA6-8AD3-BF07FA5D866B}"/>
               </a:ext>
             </a:extLst>
           </p:cNvPr>
@@ -8290,7 +8290,7 @@
           <a:graphicData uri="http://schemas.openxmlformats.org/presentationml/2006/ole">
             <mc:AlternateContent xmlns:mc="http://schemas.openxmlformats.org/markup-compatibility/2006">
               <mc:Choice xmlns:v="urn:schemas-microsoft-com:vml" Requires="v">
-                <p:oleObj spid="_x0000_s7182" name="think-cell Slide" r:id="rId5" imgW="270" imgH="270" progId="TCLayout.ActiveDocument.1">
+                <p:oleObj spid="_x0000_s7183" name="think-cell Slide" r:id="rId5" imgW="270" imgH="270" progId="TCLayout.ActiveDocument.1">
                   <p:embed/>
                 </p:oleObj>
               </mc:Choice>
@@ -8379,7 +8379,7 @@
           <p:cNvPr id="13" name="Rechthoek 9">
             <a:extLst>
               <a:ext uri="{FF2B5EF4-FFF2-40B4-BE49-F238E27FC236}">
-                <a16:creationId xmlns:a16="http://schemas.microsoft.com/office/drawing/2014/main" xmlns="" id="{9935F8CA-499D-47FB-B397-D396B22DA376}"/>
+                <a16:creationId xmlns="" xmlns:a16="http://schemas.microsoft.com/office/drawing/2014/main" id="{9935F8CA-499D-47FB-B397-D396B22DA376}"/>
               </a:ext>
             </a:extLst>
           </p:cNvPr>
@@ -8431,7 +8431,7 @@
           <p:cNvPr id="7" name="Picture 9">
             <a:extLst>
               <a:ext uri="{FF2B5EF4-FFF2-40B4-BE49-F238E27FC236}">
-                <a16:creationId xmlns:a16="http://schemas.microsoft.com/office/drawing/2014/main" xmlns="" id="{C806AF96-C386-4526-832C-A3A9EE93CC66}"/>
+                <a16:creationId xmlns="" xmlns:a16="http://schemas.microsoft.com/office/drawing/2014/main" id="{C806AF96-C386-4526-832C-A3A9EE93CC66}"/>
               </a:ext>
             </a:extLst>
           </p:cNvPr>
@@ -8466,7 +8466,7 @@
           <p:cNvPr id="9" name="Picture 8">
             <a:extLst>
               <a:ext uri="{FF2B5EF4-FFF2-40B4-BE49-F238E27FC236}">
-                <a16:creationId xmlns:a16="http://schemas.microsoft.com/office/drawing/2014/main" xmlns="" id="{77A37962-BFBF-411B-AE8F-6BF3B59A2514}"/>
+                <a16:creationId xmlns="" xmlns:a16="http://schemas.microsoft.com/office/drawing/2014/main" id="{77A37962-BFBF-411B-AE8F-6BF3B59A2514}"/>
               </a:ext>
             </a:extLst>
           </p:cNvPr>
@@ -8502,7 +8502,7 @@
           <p:cNvPr id="12" name="Tijdelijke aanduiding voor afbeelding 8">
             <a:extLst>
               <a:ext uri="{FF2B5EF4-FFF2-40B4-BE49-F238E27FC236}">
-                <a16:creationId xmlns:a16="http://schemas.microsoft.com/office/drawing/2014/main" xmlns="" id="{DB2C018A-2135-42FD-B1B3-1AD24846299D}"/>
+                <a16:creationId xmlns="" xmlns:a16="http://schemas.microsoft.com/office/drawing/2014/main" id="{DB2C018A-2135-42FD-B1B3-1AD24846299D}"/>
               </a:ext>
             </a:extLst>
           </p:cNvPr>
@@ -8558,7 +8558,7 @@
           <p:cNvPr id="59" name="Picture 12">
             <a:extLst>
               <a:ext uri="{FF2B5EF4-FFF2-40B4-BE49-F238E27FC236}">
-                <a16:creationId xmlns:a16="http://schemas.microsoft.com/office/drawing/2014/main" xmlns="" id="{62B80BC6-573C-4D80-B198-85ACA222689E}"/>
+                <a16:creationId xmlns="" xmlns:a16="http://schemas.microsoft.com/office/drawing/2014/main" id="{62B80BC6-573C-4D80-B198-85ACA222689E}"/>
               </a:ext>
             </a:extLst>
           </p:cNvPr>
@@ -8594,7 +8594,7 @@
           <p:cNvPr id="58" name="Titel 5">
             <a:extLst>
               <a:ext uri="{FF2B5EF4-FFF2-40B4-BE49-F238E27FC236}">
-                <a16:creationId xmlns:a16="http://schemas.microsoft.com/office/drawing/2014/main" xmlns="" id="{4977D3E1-65C3-4DED-B7F0-14EF2D857D92}"/>
+                <a16:creationId xmlns="" xmlns:a16="http://schemas.microsoft.com/office/drawing/2014/main" id="{4977D3E1-65C3-4DED-B7F0-14EF2D857D92}"/>
               </a:ext>
             </a:extLst>
           </p:cNvPr>
@@ -8634,7 +8634,7 @@
           <p:cNvPr id="60" name="Tijdelijke aanduiding voor tekst 13">
             <a:extLst>
               <a:ext uri="{FF2B5EF4-FFF2-40B4-BE49-F238E27FC236}">
-                <a16:creationId xmlns:a16="http://schemas.microsoft.com/office/drawing/2014/main" xmlns="" id="{1FD9EEFC-194B-4676-BD1C-B35CC18EE9A5}"/>
+                <a16:creationId xmlns="" xmlns:a16="http://schemas.microsoft.com/office/drawing/2014/main" id="{1FD9EEFC-194B-4676-BD1C-B35CC18EE9A5}"/>
               </a:ext>
             </a:extLst>
           </p:cNvPr>
@@ -8714,7 +8714,7 @@
           <p:cNvPr id="10" name="Rechthoek 9">
             <a:extLst>
               <a:ext uri="{FF2B5EF4-FFF2-40B4-BE49-F238E27FC236}">
-                <a16:creationId xmlns:a16="http://schemas.microsoft.com/office/drawing/2014/main" xmlns="" id="{9935F8CA-499D-47FB-B397-D396B22DA376}"/>
+                <a16:creationId xmlns="" xmlns:a16="http://schemas.microsoft.com/office/drawing/2014/main" id="{9935F8CA-499D-47FB-B397-D396B22DA376}"/>
               </a:ext>
             </a:extLst>
           </p:cNvPr>
@@ -8766,7 +8766,7 @@
           <p:cNvPr id="7" name="Picture 9">
             <a:extLst>
               <a:ext uri="{FF2B5EF4-FFF2-40B4-BE49-F238E27FC236}">
-                <a16:creationId xmlns:a16="http://schemas.microsoft.com/office/drawing/2014/main" xmlns="" id="{C806AF96-C386-4526-832C-A3A9EE93CC66}"/>
+                <a16:creationId xmlns="" xmlns:a16="http://schemas.microsoft.com/office/drawing/2014/main" id="{C806AF96-C386-4526-832C-A3A9EE93CC66}"/>
               </a:ext>
             </a:extLst>
           </p:cNvPr>
@@ -8801,7 +8801,7 @@
           <p:cNvPr id="9" name="Picture 8">
             <a:extLst>
               <a:ext uri="{FF2B5EF4-FFF2-40B4-BE49-F238E27FC236}">
-                <a16:creationId xmlns:a16="http://schemas.microsoft.com/office/drawing/2014/main" xmlns="" id="{77A37962-BFBF-411B-AE8F-6BF3B59A2514}"/>
+                <a16:creationId xmlns="" xmlns:a16="http://schemas.microsoft.com/office/drawing/2014/main" id="{77A37962-BFBF-411B-AE8F-6BF3B59A2514}"/>
               </a:ext>
             </a:extLst>
           </p:cNvPr>
@@ -8837,7 +8837,7 @@
           <p:cNvPr id="61" name="Picture 12">
             <a:extLst>
               <a:ext uri="{FF2B5EF4-FFF2-40B4-BE49-F238E27FC236}">
-                <a16:creationId xmlns:a16="http://schemas.microsoft.com/office/drawing/2014/main" xmlns="" id="{806F4757-518C-4073-827C-AA71CBBE7DF3}"/>
+                <a16:creationId xmlns="" xmlns:a16="http://schemas.microsoft.com/office/drawing/2014/main" id="{806F4757-518C-4073-827C-AA71CBBE7DF3}"/>
               </a:ext>
             </a:extLst>
           </p:cNvPr>
@@ -8873,7 +8873,7 @@
           <p:cNvPr id="17" name="Tijdelijke aanduiding voor afbeelding 8">
             <a:extLst>
               <a:ext uri="{FF2B5EF4-FFF2-40B4-BE49-F238E27FC236}">
-                <a16:creationId xmlns:a16="http://schemas.microsoft.com/office/drawing/2014/main" xmlns="" id="{116416CB-EBA7-40C8-BE47-2348D375AD4D}"/>
+                <a16:creationId xmlns="" xmlns:a16="http://schemas.microsoft.com/office/drawing/2014/main" id="{116416CB-EBA7-40C8-BE47-2348D375AD4D}"/>
               </a:ext>
             </a:extLst>
           </p:cNvPr>
@@ -8929,7 +8929,7 @@
           <p:cNvPr id="59" name="Titel 5">
             <a:extLst>
               <a:ext uri="{FF2B5EF4-FFF2-40B4-BE49-F238E27FC236}">
-                <a16:creationId xmlns:a16="http://schemas.microsoft.com/office/drawing/2014/main" xmlns="" id="{4977D3E1-65C3-4DED-B7F0-14EF2D857D92}"/>
+                <a16:creationId xmlns="" xmlns:a16="http://schemas.microsoft.com/office/drawing/2014/main" id="{4977D3E1-65C3-4DED-B7F0-14EF2D857D92}"/>
               </a:ext>
             </a:extLst>
           </p:cNvPr>
@@ -8969,7 +8969,7 @@
           <p:cNvPr id="60" name="Tijdelijke aanduiding voor tekst 13">
             <a:extLst>
               <a:ext uri="{FF2B5EF4-FFF2-40B4-BE49-F238E27FC236}">
-                <a16:creationId xmlns:a16="http://schemas.microsoft.com/office/drawing/2014/main" xmlns="" id="{1FD9EEFC-194B-4676-BD1C-B35CC18EE9A5}"/>
+                <a16:creationId xmlns="" xmlns:a16="http://schemas.microsoft.com/office/drawing/2014/main" id="{1FD9EEFC-194B-4676-BD1C-B35CC18EE9A5}"/>
               </a:ext>
             </a:extLst>
           </p:cNvPr>
@@ -9049,7 +9049,7 @@
           <p:cNvPr id="10" name="Rechthoek 9">
             <a:extLst>
               <a:ext uri="{FF2B5EF4-FFF2-40B4-BE49-F238E27FC236}">
-                <a16:creationId xmlns:a16="http://schemas.microsoft.com/office/drawing/2014/main" xmlns="" id="{9935F8CA-499D-47FB-B397-D396B22DA376}"/>
+                <a16:creationId xmlns="" xmlns:a16="http://schemas.microsoft.com/office/drawing/2014/main" id="{9935F8CA-499D-47FB-B397-D396B22DA376}"/>
               </a:ext>
             </a:extLst>
           </p:cNvPr>
@@ -9101,7 +9101,7 @@
           <p:cNvPr id="7" name="Picture 9">
             <a:extLst>
               <a:ext uri="{FF2B5EF4-FFF2-40B4-BE49-F238E27FC236}">
-                <a16:creationId xmlns:a16="http://schemas.microsoft.com/office/drawing/2014/main" xmlns="" id="{C806AF96-C386-4526-832C-A3A9EE93CC66}"/>
+                <a16:creationId xmlns="" xmlns:a16="http://schemas.microsoft.com/office/drawing/2014/main" id="{C806AF96-C386-4526-832C-A3A9EE93CC66}"/>
               </a:ext>
             </a:extLst>
           </p:cNvPr>
@@ -9136,7 +9136,7 @@
           <p:cNvPr id="9" name="Picture 8">
             <a:extLst>
               <a:ext uri="{FF2B5EF4-FFF2-40B4-BE49-F238E27FC236}">
-                <a16:creationId xmlns:a16="http://schemas.microsoft.com/office/drawing/2014/main" xmlns="" id="{77A37962-BFBF-411B-AE8F-6BF3B59A2514}"/>
+                <a16:creationId xmlns="" xmlns:a16="http://schemas.microsoft.com/office/drawing/2014/main" id="{77A37962-BFBF-411B-AE8F-6BF3B59A2514}"/>
               </a:ext>
             </a:extLst>
           </p:cNvPr>
@@ -9172,7 +9172,7 @@
           <p:cNvPr id="63" name="Picture 7">
             <a:extLst>
               <a:ext uri="{FF2B5EF4-FFF2-40B4-BE49-F238E27FC236}">
-                <a16:creationId xmlns:a16="http://schemas.microsoft.com/office/drawing/2014/main" xmlns="" id="{CB3445F2-35F5-4AAC-837E-52ADB47DAB68}"/>
+                <a16:creationId xmlns="" xmlns:a16="http://schemas.microsoft.com/office/drawing/2014/main" id="{CB3445F2-35F5-4AAC-837E-52ADB47DAB68}"/>
               </a:ext>
             </a:extLst>
           </p:cNvPr>
@@ -9208,7 +9208,7 @@
           <p:cNvPr id="16" name="Tijdelijke aanduiding voor afbeelding 8">
             <a:extLst>
               <a:ext uri="{FF2B5EF4-FFF2-40B4-BE49-F238E27FC236}">
-                <a16:creationId xmlns:a16="http://schemas.microsoft.com/office/drawing/2014/main" xmlns="" id="{16AB1C94-D32E-491C-A27D-F3DE236E3AD4}"/>
+                <a16:creationId xmlns="" xmlns:a16="http://schemas.microsoft.com/office/drawing/2014/main" id="{16AB1C94-D32E-491C-A27D-F3DE236E3AD4}"/>
               </a:ext>
             </a:extLst>
           </p:cNvPr>
@@ -9264,7 +9264,7 @@
           <p:cNvPr id="59" name="Titel 5">
             <a:extLst>
               <a:ext uri="{FF2B5EF4-FFF2-40B4-BE49-F238E27FC236}">
-                <a16:creationId xmlns:a16="http://schemas.microsoft.com/office/drawing/2014/main" xmlns="" id="{4977D3E1-65C3-4DED-B7F0-14EF2D857D92}"/>
+                <a16:creationId xmlns="" xmlns:a16="http://schemas.microsoft.com/office/drawing/2014/main" id="{4977D3E1-65C3-4DED-B7F0-14EF2D857D92}"/>
               </a:ext>
             </a:extLst>
           </p:cNvPr>
@@ -9304,7 +9304,7 @@
           <p:cNvPr id="60" name="Tijdelijke aanduiding voor tekst 13">
             <a:extLst>
               <a:ext uri="{FF2B5EF4-FFF2-40B4-BE49-F238E27FC236}">
-                <a16:creationId xmlns:a16="http://schemas.microsoft.com/office/drawing/2014/main" xmlns="" id="{1FD9EEFC-194B-4676-BD1C-B35CC18EE9A5}"/>
+                <a16:creationId xmlns="" xmlns:a16="http://schemas.microsoft.com/office/drawing/2014/main" id="{1FD9EEFC-194B-4676-BD1C-B35CC18EE9A5}"/>
               </a:ext>
             </a:extLst>
           </p:cNvPr>
@@ -9384,7 +9384,7 @@
           <p:cNvPr id="7" name="Rechthoek 6">
             <a:extLst>
               <a:ext uri="{FF2B5EF4-FFF2-40B4-BE49-F238E27FC236}">
-                <a16:creationId xmlns:a16="http://schemas.microsoft.com/office/drawing/2014/main" xmlns="" id="{CF33D3B1-834D-469E-9DE8-53CBC0535382}"/>
+                <a16:creationId xmlns="" xmlns:a16="http://schemas.microsoft.com/office/drawing/2014/main" id="{CF33D3B1-834D-469E-9DE8-53CBC0535382}"/>
               </a:ext>
             </a:extLst>
           </p:cNvPr>
@@ -9433,7 +9433,7 @@
           <p:cNvPr id="14" name="Picture 8">
             <a:extLst>
               <a:ext uri="{FF2B5EF4-FFF2-40B4-BE49-F238E27FC236}">
-                <a16:creationId xmlns:a16="http://schemas.microsoft.com/office/drawing/2014/main" xmlns="" id="{D5A939AD-6BCB-4FE2-8FDB-FEFFA3DE338A}"/>
+                <a16:creationId xmlns="" xmlns:a16="http://schemas.microsoft.com/office/drawing/2014/main" id="{D5A939AD-6BCB-4FE2-8FDB-FEFFA3DE338A}"/>
               </a:ext>
             </a:extLst>
           </p:cNvPr>
@@ -9468,7 +9468,7 @@
           <p:cNvPr id="9" name="Tijdelijke aanduiding voor afbeelding 8">
             <a:extLst>
               <a:ext uri="{FF2B5EF4-FFF2-40B4-BE49-F238E27FC236}">
-                <a16:creationId xmlns:a16="http://schemas.microsoft.com/office/drawing/2014/main" xmlns="" id="{37D7AE1C-668E-4833-B70A-727FF1D0668F}"/>
+                <a16:creationId xmlns="" xmlns:a16="http://schemas.microsoft.com/office/drawing/2014/main" id="{37D7AE1C-668E-4833-B70A-727FF1D0668F}"/>
               </a:ext>
             </a:extLst>
           </p:cNvPr>
@@ -9524,7 +9524,7 @@
           <p:cNvPr id="15" name="Titel 5">
             <a:extLst>
               <a:ext uri="{FF2B5EF4-FFF2-40B4-BE49-F238E27FC236}">
-                <a16:creationId xmlns:a16="http://schemas.microsoft.com/office/drawing/2014/main" xmlns="" id="{4A237110-0796-4058-A7AE-FEC89F7E9286}"/>
+                <a16:creationId xmlns="" xmlns:a16="http://schemas.microsoft.com/office/drawing/2014/main" id="{4A237110-0796-4058-A7AE-FEC89F7E9286}"/>
               </a:ext>
             </a:extLst>
           </p:cNvPr>
@@ -9568,7 +9568,7 @@
           <p:cNvPr id="86" name="Picture 17">
             <a:extLst>
               <a:ext uri="{FF2B5EF4-FFF2-40B4-BE49-F238E27FC236}">
-                <a16:creationId xmlns:a16="http://schemas.microsoft.com/office/drawing/2014/main" xmlns="" id="{E808A474-A497-4C5E-AD1E-A317DC220B99}"/>
+                <a16:creationId xmlns="" xmlns:a16="http://schemas.microsoft.com/office/drawing/2014/main" id="{E808A474-A497-4C5E-AD1E-A317DC220B99}"/>
               </a:ext>
             </a:extLst>
           </p:cNvPr>
@@ -9634,7 +9634,7 @@
           <p:cNvPr id="7" name="Rechthoek 6">
             <a:extLst>
               <a:ext uri="{FF2B5EF4-FFF2-40B4-BE49-F238E27FC236}">
-                <a16:creationId xmlns:a16="http://schemas.microsoft.com/office/drawing/2014/main" xmlns="" id="{CF33D3B1-834D-469E-9DE8-53CBC0535382}"/>
+                <a16:creationId xmlns="" xmlns:a16="http://schemas.microsoft.com/office/drawing/2014/main" id="{CF33D3B1-834D-469E-9DE8-53CBC0535382}"/>
               </a:ext>
             </a:extLst>
           </p:cNvPr>
@@ -9686,7 +9686,7 @@
           <p:cNvPr id="14" name="Picture 8">
             <a:extLst>
               <a:ext uri="{FF2B5EF4-FFF2-40B4-BE49-F238E27FC236}">
-                <a16:creationId xmlns:a16="http://schemas.microsoft.com/office/drawing/2014/main" xmlns="" id="{D5A939AD-6BCB-4FE2-8FDB-FEFFA3DE338A}"/>
+                <a16:creationId xmlns="" xmlns:a16="http://schemas.microsoft.com/office/drawing/2014/main" id="{D5A939AD-6BCB-4FE2-8FDB-FEFFA3DE338A}"/>
               </a:ext>
             </a:extLst>
           </p:cNvPr>
@@ -9724,7 +9724,7 @@
           <p:cNvPr id="89" name="Picture 17">
             <a:extLst>
               <a:ext uri="{FF2B5EF4-FFF2-40B4-BE49-F238E27FC236}">
-                <a16:creationId xmlns:a16="http://schemas.microsoft.com/office/drawing/2014/main" xmlns="" id="{AC7CAF1D-9A40-4D8B-92F2-285B5DB92A1F}"/>
+                <a16:creationId xmlns="" xmlns:a16="http://schemas.microsoft.com/office/drawing/2014/main" id="{AC7CAF1D-9A40-4D8B-92F2-285B5DB92A1F}"/>
               </a:ext>
             </a:extLst>
           </p:cNvPr>
@@ -9760,7 +9760,7 @@
           <p:cNvPr id="11" name="Tijdelijke aanduiding voor afbeelding 8">
             <a:extLst>
               <a:ext uri="{FF2B5EF4-FFF2-40B4-BE49-F238E27FC236}">
-                <a16:creationId xmlns:a16="http://schemas.microsoft.com/office/drawing/2014/main" xmlns="" id="{74C9D7A0-9384-4ED6-9083-9CDA8FE4EDA9}"/>
+                <a16:creationId xmlns="" xmlns:a16="http://schemas.microsoft.com/office/drawing/2014/main" id="{74C9D7A0-9384-4ED6-9083-9CDA8FE4EDA9}"/>
               </a:ext>
             </a:extLst>
           </p:cNvPr>
@@ -9850,7 +9850,7 @@
           <p:cNvPr id="85" name="Titel 5">
             <a:extLst>
               <a:ext uri="{FF2B5EF4-FFF2-40B4-BE49-F238E27FC236}">
-                <a16:creationId xmlns:a16="http://schemas.microsoft.com/office/drawing/2014/main" xmlns="" id="{4A237110-0796-4058-A7AE-FEC89F7E9286}"/>
+                <a16:creationId xmlns="" xmlns:a16="http://schemas.microsoft.com/office/drawing/2014/main" id="{4A237110-0796-4058-A7AE-FEC89F7E9286}"/>
               </a:ext>
             </a:extLst>
           </p:cNvPr>
@@ -9924,7 +9924,7 @@
           <p:cNvPr id="7" name="Rechthoek 6">
             <a:extLst>
               <a:ext uri="{FF2B5EF4-FFF2-40B4-BE49-F238E27FC236}">
-                <a16:creationId xmlns:a16="http://schemas.microsoft.com/office/drawing/2014/main" xmlns="" id="{CF33D3B1-834D-469E-9DE8-53CBC0535382}"/>
+                <a16:creationId xmlns="" xmlns:a16="http://schemas.microsoft.com/office/drawing/2014/main" id="{CF33D3B1-834D-469E-9DE8-53CBC0535382}"/>
               </a:ext>
             </a:extLst>
           </p:cNvPr>
@@ -9976,7 +9976,7 @@
           <p:cNvPr id="14" name="Picture 8">
             <a:extLst>
               <a:ext uri="{FF2B5EF4-FFF2-40B4-BE49-F238E27FC236}">
-                <a16:creationId xmlns:a16="http://schemas.microsoft.com/office/drawing/2014/main" xmlns="" id="{D5A939AD-6BCB-4FE2-8FDB-FEFFA3DE338A}"/>
+                <a16:creationId xmlns="" xmlns:a16="http://schemas.microsoft.com/office/drawing/2014/main" id="{D5A939AD-6BCB-4FE2-8FDB-FEFFA3DE338A}"/>
               </a:ext>
             </a:extLst>
           </p:cNvPr>
@@ -10014,7 +10014,7 @@
           <p:cNvPr id="86" name="Picture 17">
             <a:extLst>
               <a:ext uri="{FF2B5EF4-FFF2-40B4-BE49-F238E27FC236}">
-                <a16:creationId xmlns:a16="http://schemas.microsoft.com/office/drawing/2014/main" xmlns="" id="{7C062C76-EDB5-4F15-8EA9-AAE3657D1DEC}"/>
+                <a16:creationId xmlns="" xmlns:a16="http://schemas.microsoft.com/office/drawing/2014/main" id="{7C062C76-EDB5-4F15-8EA9-AAE3657D1DEC}"/>
               </a:ext>
             </a:extLst>
           </p:cNvPr>
@@ -10050,7 +10050,7 @@
           <p:cNvPr id="11" name="Tijdelijke aanduiding voor afbeelding 8">
             <a:extLst>
               <a:ext uri="{FF2B5EF4-FFF2-40B4-BE49-F238E27FC236}">
-                <a16:creationId xmlns:a16="http://schemas.microsoft.com/office/drawing/2014/main" xmlns="" id="{DC7BAFE8-8F26-4403-9E07-291D0BFD03F1}"/>
+                <a16:creationId xmlns="" xmlns:a16="http://schemas.microsoft.com/office/drawing/2014/main" id="{DC7BAFE8-8F26-4403-9E07-291D0BFD03F1}"/>
               </a:ext>
             </a:extLst>
           </p:cNvPr>
@@ -10140,7 +10140,7 @@
           <p:cNvPr id="85" name="Titel 5">
             <a:extLst>
               <a:ext uri="{FF2B5EF4-FFF2-40B4-BE49-F238E27FC236}">
-                <a16:creationId xmlns:a16="http://schemas.microsoft.com/office/drawing/2014/main" xmlns="" id="{4A237110-0796-4058-A7AE-FEC89F7E9286}"/>
+                <a16:creationId xmlns="" xmlns:a16="http://schemas.microsoft.com/office/drawing/2014/main" id="{4A237110-0796-4058-A7AE-FEC89F7E9286}"/>
               </a:ext>
             </a:extLst>
           </p:cNvPr>
@@ -10214,7 +10214,7 @@
           <p:cNvPr id="7" name="Rechthoek 6">
             <a:extLst>
               <a:ext uri="{FF2B5EF4-FFF2-40B4-BE49-F238E27FC236}">
-                <a16:creationId xmlns:a16="http://schemas.microsoft.com/office/drawing/2014/main" xmlns="" id="{CF33D3B1-834D-469E-9DE8-53CBC0535382}"/>
+                <a16:creationId xmlns="" xmlns:a16="http://schemas.microsoft.com/office/drawing/2014/main" id="{CF33D3B1-834D-469E-9DE8-53CBC0535382}"/>
               </a:ext>
             </a:extLst>
           </p:cNvPr>
@@ -10266,7 +10266,7 @@
           <p:cNvPr id="14" name="Picture 8">
             <a:extLst>
               <a:ext uri="{FF2B5EF4-FFF2-40B4-BE49-F238E27FC236}">
-                <a16:creationId xmlns:a16="http://schemas.microsoft.com/office/drawing/2014/main" xmlns="" id="{D5A939AD-6BCB-4FE2-8FDB-FEFFA3DE338A}"/>
+                <a16:creationId xmlns="" xmlns:a16="http://schemas.microsoft.com/office/drawing/2014/main" id="{D5A939AD-6BCB-4FE2-8FDB-FEFFA3DE338A}"/>
               </a:ext>
             </a:extLst>
           </p:cNvPr>
@@ -10301,7 +10301,7 @@
           <p:cNvPr id="87" name="Picture 17">
             <a:extLst>
               <a:ext uri="{FF2B5EF4-FFF2-40B4-BE49-F238E27FC236}">
-                <a16:creationId xmlns:a16="http://schemas.microsoft.com/office/drawing/2014/main" xmlns="" id="{06B98FAA-2D90-433C-9726-BF23671D2C6F}"/>
+                <a16:creationId xmlns="" xmlns:a16="http://schemas.microsoft.com/office/drawing/2014/main" id="{06B98FAA-2D90-433C-9726-BF23671D2C6F}"/>
               </a:ext>
             </a:extLst>
           </p:cNvPr>
@@ -10337,7 +10337,7 @@
           <p:cNvPr id="11" name="Tijdelijke aanduiding voor afbeelding 8">
             <a:extLst>
               <a:ext uri="{FF2B5EF4-FFF2-40B4-BE49-F238E27FC236}">
-                <a16:creationId xmlns:a16="http://schemas.microsoft.com/office/drawing/2014/main" xmlns="" id="{333BACCA-0927-4FAE-9D64-2C581BD01C49}"/>
+                <a16:creationId xmlns="" xmlns:a16="http://schemas.microsoft.com/office/drawing/2014/main" id="{333BACCA-0927-4FAE-9D64-2C581BD01C49}"/>
               </a:ext>
             </a:extLst>
           </p:cNvPr>
@@ -10427,7 +10427,7 @@
           <p:cNvPr id="85" name="Titel 5">
             <a:extLst>
               <a:ext uri="{FF2B5EF4-FFF2-40B4-BE49-F238E27FC236}">
-                <a16:creationId xmlns:a16="http://schemas.microsoft.com/office/drawing/2014/main" xmlns="" id="{4A237110-0796-4058-A7AE-FEC89F7E9286}"/>
+                <a16:creationId xmlns="" xmlns:a16="http://schemas.microsoft.com/office/drawing/2014/main" id="{4A237110-0796-4058-A7AE-FEC89F7E9286}"/>
               </a:ext>
             </a:extLst>
           </p:cNvPr>
@@ -10517,7 +10517,7 @@
           <a:graphicData uri="http://schemas.openxmlformats.org/presentationml/2006/ole">
             <mc:AlternateContent xmlns:mc="http://schemas.openxmlformats.org/markup-compatibility/2006">
               <mc:Choice xmlns:v="urn:schemas-microsoft-com:vml" Requires="v">
-                <p:oleObj spid="_x0000_s8206" name="think-cell Slide" r:id="rId5" imgW="286" imgH="286" progId="TCLayout.ActiveDocument.1">
+                <p:oleObj spid="_x0000_s8207" name="think-cell Slide" r:id="rId5" imgW="286" imgH="286" progId="TCLayout.ActiveDocument.1">
                   <p:embed/>
                 </p:oleObj>
               </mc:Choice>
@@ -10557,7 +10557,7 @@
           <p:cNvPr id="2" name="Rectangle 1" hidden="1">
             <a:extLst>
               <a:ext uri="{FF2B5EF4-FFF2-40B4-BE49-F238E27FC236}">
-                <a16:creationId xmlns:a16="http://schemas.microsoft.com/office/drawing/2014/main" xmlns="" id="{104956B8-683C-49AE-B943-AE17BC5B40ED}"/>
+                <a16:creationId xmlns="" xmlns:a16="http://schemas.microsoft.com/office/drawing/2014/main" id="{104956B8-683C-49AE-B943-AE17BC5B40ED}"/>
               </a:ext>
             </a:extLst>
           </p:cNvPr>
@@ -10624,7 +10624,7 @@
           <p:cNvPr id="110" name="Picture 17">
             <a:extLst>
               <a:ext uri="{FF2B5EF4-FFF2-40B4-BE49-F238E27FC236}">
-                <a16:creationId xmlns:a16="http://schemas.microsoft.com/office/drawing/2014/main" xmlns="" id="{E956BC3F-61D2-4A58-B7B8-17CAF36782F1}"/>
+                <a16:creationId xmlns="" xmlns:a16="http://schemas.microsoft.com/office/drawing/2014/main" id="{E956BC3F-61D2-4A58-B7B8-17CAF36782F1}"/>
               </a:ext>
             </a:extLst>
           </p:cNvPr>
@@ -10676,7 +10676,7 @@
           <p:cNvPr id="119" name="Groep 118" hidden="1">
             <a:extLst>
               <a:ext uri="{FF2B5EF4-FFF2-40B4-BE49-F238E27FC236}">
-                <a16:creationId xmlns:a16="http://schemas.microsoft.com/office/drawing/2014/main" xmlns="" id="{77504D76-9C51-44CF-917A-242E1D3D92BE}"/>
+                <a16:creationId xmlns="" xmlns:a16="http://schemas.microsoft.com/office/drawing/2014/main" id="{77504D76-9C51-44CF-917A-242E1D3D92BE}"/>
               </a:ext>
             </a:extLst>
           </p:cNvPr>
@@ -10696,7 +10696,7 @@
             <p:cNvPr id="120" name="Groep 119">
               <a:extLst>
                 <a:ext uri="{FF2B5EF4-FFF2-40B4-BE49-F238E27FC236}">
-                  <a16:creationId xmlns:a16="http://schemas.microsoft.com/office/drawing/2014/main" xmlns="" id="{F31D955F-D8DC-4E02-BFCD-CE3FA62E80A1}"/>
+                  <a16:creationId xmlns="" xmlns:a16="http://schemas.microsoft.com/office/drawing/2014/main" id="{F31D955F-D8DC-4E02-BFCD-CE3FA62E80A1}"/>
                 </a:ext>
               </a:extLst>
             </p:cNvPr>
@@ -10716,7 +10716,7 @@
               <p:cNvPr id="134" name="Rechte verbindingslijn 133">
                 <a:extLst>
                   <a:ext uri="{FF2B5EF4-FFF2-40B4-BE49-F238E27FC236}">
-                    <a16:creationId xmlns:a16="http://schemas.microsoft.com/office/drawing/2014/main" xmlns="" id="{F3355427-16F0-4ED8-A310-E1FB8ED85E4D}"/>
+                    <a16:creationId xmlns="" xmlns:a16="http://schemas.microsoft.com/office/drawing/2014/main" id="{F3355427-16F0-4ED8-A310-E1FB8ED85E4D}"/>
                   </a:ext>
                 </a:extLst>
               </p:cNvPr>
@@ -10752,7 +10752,7 @@
               <p:cNvPr id="135" name="Rechte verbindingslijn 134">
                 <a:extLst>
                   <a:ext uri="{FF2B5EF4-FFF2-40B4-BE49-F238E27FC236}">
-                    <a16:creationId xmlns:a16="http://schemas.microsoft.com/office/drawing/2014/main" xmlns="" id="{0AC90256-6C1C-4BC5-ADE9-1063D262C409}"/>
+                    <a16:creationId xmlns="" xmlns:a16="http://schemas.microsoft.com/office/drawing/2014/main" id="{0AC90256-6C1C-4BC5-ADE9-1063D262C409}"/>
                   </a:ext>
                 </a:extLst>
               </p:cNvPr>
@@ -10788,7 +10788,7 @@
               <p:cNvPr id="136" name="Rechte verbindingslijn 135">
                 <a:extLst>
                   <a:ext uri="{FF2B5EF4-FFF2-40B4-BE49-F238E27FC236}">
-                    <a16:creationId xmlns:a16="http://schemas.microsoft.com/office/drawing/2014/main" xmlns="" id="{1081E6FA-EFA8-4B4B-B1E9-B393318F5A7F}"/>
+                    <a16:creationId xmlns="" xmlns:a16="http://schemas.microsoft.com/office/drawing/2014/main" id="{1081E6FA-EFA8-4B4B-B1E9-B393318F5A7F}"/>
                   </a:ext>
                 </a:extLst>
               </p:cNvPr>
@@ -10829,7 +10829,7 @@
               <p:cNvPr id="137" name="Rechte verbindingslijn 136">
                 <a:extLst>
                   <a:ext uri="{FF2B5EF4-FFF2-40B4-BE49-F238E27FC236}">
-                    <a16:creationId xmlns:a16="http://schemas.microsoft.com/office/drawing/2014/main" xmlns="" id="{FD72FB31-33A8-43D4-9242-CAA5E8873B5C}"/>
+                    <a16:creationId xmlns="" xmlns:a16="http://schemas.microsoft.com/office/drawing/2014/main" id="{FD72FB31-33A8-43D4-9242-CAA5E8873B5C}"/>
                   </a:ext>
                 </a:extLst>
               </p:cNvPr>
@@ -10870,7 +10870,7 @@
               <p:cNvPr id="138" name="Rechte verbindingslijn 137">
                 <a:extLst>
                   <a:ext uri="{FF2B5EF4-FFF2-40B4-BE49-F238E27FC236}">
-                    <a16:creationId xmlns:a16="http://schemas.microsoft.com/office/drawing/2014/main" xmlns="" id="{A61E3744-FF59-4BF4-A9C5-BD96C92DE0CB}"/>
+                    <a16:creationId xmlns="" xmlns:a16="http://schemas.microsoft.com/office/drawing/2014/main" id="{A61E3744-FF59-4BF4-A9C5-BD96C92DE0CB}"/>
                   </a:ext>
                 </a:extLst>
               </p:cNvPr>
@@ -10913,7 +10913,7 @@
               <p:cNvPr id="139" name="Rechte verbindingslijn 138">
                 <a:extLst>
                   <a:ext uri="{FF2B5EF4-FFF2-40B4-BE49-F238E27FC236}">
-                    <a16:creationId xmlns:a16="http://schemas.microsoft.com/office/drawing/2014/main" xmlns="" id="{FCF1E2B3-A134-4703-AFF5-CB4A1B11AEB5}"/>
+                    <a16:creationId xmlns="" xmlns:a16="http://schemas.microsoft.com/office/drawing/2014/main" id="{FCF1E2B3-A134-4703-AFF5-CB4A1B11AEB5}"/>
                   </a:ext>
                 </a:extLst>
               </p:cNvPr>
@@ -10955,7 +10955,7 @@
             <p:cNvPr id="121" name="Groep 120">
               <a:extLst>
                 <a:ext uri="{FF2B5EF4-FFF2-40B4-BE49-F238E27FC236}">
-                  <a16:creationId xmlns:a16="http://schemas.microsoft.com/office/drawing/2014/main" xmlns="" id="{8F1869D9-8BBB-4005-AE84-F18126565C91}"/>
+                  <a16:creationId xmlns="" xmlns:a16="http://schemas.microsoft.com/office/drawing/2014/main" id="{8F1869D9-8BBB-4005-AE84-F18126565C91}"/>
                 </a:ext>
               </a:extLst>
             </p:cNvPr>
@@ -10975,7 +10975,7 @@
               <p:cNvPr id="132" name="Rechte verbindingslijn 131">
                 <a:extLst>
                   <a:ext uri="{FF2B5EF4-FFF2-40B4-BE49-F238E27FC236}">
-                    <a16:creationId xmlns:a16="http://schemas.microsoft.com/office/drawing/2014/main" xmlns="" id="{B35407BC-3A0A-4871-ABE2-7635D73EE27A}"/>
+                    <a16:creationId xmlns="" xmlns:a16="http://schemas.microsoft.com/office/drawing/2014/main" id="{B35407BC-3A0A-4871-ABE2-7635D73EE27A}"/>
                   </a:ext>
                 </a:extLst>
               </p:cNvPr>
@@ -11011,7 +11011,7 @@
               <p:cNvPr id="133" name="Rechte verbindingslijn 132">
                 <a:extLst>
                   <a:ext uri="{FF2B5EF4-FFF2-40B4-BE49-F238E27FC236}">
-                    <a16:creationId xmlns:a16="http://schemas.microsoft.com/office/drawing/2014/main" xmlns="" id="{4A7DA7F0-4EA0-4615-A981-EAA793ED84CA}"/>
+                    <a16:creationId xmlns="" xmlns:a16="http://schemas.microsoft.com/office/drawing/2014/main" id="{4A7DA7F0-4EA0-4615-A981-EAA793ED84CA}"/>
                   </a:ext>
                 </a:extLst>
               </p:cNvPr>
@@ -11047,7 +11047,7 @@
               <p:cNvPr id="140" name="Rechte verbindingslijn 139">
                 <a:extLst>
                   <a:ext uri="{FF2B5EF4-FFF2-40B4-BE49-F238E27FC236}">
-                    <a16:creationId xmlns:a16="http://schemas.microsoft.com/office/drawing/2014/main" xmlns="" id="{B40FAD36-FE8B-49FA-9E0D-C7105A0D722B}"/>
+                    <a16:creationId xmlns="" xmlns:a16="http://schemas.microsoft.com/office/drawing/2014/main" id="{B40FAD36-FE8B-49FA-9E0D-C7105A0D722B}"/>
                   </a:ext>
                 </a:extLst>
               </p:cNvPr>
@@ -11083,7 +11083,7 @@
               <p:cNvPr id="141" name="Rechte verbindingslijn 140">
                 <a:extLst>
                   <a:ext uri="{FF2B5EF4-FFF2-40B4-BE49-F238E27FC236}">
-                    <a16:creationId xmlns:a16="http://schemas.microsoft.com/office/drawing/2014/main" xmlns="" id="{33609692-1305-4544-8876-5DFA20670E10}"/>
+                    <a16:creationId xmlns="" xmlns:a16="http://schemas.microsoft.com/office/drawing/2014/main" id="{33609692-1305-4544-8876-5DFA20670E10}"/>
                   </a:ext>
                 </a:extLst>
               </p:cNvPr>
@@ -11120,7 +11120,7 @@
             <p:cNvPr id="122" name="Groep 121">
               <a:extLst>
                 <a:ext uri="{FF2B5EF4-FFF2-40B4-BE49-F238E27FC236}">
-                  <a16:creationId xmlns:a16="http://schemas.microsoft.com/office/drawing/2014/main" xmlns="" id="{4A7F239B-2923-4D2D-8479-D51DD89FCB0F}"/>
+                  <a16:creationId xmlns="" xmlns:a16="http://schemas.microsoft.com/office/drawing/2014/main" id="{4A7F239B-2923-4D2D-8479-D51DD89FCB0F}"/>
                 </a:ext>
               </a:extLst>
             </p:cNvPr>
@@ -11140,7 +11140,7 @@
               <p:cNvPr id="128" name="Groep 127">
                 <a:extLst>
                   <a:ext uri="{FF2B5EF4-FFF2-40B4-BE49-F238E27FC236}">
-                    <a16:creationId xmlns:a16="http://schemas.microsoft.com/office/drawing/2014/main" xmlns="" id="{BB7ADD08-1878-4651-9B40-3AB18C9114AB}"/>
+                    <a16:creationId xmlns="" xmlns:a16="http://schemas.microsoft.com/office/drawing/2014/main" id="{BB7ADD08-1878-4651-9B40-3AB18C9114AB}"/>
                   </a:ext>
                 </a:extLst>
               </p:cNvPr>
@@ -11160,7 +11160,7 @@
                 <p:cNvPr id="130" name="Rechte verbindingslijn 129">
                   <a:extLst>
                     <a:ext uri="{FF2B5EF4-FFF2-40B4-BE49-F238E27FC236}">
-                      <a16:creationId xmlns:a16="http://schemas.microsoft.com/office/drawing/2014/main" xmlns="" id="{6BF1EE04-CAC4-48AF-9A18-3EE7162EB488}"/>
+                      <a16:creationId xmlns="" xmlns:a16="http://schemas.microsoft.com/office/drawing/2014/main" id="{6BF1EE04-CAC4-48AF-9A18-3EE7162EB488}"/>
                     </a:ext>
                   </a:extLst>
                 </p:cNvPr>
@@ -11196,7 +11196,7 @@
                 <p:cNvPr id="131" name="Rechte verbindingslijn 130">
                   <a:extLst>
                     <a:ext uri="{FF2B5EF4-FFF2-40B4-BE49-F238E27FC236}">
-                      <a16:creationId xmlns:a16="http://schemas.microsoft.com/office/drawing/2014/main" xmlns="" id="{83064D72-53F3-4A68-82DC-151399CB8F7E}"/>
+                      <a16:creationId xmlns="" xmlns:a16="http://schemas.microsoft.com/office/drawing/2014/main" id="{83064D72-53F3-4A68-82DC-151399CB8F7E}"/>
                     </a:ext>
                   </a:extLst>
                 </p:cNvPr>
@@ -11233,7 +11233,7 @@
               <p:cNvPr id="129" name="Rechte verbindingslijn 128">
                 <a:extLst>
                   <a:ext uri="{FF2B5EF4-FFF2-40B4-BE49-F238E27FC236}">
-                    <a16:creationId xmlns:a16="http://schemas.microsoft.com/office/drawing/2014/main" xmlns="" id="{E96240FE-AE18-431E-8E75-FD44EFA4CB95}"/>
+                    <a16:creationId xmlns="" xmlns:a16="http://schemas.microsoft.com/office/drawing/2014/main" id="{E96240FE-AE18-431E-8E75-FD44EFA4CB95}"/>
                   </a:ext>
                 </a:extLst>
               </p:cNvPr>
@@ -11270,7 +11270,7 @@
             <p:cNvPr id="123" name="Groep 122">
               <a:extLst>
                 <a:ext uri="{FF2B5EF4-FFF2-40B4-BE49-F238E27FC236}">
-                  <a16:creationId xmlns:a16="http://schemas.microsoft.com/office/drawing/2014/main" xmlns="" id="{3205A8CD-C152-427D-9D0C-3F6344DC510E}"/>
+                  <a16:creationId xmlns="" xmlns:a16="http://schemas.microsoft.com/office/drawing/2014/main" id="{3205A8CD-C152-427D-9D0C-3F6344DC510E}"/>
                 </a:ext>
               </a:extLst>
             </p:cNvPr>
@@ -11290,7 +11290,7 @@
               <p:cNvPr id="124" name="Groep 123">
                 <a:extLst>
                   <a:ext uri="{FF2B5EF4-FFF2-40B4-BE49-F238E27FC236}">
-                    <a16:creationId xmlns:a16="http://schemas.microsoft.com/office/drawing/2014/main" xmlns="" id="{8E119295-F27D-46C0-93C2-A109CEB50170}"/>
+                    <a16:creationId xmlns="" xmlns:a16="http://schemas.microsoft.com/office/drawing/2014/main" id="{8E119295-F27D-46C0-93C2-A109CEB50170}"/>
                   </a:ext>
                 </a:extLst>
               </p:cNvPr>
@@ -11310,7 +11310,7 @@
                 <p:cNvPr id="126" name="Rechte verbindingslijn 125">
                   <a:extLst>
                     <a:ext uri="{FF2B5EF4-FFF2-40B4-BE49-F238E27FC236}">
-                      <a16:creationId xmlns:a16="http://schemas.microsoft.com/office/drawing/2014/main" xmlns="" id="{F673D4EF-E213-4C46-A2C5-B221CF6E9E55}"/>
+                      <a16:creationId xmlns="" xmlns:a16="http://schemas.microsoft.com/office/drawing/2014/main" id="{F673D4EF-E213-4C46-A2C5-B221CF6E9E55}"/>
                     </a:ext>
                   </a:extLst>
                 </p:cNvPr>
@@ -11346,7 +11346,7 @@
                 <p:cNvPr id="127" name="Rechte verbindingslijn 126">
                   <a:extLst>
                     <a:ext uri="{FF2B5EF4-FFF2-40B4-BE49-F238E27FC236}">
-                      <a16:creationId xmlns:a16="http://schemas.microsoft.com/office/drawing/2014/main" xmlns="" id="{A0BF6A06-39FD-4018-B73F-118838AFDB76}"/>
+                      <a16:creationId xmlns="" xmlns:a16="http://schemas.microsoft.com/office/drawing/2014/main" id="{A0BF6A06-39FD-4018-B73F-118838AFDB76}"/>
                     </a:ext>
                   </a:extLst>
                 </p:cNvPr>
@@ -11383,7 +11383,7 @@
               <p:cNvPr id="125" name="Rechte verbindingslijn 124">
                 <a:extLst>
                   <a:ext uri="{FF2B5EF4-FFF2-40B4-BE49-F238E27FC236}">
-                    <a16:creationId xmlns:a16="http://schemas.microsoft.com/office/drawing/2014/main" xmlns="" id="{08B5B755-9205-47C1-A7B1-69E4CF90FE95}"/>
+                    <a16:creationId xmlns="" xmlns:a16="http://schemas.microsoft.com/office/drawing/2014/main" id="{08B5B755-9205-47C1-A7B1-69E4CF90FE95}"/>
                   </a:ext>
                 </a:extLst>
               </p:cNvPr>
@@ -11421,7 +11421,7 @@
           <p:cNvPr id="108" name="Tijdelijke aanduiding voor afbeelding 8">
             <a:extLst>
               <a:ext uri="{FF2B5EF4-FFF2-40B4-BE49-F238E27FC236}">
-                <a16:creationId xmlns:a16="http://schemas.microsoft.com/office/drawing/2014/main" xmlns="" id="{8F221454-F774-4671-9AF9-619946064D4E}"/>
+                <a16:creationId xmlns="" xmlns:a16="http://schemas.microsoft.com/office/drawing/2014/main" id="{8F221454-F774-4671-9AF9-619946064D4E}"/>
               </a:ext>
             </a:extLst>
           </p:cNvPr>
@@ -11532,7 +11532,7 @@
           <p:cNvPr id="41" name="Tijdelijke aanduiding voor verticale tekst 2">
             <a:extLst>
               <a:ext uri="{FF2B5EF4-FFF2-40B4-BE49-F238E27FC236}">
-                <a16:creationId xmlns:a16="http://schemas.microsoft.com/office/drawing/2014/main" xmlns="" id="{02CCC3D6-3CC2-41A9-9EE3-48B4BC1D8D0D}"/>
+                <a16:creationId xmlns="" xmlns:a16="http://schemas.microsoft.com/office/drawing/2014/main" id="{02CCC3D6-3CC2-41A9-9EE3-48B4BC1D8D0D}"/>
               </a:ext>
             </a:extLst>
           </p:cNvPr>
@@ -11667,7 +11667,7 @@
           <p:cNvPr id="36" name="Text Placeholder 5">
             <a:extLst>
               <a:ext uri="{FF2B5EF4-FFF2-40B4-BE49-F238E27FC236}">
-                <a16:creationId xmlns:a16="http://schemas.microsoft.com/office/drawing/2014/main" xmlns="" id="{57741E08-2EB3-410E-BCC4-A68C045B7534}"/>
+                <a16:creationId xmlns="" xmlns:a16="http://schemas.microsoft.com/office/drawing/2014/main" id="{57741E08-2EB3-410E-BCC4-A68C045B7534}"/>
               </a:ext>
             </a:extLst>
           </p:cNvPr>
@@ -11714,7 +11714,7 @@
           <p:cNvPr id="37" name="Title 1">
             <a:extLst>
               <a:ext uri="{FF2B5EF4-FFF2-40B4-BE49-F238E27FC236}">
-                <a16:creationId xmlns:a16="http://schemas.microsoft.com/office/drawing/2014/main" xmlns="" id="{20C7E9AF-3BB1-4E08-9038-BD4F4B622F86}"/>
+                <a16:creationId xmlns="" xmlns:a16="http://schemas.microsoft.com/office/drawing/2014/main" id="{20C7E9AF-3BB1-4E08-9038-BD4F4B622F86}"/>
               </a:ext>
             </a:extLst>
           </p:cNvPr>
@@ -11807,7 +11807,7 @@
           <p:cNvPr id="2" name="Object 1" hidden="1">
             <a:extLst>
               <a:ext uri="{FF2B5EF4-FFF2-40B4-BE49-F238E27FC236}">
-                <a16:creationId xmlns:a16="http://schemas.microsoft.com/office/drawing/2014/main" xmlns="" id="{E8F7B0EC-A631-4DF9-B83E-A8A75A82E6C0}"/>
+                <a16:creationId xmlns="" xmlns:a16="http://schemas.microsoft.com/office/drawing/2014/main" id="{E8F7B0EC-A631-4DF9-B83E-A8A75A82E6C0}"/>
               </a:ext>
             </a:extLst>
           </p:cNvPr>
@@ -11829,7 +11829,7 @@
           <a:graphicData uri="http://schemas.openxmlformats.org/presentationml/2006/ole">
             <mc:AlternateContent xmlns:mc="http://schemas.openxmlformats.org/markup-compatibility/2006">
               <mc:Choice xmlns:v="urn:schemas-microsoft-com:vml" Requires="v">
-                <p:oleObj spid="_x0000_s9230" name="think-cell Slide" r:id="rId5" imgW="592" imgH="591" progId="TCLayout.ActiveDocument.1">
+                <p:oleObj spid="_x0000_s9231" name="think-cell Slide" r:id="rId5" imgW="592" imgH="591" progId="TCLayout.ActiveDocument.1">
                   <p:embed/>
                 </p:oleObj>
               </mc:Choice>
@@ -11841,7 +11841,7 @@
                       <p:cNvPr id="2" name="Object 1" hidden="1">
                         <a:extLst>
                           <a:ext uri="{FF2B5EF4-FFF2-40B4-BE49-F238E27FC236}">
-                            <a16:creationId xmlns:a16="http://schemas.microsoft.com/office/drawing/2014/main" xmlns="" id="{E8F7B0EC-A631-4DF9-B83E-A8A75A82E6C0}"/>
+                            <a16:creationId xmlns="" xmlns:a16="http://schemas.microsoft.com/office/drawing/2014/main" id="{E8F7B0EC-A631-4DF9-B83E-A8A75A82E6C0}"/>
                           </a:ext>
                         </a:extLst>
                       </p:cNvPr>
@@ -11875,7 +11875,7 @@
           <p:cNvPr id="3" name="Rectangle 2" hidden="1">
             <a:extLst>
               <a:ext uri="{FF2B5EF4-FFF2-40B4-BE49-F238E27FC236}">
-                <a16:creationId xmlns:a16="http://schemas.microsoft.com/office/drawing/2014/main" xmlns="" id="{B7D75470-6C2F-432C-AD1A-F9E2E8B29D6B}"/>
+                <a16:creationId xmlns="" xmlns:a16="http://schemas.microsoft.com/office/drawing/2014/main" id="{B7D75470-6C2F-432C-AD1A-F9E2E8B29D6B}"/>
               </a:ext>
             </a:extLst>
           </p:cNvPr>
@@ -11942,7 +11942,7 @@
           <p:cNvPr id="110" name="Picture 17">
             <a:extLst>
               <a:ext uri="{FF2B5EF4-FFF2-40B4-BE49-F238E27FC236}">
-                <a16:creationId xmlns:a16="http://schemas.microsoft.com/office/drawing/2014/main" xmlns="" id="{E956BC3F-61D2-4A58-B7B8-17CAF36782F1}"/>
+                <a16:creationId xmlns="" xmlns:a16="http://schemas.microsoft.com/office/drawing/2014/main" id="{E956BC3F-61D2-4A58-B7B8-17CAF36782F1}"/>
               </a:ext>
             </a:extLst>
           </p:cNvPr>
@@ -12017,7 +12017,7 @@
           <p:cNvPr id="109" name="Tijdelijke aanduiding voor grafiek 12">
             <a:extLst>
               <a:ext uri="{FF2B5EF4-FFF2-40B4-BE49-F238E27FC236}">
-                <a16:creationId xmlns:a16="http://schemas.microsoft.com/office/drawing/2014/main" xmlns="" id="{5685BF9B-62F5-48C6-8576-6CBC7BFE4FFA}"/>
+                <a16:creationId xmlns="" xmlns:a16="http://schemas.microsoft.com/office/drawing/2014/main" id="{5685BF9B-62F5-48C6-8576-6CBC7BFE4FFA}"/>
               </a:ext>
             </a:extLst>
           </p:cNvPr>
@@ -12079,7 +12079,7 @@
           <p:cNvPr id="111" name="Picture 17">
             <a:extLst>
               <a:ext uri="{FF2B5EF4-FFF2-40B4-BE49-F238E27FC236}">
-                <a16:creationId xmlns:a16="http://schemas.microsoft.com/office/drawing/2014/main" xmlns="" id="{227AE347-6BE4-46C5-BFE6-942874CB394F}"/>
+                <a16:creationId xmlns="" xmlns:a16="http://schemas.microsoft.com/office/drawing/2014/main" id="{227AE347-6BE4-46C5-BFE6-942874CB394F}"/>
               </a:ext>
             </a:extLst>
           </p:cNvPr>
@@ -12142,7 +12142,7 @@
           <p:cNvPr id="15" name="Tijdelijke aanduiding voor verticale tekst 2">
             <a:extLst>
               <a:ext uri="{FF2B5EF4-FFF2-40B4-BE49-F238E27FC236}">
-                <a16:creationId xmlns:a16="http://schemas.microsoft.com/office/drawing/2014/main" xmlns="" id="{4459254B-A8B5-413A-8F32-195FDC71E7DD}"/>
+                <a16:creationId xmlns="" xmlns:a16="http://schemas.microsoft.com/office/drawing/2014/main" id="{4459254B-A8B5-413A-8F32-195FDC71E7DD}"/>
               </a:ext>
             </a:extLst>
           </p:cNvPr>
@@ -12277,7 +12277,7 @@
           <p:cNvPr id="19" name="Text Placeholder 5">
             <a:extLst>
               <a:ext uri="{FF2B5EF4-FFF2-40B4-BE49-F238E27FC236}">
-                <a16:creationId xmlns:a16="http://schemas.microsoft.com/office/drawing/2014/main" xmlns="" id="{00A832A4-1AFA-4667-BF72-F297CCBCB0A2}"/>
+                <a16:creationId xmlns="" xmlns:a16="http://schemas.microsoft.com/office/drawing/2014/main" id="{00A832A4-1AFA-4667-BF72-F297CCBCB0A2}"/>
               </a:ext>
             </a:extLst>
           </p:cNvPr>
@@ -12324,7 +12324,7 @@
           <p:cNvPr id="20" name="Title 1">
             <a:extLst>
               <a:ext uri="{FF2B5EF4-FFF2-40B4-BE49-F238E27FC236}">
-                <a16:creationId xmlns:a16="http://schemas.microsoft.com/office/drawing/2014/main" xmlns="" id="{478647B3-5A42-4EE9-9E97-116D3059215F}"/>
+                <a16:creationId xmlns="" xmlns:a16="http://schemas.microsoft.com/office/drawing/2014/main" id="{478647B3-5A42-4EE9-9E97-116D3059215F}"/>
               </a:ext>
             </a:extLst>
           </p:cNvPr>
@@ -12748,7 +12748,7 @@
           <p:cNvPr id="3" name="Object 2" hidden="1">
             <a:extLst>
               <a:ext uri="{FF2B5EF4-FFF2-40B4-BE49-F238E27FC236}">
-                <a16:creationId xmlns:a16="http://schemas.microsoft.com/office/drawing/2014/main" xmlns="" id="{CD4F47F9-34E4-4E1A-B142-596ABCFEDA8A}"/>
+                <a16:creationId xmlns="" xmlns:a16="http://schemas.microsoft.com/office/drawing/2014/main" id="{CD4F47F9-34E4-4E1A-B142-596ABCFEDA8A}"/>
               </a:ext>
             </a:extLst>
           </p:cNvPr>
@@ -12770,7 +12770,7 @@
           <a:graphicData uri="http://schemas.openxmlformats.org/presentationml/2006/ole">
             <mc:AlternateContent xmlns:mc="http://schemas.openxmlformats.org/markup-compatibility/2006">
               <mc:Choice xmlns:v="urn:schemas-microsoft-com:vml" Requires="v">
-                <p:oleObj spid="_x0000_s10254" name="think-cell Slide" r:id="rId5" imgW="592" imgH="591" progId="TCLayout.ActiveDocument.1">
+                <p:oleObj spid="_x0000_s10255" name="think-cell Slide" r:id="rId5" imgW="592" imgH="591" progId="TCLayout.ActiveDocument.1">
                   <p:embed/>
                 </p:oleObj>
               </mc:Choice>
@@ -12782,7 +12782,7 @@
                       <p:cNvPr id="3" name="Object 2" hidden="1">
                         <a:extLst>
                           <a:ext uri="{FF2B5EF4-FFF2-40B4-BE49-F238E27FC236}">
-                            <a16:creationId xmlns:a16="http://schemas.microsoft.com/office/drawing/2014/main" xmlns="" id="{CD4F47F9-34E4-4E1A-B142-596ABCFEDA8A}"/>
+                            <a16:creationId xmlns="" xmlns:a16="http://schemas.microsoft.com/office/drawing/2014/main" id="{CD4F47F9-34E4-4E1A-B142-596ABCFEDA8A}"/>
                           </a:ext>
                         </a:extLst>
                       </p:cNvPr>
@@ -12816,7 +12816,7 @@
           <p:cNvPr id="2" name="Rectangle 1" hidden="1">
             <a:extLst>
               <a:ext uri="{FF2B5EF4-FFF2-40B4-BE49-F238E27FC236}">
-                <a16:creationId xmlns:a16="http://schemas.microsoft.com/office/drawing/2014/main" xmlns="" id="{089CB9FC-3516-43E7-AC4B-585BAB383F12}"/>
+                <a16:creationId xmlns="" xmlns:a16="http://schemas.microsoft.com/office/drawing/2014/main" id="{089CB9FC-3516-43E7-AC4B-585BAB383F12}"/>
               </a:ext>
             </a:extLst>
           </p:cNvPr>
@@ -12883,7 +12883,7 @@
           <p:cNvPr id="110" name="Picture 17">
             <a:extLst>
               <a:ext uri="{FF2B5EF4-FFF2-40B4-BE49-F238E27FC236}">
-                <a16:creationId xmlns:a16="http://schemas.microsoft.com/office/drawing/2014/main" xmlns="" id="{E956BC3F-61D2-4A58-B7B8-17CAF36782F1}"/>
+                <a16:creationId xmlns="" xmlns:a16="http://schemas.microsoft.com/office/drawing/2014/main" id="{E956BC3F-61D2-4A58-B7B8-17CAF36782F1}"/>
               </a:ext>
             </a:extLst>
           </p:cNvPr>
@@ -12958,7 +12958,7 @@
           <p:cNvPr id="111" name="Picture 17">
             <a:extLst>
               <a:ext uri="{FF2B5EF4-FFF2-40B4-BE49-F238E27FC236}">
-                <a16:creationId xmlns:a16="http://schemas.microsoft.com/office/drawing/2014/main" xmlns="" id="{227AE347-6BE4-46C5-BFE6-942874CB394F}"/>
+                <a16:creationId xmlns="" xmlns:a16="http://schemas.microsoft.com/office/drawing/2014/main" id="{227AE347-6BE4-46C5-BFE6-942874CB394F}"/>
               </a:ext>
             </a:extLst>
           </p:cNvPr>
@@ -12994,7 +12994,7 @@
           <p:cNvPr id="108" name="Tijdelijke aanduiding voor grafiek 12">
             <a:extLst>
               <a:ext uri="{FF2B5EF4-FFF2-40B4-BE49-F238E27FC236}">
-                <a16:creationId xmlns:a16="http://schemas.microsoft.com/office/drawing/2014/main" xmlns="" id="{13A571CF-54B8-4561-AD00-2E5818DE9EDA}"/>
+                <a16:creationId xmlns="" xmlns:a16="http://schemas.microsoft.com/office/drawing/2014/main" id="{13A571CF-54B8-4561-AD00-2E5818DE9EDA}"/>
               </a:ext>
             </a:extLst>
           </p:cNvPr>
@@ -13083,7 +13083,7 @@
           <p:cNvPr id="16" name="Text Placeholder 5">
             <a:extLst>
               <a:ext uri="{FF2B5EF4-FFF2-40B4-BE49-F238E27FC236}">
-                <a16:creationId xmlns:a16="http://schemas.microsoft.com/office/drawing/2014/main" xmlns="" id="{0BF2356B-4E52-4A23-82FC-A1D54A5968C6}"/>
+                <a16:creationId xmlns="" xmlns:a16="http://schemas.microsoft.com/office/drawing/2014/main" id="{0BF2356B-4E52-4A23-82FC-A1D54A5968C6}"/>
               </a:ext>
             </a:extLst>
           </p:cNvPr>
@@ -13130,7 +13130,7 @@
           <p:cNvPr id="17" name="Title 1">
             <a:extLst>
               <a:ext uri="{FF2B5EF4-FFF2-40B4-BE49-F238E27FC236}">
-                <a16:creationId xmlns:a16="http://schemas.microsoft.com/office/drawing/2014/main" xmlns="" id="{FF141B47-F62F-4223-B4B1-ED05AABE8D70}"/>
+                <a16:creationId xmlns="" xmlns:a16="http://schemas.microsoft.com/office/drawing/2014/main" id="{FF141B47-F62F-4223-B4B1-ED05AABE8D70}"/>
               </a:ext>
             </a:extLst>
           </p:cNvPr>
@@ -13223,7 +13223,7 @@
           <p:cNvPr id="2" name="Object 1" hidden="1">
             <a:extLst>
               <a:ext uri="{FF2B5EF4-FFF2-40B4-BE49-F238E27FC236}">
-                <a16:creationId xmlns:a16="http://schemas.microsoft.com/office/drawing/2014/main" xmlns="" id="{2C517757-3612-4F7E-8F53-EC7D82AABEBC}"/>
+                <a16:creationId xmlns="" xmlns:a16="http://schemas.microsoft.com/office/drawing/2014/main" id="{2C517757-3612-4F7E-8F53-EC7D82AABEBC}"/>
               </a:ext>
             </a:extLst>
           </p:cNvPr>
@@ -13245,7 +13245,7 @@
           <a:graphicData uri="http://schemas.openxmlformats.org/presentationml/2006/ole">
             <mc:AlternateContent xmlns:mc="http://schemas.openxmlformats.org/markup-compatibility/2006">
               <mc:Choice xmlns:v="urn:schemas-microsoft-com:vml" Requires="v">
-                <p:oleObj spid="_x0000_s11278" name="think-cell Slide" r:id="rId5" imgW="592" imgH="591" progId="TCLayout.ActiveDocument.1">
+                <p:oleObj spid="_x0000_s11279" name="think-cell Slide" r:id="rId5" imgW="592" imgH="591" progId="TCLayout.ActiveDocument.1">
                   <p:embed/>
                 </p:oleObj>
               </mc:Choice>
@@ -13257,7 +13257,7 @@
                       <p:cNvPr id="2" name="Object 1" hidden="1">
                         <a:extLst>
                           <a:ext uri="{FF2B5EF4-FFF2-40B4-BE49-F238E27FC236}">
-                            <a16:creationId xmlns:a16="http://schemas.microsoft.com/office/drawing/2014/main" xmlns="" id="{2C517757-3612-4F7E-8F53-EC7D82AABEBC}"/>
+                            <a16:creationId xmlns="" xmlns:a16="http://schemas.microsoft.com/office/drawing/2014/main" id="{2C517757-3612-4F7E-8F53-EC7D82AABEBC}"/>
                           </a:ext>
                         </a:extLst>
                       </p:cNvPr>
@@ -13291,7 +13291,7 @@
           <p:cNvPr id="4" name="Rectangle 3" hidden="1">
             <a:extLst>
               <a:ext uri="{FF2B5EF4-FFF2-40B4-BE49-F238E27FC236}">
-                <a16:creationId xmlns:a16="http://schemas.microsoft.com/office/drawing/2014/main" xmlns="" id="{6BB9DD5B-8F45-4E67-9233-B72927EAD88E}"/>
+                <a16:creationId xmlns="" xmlns:a16="http://schemas.microsoft.com/office/drawing/2014/main" id="{6BB9DD5B-8F45-4E67-9233-B72927EAD88E}"/>
               </a:ext>
             </a:extLst>
           </p:cNvPr>
@@ -13358,7 +13358,7 @@
           <p:cNvPr id="119" name="Groep 118" hidden="1">
             <a:extLst>
               <a:ext uri="{FF2B5EF4-FFF2-40B4-BE49-F238E27FC236}">
-                <a16:creationId xmlns:a16="http://schemas.microsoft.com/office/drawing/2014/main" xmlns="" id="{77504D76-9C51-44CF-917A-242E1D3D92BE}"/>
+                <a16:creationId xmlns="" xmlns:a16="http://schemas.microsoft.com/office/drawing/2014/main" id="{77504D76-9C51-44CF-917A-242E1D3D92BE}"/>
               </a:ext>
             </a:extLst>
           </p:cNvPr>
@@ -13378,7 +13378,7 @@
             <p:cNvPr id="120" name="Groep 119">
               <a:extLst>
                 <a:ext uri="{FF2B5EF4-FFF2-40B4-BE49-F238E27FC236}">
-                  <a16:creationId xmlns:a16="http://schemas.microsoft.com/office/drawing/2014/main" xmlns="" id="{F31D955F-D8DC-4E02-BFCD-CE3FA62E80A1}"/>
+                  <a16:creationId xmlns="" xmlns:a16="http://schemas.microsoft.com/office/drawing/2014/main" id="{F31D955F-D8DC-4E02-BFCD-CE3FA62E80A1}"/>
                 </a:ext>
               </a:extLst>
             </p:cNvPr>
@@ -13398,7 +13398,7 @@
               <p:cNvPr id="134" name="Rechte verbindingslijn 133">
                 <a:extLst>
                   <a:ext uri="{FF2B5EF4-FFF2-40B4-BE49-F238E27FC236}">
-                    <a16:creationId xmlns:a16="http://schemas.microsoft.com/office/drawing/2014/main" xmlns="" id="{F3355427-16F0-4ED8-A310-E1FB8ED85E4D}"/>
+                    <a16:creationId xmlns="" xmlns:a16="http://schemas.microsoft.com/office/drawing/2014/main" id="{F3355427-16F0-4ED8-A310-E1FB8ED85E4D}"/>
                   </a:ext>
                 </a:extLst>
               </p:cNvPr>
@@ -13434,7 +13434,7 @@
               <p:cNvPr id="135" name="Rechte verbindingslijn 134">
                 <a:extLst>
                   <a:ext uri="{FF2B5EF4-FFF2-40B4-BE49-F238E27FC236}">
-                    <a16:creationId xmlns:a16="http://schemas.microsoft.com/office/drawing/2014/main" xmlns="" id="{0AC90256-6C1C-4BC5-ADE9-1063D262C409}"/>
+                    <a16:creationId xmlns="" xmlns:a16="http://schemas.microsoft.com/office/drawing/2014/main" id="{0AC90256-6C1C-4BC5-ADE9-1063D262C409}"/>
                   </a:ext>
                 </a:extLst>
               </p:cNvPr>
@@ -13470,7 +13470,7 @@
               <p:cNvPr id="136" name="Rechte verbindingslijn 135">
                 <a:extLst>
                   <a:ext uri="{FF2B5EF4-FFF2-40B4-BE49-F238E27FC236}">
-                    <a16:creationId xmlns:a16="http://schemas.microsoft.com/office/drawing/2014/main" xmlns="" id="{1081E6FA-EFA8-4B4B-B1E9-B393318F5A7F}"/>
+                    <a16:creationId xmlns="" xmlns:a16="http://schemas.microsoft.com/office/drawing/2014/main" id="{1081E6FA-EFA8-4B4B-B1E9-B393318F5A7F}"/>
                   </a:ext>
                 </a:extLst>
               </p:cNvPr>
@@ -13511,7 +13511,7 @@
               <p:cNvPr id="137" name="Rechte verbindingslijn 136">
                 <a:extLst>
                   <a:ext uri="{FF2B5EF4-FFF2-40B4-BE49-F238E27FC236}">
-                    <a16:creationId xmlns:a16="http://schemas.microsoft.com/office/drawing/2014/main" xmlns="" id="{FD72FB31-33A8-43D4-9242-CAA5E8873B5C}"/>
+                    <a16:creationId xmlns="" xmlns:a16="http://schemas.microsoft.com/office/drawing/2014/main" id="{FD72FB31-33A8-43D4-9242-CAA5E8873B5C}"/>
                   </a:ext>
                 </a:extLst>
               </p:cNvPr>
@@ -13552,7 +13552,7 @@
               <p:cNvPr id="138" name="Rechte verbindingslijn 137">
                 <a:extLst>
                   <a:ext uri="{FF2B5EF4-FFF2-40B4-BE49-F238E27FC236}">
-                    <a16:creationId xmlns:a16="http://schemas.microsoft.com/office/drawing/2014/main" xmlns="" id="{A61E3744-FF59-4BF4-A9C5-BD96C92DE0CB}"/>
+                    <a16:creationId xmlns="" xmlns:a16="http://schemas.microsoft.com/office/drawing/2014/main" id="{A61E3744-FF59-4BF4-A9C5-BD96C92DE0CB}"/>
                   </a:ext>
                 </a:extLst>
               </p:cNvPr>
@@ -13595,7 +13595,7 @@
               <p:cNvPr id="139" name="Rechte verbindingslijn 138">
                 <a:extLst>
                   <a:ext uri="{FF2B5EF4-FFF2-40B4-BE49-F238E27FC236}">
-                    <a16:creationId xmlns:a16="http://schemas.microsoft.com/office/drawing/2014/main" xmlns="" id="{FCF1E2B3-A134-4703-AFF5-CB4A1B11AEB5}"/>
+                    <a16:creationId xmlns="" xmlns:a16="http://schemas.microsoft.com/office/drawing/2014/main" id="{FCF1E2B3-A134-4703-AFF5-CB4A1B11AEB5}"/>
                   </a:ext>
                 </a:extLst>
               </p:cNvPr>
@@ -13637,7 +13637,7 @@
             <p:cNvPr id="121" name="Groep 120">
               <a:extLst>
                 <a:ext uri="{FF2B5EF4-FFF2-40B4-BE49-F238E27FC236}">
-                  <a16:creationId xmlns:a16="http://schemas.microsoft.com/office/drawing/2014/main" xmlns="" id="{8F1869D9-8BBB-4005-AE84-F18126565C91}"/>
+                  <a16:creationId xmlns="" xmlns:a16="http://schemas.microsoft.com/office/drawing/2014/main" id="{8F1869D9-8BBB-4005-AE84-F18126565C91}"/>
                 </a:ext>
               </a:extLst>
             </p:cNvPr>
@@ -13657,7 +13657,7 @@
               <p:cNvPr id="132" name="Rechte verbindingslijn 131">
                 <a:extLst>
                   <a:ext uri="{FF2B5EF4-FFF2-40B4-BE49-F238E27FC236}">
-                    <a16:creationId xmlns:a16="http://schemas.microsoft.com/office/drawing/2014/main" xmlns="" id="{B35407BC-3A0A-4871-ABE2-7635D73EE27A}"/>
+                    <a16:creationId xmlns="" xmlns:a16="http://schemas.microsoft.com/office/drawing/2014/main" id="{B35407BC-3A0A-4871-ABE2-7635D73EE27A}"/>
                   </a:ext>
                 </a:extLst>
               </p:cNvPr>
@@ -13693,7 +13693,7 @@
               <p:cNvPr id="133" name="Rechte verbindingslijn 132">
                 <a:extLst>
                   <a:ext uri="{FF2B5EF4-FFF2-40B4-BE49-F238E27FC236}">
-                    <a16:creationId xmlns:a16="http://schemas.microsoft.com/office/drawing/2014/main" xmlns="" id="{4A7DA7F0-4EA0-4615-A981-EAA793ED84CA}"/>
+                    <a16:creationId xmlns="" xmlns:a16="http://schemas.microsoft.com/office/drawing/2014/main" id="{4A7DA7F0-4EA0-4615-A981-EAA793ED84CA}"/>
                   </a:ext>
                 </a:extLst>
               </p:cNvPr>
@@ -13729,7 +13729,7 @@
               <p:cNvPr id="140" name="Rechte verbindingslijn 139">
                 <a:extLst>
                   <a:ext uri="{FF2B5EF4-FFF2-40B4-BE49-F238E27FC236}">
-                    <a16:creationId xmlns:a16="http://schemas.microsoft.com/office/drawing/2014/main" xmlns="" id="{B40FAD36-FE8B-49FA-9E0D-C7105A0D722B}"/>
+                    <a16:creationId xmlns="" xmlns:a16="http://schemas.microsoft.com/office/drawing/2014/main" id="{B40FAD36-FE8B-49FA-9E0D-C7105A0D722B}"/>
                   </a:ext>
                 </a:extLst>
               </p:cNvPr>
@@ -13765,7 +13765,7 @@
               <p:cNvPr id="141" name="Rechte verbindingslijn 140">
                 <a:extLst>
                   <a:ext uri="{FF2B5EF4-FFF2-40B4-BE49-F238E27FC236}">
-                    <a16:creationId xmlns:a16="http://schemas.microsoft.com/office/drawing/2014/main" xmlns="" id="{33609692-1305-4544-8876-5DFA20670E10}"/>
+                    <a16:creationId xmlns="" xmlns:a16="http://schemas.microsoft.com/office/drawing/2014/main" id="{33609692-1305-4544-8876-5DFA20670E10}"/>
                   </a:ext>
                 </a:extLst>
               </p:cNvPr>
@@ -13802,7 +13802,7 @@
             <p:cNvPr id="122" name="Groep 121">
               <a:extLst>
                 <a:ext uri="{FF2B5EF4-FFF2-40B4-BE49-F238E27FC236}">
-                  <a16:creationId xmlns:a16="http://schemas.microsoft.com/office/drawing/2014/main" xmlns="" id="{4A7F239B-2923-4D2D-8479-D51DD89FCB0F}"/>
+                  <a16:creationId xmlns="" xmlns:a16="http://schemas.microsoft.com/office/drawing/2014/main" id="{4A7F239B-2923-4D2D-8479-D51DD89FCB0F}"/>
                 </a:ext>
               </a:extLst>
             </p:cNvPr>
@@ -13822,7 +13822,7 @@
               <p:cNvPr id="128" name="Groep 127">
                 <a:extLst>
                   <a:ext uri="{FF2B5EF4-FFF2-40B4-BE49-F238E27FC236}">
-                    <a16:creationId xmlns:a16="http://schemas.microsoft.com/office/drawing/2014/main" xmlns="" id="{BB7ADD08-1878-4651-9B40-3AB18C9114AB}"/>
+                    <a16:creationId xmlns="" xmlns:a16="http://schemas.microsoft.com/office/drawing/2014/main" id="{BB7ADD08-1878-4651-9B40-3AB18C9114AB}"/>
                   </a:ext>
                 </a:extLst>
               </p:cNvPr>
@@ -13842,7 +13842,7 @@
                 <p:cNvPr id="130" name="Rechte verbindingslijn 129">
                   <a:extLst>
                     <a:ext uri="{FF2B5EF4-FFF2-40B4-BE49-F238E27FC236}">
-                      <a16:creationId xmlns:a16="http://schemas.microsoft.com/office/drawing/2014/main" xmlns="" id="{6BF1EE04-CAC4-48AF-9A18-3EE7162EB488}"/>
+                      <a16:creationId xmlns="" xmlns:a16="http://schemas.microsoft.com/office/drawing/2014/main" id="{6BF1EE04-CAC4-48AF-9A18-3EE7162EB488}"/>
                     </a:ext>
                   </a:extLst>
                 </p:cNvPr>
@@ -13878,7 +13878,7 @@
                 <p:cNvPr id="131" name="Rechte verbindingslijn 130">
                   <a:extLst>
                     <a:ext uri="{FF2B5EF4-FFF2-40B4-BE49-F238E27FC236}">
-                      <a16:creationId xmlns:a16="http://schemas.microsoft.com/office/drawing/2014/main" xmlns="" id="{83064D72-53F3-4A68-82DC-151399CB8F7E}"/>
+                      <a16:creationId xmlns="" xmlns:a16="http://schemas.microsoft.com/office/drawing/2014/main" id="{83064D72-53F3-4A68-82DC-151399CB8F7E}"/>
                     </a:ext>
                   </a:extLst>
                 </p:cNvPr>
@@ -13915,7 +13915,7 @@
               <p:cNvPr id="129" name="Rechte verbindingslijn 128">
                 <a:extLst>
                   <a:ext uri="{FF2B5EF4-FFF2-40B4-BE49-F238E27FC236}">
-                    <a16:creationId xmlns:a16="http://schemas.microsoft.com/office/drawing/2014/main" xmlns="" id="{E96240FE-AE18-431E-8E75-FD44EFA4CB95}"/>
+                    <a16:creationId xmlns="" xmlns:a16="http://schemas.microsoft.com/office/drawing/2014/main" id="{E96240FE-AE18-431E-8E75-FD44EFA4CB95}"/>
                   </a:ext>
                 </a:extLst>
               </p:cNvPr>
@@ -13952,7 +13952,7 @@
             <p:cNvPr id="123" name="Groep 122">
               <a:extLst>
                 <a:ext uri="{FF2B5EF4-FFF2-40B4-BE49-F238E27FC236}">
-                  <a16:creationId xmlns:a16="http://schemas.microsoft.com/office/drawing/2014/main" xmlns="" id="{3205A8CD-C152-427D-9D0C-3F6344DC510E}"/>
+                  <a16:creationId xmlns="" xmlns:a16="http://schemas.microsoft.com/office/drawing/2014/main" id="{3205A8CD-C152-427D-9D0C-3F6344DC510E}"/>
                 </a:ext>
               </a:extLst>
             </p:cNvPr>
@@ -13972,7 +13972,7 @@
               <p:cNvPr id="124" name="Groep 123">
                 <a:extLst>
                   <a:ext uri="{FF2B5EF4-FFF2-40B4-BE49-F238E27FC236}">
-                    <a16:creationId xmlns:a16="http://schemas.microsoft.com/office/drawing/2014/main" xmlns="" id="{8E119295-F27D-46C0-93C2-A109CEB50170}"/>
+                    <a16:creationId xmlns="" xmlns:a16="http://schemas.microsoft.com/office/drawing/2014/main" id="{8E119295-F27D-46C0-93C2-A109CEB50170}"/>
                   </a:ext>
                 </a:extLst>
               </p:cNvPr>
@@ -13992,7 +13992,7 @@
                 <p:cNvPr id="126" name="Rechte verbindingslijn 125">
                   <a:extLst>
                     <a:ext uri="{FF2B5EF4-FFF2-40B4-BE49-F238E27FC236}">
-                      <a16:creationId xmlns:a16="http://schemas.microsoft.com/office/drawing/2014/main" xmlns="" id="{F673D4EF-E213-4C46-A2C5-B221CF6E9E55}"/>
+                      <a16:creationId xmlns="" xmlns:a16="http://schemas.microsoft.com/office/drawing/2014/main" id="{F673D4EF-E213-4C46-A2C5-B221CF6E9E55}"/>
                     </a:ext>
                   </a:extLst>
                 </p:cNvPr>
@@ -14028,7 +14028,7 @@
                 <p:cNvPr id="127" name="Rechte verbindingslijn 126">
                   <a:extLst>
                     <a:ext uri="{FF2B5EF4-FFF2-40B4-BE49-F238E27FC236}">
-                      <a16:creationId xmlns:a16="http://schemas.microsoft.com/office/drawing/2014/main" xmlns="" id="{A0BF6A06-39FD-4018-B73F-118838AFDB76}"/>
+                      <a16:creationId xmlns="" xmlns:a16="http://schemas.microsoft.com/office/drawing/2014/main" id="{A0BF6A06-39FD-4018-B73F-118838AFDB76}"/>
                     </a:ext>
                   </a:extLst>
                 </p:cNvPr>
@@ -14065,7 +14065,7 @@
               <p:cNvPr id="125" name="Rechte verbindingslijn 124">
                 <a:extLst>
                   <a:ext uri="{FF2B5EF4-FFF2-40B4-BE49-F238E27FC236}">
-                    <a16:creationId xmlns:a16="http://schemas.microsoft.com/office/drawing/2014/main" xmlns="" id="{08B5B755-9205-47C1-A7B1-69E4CF90FE95}"/>
+                    <a16:creationId xmlns="" xmlns:a16="http://schemas.microsoft.com/office/drawing/2014/main" id="{08B5B755-9205-47C1-A7B1-69E4CF90FE95}"/>
                   </a:ext>
                 </a:extLst>
               </p:cNvPr>
@@ -14103,7 +14103,7 @@
           <p:cNvPr id="110" name="Rounded Rectangle 7">
             <a:extLst>
               <a:ext uri="{FF2B5EF4-FFF2-40B4-BE49-F238E27FC236}">
-                <a16:creationId xmlns:a16="http://schemas.microsoft.com/office/drawing/2014/main" xmlns="" id="{49206924-63C7-439B-893E-2E5FD11B707B}"/>
+                <a16:creationId xmlns="" xmlns:a16="http://schemas.microsoft.com/office/drawing/2014/main" id="{49206924-63C7-439B-893E-2E5FD11B707B}"/>
               </a:ext>
             </a:extLst>
           </p:cNvPr>
@@ -14159,7 +14159,7 @@
           <p:cNvPr id="217" name="Picture 10">
             <a:extLst>
               <a:ext uri="{FF2B5EF4-FFF2-40B4-BE49-F238E27FC236}">
-                <a16:creationId xmlns:a16="http://schemas.microsoft.com/office/drawing/2014/main" xmlns="" id="{B45FE96A-77B6-496D-8E52-9388D495AE2A}"/>
+                <a16:creationId xmlns="" xmlns:a16="http://schemas.microsoft.com/office/drawing/2014/main" id="{B45FE96A-77B6-496D-8E52-9388D495AE2A}"/>
               </a:ext>
             </a:extLst>
           </p:cNvPr>
@@ -14250,7 +14250,7 @@
           <p:cNvPr id="39" name="Tijdelijke aanduiding voor verticale tekst 2">
             <a:extLst>
               <a:ext uri="{FF2B5EF4-FFF2-40B4-BE49-F238E27FC236}">
-                <a16:creationId xmlns:a16="http://schemas.microsoft.com/office/drawing/2014/main" xmlns="" id="{E7DE0271-DFDB-405B-962C-551A6C53674B}"/>
+                <a16:creationId xmlns="" xmlns:a16="http://schemas.microsoft.com/office/drawing/2014/main" id="{E7DE0271-DFDB-405B-962C-551A6C53674B}"/>
               </a:ext>
             </a:extLst>
           </p:cNvPr>
@@ -14350,7 +14350,7 @@
           <p:cNvPr id="42" name="Tijdelijke aanduiding voor verticale tekst 2">
             <a:extLst>
               <a:ext uri="{FF2B5EF4-FFF2-40B4-BE49-F238E27FC236}">
-                <a16:creationId xmlns:a16="http://schemas.microsoft.com/office/drawing/2014/main" xmlns="" id="{ED25C50A-F42A-40DA-BDF0-A567612DBFCB}"/>
+                <a16:creationId xmlns="" xmlns:a16="http://schemas.microsoft.com/office/drawing/2014/main" id="{ED25C50A-F42A-40DA-BDF0-A567612DBFCB}"/>
               </a:ext>
             </a:extLst>
           </p:cNvPr>
@@ -14485,7 +14485,7 @@
           <p:cNvPr id="43" name="Text Placeholder 5">
             <a:extLst>
               <a:ext uri="{FF2B5EF4-FFF2-40B4-BE49-F238E27FC236}">
-                <a16:creationId xmlns:a16="http://schemas.microsoft.com/office/drawing/2014/main" xmlns="" id="{87822D74-F32C-4568-85FB-2C7F5AFAAC49}"/>
+                <a16:creationId xmlns="" xmlns:a16="http://schemas.microsoft.com/office/drawing/2014/main" id="{87822D74-F32C-4568-85FB-2C7F5AFAAC49}"/>
               </a:ext>
             </a:extLst>
           </p:cNvPr>
@@ -14532,7 +14532,7 @@
           <p:cNvPr id="44" name="Title 1">
             <a:extLst>
               <a:ext uri="{FF2B5EF4-FFF2-40B4-BE49-F238E27FC236}">
-                <a16:creationId xmlns:a16="http://schemas.microsoft.com/office/drawing/2014/main" xmlns="" id="{74B2107D-8F02-440D-85F2-4F338FF22356}"/>
+                <a16:creationId xmlns="" xmlns:a16="http://schemas.microsoft.com/office/drawing/2014/main" id="{74B2107D-8F02-440D-85F2-4F338FF22356}"/>
               </a:ext>
             </a:extLst>
           </p:cNvPr>
@@ -14625,7 +14625,7 @@
           <p:cNvPr id="4" name="Object 3" hidden="1">
             <a:extLst>
               <a:ext uri="{FF2B5EF4-FFF2-40B4-BE49-F238E27FC236}">
-                <a16:creationId xmlns:a16="http://schemas.microsoft.com/office/drawing/2014/main" xmlns="" id="{4C98A293-DFC4-42B5-8BB6-E604CAA2FC5A}"/>
+                <a16:creationId xmlns="" xmlns:a16="http://schemas.microsoft.com/office/drawing/2014/main" id="{4C98A293-DFC4-42B5-8BB6-E604CAA2FC5A}"/>
               </a:ext>
             </a:extLst>
           </p:cNvPr>
@@ -14647,7 +14647,7 @@
           <a:graphicData uri="http://schemas.openxmlformats.org/presentationml/2006/ole">
             <mc:AlternateContent xmlns:mc="http://schemas.openxmlformats.org/markup-compatibility/2006">
               <mc:Choice xmlns:v="urn:schemas-microsoft-com:vml" Requires="v">
-                <p:oleObj spid="_x0000_s12302" name="think-cell Slide" r:id="rId5" imgW="592" imgH="591" progId="TCLayout.ActiveDocument.1">
+                <p:oleObj spid="_x0000_s12303" name="think-cell Slide" r:id="rId5" imgW="592" imgH="591" progId="TCLayout.ActiveDocument.1">
                   <p:embed/>
                 </p:oleObj>
               </mc:Choice>
@@ -14659,7 +14659,7 @@
                       <p:cNvPr id="4" name="Object 3" hidden="1">
                         <a:extLst>
                           <a:ext uri="{FF2B5EF4-FFF2-40B4-BE49-F238E27FC236}">
-                            <a16:creationId xmlns:a16="http://schemas.microsoft.com/office/drawing/2014/main" xmlns="" id="{4C98A293-DFC4-42B5-8BB6-E604CAA2FC5A}"/>
+                            <a16:creationId xmlns="" xmlns:a16="http://schemas.microsoft.com/office/drawing/2014/main" id="{4C98A293-DFC4-42B5-8BB6-E604CAA2FC5A}"/>
                           </a:ext>
                         </a:extLst>
                       </p:cNvPr>
@@ -14693,7 +14693,7 @@
           <p:cNvPr id="2" name="Rectangle 1" hidden="1">
             <a:extLst>
               <a:ext uri="{FF2B5EF4-FFF2-40B4-BE49-F238E27FC236}">
-                <a16:creationId xmlns:a16="http://schemas.microsoft.com/office/drawing/2014/main" xmlns="" id="{5DCDCCF1-DE2F-4B14-8D83-8297AA419810}"/>
+                <a16:creationId xmlns="" xmlns:a16="http://schemas.microsoft.com/office/drawing/2014/main" id="{5DCDCCF1-DE2F-4B14-8D83-8297AA419810}"/>
               </a:ext>
             </a:extLst>
           </p:cNvPr>
@@ -14815,7 +14815,7 @@
           <p:cNvPr id="9" name="Rounded Rectangle 7">
             <a:extLst>
               <a:ext uri="{FF2B5EF4-FFF2-40B4-BE49-F238E27FC236}">
-                <a16:creationId xmlns:a16="http://schemas.microsoft.com/office/drawing/2014/main" xmlns="" id="{9A0C6F21-36E5-4371-B6ED-CE151F0D8C55}"/>
+                <a16:creationId xmlns="" xmlns:a16="http://schemas.microsoft.com/office/drawing/2014/main" id="{9A0C6F21-36E5-4371-B6ED-CE151F0D8C55}"/>
               </a:ext>
             </a:extLst>
           </p:cNvPr>
@@ -14869,7 +14869,7 @@
           <p:cNvPr id="11" name="Tijdelijke aanduiding voor verticale tekst 2">
             <a:extLst>
               <a:ext uri="{FF2B5EF4-FFF2-40B4-BE49-F238E27FC236}">
-                <a16:creationId xmlns:a16="http://schemas.microsoft.com/office/drawing/2014/main" xmlns="" id="{AC62E099-5D50-43CE-AC85-EFF2806DB36C}"/>
+                <a16:creationId xmlns="" xmlns:a16="http://schemas.microsoft.com/office/drawing/2014/main" id="{AC62E099-5D50-43CE-AC85-EFF2806DB36C}"/>
               </a:ext>
             </a:extLst>
           </p:cNvPr>
@@ -14969,7 +14969,7 @@
           <p:cNvPr id="222" name="Picture 10">
             <a:extLst>
               <a:ext uri="{FF2B5EF4-FFF2-40B4-BE49-F238E27FC236}">
-                <a16:creationId xmlns:a16="http://schemas.microsoft.com/office/drawing/2014/main" xmlns="" id="{9681D520-161E-42FB-BF95-D1F88AA78C3D}"/>
+                <a16:creationId xmlns="" xmlns:a16="http://schemas.microsoft.com/office/drawing/2014/main" id="{9681D520-161E-42FB-BF95-D1F88AA78C3D}"/>
               </a:ext>
             </a:extLst>
           </p:cNvPr>
@@ -15005,7 +15005,7 @@
           <p:cNvPr id="18" name="Tijdelijke aanduiding voor verticale tekst 2">
             <a:extLst>
               <a:ext uri="{FF2B5EF4-FFF2-40B4-BE49-F238E27FC236}">
-                <a16:creationId xmlns:a16="http://schemas.microsoft.com/office/drawing/2014/main" xmlns="" id="{61A0EA42-27DC-4031-A126-75343F97BAA5}"/>
+                <a16:creationId xmlns="" xmlns:a16="http://schemas.microsoft.com/office/drawing/2014/main" id="{61A0EA42-27DC-4031-A126-75343F97BAA5}"/>
               </a:ext>
             </a:extLst>
           </p:cNvPr>
@@ -15140,7 +15140,7 @@
           <p:cNvPr id="16" name="Text Placeholder 5">
             <a:extLst>
               <a:ext uri="{FF2B5EF4-FFF2-40B4-BE49-F238E27FC236}">
-                <a16:creationId xmlns:a16="http://schemas.microsoft.com/office/drawing/2014/main" xmlns="" id="{15F8978B-78E4-4C09-9443-5519F1D844D1}"/>
+                <a16:creationId xmlns="" xmlns:a16="http://schemas.microsoft.com/office/drawing/2014/main" id="{15F8978B-78E4-4C09-9443-5519F1D844D1}"/>
               </a:ext>
             </a:extLst>
           </p:cNvPr>
@@ -15187,7 +15187,7 @@
           <p:cNvPr id="19" name="Title 1">
             <a:extLst>
               <a:ext uri="{FF2B5EF4-FFF2-40B4-BE49-F238E27FC236}">
-                <a16:creationId xmlns:a16="http://schemas.microsoft.com/office/drawing/2014/main" xmlns="" id="{205E8325-F8D2-4EFE-BBDF-624B987CFDC0}"/>
+                <a16:creationId xmlns="" xmlns:a16="http://schemas.microsoft.com/office/drawing/2014/main" id="{205E8325-F8D2-4EFE-BBDF-624B987CFDC0}"/>
               </a:ext>
             </a:extLst>
           </p:cNvPr>
@@ -15280,7 +15280,7 @@
           <p:cNvPr id="4" name="Object 3" hidden="1">
             <a:extLst>
               <a:ext uri="{FF2B5EF4-FFF2-40B4-BE49-F238E27FC236}">
-                <a16:creationId xmlns:a16="http://schemas.microsoft.com/office/drawing/2014/main" xmlns="" id="{4C98A293-DFC4-42B5-8BB6-E604CAA2FC5A}"/>
+                <a16:creationId xmlns="" xmlns:a16="http://schemas.microsoft.com/office/drawing/2014/main" id="{4C98A293-DFC4-42B5-8BB6-E604CAA2FC5A}"/>
               </a:ext>
             </a:extLst>
           </p:cNvPr>
@@ -15302,7 +15302,7 @@
           <a:graphicData uri="http://schemas.openxmlformats.org/presentationml/2006/ole">
             <mc:AlternateContent xmlns:mc="http://schemas.openxmlformats.org/markup-compatibility/2006">
               <mc:Choice xmlns:v="urn:schemas-microsoft-com:vml" Requires="v">
-                <p:oleObj spid="_x0000_s13326" name="think-cell Slide" r:id="rId5" imgW="592" imgH="591" progId="TCLayout.ActiveDocument.1">
+                <p:oleObj spid="_x0000_s13327" name="think-cell Slide" r:id="rId5" imgW="592" imgH="591" progId="TCLayout.ActiveDocument.1">
                   <p:embed/>
                 </p:oleObj>
               </mc:Choice>
@@ -15314,7 +15314,7 @@
                       <p:cNvPr id="4" name="Object 3" hidden="1">
                         <a:extLst>
                           <a:ext uri="{FF2B5EF4-FFF2-40B4-BE49-F238E27FC236}">
-                            <a16:creationId xmlns:a16="http://schemas.microsoft.com/office/drawing/2014/main" xmlns="" id="{4C98A293-DFC4-42B5-8BB6-E604CAA2FC5A}"/>
+                            <a16:creationId xmlns="" xmlns:a16="http://schemas.microsoft.com/office/drawing/2014/main" id="{4C98A293-DFC4-42B5-8BB6-E604CAA2FC5A}"/>
                           </a:ext>
                         </a:extLst>
                       </p:cNvPr>
@@ -15348,7 +15348,7 @@
           <p:cNvPr id="2" name="Rectangle 1" hidden="1">
             <a:extLst>
               <a:ext uri="{FF2B5EF4-FFF2-40B4-BE49-F238E27FC236}">
-                <a16:creationId xmlns:a16="http://schemas.microsoft.com/office/drawing/2014/main" xmlns="" id="{5DCDCCF1-DE2F-4B14-8D83-8297AA419810}"/>
+                <a16:creationId xmlns="" xmlns:a16="http://schemas.microsoft.com/office/drawing/2014/main" id="{5DCDCCF1-DE2F-4B14-8D83-8297AA419810}"/>
               </a:ext>
             </a:extLst>
           </p:cNvPr>
@@ -15470,7 +15470,7 @@
           <p:cNvPr id="9" name="Rounded Rectangle 7">
             <a:extLst>
               <a:ext uri="{FF2B5EF4-FFF2-40B4-BE49-F238E27FC236}">
-                <a16:creationId xmlns:a16="http://schemas.microsoft.com/office/drawing/2014/main" xmlns="" id="{9A0C6F21-36E5-4371-B6ED-CE151F0D8C55}"/>
+                <a16:creationId xmlns="" xmlns:a16="http://schemas.microsoft.com/office/drawing/2014/main" id="{9A0C6F21-36E5-4371-B6ED-CE151F0D8C55}"/>
               </a:ext>
             </a:extLst>
           </p:cNvPr>
@@ -15524,7 +15524,7 @@
           <p:cNvPr id="11" name="Tijdelijke aanduiding voor verticale tekst 2">
             <a:extLst>
               <a:ext uri="{FF2B5EF4-FFF2-40B4-BE49-F238E27FC236}">
-                <a16:creationId xmlns:a16="http://schemas.microsoft.com/office/drawing/2014/main" xmlns="" id="{AC62E099-5D50-43CE-AC85-EFF2806DB36C}"/>
+                <a16:creationId xmlns="" xmlns:a16="http://schemas.microsoft.com/office/drawing/2014/main" id="{AC62E099-5D50-43CE-AC85-EFF2806DB36C}"/>
               </a:ext>
             </a:extLst>
           </p:cNvPr>
@@ -15624,7 +15624,7 @@
           <p:cNvPr id="222" name="Picture 10">
             <a:extLst>
               <a:ext uri="{FF2B5EF4-FFF2-40B4-BE49-F238E27FC236}">
-                <a16:creationId xmlns:a16="http://schemas.microsoft.com/office/drawing/2014/main" xmlns="" id="{9681D520-161E-42FB-BF95-D1F88AA78C3D}"/>
+                <a16:creationId xmlns="" xmlns:a16="http://schemas.microsoft.com/office/drawing/2014/main" id="{9681D520-161E-42FB-BF95-D1F88AA78C3D}"/>
               </a:ext>
             </a:extLst>
           </p:cNvPr>
@@ -15660,7 +15660,7 @@
           <p:cNvPr id="17" name="Tijdelijke aanduiding voor verticale tekst 2">
             <a:extLst>
               <a:ext uri="{FF2B5EF4-FFF2-40B4-BE49-F238E27FC236}">
-                <a16:creationId xmlns:a16="http://schemas.microsoft.com/office/drawing/2014/main" xmlns="" id="{BCE838F5-5269-49ED-ADB9-B3EFC9B81FEE}"/>
+                <a16:creationId xmlns="" xmlns:a16="http://schemas.microsoft.com/office/drawing/2014/main" id="{BCE838F5-5269-49ED-ADB9-B3EFC9B81FEE}"/>
               </a:ext>
             </a:extLst>
           </p:cNvPr>
@@ -15795,7 +15795,7 @@
           <p:cNvPr id="18" name="Text Placeholder 5">
             <a:extLst>
               <a:ext uri="{FF2B5EF4-FFF2-40B4-BE49-F238E27FC236}">
-                <a16:creationId xmlns:a16="http://schemas.microsoft.com/office/drawing/2014/main" xmlns="" id="{AEC58F36-D463-46EA-9CB3-57A9E3E1F03D}"/>
+                <a16:creationId xmlns="" xmlns:a16="http://schemas.microsoft.com/office/drawing/2014/main" id="{AEC58F36-D463-46EA-9CB3-57A9E3E1F03D}"/>
               </a:ext>
             </a:extLst>
           </p:cNvPr>
@@ -15842,7 +15842,7 @@
           <p:cNvPr id="19" name="Title 1">
             <a:extLst>
               <a:ext uri="{FF2B5EF4-FFF2-40B4-BE49-F238E27FC236}">
-                <a16:creationId xmlns:a16="http://schemas.microsoft.com/office/drawing/2014/main" xmlns="" id="{94242D3D-AF58-4DBC-91BF-1787BDCCD6B0}"/>
+                <a16:creationId xmlns="" xmlns:a16="http://schemas.microsoft.com/office/drawing/2014/main" id="{94242D3D-AF58-4DBC-91BF-1787BDCCD6B0}"/>
               </a:ext>
             </a:extLst>
           </p:cNvPr>
@@ -15935,7 +15935,7 @@
           <p:cNvPr id="2" name="Object 1" hidden="1">
             <a:extLst>
               <a:ext uri="{FF2B5EF4-FFF2-40B4-BE49-F238E27FC236}">
-                <a16:creationId xmlns:a16="http://schemas.microsoft.com/office/drawing/2014/main" xmlns="" id="{2C517757-3612-4F7E-8F53-EC7D82AABEBC}"/>
+                <a16:creationId xmlns="" xmlns:a16="http://schemas.microsoft.com/office/drawing/2014/main" id="{2C517757-3612-4F7E-8F53-EC7D82AABEBC}"/>
               </a:ext>
             </a:extLst>
           </p:cNvPr>
@@ -15957,7 +15957,7 @@
           <a:graphicData uri="http://schemas.openxmlformats.org/presentationml/2006/ole">
             <mc:AlternateContent xmlns:mc="http://schemas.openxmlformats.org/markup-compatibility/2006">
               <mc:Choice xmlns:v="urn:schemas-microsoft-com:vml" Requires="v">
-                <p:oleObj spid="_x0000_s14350" name="think-cell Slide" r:id="rId5" imgW="592" imgH="591" progId="TCLayout.ActiveDocument.1">
+                <p:oleObj spid="_x0000_s14351" name="think-cell Slide" r:id="rId5" imgW="592" imgH="591" progId="TCLayout.ActiveDocument.1">
                   <p:embed/>
                 </p:oleObj>
               </mc:Choice>
@@ -15969,7 +15969,7 @@
                       <p:cNvPr id="2" name="Object 1" hidden="1">
                         <a:extLst>
                           <a:ext uri="{FF2B5EF4-FFF2-40B4-BE49-F238E27FC236}">
-                            <a16:creationId xmlns:a16="http://schemas.microsoft.com/office/drawing/2014/main" xmlns="" id="{2C517757-3612-4F7E-8F53-EC7D82AABEBC}"/>
+                            <a16:creationId xmlns="" xmlns:a16="http://schemas.microsoft.com/office/drawing/2014/main" id="{2C517757-3612-4F7E-8F53-EC7D82AABEBC}"/>
                           </a:ext>
                         </a:extLst>
                       </p:cNvPr>
@@ -16003,7 +16003,7 @@
           <p:cNvPr id="3" name="Rectangle 2" hidden="1">
             <a:extLst>
               <a:ext uri="{FF2B5EF4-FFF2-40B4-BE49-F238E27FC236}">
-                <a16:creationId xmlns:a16="http://schemas.microsoft.com/office/drawing/2014/main" xmlns="" id="{42B190B2-308C-4C6B-81D4-0416B05007DC}"/>
+                <a16:creationId xmlns="" xmlns:a16="http://schemas.microsoft.com/office/drawing/2014/main" id="{42B190B2-308C-4C6B-81D4-0416B05007DC}"/>
               </a:ext>
             </a:extLst>
           </p:cNvPr>
@@ -16070,7 +16070,7 @@
           <p:cNvPr id="119" name="Groep 118" hidden="1">
             <a:extLst>
               <a:ext uri="{FF2B5EF4-FFF2-40B4-BE49-F238E27FC236}">
-                <a16:creationId xmlns:a16="http://schemas.microsoft.com/office/drawing/2014/main" xmlns="" id="{77504D76-9C51-44CF-917A-242E1D3D92BE}"/>
+                <a16:creationId xmlns="" xmlns:a16="http://schemas.microsoft.com/office/drawing/2014/main" id="{77504D76-9C51-44CF-917A-242E1D3D92BE}"/>
               </a:ext>
             </a:extLst>
           </p:cNvPr>
@@ -16090,7 +16090,7 @@
             <p:cNvPr id="120" name="Groep 119">
               <a:extLst>
                 <a:ext uri="{FF2B5EF4-FFF2-40B4-BE49-F238E27FC236}">
-                  <a16:creationId xmlns:a16="http://schemas.microsoft.com/office/drawing/2014/main" xmlns="" id="{F31D955F-D8DC-4E02-BFCD-CE3FA62E80A1}"/>
+                  <a16:creationId xmlns="" xmlns:a16="http://schemas.microsoft.com/office/drawing/2014/main" id="{F31D955F-D8DC-4E02-BFCD-CE3FA62E80A1}"/>
                 </a:ext>
               </a:extLst>
             </p:cNvPr>
@@ -16110,7 +16110,7 @@
               <p:cNvPr id="134" name="Rechte verbindingslijn 133">
                 <a:extLst>
                   <a:ext uri="{FF2B5EF4-FFF2-40B4-BE49-F238E27FC236}">
-                    <a16:creationId xmlns:a16="http://schemas.microsoft.com/office/drawing/2014/main" xmlns="" id="{F3355427-16F0-4ED8-A310-E1FB8ED85E4D}"/>
+                    <a16:creationId xmlns="" xmlns:a16="http://schemas.microsoft.com/office/drawing/2014/main" id="{F3355427-16F0-4ED8-A310-E1FB8ED85E4D}"/>
                   </a:ext>
                 </a:extLst>
               </p:cNvPr>
@@ -16146,7 +16146,7 @@
               <p:cNvPr id="135" name="Rechte verbindingslijn 134">
                 <a:extLst>
                   <a:ext uri="{FF2B5EF4-FFF2-40B4-BE49-F238E27FC236}">
-                    <a16:creationId xmlns:a16="http://schemas.microsoft.com/office/drawing/2014/main" xmlns="" id="{0AC90256-6C1C-4BC5-ADE9-1063D262C409}"/>
+                    <a16:creationId xmlns="" xmlns:a16="http://schemas.microsoft.com/office/drawing/2014/main" id="{0AC90256-6C1C-4BC5-ADE9-1063D262C409}"/>
                   </a:ext>
                 </a:extLst>
               </p:cNvPr>
@@ -16182,7 +16182,7 @@
               <p:cNvPr id="136" name="Rechte verbindingslijn 135">
                 <a:extLst>
                   <a:ext uri="{FF2B5EF4-FFF2-40B4-BE49-F238E27FC236}">
-                    <a16:creationId xmlns:a16="http://schemas.microsoft.com/office/drawing/2014/main" xmlns="" id="{1081E6FA-EFA8-4B4B-B1E9-B393318F5A7F}"/>
+                    <a16:creationId xmlns="" xmlns:a16="http://schemas.microsoft.com/office/drawing/2014/main" id="{1081E6FA-EFA8-4B4B-B1E9-B393318F5A7F}"/>
                   </a:ext>
                 </a:extLst>
               </p:cNvPr>
@@ -16223,7 +16223,7 @@
               <p:cNvPr id="137" name="Rechte verbindingslijn 136">
                 <a:extLst>
                   <a:ext uri="{FF2B5EF4-FFF2-40B4-BE49-F238E27FC236}">
-                    <a16:creationId xmlns:a16="http://schemas.microsoft.com/office/drawing/2014/main" xmlns="" id="{FD72FB31-33A8-43D4-9242-CAA5E8873B5C}"/>
+                    <a16:creationId xmlns="" xmlns:a16="http://schemas.microsoft.com/office/drawing/2014/main" id="{FD72FB31-33A8-43D4-9242-CAA5E8873B5C}"/>
                   </a:ext>
                 </a:extLst>
               </p:cNvPr>
@@ -16264,7 +16264,7 @@
               <p:cNvPr id="138" name="Rechte verbindingslijn 137">
                 <a:extLst>
                   <a:ext uri="{FF2B5EF4-FFF2-40B4-BE49-F238E27FC236}">
-                    <a16:creationId xmlns:a16="http://schemas.microsoft.com/office/drawing/2014/main" xmlns="" id="{A61E3744-FF59-4BF4-A9C5-BD96C92DE0CB}"/>
+                    <a16:creationId xmlns="" xmlns:a16="http://schemas.microsoft.com/office/drawing/2014/main" id="{A61E3744-FF59-4BF4-A9C5-BD96C92DE0CB}"/>
                   </a:ext>
                 </a:extLst>
               </p:cNvPr>
@@ -16307,7 +16307,7 @@
               <p:cNvPr id="139" name="Rechte verbindingslijn 138">
                 <a:extLst>
                   <a:ext uri="{FF2B5EF4-FFF2-40B4-BE49-F238E27FC236}">
-                    <a16:creationId xmlns:a16="http://schemas.microsoft.com/office/drawing/2014/main" xmlns="" id="{FCF1E2B3-A134-4703-AFF5-CB4A1B11AEB5}"/>
+                    <a16:creationId xmlns="" xmlns:a16="http://schemas.microsoft.com/office/drawing/2014/main" id="{FCF1E2B3-A134-4703-AFF5-CB4A1B11AEB5}"/>
                   </a:ext>
                 </a:extLst>
               </p:cNvPr>
@@ -16349,7 +16349,7 @@
             <p:cNvPr id="121" name="Groep 120">
               <a:extLst>
                 <a:ext uri="{FF2B5EF4-FFF2-40B4-BE49-F238E27FC236}">
-                  <a16:creationId xmlns:a16="http://schemas.microsoft.com/office/drawing/2014/main" xmlns="" id="{8F1869D9-8BBB-4005-AE84-F18126565C91}"/>
+                  <a16:creationId xmlns="" xmlns:a16="http://schemas.microsoft.com/office/drawing/2014/main" id="{8F1869D9-8BBB-4005-AE84-F18126565C91}"/>
                 </a:ext>
               </a:extLst>
             </p:cNvPr>
@@ -16369,7 +16369,7 @@
               <p:cNvPr id="132" name="Rechte verbindingslijn 131">
                 <a:extLst>
                   <a:ext uri="{FF2B5EF4-FFF2-40B4-BE49-F238E27FC236}">
-                    <a16:creationId xmlns:a16="http://schemas.microsoft.com/office/drawing/2014/main" xmlns="" id="{B35407BC-3A0A-4871-ABE2-7635D73EE27A}"/>
+                    <a16:creationId xmlns="" xmlns:a16="http://schemas.microsoft.com/office/drawing/2014/main" id="{B35407BC-3A0A-4871-ABE2-7635D73EE27A}"/>
                   </a:ext>
                 </a:extLst>
               </p:cNvPr>
@@ -16405,7 +16405,7 @@
               <p:cNvPr id="133" name="Rechte verbindingslijn 132">
                 <a:extLst>
                   <a:ext uri="{FF2B5EF4-FFF2-40B4-BE49-F238E27FC236}">
-                    <a16:creationId xmlns:a16="http://schemas.microsoft.com/office/drawing/2014/main" xmlns="" id="{4A7DA7F0-4EA0-4615-A981-EAA793ED84CA}"/>
+                    <a16:creationId xmlns="" xmlns:a16="http://schemas.microsoft.com/office/drawing/2014/main" id="{4A7DA7F0-4EA0-4615-A981-EAA793ED84CA}"/>
                   </a:ext>
                 </a:extLst>
               </p:cNvPr>
@@ -16441,7 +16441,7 @@
               <p:cNvPr id="140" name="Rechte verbindingslijn 139">
                 <a:extLst>
                   <a:ext uri="{FF2B5EF4-FFF2-40B4-BE49-F238E27FC236}">
-                    <a16:creationId xmlns:a16="http://schemas.microsoft.com/office/drawing/2014/main" xmlns="" id="{B40FAD36-FE8B-49FA-9E0D-C7105A0D722B}"/>
+                    <a16:creationId xmlns="" xmlns:a16="http://schemas.microsoft.com/office/drawing/2014/main" id="{B40FAD36-FE8B-49FA-9E0D-C7105A0D722B}"/>
                   </a:ext>
                 </a:extLst>
               </p:cNvPr>
@@ -16477,7 +16477,7 @@
               <p:cNvPr id="141" name="Rechte verbindingslijn 140">
                 <a:extLst>
                   <a:ext uri="{FF2B5EF4-FFF2-40B4-BE49-F238E27FC236}">
-                    <a16:creationId xmlns:a16="http://schemas.microsoft.com/office/drawing/2014/main" xmlns="" id="{33609692-1305-4544-8876-5DFA20670E10}"/>
+                    <a16:creationId xmlns="" xmlns:a16="http://schemas.microsoft.com/office/drawing/2014/main" id="{33609692-1305-4544-8876-5DFA20670E10}"/>
                   </a:ext>
                 </a:extLst>
               </p:cNvPr>
@@ -16514,7 +16514,7 @@
             <p:cNvPr id="122" name="Groep 121">
               <a:extLst>
                 <a:ext uri="{FF2B5EF4-FFF2-40B4-BE49-F238E27FC236}">
-                  <a16:creationId xmlns:a16="http://schemas.microsoft.com/office/drawing/2014/main" xmlns="" id="{4A7F239B-2923-4D2D-8479-D51DD89FCB0F}"/>
+                  <a16:creationId xmlns="" xmlns:a16="http://schemas.microsoft.com/office/drawing/2014/main" id="{4A7F239B-2923-4D2D-8479-D51DD89FCB0F}"/>
                 </a:ext>
               </a:extLst>
             </p:cNvPr>
@@ -16534,7 +16534,7 @@
               <p:cNvPr id="128" name="Groep 127">
                 <a:extLst>
                   <a:ext uri="{FF2B5EF4-FFF2-40B4-BE49-F238E27FC236}">
-                    <a16:creationId xmlns:a16="http://schemas.microsoft.com/office/drawing/2014/main" xmlns="" id="{BB7ADD08-1878-4651-9B40-3AB18C9114AB}"/>
+                    <a16:creationId xmlns="" xmlns:a16="http://schemas.microsoft.com/office/drawing/2014/main" id="{BB7ADD08-1878-4651-9B40-3AB18C9114AB}"/>
                   </a:ext>
                 </a:extLst>
               </p:cNvPr>
@@ -16554,7 +16554,7 @@
                 <p:cNvPr id="130" name="Rechte verbindingslijn 129">
                   <a:extLst>
                     <a:ext uri="{FF2B5EF4-FFF2-40B4-BE49-F238E27FC236}">
-                      <a16:creationId xmlns:a16="http://schemas.microsoft.com/office/drawing/2014/main" xmlns="" id="{6BF1EE04-CAC4-48AF-9A18-3EE7162EB488}"/>
+                      <a16:creationId xmlns="" xmlns:a16="http://schemas.microsoft.com/office/drawing/2014/main" id="{6BF1EE04-CAC4-48AF-9A18-3EE7162EB488}"/>
                     </a:ext>
                   </a:extLst>
                 </p:cNvPr>
@@ -16590,7 +16590,7 @@
                 <p:cNvPr id="131" name="Rechte verbindingslijn 130">
                   <a:extLst>
                     <a:ext uri="{FF2B5EF4-FFF2-40B4-BE49-F238E27FC236}">
-                      <a16:creationId xmlns:a16="http://schemas.microsoft.com/office/drawing/2014/main" xmlns="" id="{83064D72-53F3-4A68-82DC-151399CB8F7E}"/>
+                      <a16:creationId xmlns="" xmlns:a16="http://schemas.microsoft.com/office/drawing/2014/main" id="{83064D72-53F3-4A68-82DC-151399CB8F7E}"/>
                     </a:ext>
                   </a:extLst>
                 </p:cNvPr>
@@ -16627,7 +16627,7 @@
               <p:cNvPr id="129" name="Rechte verbindingslijn 128">
                 <a:extLst>
                   <a:ext uri="{FF2B5EF4-FFF2-40B4-BE49-F238E27FC236}">
-                    <a16:creationId xmlns:a16="http://schemas.microsoft.com/office/drawing/2014/main" xmlns="" id="{E96240FE-AE18-431E-8E75-FD44EFA4CB95}"/>
+                    <a16:creationId xmlns="" xmlns:a16="http://schemas.microsoft.com/office/drawing/2014/main" id="{E96240FE-AE18-431E-8E75-FD44EFA4CB95}"/>
                   </a:ext>
                 </a:extLst>
               </p:cNvPr>
@@ -16664,7 +16664,7 @@
             <p:cNvPr id="123" name="Groep 122">
               <a:extLst>
                 <a:ext uri="{FF2B5EF4-FFF2-40B4-BE49-F238E27FC236}">
-                  <a16:creationId xmlns:a16="http://schemas.microsoft.com/office/drawing/2014/main" xmlns="" id="{3205A8CD-C152-427D-9D0C-3F6344DC510E}"/>
+                  <a16:creationId xmlns="" xmlns:a16="http://schemas.microsoft.com/office/drawing/2014/main" id="{3205A8CD-C152-427D-9D0C-3F6344DC510E}"/>
                 </a:ext>
               </a:extLst>
             </p:cNvPr>
@@ -16684,7 +16684,7 @@
               <p:cNvPr id="124" name="Groep 123">
                 <a:extLst>
                   <a:ext uri="{FF2B5EF4-FFF2-40B4-BE49-F238E27FC236}">
-                    <a16:creationId xmlns:a16="http://schemas.microsoft.com/office/drawing/2014/main" xmlns="" id="{8E119295-F27D-46C0-93C2-A109CEB50170}"/>
+                    <a16:creationId xmlns="" xmlns:a16="http://schemas.microsoft.com/office/drawing/2014/main" id="{8E119295-F27D-46C0-93C2-A109CEB50170}"/>
                   </a:ext>
                 </a:extLst>
               </p:cNvPr>
@@ -16704,7 +16704,7 @@
                 <p:cNvPr id="126" name="Rechte verbindingslijn 125">
                   <a:extLst>
                     <a:ext uri="{FF2B5EF4-FFF2-40B4-BE49-F238E27FC236}">
-                      <a16:creationId xmlns:a16="http://schemas.microsoft.com/office/drawing/2014/main" xmlns="" id="{F673D4EF-E213-4C46-A2C5-B221CF6E9E55}"/>
+                      <a16:creationId xmlns="" xmlns:a16="http://schemas.microsoft.com/office/drawing/2014/main" id="{F673D4EF-E213-4C46-A2C5-B221CF6E9E55}"/>
                     </a:ext>
                   </a:extLst>
                 </p:cNvPr>
@@ -16740,7 +16740,7 @@
                 <p:cNvPr id="127" name="Rechte verbindingslijn 126">
                   <a:extLst>
                     <a:ext uri="{FF2B5EF4-FFF2-40B4-BE49-F238E27FC236}">
-                      <a16:creationId xmlns:a16="http://schemas.microsoft.com/office/drawing/2014/main" xmlns="" id="{A0BF6A06-39FD-4018-B73F-118838AFDB76}"/>
+                      <a16:creationId xmlns="" xmlns:a16="http://schemas.microsoft.com/office/drawing/2014/main" id="{A0BF6A06-39FD-4018-B73F-118838AFDB76}"/>
                     </a:ext>
                   </a:extLst>
                 </p:cNvPr>
@@ -16777,7 +16777,7 @@
               <p:cNvPr id="125" name="Rechte verbindingslijn 124">
                 <a:extLst>
                   <a:ext uri="{FF2B5EF4-FFF2-40B4-BE49-F238E27FC236}">
-                    <a16:creationId xmlns:a16="http://schemas.microsoft.com/office/drawing/2014/main" xmlns="" id="{08B5B755-9205-47C1-A7B1-69E4CF90FE95}"/>
+                    <a16:creationId xmlns="" xmlns:a16="http://schemas.microsoft.com/office/drawing/2014/main" id="{08B5B755-9205-47C1-A7B1-69E4CF90FE95}"/>
                   </a:ext>
                 </a:extLst>
               </p:cNvPr>
@@ -16815,7 +16815,7 @@
           <p:cNvPr id="110" name="Rounded Rectangle 7">
             <a:extLst>
               <a:ext uri="{FF2B5EF4-FFF2-40B4-BE49-F238E27FC236}">
-                <a16:creationId xmlns:a16="http://schemas.microsoft.com/office/drawing/2014/main" xmlns="" id="{49206924-63C7-439B-893E-2E5FD11B707B}"/>
+                <a16:creationId xmlns="" xmlns:a16="http://schemas.microsoft.com/office/drawing/2014/main" id="{49206924-63C7-439B-893E-2E5FD11B707B}"/>
               </a:ext>
             </a:extLst>
           </p:cNvPr>
@@ -16869,7 +16869,7 @@
           <p:cNvPr id="217" name="Picture 10">
             <a:extLst>
               <a:ext uri="{FF2B5EF4-FFF2-40B4-BE49-F238E27FC236}">
-                <a16:creationId xmlns:a16="http://schemas.microsoft.com/office/drawing/2014/main" xmlns="" id="{B45FE96A-77B6-496D-8E52-9388D495AE2A}"/>
+                <a16:creationId xmlns="" xmlns:a16="http://schemas.microsoft.com/office/drawing/2014/main" id="{B45FE96A-77B6-496D-8E52-9388D495AE2A}"/>
               </a:ext>
             </a:extLst>
           </p:cNvPr>
@@ -16960,7 +16960,7 @@
           <p:cNvPr id="39" name="Tijdelijke aanduiding voor verticale tekst 2">
             <a:extLst>
               <a:ext uri="{FF2B5EF4-FFF2-40B4-BE49-F238E27FC236}">
-                <a16:creationId xmlns:a16="http://schemas.microsoft.com/office/drawing/2014/main" xmlns="" id="{E7DE0271-DFDB-405B-962C-551A6C53674B}"/>
+                <a16:creationId xmlns="" xmlns:a16="http://schemas.microsoft.com/office/drawing/2014/main" id="{E7DE0271-DFDB-405B-962C-551A6C53674B}"/>
               </a:ext>
             </a:extLst>
           </p:cNvPr>
@@ -17060,7 +17060,7 @@
           <p:cNvPr id="33" name="Tijdelijke aanduiding voor grafiek 12">
             <a:extLst>
               <a:ext uri="{FF2B5EF4-FFF2-40B4-BE49-F238E27FC236}">
-                <a16:creationId xmlns:a16="http://schemas.microsoft.com/office/drawing/2014/main" xmlns="" id="{BB9DE0E2-58A3-473F-8A22-62189674A19E}"/>
+                <a16:creationId xmlns="" xmlns:a16="http://schemas.microsoft.com/office/drawing/2014/main" id="{BB9DE0E2-58A3-473F-8A22-62189674A19E}"/>
               </a:ext>
             </a:extLst>
           </p:cNvPr>
@@ -17122,7 +17122,7 @@
           <p:cNvPr id="36" name="Text Placeholder 5">
             <a:extLst>
               <a:ext uri="{FF2B5EF4-FFF2-40B4-BE49-F238E27FC236}">
-                <a16:creationId xmlns:a16="http://schemas.microsoft.com/office/drawing/2014/main" xmlns="" id="{62DD76D0-C0F2-48C6-93FC-B389F75F196D}"/>
+                <a16:creationId xmlns="" xmlns:a16="http://schemas.microsoft.com/office/drawing/2014/main" id="{62DD76D0-C0F2-48C6-93FC-B389F75F196D}"/>
               </a:ext>
             </a:extLst>
           </p:cNvPr>
@@ -17169,7 +17169,7 @@
           <p:cNvPr id="41" name="Title 1">
             <a:extLst>
               <a:ext uri="{FF2B5EF4-FFF2-40B4-BE49-F238E27FC236}">
-                <a16:creationId xmlns:a16="http://schemas.microsoft.com/office/drawing/2014/main" xmlns="" id="{8D49EC70-9316-4312-8191-3EAA7336EC2C}"/>
+                <a16:creationId xmlns="" xmlns:a16="http://schemas.microsoft.com/office/drawing/2014/main" id="{8D49EC70-9316-4312-8191-3EAA7336EC2C}"/>
               </a:ext>
             </a:extLst>
           </p:cNvPr>
@@ -17262,7 +17262,7 @@
           <p:cNvPr id="2" name="Object 1" hidden="1">
             <a:extLst>
               <a:ext uri="{FF2B5EF4-FFF2-40B4-BE49-F238E27FC236}">
-                <a16:creationId xmlns:a16="http://schemas.microsoft.com/office/drawing/2014/main" xmlns="" id="{6CD55E24-8724-45BE-B974-D7BECE5F02F0}"/>
+                <a16:creationId xmlns="" xmlns:a16="http://schemas.microsoft.com/office/drawing/2014/main" id="{6CD55E24-8724-45BE-B974-D7BECE5F02F0}"/>
               </a:ext>
             </a:extLst>
           </p:cNvPr>
@@ -17284,7 +17284,7 @@
           <a:graphicData uri="http://schemas.openxmlformats.org/presentationml/2006/ole">
             <mc:AlternateContent xmlns:mc="http://schemas.openxmlformats.org/markup-compatibility/2006">
               <mc:Choice xmlns:v="urn:schemas-microsoft-com:vml" Requires="v">
-                <p:oleObj spid="_x0000_s15374" name="think-cell Slide" r:id="rId5" imgW="592" imgH="591" progId="TCLayout.ActiveDocument.1">
+                <p:oleObj spid="_x0000_s15375" name="think-cell Slide" r:id="rId5" imgW="592" imgH="591" progId="TCLayout.ActiveDocument.1">
                   <p:embed/>
                 </p:oleObj>
               </mc:Choice>
@@ -17296,7 +17296,7 @@
                       <p:cNvPr id="2" name="Object 1" hidden="1">
                         <a:extLst>
                           <a:ext uri="{FF2B5EF4-FFF2-40B4-BE49-F238E27FC236}">
-                            <a16:creationId xmlns:a16="http://schemas.microsoft.com/office/drawing/2014/main" xmlns="" id="{6CD55E24-8724-45BE-B974-D7BECE5F02F0}"/>
+                            <a16:creationId xmlns="" xmlns:a16="http://schemas.microsoft.com/office/drawing/2014/main" id="{6CD55E24-8724-45BE-B974-D7BECE5F02F0}"/>
                           </a:ext>
                         </a:extLst>
                       </p:cNvPr>
@@ -17330,7 +17330,7 @@
           <p:cNvPr id="3" name="Rectangle 2" hidden="1">
             <a:extLst>
               <a:ext uri="{FF2B5EF4-FFF2-40B4-BE49-F238E27FC236}">
-                <a16:creationId xmlns:a16="http://schemas.microsoft.com/office/drawing/2014/main" xmlns="" id="{BE72FC09-B19D-4987-9DEB-DF43291BA08A}"/>
+                <a16:creationId xmlns="" xmlns:a16="http://schemas.microsoft.com/office/drawing/2014/main" id="{BE72FC09-B19D-4987-9DEB-DF43291BA08A}"/>
               </a:ext>
             </a:extLst>
           </p:cNvPr>
@@ -17420,7 +17420,7 @@
           <p:cNvPr id="110" name="Rounded Rectangle 7">
             <a:extLst>
               <a:ext uri="{FF2B5EF4-FFF2-40B4-BE49-F238E27FC236}">
-                <a16:creationId xmlns:a16="http://schemas.microsoft.com/office/drawing/2014/main" xmlns="" id="{49206924-63C7-439B-893E-2E5FD11B707B}"/>
+                <a16:creationId xmlns="" xmlns:a16="http://schemas.microsoft.com/office/drawing/2014/main" id="{49206924-63C7-439B-893E-2E5FD11B707B}"/>
               </a:ext>
             </a:extLst>
           </p:cNvPr>
@@ -17474,7 +17474,7 @@
           <p:cNvPr id="115" name="Tijdelijke aanduiding voor tabel 8">
             <a:extLst>
               <a:ext uri="{FF2B5EF4-FFF2-40B4-BE49-F238E27FC236}">
-                <a16:creationId xmlns:a16="http://schemas.microsoft.com/office/drawing/2014/main" xmlns="" id="{D7192F76-CAF5-4904-A7A0-A7863AE932E7}"/>
+                <a16:creationId xmlns="" xmlns:a16="http://schemas.microsoft.com/office/drawing/2014/main" id="{D7192F76-CAF5-4904-A7A0-A7863AE932E7}"/>
               </a:ext>
             </a:extLst>
           </p:cNvPr>
@@ -17559,7 +17559,7 @@
           <p:cNvPr id="11" name="Tijdelijke aanduiding voor verticale tekst 2">
             <a:extLst>
               <a:ext uri="{FF2B5EF4-FFF2-40B4-BE49-F238E27FC236}">
-                <a16:creationId xmlns:a16="http://schemas.microsoft.com/office/drawing/2014/main" xmlns="" id="{19BF5391-E6C8-40CF-83A1-0977EE1BBA72}"/>
+                <a16:creationId xmlns="" xmlns:a16="http://schemas.microsoft.com/office/drawing/2014/main" id="{19BF5391-E6C8-40CF-83A1-0977EE1BBA72}"/>
               </a:ext>
             </a:extLst>
           </p:cNvPr>
@@ -17659,7 +17659,7 @@
           <p:cNvPr id="12" name="Picture 10">
             <a:extLst>
               <a:ext uri="{FF2B5EF4-FFF2-40B4-BE49-F238E27FC236}">
-                <a16:creationId xmlns:a16="http://schemas.microsoft.com/office/drawing/2014/main" xmlns="" id="{7F746EC4-8E60-4587-84EE-341D28A66AAA}"/>
+                <a16:creationId xmlns="" xmlns:a16="http://schemas.microsoft.com/office/drawing/2014/main" id="{7F746EC4-8E60-4587-84EE-341D28A66AAA}"/>
               </a:ext>
             </a:extLst>
           </p:cNvPr>
@@ -17695,7 +17695,7 @@
           <p:cNvPr id="15" name="Text Placeholder 5">
             <a:extLst>
               <a:ext uri="{FF2B5EF4-FFF2-40B4-BE49-F238E27FC236}">
-                <a16:creationId xmlns:a16="http://schemas.microsoft.com/office/drawing/2014/main" xmlns="" id="{008A424E-4058-487D-BA60-2829146CF164}"/>
+                <a16:creationId xmlns="" xmlns:a16="http://schemas.microsoft.com/office/drawing/2014/main" id="{008A424E-4058-487D-BA60-2829146CF164}"/>
               </a:ext>
             </a:extLst>
           </p:cNvPr>
@@ -17742,7 +17742,7 @@
           <p:cNvPr id="18" name="Title 1">
             <a:extLst>
               <a:ext uri="{FF2B5EF4-FFF2-40B4-BE49-F238E27FC236}">
-                <a16:creationId xmlns:a16="http://schemas.microsoft.com/office/drawing/2014/main" xmlns="" id="{62A48196-FA4A-42EA-B13D-FE332DC4363B}"/>
+                <a16:creationId xmlns="" xmlns:a16="http://schemas.microsoft.com/office/drawing/2014/main" id="{62A48196-FA4A-42EA-B13D-FE332DC4363B}"/>
               </a:ext>
             </a:extLst>
           </p:cNvPr>
@@ -17835,7 +17835,7 @@
           <p:cNvPr id="2" name="Object 1" hidden="1">
             <a:extLst>
               <a:ext uri="{FF2B5EF4-FFF2-40B4-BE49-F238E27FC236}">
-                <a16:creationId xmlns:a16="http://schemas.microsoft.com/office/drawing/2014/main" xmlns="" id="{6CD55E24-8724-45BE-B974-D7BECE5F02F0}"/>
+                <a16:creationId xmlns="" xmlns:a16="http://schemas.microsoft.com/office/drawing/2014/main" id="{6CD55E24-8724-45BE-B974-D7BECE5F02F0}"/>
               </a:ext>
             </a:extLst>
           </p:cNvPr>
@@ -17857,7 +17857,7 @@
           <a:graphicData uri="http://schemas.openxmlformats.org/presentationml/2006/ole">
             <mc:AlternateContent xmlns:mc="http://schemas.openxmlformats.org/markup-compatibility/2006">
               <mc:Choice xmlns:v="urn:schemas-microsoft-com:vml" Requires="v">
-                <p:oleObj spid="_x0000_s16398" name="think-cell Slide" r:id="rId5" imgW="592" imgH="591" progId="TCLayout.ActiveDocument.1">
+                <p:oleObj spid="_x0000_s16399" name="think-cell Slide" r:id="rId5" imgW="592" imgH="591" progId="TCLayout.ActiveDocument.1">
                   <p:embed/>
                 </p:oleObj>
               </mc:Choice>
@@ -17869,7 +17869,7 @@
                       <p:cNvPr id="2" name="Object 1" hidden="1">
                         <a:extLst>
                           <a:ext uri="{FF2B5EF4-FFF2-40B4-BE49-F238E27FC236}">
-                            <a16:creationId xmlns:a16="http://schemas.microsoft.com/office/drawing/2014/main" xmlns="" id="{6CD55E24-8724-45BE-B974-D7BECE5F02F0}"/>
+                            <a16:creationId xmlns="" xmlns:a16="http://schemas.microsoft.com/office/drawing/2014/main" id="{6CD55E24-8724-45BE-B974-D7BECE5F02F0}"/>
                           </a:ext>
                         </a:extLst>
                       </p:cNvPr>
@@ -17903,7 +17903,7 @@
           <p:cNvPr id="3" name="Rectangle 2" hidden="1">
             <a:extLst>
               <a:ext uri="{FF2B5EF4-FFF2-40B4-BE49-F238E27FC236}">
-                <a16:creationId xmlns:a16="http://schemas.microsoft.com/office/drawing/2014/main" xmlns="" id="{13C6ECE0-EA6A-4C59-BCA6-D23468C6A5D4}"/>
+                <a16:creationId xmlns="" xmlns:a16="http://schemas.microsoft.com/office/drawing/2014/main" id="{13C6ECE0-EA6A-4C59-BCA6-D23468C6A5D4}"/>
               </a:ext>
             </a:extLst>
           </p:cNvPr>
@@ -17993,7 +17993,7 @@
           <p:cNvPr id="110" name="Rounded Rectangle 7">
             <a:extLst>
               <a:ext uri="{FF2B5EF4-FFF2-40B4-BE49-F238E27FC236}">
-                <a16:creationId xmlns:a16="http://schemas.microsoft.com/office/drawing/2014/main" xmlns="" id="{49206924-63C7-439B-893E-2E5FD11B707B}"/>
+                <a16:creationId xmlns="" xmlns:a16="http://schemas.microsoft.com/office/drawing/2014/main" id="{49206924-63C7-439B-893E-2E5FD11B707B}"/>
               </a:ext>
             </a:extLst>
           </p:cNvPr>
@@ -18047,7 +18047,7 @@
           <p:cNvPr id="115" name="Tijdelijke aanduiding voor tabel 8">
             <a:extLst>
               <a:ext uri="{FF2B5EF4-FFF2-40B4-BE49-F238E27FC236}">
-                <a16:creationId xmlns:a16="http://schemas.microsoft.com/office/drawing/2014/main" xmlns="" id="{D7192F76-CAF5-4904-A7A0-A7863AE932E7}"/>
+                <a16:creationId xmlns="" xmlns:a16="http://schemas.microsoft.com/office/drawing/2014/main" id="{D7192F76-CAF5-4904-A7A0-A7863AE932E7}"/>
               </a:ext>
             </a:extLst>
           </p:cNvPr>
@@ -18132,7 +18132,7 @@
           <p:cNvPr id="11" name="Tijdelijke aanduiding voor verticale tekst 2">
             <a:extLst>
               <a:ext uri="{FF2B5EF4-FFF2-40B4-BE49-F238E27FC236}">
-                <a16:creationId xmlns:a16="http://schemas.microsoft.com/office/drawing/2014/main" xmlns="" id="{19BF5391-E6C8-40CF-83A1-0977EE1BBA72}"/>
+                <a16:creationId xmlns="" xmlns:a16="http://schemas.microsoft.com/office/drawing/2014/main" id="{19BF5391-E6C8-40CF-83A1-0977EE1BBA72}"/>
               </a:ext>
             </a:extLst>
           </p:cNvPr>
@@ -18232,7 +18232,7 @@
           <p:cNvPr id="10" name="Picture 10">
             <a:extLst>
               <a:ext uri="{FF2B5EF4-FFF2-40B4-BE49-F238E27FC236}">
-                <a16:creationId xmlns:a16="http://schemas.microsoft.com/office/drawing/2014/main" xmlns="" id="{A5720880-F413-4FBC-9D10-8C89F4FC02EA}"/>
+                <a16:creationId xmlns="" xmlns:a16="http://schemas.microsoft.com/office/drawing/2014/main" id="{A5720880-F413-4FBC-9D10-8C89F4FC02EA}"/>
               </a:ext>
             </a:extLst>
           </p:cNvPr>
@@ -18268,7 +18268,7 @@
           <p:cNvPr id="15" name="Text Placeholder 5">
             <a:extLst>
               <a:ext uri="{FF2B5EF4-FFF2-40B4-BE49-F238E27FC236}">
-                <a16:creationId xmlns:a16="http://schemas.microsoft.com/office/drawing/2014/main" xmlns="" id="{643E6399-10A6-4BBE-AB30-0A396724680A}"/>
+                <a16:creationId xmlns="" xmlns:a16="http://schemas.microsoft.com/office/drawing/2014/main" id="{643E6399-10A6-4BBE-AB30-0A396724680A}"/>
               </a:ext>
             </a:extLst>
           </p:cNvPr>
@@ -18315,7 +18315,7 @@
           <p:cNvPr id="17" name="Title 1">
             <a:extLst>
               <a:ext uri="{FF2B5EF4-FFF2-40B4-BE49-F238E27FC236}">
-                <a16:creationId xmlns:a16="http://schemas.microsoft.com/office/drawing/2014/main" xmlns="" id="{CFC2EC18-1E37-464F-9370-B0F9135BAC1F}"/>
+                <a16:creationId xmlns="" xmlns:a16="http://schemas.microsoft.com/office/drawing/2014/main" id="{CFC2EC18-1E37-464F-9370-B0F9135BAC1F}"/>
               </a:ext>
             </a:extLst>
           </p:cNvPr>
@@ -18408,7 +18408,7 @@
           <p:cNvPr id="3" name="Object 2" hidden="1">
             <a:extLst>
               <a:ext uri="{FF2B5EF4-FFF2-40B4-BE49-F238E27FC236}">
-                <a16:creationId xmlns:a16="http://schemas.microsoft.com/office/drawing/2014/main" xmlns="" id="{56A6B907-2844-477B-B0F6-CE91006D9231}"/>
+                <a16:creationId xmlns="" xmlns:a16="http://schemas.microsoft.com/office/drawing/2014/main" id="{56A6B907-2844-477B-B0F6-CE91006D9231}"/>
               </a:ext>
             </a:extLst>
           </p:cNvPr>
@@ -18430,7 +18430,7 @@
           <a:graphicData uri="http://schemas.openxmlformats.org/presentationml/2006/ole">
             <mc:AlternateContent xmlns:mc="http://schemas.openxmlformats.org/markup-compatibility/2006">
               <mc:Choice xmlns:v="urn:schemas-microsoft-com:vml" Requires="v">
-                <p:oleObj spid="_x0000_s17422" name="think-cell Slide" r:id="rId5" imgW="592" imgH="591" progId="TCLayout.ActiveDocument.1">
+                <p:oleObj spid="_x0000_s17423" name="think-cell Slide" r:id="rId5" imgW="592" imgH="591" progId="TCLayout.ActiveDocument.1">
                   <p:embed/>
                 </p:oleObj>
               </mc:Choice>
@@ -18442,7 +18442,7 @@
                       <p:cNvPr id="3" name="Object 2" hidden="1">
                         <a:extLst>
                           <a:ext uri="{FF2B5EF4-FFF2-40B4-BE49-F238E27FC236}">
-                            <a16:creationId xmlns:a16="http://schemas.microsoft.com/office/drawing/2014/main" xmlns="" id="{56A6B907-2844-477B-B0F6-CE91006D9231}"/>
+                            <a16:creationId xmlns="" xmlns:a16="http://schemas.microsoft.com/office/drawing/2014/main" id="{56A6B907-2844-477B-B0F6-CE91006D9231}"/>
                           </a:ext>
                         </a:extLst>
                       </p:cNvPr>
@@ -18476,7 +18476,7 @@
           <p:cNvPr id="2" name="Rectangle 1" hidden="1">
             <a:extLst>
               <a:ext uri="{FF2B5EF4-FFF2-40B4-BE49-F238E27FC236}">
-                <a16:creationId xmlns:a16="http://schemas.microsoft.com/office/drawing/2014/main" xmlns="" id="{D2BF0DAF-60D2-4E00-9D7D-19BEC7E09B6F}"/>
+                <a16:creationId xmlns="" xmlns:a16="http://schemas.microsoft.com/office/drawing/2014/main" id="{D2BF0DAF-60D2-4E00-9D7D-19BEC7E09B6F}"/>
               </a:ext>
             </a:extLst>
           </p:cNvPr>
@@ -18566,7 +18566,7 @@
           <p:cNvPr id="107" name="Ovaal 106">
             <a:extLst>
               <a:ext uri="{FF2B5EF4-FFF2-40B4-BE49-F238E27FC236}">
-                <a16:creationId xmlns:a16="http://schemas.microsoft.com/office/drawing/2014/main" xmlns="" id="{373626ED-5C29-4711-8E42-3F8432F0CEFD}"/>
+                <a16:creationId xmlns="" xmlns:a16="http://schemas.microsoft.com/office/drawing/2014/main" id="{373626ED-5C29-4711-8E42-3F8432F0CEFD}"/>
               </a:ext>
             </a:extLst>
           </p:cNvPr>
@@ -18616,7 +18616,7 @@
           <p:cNvPr id="111" name="Tijdelijke aanduiding voor tekst 13">
             <a:extLst>
               <a:ext uri="{FF2B5EF4-FFF2-40B4-BE49-F238E27FC236}">
-                <a16:creationId xmlns:a16="http://schemas.microsoft.com/office/drawing/2014/main" xmlns="" id="{273D64F0-578E-4A43-A1D7-BB30597F34E8}"/>
+                <a16:creationId xmlns="" xmlns:a16="http://schemas.microsoft.com/office/drawing/2014/main" id="{273D64F0-578E-4A43-A1D7-BB30597F34E8}"/>
               </a:ext>
             </a:extLst>
           </p:cNvPr>
@@ -18672,7 +18672,7 @@
           <p:cNvPr id="112" name="Tijdelijke aanduiding voor tabel 8">
             <a:extLst>
               <a:ext uri="{FF2B5EF4-FFF2-40B4-BE49-F238E27FC236}">
-                <a16:creationId xmlns:a16="http://schemas.microsoft.com/office/drawing/2014/main" xmlns="" id="{F92D02E3-3F87-4550-9BBA-BA5F4CBCE7AF}"/>
+                <a16:creationId xmlns="" xmlns:a16="http://schemas.microsoft.com/office/drawing/2014/main" id="{F92D02E3-3F87-4550-9BBA-BA5F4CBCE7AF}"/>
               </a:ext>
             </a:extLst>
           </p:cNvPr>
@@ -18730,7 +18730,7 @@
           <p:cNvPr id="114" name="Picture 30">
             <a:extLst>
               <a:ext uri="{FF2B5EF4-FFF2-40B4-BE49-F238E27FC236}">
-                <a16:creationId xmlns:a16="http://schemas.microsoft.com/office/drawing/2014/main" xmlns="" id="{435A6C5E-99F0-4722-A349-21A058831E47}"/>
+                <a16:creationId xmlns="" xmlns:a16="http://schemas.microsoft.com/office/drawing/2014/main" id="{435A6C5E-99F0-4722-A349-21A058831E47}"/>
               </a:ext>
             </a:extLst>
           </p:cNvPr>
@@ -18793,7 +18793,7 @@
           <p:cNvPr id="16" name="Text Placeholder 5">
             <a:extLst>
               <a:ext uri="{FF2B5EF4-FFF2-40B4-BE49-F238E27FC236}">
-                <a16:creationId xmlns:a16="http://schemas.microsoft.com/office/drawing/2014/main" xmlns="" id="{B5A6B3C0-0DC0-44B3-A0CC-F3D0D53250B5}"/>
+                <a16:creationId xmlns="" xmlns:a16="http://schemas.microsoft.com/office/drawing/2014/main" id="{B5A6B3C0-0DC0-44B3-A0CC-F3D0D53250B5}"/>
               </a:ext>
             </a:extLst>
           </p:cNvPr>
@@ -18840,7 +18840,7 @@
           <p:cNvPr id="17" name="Title 1">
             <a:extLst>
               <a:ext uri="{FF2B5EF4-FFF2-40B4-BE49-F238E27FC236}">
-                <a16:creationId xmlns:a16="http://schemas.microsoft.com/office/drawing/2014/main" xmlns="" id="{4371381D-3652-4CCB-84FD-EB89354DEAF9}"/>
+                <a16:creationId xmlns="" xmlns:a16="http://schemas.microsoft.com/office/drawing/2014/main" id="{4371381D-3652-4CCB-84FD-EB89354DEAF9}"/>
               </a:ext>
             </a:extLst>
           </p:cNvPr>
@@ -18933,7 +18933,7 @@
           <p:cNvPr id="10" name="Rechthoek 9">
             <a:extLst>
               <a:ext uri="{FF2B5EF4-FFF2-40B4-BE49-F238E27FC236}">
-                <a16:creationId xmlns:a16="http://schemas.microsoft.com/office/drawing/2014/main" xmlns="" id="{9935F8CA-499D-47FB-B397-D396B22DA376}"/>
+                <a16:creationId xmlns="" xmlns:a16="http://schemas.microsoft.com/office/drawing/2014/main" id="{9935F8CA-499D-47FB-B397-D396B22DA376}"/>
               </a:ext>
             </a:extLst>
           </p:cNvPr>
@@ -18985,7 +18985,7 @@
           <p:cNvPr id="59" name="Picture 3">
             <a:extLst>
               <a:ext uri="{FF2B5EF4-FFF2-40B4-BE49-F238E27FC236}">
-                <a16:creationId xmlns:a16="http://schemas.microsoft.com/office/drawing/2014/main" xmlns="" id="{F79F39C3-0BCE-4BAE-A43F-EAA2E8256780}"/>
+                <a16:creationId xmlns="" xmlns:a16="http://schemas.microsoft.com/office/drawing/2014/main" id="{F79F39C3-0BCE-4BAE-A43F-EAA2E8256780}"/>
               </a:ext>
             </a:extLst>
           </p:cNvPr>
@@ -19046,7 +19046,7 @@
           <p:cNvPr id="12" name="Tijdelijke aanduiding voor afbeelding 8">
             <a:extLst>
               <a:ext uri="{FF2B5EF4-FFF2-40B4-BE49-F238E27FC236}">
-                <a16:creationId xmlns:a16="http://schemas.microsoft.com/office/drawing/2014/main" xmlns="" id="{DB2C018A-2135-42FD-B1B3-1AD24846299D}"/>
+                <a16:creationId xmlns="" xmlns:a16="http://schemas.microsoft.com/office/drawing/2014/main" id="{DB2C018A-2135-42FD-B1B3-1AD24846299D}"/>
               </a:ext>
             </a:extLst>
           </p:cNvPr>
@@ -19136,7 +19136,7 @@
           <p:cNvPr id="14" name="Tijdelijke aanduiding voor tekst 13">
             <a:extLst>
               <a:ext uri="{FF2B5EF4-FFF2-40B4-BE49-F238E27FC236}">
-                <a16:creationId xmlns:a16="http://schemas.microsoft.com/office/drawing/2014/main" xmlns="" id="{F16003CA-C211-4E25-930F-7506678492E4}"/>
+                <a16:creationId xmlns="" xmlns:a16="http://schemas.microsoft.com/office/drawing/2014/main" id="{F16003CA-C211-4E25-930F-7506678492E4}"/>
               </a:ext>
             </a:extLst>
           </p:cNvPr>
@@ -19192,7 +19192,7 @@
           <p:cNvPr id="133" name="Picture 17">
             <a:extLst>
               <a:ext uri="{FF2B5EF4-FFF2-40B4-BE49-F238E27FC236}">
-                <a16:creationId xmlns:a16="http://schemas.microsoft.com/office/drawing/2014/main" xmlns="" id="{09B21A57-EAC1-478B-A7C4-1BC7EA7F6AC3}"/>
+                <a16:creationId xmlns="" xmlns:a16="http://schemas.microsoft.com/office/drawing/2014/main" id="{09B21A57-EAC1-478B-A7C4-1BC7EA7F6AC3}"/>
               </a:ext>
             </a:extLst>
           </p:cNvPr>
@@ -19285,7 +19285,7 @@
           <p:cNvPr id="10" name="Rechthoek 9">
             <a:extLst>
               <a:ext uri="{FF2B5EF4-FFF2-40B4-BE49-F238E27FC236}">
-                <a16:creationId xmlns:a16="http://schemas.microsoft.com/office/drawing/2014/main" xmlns="" id="{9935F8CA-499D-47FB-B397-D396B22DA376}"/>
+                <a16:creationId xmlns="" xmlns:a16="http://schemas.microsoft.com/office/drawing/2014/main" id="{9935F8CA-499D-47FB-B397-D396B22DA376}"/>
               </a:ext>
             </a:extLst>
           </p:cNvPr>
@@ -19337,7 +19337,7 @@
           <p:cNvPr id="59" name="Picture 3">
             <a:extLst>
               <a:ext uri="{FF2B5EF4-FFF2-40B4-BE49-F238E27FC236}">
-                <a16:creationId xmlns:a16="http://schemas.microsoft.com/office/drawing/2014/main" xmlns="" id="{F79F39C3-0BCE-4BAE-A43F-EAA2E8256780}"/>
+                <a16:creationId xmlns="" xmlns:a16="http://schemas.microsoft.com/office/drawing/2014/main" id="{F79F39C3-0BCE-4BAE-A43F-EAA2E8256780}"/>
               </a:ext>
             </a:extLst>
           </p:cNvPr>
@@ -19395,7 +19395,7 @@
           <p:cNvPr id="133" name="Picture 17">
             <a:extLst>
               <a:ext uri="{FF2B5EF4-FFF2-40B4-BE49-F238E27FC236}">
-                <a16:creationId xmlns:a16="http://schemas.microsoft.com/office/drawing/2014/main" xmlns="" id="{877905F9-4CCB-48C2-9FB3-9D0B2C81F2E9}"/>
+                <a16:creationId xmlns="" xmlns:a16="http://schemas.microsoft.com/office/drawing/2014/main" id="{877905F9-4CCB-48C2-9FB3-9D0B2C81F2E9}"/>
               </a:ext>
             </a:extLst>
           </p:cNvPr>
@@ -19431,7 +19431,7 @@
           <p:cNvPr id="13" name="Tijdelijke aanduiding voor afbeelding 8">
             <a:extLst>
               <a:ext uri="{FF2B5EF4-FFF2-40B4-BE49-F238E27FC236}">
-                <a16:creationId xmlns:a16="http://schemas.microsoft.com/office/drawing/2014/main" xmlns="" id="{D5848E48-1D76-4892-9652-12FAF2F234FB}"/>
+                <a16:creationId xmlns="" xmlns:a16="http://schemas.microsoft.com/office/drawing/2014/main" id="{D5848E48-1D76-4892-9652-12FAF2F234FB}"/>
               </a:ext>
             </a:extLst>
           </p:cNvPr>
@@ -19521,7 +19521,7 @@
           <p:cNvPr id="12" name="Tijdelijke aanduiding voor tekst 13">
             <a:extLst>
               <a:ext uri="{FF2B5EF4-FFF2-40B4-BE49-F238E27FC236}">
-                <a16:creationId xmlns:a16="http://schemas.microsoft.com/office/drawing/2014/main" xmlns="" id="{F16003CA-C211-4E25-930F-7506678492E4}"/>
+                <a16:creationId xmlns="" xmlns:a16="http://schemas.microsoft.com/office/drawing/2014/main" id="{F16003CA-C211-4E25-930F-7506678492E4}"/>
               </a:ext>
             </a:extLst>
           </p:cNvPr>
@@ -19954,7 +19954,7 @@
           <p:cNvPr id="10" name="Rechthoek 9">
             <a:extLst>
               <a:ext uri="{FF2B5EF4-FFF2-40B4-BE49-F238E27FC236}">
-                <a16:creationId xmlns:a16="http://schemas.microsoft.com/office/drawing/2014/main" xmlns="" id="{9935F8CA-499D-47FB-B397-D396B22DA376}"/>
+                <a16:creationId xmlns="" xmlns:a16="http://schemas.microsoft.com/office/drawing/2014/main" id="{9935F8CA-499D-47FB-B397-D396B22DA376}"/>
               </a:ext>
             </a:extLst>
           </p:cNvPr>
@@ -20006,7 +20006,7 @@
           <p:cNvPr id="59" name="Picture 3">
             <a:extLst>
               <a:ext uri="{FF2B5EF4-FFF2-40B4-BE49-F238E27FC236}">
-                <a16:creationId xmlns:a16="http://schemas.microsoft.com/office/drawing/2014/main" xmlns="" id="{F79F39C3-0BCE-4BAE-A43F-EAA2E8256780}"/>
+                <a16:creationId xmlns="" xmlns:a16="http://schemas.microsoft.com/office/drawing/2014/main" id="{F79F39C3-0BCE-4BAE-A43F-EAA2E8256780}"/>
               </a:ext>
             </a:extLst>
           </p:cNvPr>
@@ -20067,7 +20067,7 @@
           <p:cNvPr id="133" name="Picture 17">
             <a:extLst>
               <a:ext uri="{FF2B5EF4-FFF2-40B4-BE49-F238E27FC236}">
-                <a16:creationId xmlns:a16="http://schemas.microsoft.com/office/drawing/2014/main" xmlns="" id="{0ACA17D8-971C-4CDE-AC38-A78A01F24518}"/>
+                <a16:creationId xmlns="" xmlns:a16="http://schemas.microsoft.com/office/drawing/2014/main" id="{0ACA17D8-971C-4CDE-AC38-A78A01F24518}"/>
               </a:ext>
             </a:extLst>
           </p:cNvPr>
@@ -20103,7 +20103,7 @@
           <p:cNvPr id="13" name="Tijdelijke aanduiding voor afbeelding 8">
             <a:extLst>
               <a:ext uri="{FF2B5EF4-FFF2-40B4-BE49-F238E27FC236}">
-                <a16:creationId xmlns:a16="http://schemas.microsoft.com/office/drawing/2014/main" xmlns="" id="{B6A49145-E83E-4B8D-BDA0-4A69D8E3AA3B}"/>
+                <a16:creationId xmlns="" xmlns:a16="http://schemas.microsoft.com/office/drawing/2014/main" id="{B6A49145-E83E-4B8D-BDA0-4A69D8E3AA3B}"/>
               </a:ext>
             </a:extLst>
           </p:cNvPr>
@@ -20193,7 +20193,7 @@
           <p:cNvPr id="12" name="Tijdelijke aanduiding voor tekst 13">
             <a:extLst>
               <a:ext uri="{FF2B5EF4-FFF2-40B4-BE49-F238E27FC236}">
-                <a16:creationId xmlns:a16="http://schemas.microsoft.com/office/drawing/2014/main" xmlns="" id="{F16003CA-C211-4E25-930F-7506678492E4}"/>
+                <a16:creationId xmlns="" xmlns:a16="http://schemas.microsoft.com/office/drawing/2014/main" id="{F16003CA-C211-4E25-930F-7506678492E4}"/>
               </a:ext>
             </a:extLst>
           </p:cNvPr>
@@ -20306,7 +20306,7 @@
           <p:cNvPr id="10" name="Rechthoek 9">
             <a:extLst>
               <a:ext uri="{FF2B5EF4-FFF2-40B4-BE49-F238E27FC236}">
-                <a16:creationId xmlns:a16="http://schemas.microsoft.com/office/drawing/2014/main" xmlns="" id="{9935F8CA-499D-47FB-B397-D396B22DA376}"/>
+                <a16:creationId xmlns="" xmlns:a16="http://schemas.microsoft.com/office/drawing/2014/main" id="{9935F8CA-499D-47FB-B397-D396B22DA376}"/>
               </a:ext>
             </a:extLst>
           </p:cNvPr>
@@ -20358,7 +20358,7 @@
           <p:cNvPr id="59" name="Picture 3">
             <a:extLst>
               <a:ext uri="{FF2B5EF4-FFF2-40B4-BE49-F238E27FC236}">
-                <a16:creationId xmlns:a16="http://schemas.microsoft.com/office/drawing/2014/main" xmlns="" id="{F79F39C3-0BCE-4BAE-A43F-EAA2E8256780}"/>
+                <a16:creationId xmlns="" xmlns:a16="http://schemas.microsoft.com/office/drawing/2014/main" id="{F79F39C3-0BCE-4BAE-A43F-EAA2E8256780}"/>
               </a:ext>
             </a:extLst>
           </p:cNvPr>
@@ -20425,7 +20425,7 @@
           <p:cNvPr id="133" name="Picture 17">
             <a:extLst>
               <a:ext uri="{FF2B5EF4-FFF2-40B4-BE49-F238E27FC236}">
-                <a16:creationId xmlns:a16="http://schemas.microsoft.com/office/drawing/2014/main" xmlns="" id="{733AED8E-BA39-4FB6-A8A2-E2CC82B97364}"/>
+                <a16:creationId xmlns="" xmlns:a16="http://schemas.microsoft.com/office/drawing/2014/main" id="{733AED8E-BA39-4FB6-A8A2-E2CC82B97364}"/>
               </a:ext>
             </a:extLst>
           </p:cNvPr>
@@ -20461,7 +20461,7 @@
           <p:cNvPr id="13" name="Tijdelijke aanduiding voor afbeelding 8">
             <a:extLst>
               <a:ext uri="{FF2B5EF4-FFF2-40B4-BE49-F238E27FC236}">
-                <a16:creationId xmlns:a16="http://schemas.microsoft.com/office/drawing/2014/main" xmlns="" id="{AF2ED82E-0474-4E9D-AB24-A1212E27D1E4}"/>
+                <a16:creationId xmlns="" xmlns:a16="http://schemas.microsoft.com/office/drawing/2014/main" id="{AF2ED82E-0474-4E9D-AB24-A1212E27D1E4}"/>
               </a:ext>
             </a:extLst>
           </p:cNvPr>
@@ -20551,7 +20551,7 @@
           <p:cNvPr id="12" name="Tijdelijke aanduiding voor tekst 13">
             <a:extLst>
               <a:ext uri="{FF2B5EF4-FFF2-40B4-BE49-F238E27FC236}">
-                <a16:creationId xmlns:a16="http://schemas.microsoft.com/office/drawing/2014/main" xmlns="" id="{F16003CA-C211-4E25-930F-7506678492E4}"/>
+                <a16:creationId xmlns="" xmlns:a16="http://schemas.microsoft.com/office/drawing/2014/main" id="{F16003CA-C211-4E25-930F-7506678492E4}"/>
               </a:ext>
             </a:extLst>
           </p:cNvPr>
@@ -20664,7 +20664,7 @@
           <p:cNvPr id="12" name="Tijdelijke aanduiding voor afbeelding 8">
             <a:extLst>
               <a:ext uri="{FF2B5EF4-FFF2-40B4-BE49-F238E27FC236}">
-                <a16:creationId xmlns:a16="http://schemas.microsoft.com/office/drawing/2014/main" xmlns="" id="{DB2C018A-2135-42FD-B1B3-1AD24846299D}"/>
+                <a16:creationId xmlns="" xmlns:a16="http://schemas.microsoft.com/office/drawing/2014/main" id="{DB2C018A-2135-42FD-B1B3-1AD24846299D}"/>
               </a:ext>
             </a:extLst>
           </p:cNvPr>
@@ -20724,7 +20724,7 @@
           <p:cNvPr id="16" name="Tijdelijke aanduiding voor tekst 13">
             <a:extLst>
               <a:ext uri="{FF2B5EF4-FFF2-40B4-BE49-F238E27FC236}">
-                <a16:creationId xmlns:a16="http://schemas.microsoft.com/office/drawing/2014/main" xmlns="" id="{195DE720-32C9-4CFD-AE8E-8CCF7889C2E7}"/>
+                <a16:creationId xmlns="" xmlns:a16="http://schemas.microsoft.com/office/drawing/2014/main" id="{195DE720-32C9-4CFD-AE8E-8CCF7889C2E7}"/>
               </a:ext>
             </a:extLst>
           </p:cNvPr>
@@ -20822,7 +20822,7 @@
           <p:cNvPr id="14" name="Tijdelijke aanduiding voor tekst 13">
             <a:extLst>
               <a:ext uri="{FF2B5EF4-FFF2-40B4-BE49-F238E27FC236}">
-                <a16:creationId xmlns:a16="http://schemas.microsoft.com/office/drawing/2014/main" xmlns="" id="{F16003CA-C211-4E25-930F-7506678492E4}"/>
+                <a16:creationId xmlns="" xmlns:a16="http://schemas.microsoft.com/office/drawing/2014/main" id="{F16003CA-C211-4E25-930F-7506678492E4}"/>
               </a:ext>
             </a:extLst>
           </p:cNvPr>
@@ -20890,7 +20890,7 @@
           <p:cNvPr id="21" name="Tijdelijke aanduiding voor tekst 13">
             <a:extLst>
               <a:ext uri="{FF2B5EF4-FFF2-40B4-BE49-F238E27FC236}">
-                <a16:creationId xmlns:a16="http://schemas.microsoft.com/office/drawing/2014/main" xmlns="" id="{B5D50386-124C-4DC4-8936-0422F8603D22}"/>
+                <a16:creationId xmlns="" xmlns:a16="http://schemas.microsoft.com/office/drawing/2014/main" id="{B5D50386-124C-4DC4-8936-0422F8603D22}"/>
               </a:ext>
             </a:extLst>
           </p:cNvPr>
@@ -20953,7 +20953,7 @@
           <p:cNvPr id="22" name="Tijdelijke aanduiding voor tekst 13">
             <a:extLst>
               <a:ext uri="{FF2B5EF4-FFF2-40B4-BE49-F238E27FC236}">
-                <a16:creationId xmlns:a16="http://schemas.microsoft.com/office/drawing/2014/main" xmlns="" id="{CE269618-05A1-4694-9DC1-BCCCA32087A7}"/>
+                <a16:creationId xmlns="" xmlns:a16="http://schemas.microsoft.com/office/drawing/2014/main" id="{CE269618-05A1-4694-9DC1-BCCCA32087A7}"/>
               </a:ext>
             </a:extLst>
           </p:cNvPr>
@@ -21006,7 +21006,7 @@
           <p:cNvPr id="26" name="Titel 5">
             <a:extLst>
               <a:ext uri="{FF2B5EF4-FFF2-40B4-BE49-F238E27FC236}">
-                <a16:creationId xmlns:a16="http://schemas.microsoft.com/office/drawing/2014/main" xmlns="" id="{9B265A4B-6BD7-4DB1-A51C-DB34429087AA}"/>
+                <a16:creationId xmlns="" xmlns:a16="http://schemas.microsoft.com/office/drawing/2014/main" id="{9B265A4B-6BD7-4DB1-A51C-DB34429087AA}"/>
               </a:ext>
             </a:extLst>
           </p:cNvPr>
@@ -21069,7 +21069,7 @@
           <p:cNvPr id="27" name="Tijdelijke aanduiding voor tekst 13">
             <a:extLst>
               <a:ext uri="{FF2B5EF4-FFF2-40B4-BE49-F238E27FC236}">
-                <a16:creationId xmlns:a16="http://schemas.microsoft.com/office/drawing/2014/main" xmlns="" id="{CBA54B9D-96C5-4739-8FEA-D49FD5340F3F}"/>
+                <a16:creationId xmlns="" xmlns:a16="http://schemas.microsoft.com/office/drawing/2014/main" id="{CBA54B9D-96C5-4739-8FEA-D49FD5340F3F}"/>
               </a:ext>
             </a:extLst>
           </p:cNvPr>
@@ -21140,7 +21140,7 @@
           <p:cNvPr id="103" name="Tijdelijke aanduiding voor tekst 13">
             <a:extLst>
               <a:ext uri="{FF2B5EF4-FFF2-40B4-BE49-F238E27FC236}">
-                <a16:creationId xmlns:a16="http://schemas.microsoft.com/office/drawing/2014/main" xmlns="" id="{481F00D0-9193-4352-9210-C36CC748253D}"/>
+                <a16:creationId xmlns="" xmlns:a16="http://schemas.microsoft.com/office/drawing/2014/main" id="{481F00D0-9193-4352-9210-C36CC748253D}"/>
               </a:ext>
             </a:extLst>
           </p:cNvPr>
@@ -21197,7 +21197,7 @@
           <p:cNvPr id="104" name="Tijdelijke aanduiding voor tekst 13">
             <a:extLst>
               <a:ext uri="{FF2B5EF4-FFF2-40B4-BE49-F238E27FC236}">
-                <a16:creationId xmlns:a16="http://schemas.microsoft.com/office/drawing/2014/main" xmlns="" id="{A0DCC1D8-6CD9-438A-8279-FC390BB04AFC}"/>
+                <a16:creationId xmlns="" xmlns:a16="http://schemas.microsoft.com/office/drawing/2014/main" id="{A0DCC1D8-6CD9-438A-8279-FC390BB04AFC}"/>
               </a:ext>
             </a:extLst>
           </p:cNvPr>
@@ -21284,7 +21284,7 @@
           <p:cNvPr id="12" name="Tijdelijke aanduiding voor afbeelding 8">
             <a:extLst>
               <a:ext uri="{FF2B5EF4-FFF2-40B4-BE49-F238E27FC236}">
-                <a16:creationId xmlns:a16="http://schemas.microsoft.com/office/drawing/2014/main" xmlns="" id="{DB2C018A-2135-42FD-B1B3-1AD24846299D}"/>
+                <a16:creationId xmlns="" xmlns:a16="http://schemas.microsoft.com/office/drawing/2014/main" id="{DB2C018A-2135-42FD-B1B3-1AD24846299D}"/>
               </a:ext>
             </a:extLst>
           </p:cNvPr>
@@ -21344,7 +21344,7 @@
           <p:cNvPr id="22" name="Tijdelijke aanduiding voor tekst 13">
             <a:extLst>
               <a:ext uri="{FF2B5EF4-FFF2-40B4-BE49-F238E27FC236}">
-                <a16:creationId xmlns:a16="http://schemas.microsoft.com/office/drawing/2014/main" xmlns="" id="{CE269618-05A1-4694-9DC1-BCCCA32087A7}"/>
+                <a16:creationId xmlns="" xmlns:a16="http://schemas.microsoft.com/office/drawing/2014/main" id="{CE269618-05A1-4694-9DC1-BCCCA32087A7}"/>
               </a:ext>
             </a:extLst>
           </p:cNvPr>
@@ -21397,7 +21397,7 @@
           <p:cNvPr id="21" name="Tijdelijke aanduiding voor tekst 13">
             <a:extLst>
               <a:ext uri="{FF2B5EF4-FFF2-40B4-BE49-F238E27FC236}">
-                <a16:creationId xmlns:a16="http://schemas.microsoft.com/office/drawing/2014/main" xmlns="" id="{B5D50386-124C-4DC4-8936-0422F8603D22}"/>
+                <a16:creationId xmlns="" xmlns:a16="http://schemas.microsoft.com/office/drawing/2014/main" id="{B5D50386-124C-4DC4-8936-0422F8603D22}"/>
               </a:ext>
             </a:extLst>
           </p:cNvPr>
@@ -21460,7 +21460,7 @@
           <p:cNvPr id="24" name="Tijdelijke aanduiding voor tekst 13">
             <a:extLst>
               <a:ext uri="{FF2B5EF4-FFF2-40B4-BE49-F238E27FC236}">
-                <a16:creationId xmlns:a16="http://schemas.microsoft.com/office/drawing/2014/main" xmlns="" id="{E5964C3D-39FB-486E-B1CA-327355345BC5}"/>
+                <a16:creationId xmlns="" xmlns:a16="http://schemas.microsoft.com/office/drawing/2014/main" id="{E5964C3D-39FB-486E-B1CA-327355345BC5}"/>
               </a:ext>
             </a:extLst>
           </p:cNvPr>
@@ -21523,7 +21523,7 @@
           <p:cNvPr id="26" name="Tijdelijke aanduiding voor tekst 13">
             <a:extLst>
               <a:ext uri="{FF2B5EF4-FFF2-40B4-BE49-F238E27FC236}">
-                <a16:creationId xmlns:a16="http://schemas.microsoft.com/office/drawing/2014/main" xmlns="" id="{5D7AAD86-A20B-4FED-ABB5-690DD462CDE0}"/>
+                <a16:creationId xmlns="" xmlns:a16="http://schemas.microsoft.com/office/drawing/2014/main" id="{5D7AAD86-A20B-4FED-ABB5-690DD462CDE0}"/>
               </a:ext>
             </a:extLst>
           </p:cNvPr>
@@ -21579,7 +21579,7 @@
           <p:cNvPr id="27" name="Tijdelijke aanduiding voor tekst 13">
             <a:extLst>
               <a:ext uri="{FF2B5EF4-FFF2-40B4-BE49-F238E27FC236}">
-                <a16:creationId xmlns:a16="http://schemas.microsoft.com/office/drawing/2014/main" xmlns="" id="{D2DA99D1-2C1C-4553-8198-85E59B09FF35}"/>
+                <a16:creationId xmlns="" xmlns:a16="http://schemas.microsoft.com/office/drawing/2014/main" id="{D2DA99D1-2C1C-4553-8198-85E59B09FF35}"/>
               </a:ext>
             </a:extLst>
           </p:cNvPr>
@@ -21635,7 +21635,7 @@
           <p:cNvPr id="99" name="Tijdelijke aanduiding voor tekst 13">
             <a:extLst>
               <a:ext uri="{FF2B5EF4-FFF2-40B4-BE49-F238E27FC236}">
-                <a16:creationId xmlns:a16="http://schemas.microsoft.com/office/drawing/2014/main" xmlns="" id="{487AAEE7-3E5F-4E8C-9062-3C7FDB0C8370}"/>
+                <a16:creationId xmlns="" xmlns:a16="http://schemas.microsoft.com/office/drawing/2014/main" id="{487AAEE7-3E5F-4E8C-9062-3C7FDB0C8370}"/>
               </a:ext>
             </a:extLst>
           </p:cNvPr>
@@ -26317,7 +26317,7 @@
           <a:graphicData uri="http://schemas.openxmlformats.org/presentationml/2006/ole">
             <mc:AlternateContent xmlns:mc="http://schemas.openxmlformats.org/markup-compatibility/2006">
               <mc:Choice xmlns:v="urn:schemas-microsoft-com:vml" Requires="v">
-                <p:oleObj spid="_x0000_s2062" name="think-cell Slide" r:id="rId34" imgW="286" imgH="286" progId="TCLayout.ActiveDocument.1">
+                <p:oleObj spid="_x0000_s2063" name="think-cell Slide" r:id="rId34" imgW="286" imgH="286" progId="TCLayout.ActiveDocument.1">
                   <p:embed/>
                 </p:oleObj>
               </mc:Choice>
@@ -26506,7 +26506,7 @@
           <p:cNvPr id="26" name="Picture 17">
             <a:extLst>
               <a:ext uri="{FF2B5EF4-FFF2-40B4-BE49-F238E27FC236}">
-                <a16:creationId xmlns:a16="http://schemas.microsoft.com/office/drawing/2014/main" xmlns="" id="{7E508851-1889-4E58-B1A1-122653D19601}"/>
+                <a16:creationId xmlns="" xmlns:a16="http://schemas.microsoft.com/office/drawing/2014/main" id="{7E508851-1889-4E58-B1A1-122653D19601}"/>
               </a:ext>
             </a:extLst>
           </p:cNvPr>
@@ -26542,7 +26542,7 @@
           <p:cNvPr id="4" name="TextBox 3">
             <a:extLst>
               <a:ext uri="{FF2B5EF4-FFF2-40B4-BE49-F238E27FC236}">
-                <a16:creationId xmlns:a16="http://schemas.microsoft.com/office/drawing/2014/main" xmlns="" id="{B7EEBF1E-B876-4544-8D7E-F3970A085C73}"/>
+                <a16:creationId xmlns="" xmlns:a16="http://schemas.microsoft.com/office/drawing/2014/main" id="{B7EEBF1E-B876-4544-8D7E-F3970A085C73}"/>
               </a:ext>
             </a:extLst>
           </p:cNvPr>
@@ -26550,7 +26550,7 @@
           <p:nvPr userDrawn="1">
             <p:extLst>
               <p:ext uri="{1162E1C5-73C7-4A58-AE30-91384D911F3F}">
-                <p184:classification xmlns="" xmlns:p184="http://schemas.microsoft.com/office/powerpoint/2018/4/main" val="ftr"/>
+                <p184:classification xmlns:p184="http://schemas.microsoft.com/office/powerpoint/2018/4/main" xmlns="" val="ftr"/>
               </p:ext>
             </p:extLst>
           </p:nvPr>
@@ -26974,7 +26974,7 @@
   </p:txStyles>
   <p:extLst>
     <p:ext uri="{27BBF7A9-308A-43DC-89C8-2F10F3537804}">
-      <p15:sldGuideLst xmlns:p15="http://schemas.microsoft.com/office/powerpoint/2012/main" xmlns="">
+      <p15:sldGuideLst xmlns="" xmlns:p15="http://schemas.microsoft.com/office/powerpoint/2012/main">
         <p15:guide id="6" pos="438">
           <p15:clr>
             <a:srgbClr val="F26B43"/>
@@ -27023,7 +27023,7 @@
           <p:cNvPr id="2" name="Title 1">
             <a:extLst>
               <a:ext uri="{FF2B5EF4-FFF2-40B4-BE49-F238E27FC236}">
-                <a16:creationId xmlns:a16="http://schemas.microsoft.com/office/drawing/2014/main" xmlns="" id="{E04E5062-3C9D-6447-BD77-9B2B0AEB1AFF}"/>
+                <a16:creationId xmlns="" xmlns:a16="http://schemas.microsoft.com/office/drawing/2014/main" id="{E04E5062-3C9D-6447-BD77-9B2B0AEB1AFF}"/>
               </a:ext>
             </a:extLst>
           </p:cNvPr>
@@ -27062,7 +27062,7 @@
           <p:cNvPr id="3" name="Subtitle 2">
             <a:extLst>
               <a:ext uri="{FF2B5EF4-FFF2-40B4-BE49-F238E27FC236}">
-                <a16:creationId xmlns:a16="http://schemas.microsoft.com/office/drawing/2014/main" xmlns="" id="{95F58DE3-ECD9-2F4B-9F91-33ED33AE6CA3}"/>
+                <a16:creationId xmlns="" xmlns:a16="http://schemas.microsoft.com/office/drawing/2014/main" id="{95F58DE3-ECD9-2F4B-9F91-33ED33AE6CA3}"/>
               </a:ext>
             </a:extLst>
           </p:cNvPr>
@@ -27168,7 +27168,7 @@
           <p:cNvPr id="5" name="Title 1">
             <a:extLst>
               <a:ext uri="{FF2B5EF4-FFF2-40B4-BE49-F238E27FC236}">
-                <a16:creationId xmlns:a16="http://schemas.microsoft.com/office/drawing/2014/main" xmlns="" id="{6D41B2FE-9E04-4745-9A2C-2A7473E89DAF}"/>
+                <a16:creationId xmlns="" xmlns:a16="http://schemas.microsoft.com/office/drawing/2014/main" id="{6D41B2FE-9E04-4745-9A2C-2A7473E89DAF}"/>
               </a:ext>
             </a:extLst>
           </p:cNvPr>
@@ -27280,9 +27280,9 @@
       </p:sp>
       <p:pic>
         <p:nvPicPr>
-          <p:cNvPr id="3" name="Picture 2"/>
+          <p:cNvPr id="19458" name="Picture 2"/>
           <p:cNvPicPr>
-            <a:picLocks noChangeAspect="1"/>
+            <a:picLocks noChangeAspect="1" noChangeArrowheads="1"/>
           </p:cNvPicPr>
           <p:nvPr/>
         </p:nvPicPr>
@@ -27294,18 +27294,42 @@
               </a:ext>
             </a:extLst>
           </a:blip>
+          <a:srcRect/>
           <a:stretch>
             <a:fillRect/>
           </a:stretch>
         </p:blipFill>
-        <p:spPr>
+        <p:spPr bwMode="auto">
           <a:xfrm>
-            <a:off x="1939782" y="1219198"/>
-            <a:ext cx="9545636" cy="5611091"/>
+            <a:off x="771959" y="1151227"/>
+            <a:ext cx="11239932" cy="5706774"/>
           </a:xfrm>
           <a:prstGeom prst="rect">
             <a:avLst/>
           </a:prstGeom>
+          <a:noFill/>
+          <a:ln>
+            <a:noFill/>
+          </a:ln>
+          <a:extLst>
+            <a:ext uri="{909E8E84-426E-40DD-AFC4-6F175D3DCCD1}">
+              <a14:hiddenFill xmlns:a14="http://schemas.microsoft.com/office/drawing/2010/main">
+                <a:solidFill>
+                  <a:schemeClr val="accent1"/>
+                </a:solidFill>
+              </a14:hiddenFill>
+            </a:ext>
+            <a:ext uri="{91240B29-F687-4F45-9708-019B960494DF}">
+              <a14:hiddenLine xmlns:a14="http://schemas.microsoft.com/office/drawing/2010/main" w="9525">
+                <a:solidFill>
+                  <a:schemeClr val="tx1"/>
+                </a:solidFill>
+                <a:miter lim="800000"/>
+                <a:headEnd/>
+                <a:tailEnd/>
+              </a14:hiddenLine>
+            </a:ext>
+          </a:extLst>
         </p:spPr>
       </p:pic>
     </p:spTree>
@@ -27350,7 +27374,7 @@
           <p:cNvPr id="5" name="Title 1">
             <a:extLst>
               <a:ext uri="{FF2B5EF4-FFF2-40B4-BE49-F238E27FC236}">
-                <a16:creationId xmlns:a16="http://schemas.microsoft.com/office/drawing/2014/main" xmlns="" id="{6D41B2FE-9E04-4745-9A2C-2A7473E89DAF}"/>
+                <a16:creationId xmlns="" xmlns:a16="http://schemas.microsoft.com/office/drawing/2014/main" id="{6D41B2FE-9E04-4745-9A2C-2A7473E89DAF}"/>
               </a:ext>
             </a:extLst>
           </p:cNvPr>
@@ -27532,7 +27556,7 @@
           <p:cNvPr id="5" name="Title 1">
             <a:extLst>
               <a:ext uri="{FF2B5EF4-FFF2-40B4-BE49-F238E27FC236}">
-                <a16:creationId xmlns:a16="http://schemas.microsoft.com/office/drawing/2014/main" xmlns="" id="{6D41B2FE-9E04-4745-9A2C-2A7473E89DAF}"/>
+                <a16:creationId xmlns="" xmlns:a16="http://schemas.microsoft.com/office/drawing/2014/main" id="{6D41B2FE-9E04-4745-9A2C-2A7473E89DAF}"/>
               </a:ext>
             </a:extLst>
           </p:cNvPr>
@@ -27774,11 +27798,6 @@
               </a:rPr>
               <a:t>CRM- A</a:t>
             </a:r>
-            <a:endParaRPr lang="en-US" b="1" dirty="0">
-              <a:solidFill>
-                <a:srgbClr val="FF0000"/>
-              </a:solidFill>
-            </a:endParaRPr>
           </a:p>
         </p:txBody>
       </p:sp>
@@ -28063,7 +28082,7 @@
           <p:cNvPr id="5" name="Title 1">
             <a:extLst>
               <a:ext uri="{FF2B5EF4-FFF2-40B4-BE49-F238E27FC236}">
-                <a16:creationId xmlns:a16="http://schemas.microsoft.com/office/drawing/2014/main" xmlns="" id="{6D41B2FE-9E04-4745-9A2C-2A7473E89DAF}"/>
+                <a16:creationId xmlns="" xmlns:a16="http://schemas.microsoft.com/office/drawing/2014/main" id="{6D41B2FE-9E04-4745-9A2C-2A7473E89DAF}"/>
               </a:ext>
             </a:extLst>
           </p:cNvPr>
@@ -28269,7 +28288,7 @@
           <p:cNvPr id="5" name="Title 1">
             <a:extLst>
               <a:ext uri="{FF2B5EF4-FFF2-40B4-BE49-F238E27FC236}">
-                <a16:creationId xmlns:a16="http://schemas.microsoft.com/office/drawing/2014/main" xmlns="" id="{6D41B2FE-9E04-4745-9A2C-2A7473E89DAF}"/>
+                <a16:creationId xmlns="" xmlns:a16="http://schemas.microsoft.com/office/drawing/2014/main" id="{6D41B2FE-9E04-4745-9A2C-2A7473E89DAF}"/>
               </a:ext>
             </a:extLst>
           </p:cNvPr>
@@ -28446,7 +28465,7 @@
           <p:cNvPr id="5" name="Title 1">
             <a:extLst>
               <a:ext uri="{FF2B5EF4-FFF2-40B4-BE49-F238E27FC236}">
-                <a16:creationId xmlns:a16="http://schemas.microsoft.com/office/drawing/2014/main" xmlns="" id="{6D41B2FE-9E04-4745-9A2C-2A7473E89DAF}"/>
+                <a16:creationId xmlns="" xmlns:a16="http://schemas.microsoft.com/office/drawing/2014/main" id="{6D41B2FE-9E04-4745-9A2C-2A7473E89DAF}"/>
               </a:ext>
             </a:extLst>
           </p:cNvPr>
@@ -29070,21 +29089,21 @@
                 <a:gridCol w="1420728">
                   <a:extLst>
                     <a:ext uri="{9D8B030D-6E8A-4147-A177-3AD203B41FA5}">
-                      <a16:colId xmlns:a16="http://schemas.microsoft.com/office/drawing/2014/main" xmlns="" val="736635389"/>
+                      <a16:colId xmlns="" xmlns:a16="http://schemas.microsoft.com/office/drawing/2014/main" val="736635389"/>
                     </a:ext>
                   </a:extLst>
                 </a:gridCol>
                 <a:gridCol w="1711331">
                   <a:extLst>
                     <a:ext uri="{9D8B030D-6E8A-4147-A177-3AD203B41FA5}">
-                      <a16:colId xmlns:a16="http://schemas.microsoft.com/office/drawing/2014/main" xmlns="" val="297964325"/>
+                      <a16:colId xmlns="" xmlns:a16="http://schemas.microsoft.com/office/drawing/2014/main" val="297964325"/>
                     </a:ext>
                   </a:extLst>
                 </a:gridCol>
                 <a:gridCol w="4124953">
                   <a:extLst>
                     <a:ext uri="{9D8B030D-6E8A-4147-A177-3AD203B41FA5}">
-                      <a16:colId xmlns:a16="http://schemas.microsoft.com/office/drawing/2014/main" xmlns="" val="1753455201"/>
+                      <a16:colId xmlns="" xmlns:a16="http://schemas.microsoft.com/office/drawing/2014/main" val="1753455201"/>
                     </a:ext>
                   </a:extLst>
                 </a:gridCol>
@@ -29134,7 +29153,7 @@
                 </a:tc>
                 <a:extLst>
                   <a:ext uri="{0D108BD9-81ED-4DB2-BD59-A6C34878D82A}">
-                    <a16:rowId xmlns:a16="http://schemas.microsoft.com/office/drawing/2014/main" xmlns="" val="2820878805"/>
+                    <a16:rowId xmlns="" xmlns:a16="http://schemas.microsoft.com/office/drawing/2014/main" val="2820878805"/>
                   </a:ext>
                 </a:extLst>
               </a:tr>
@@ -29191,7 +29210,7 @@
                 </a:tc>
                 <a:extLst>
                   <a:ext uri="{0D108BD9-81ED-4DB2-BD59-A6C34878D82A}">
-                    <a16:rowId xmlns:a16="http://schemas.microsoft.com/office/drawing/2014/main" xmlns="" val="4101995063"/>
+                    <a16:rowId xmlns="" xmlns:a16="http://schemas.microsoft.com/office/drawing/2014/main" val="4101995063"/>
                   </a:ext>
                 </a:extLst>
               </a:tr>
@@ -29248,7 +29267,7 @@
                 </a:tc>
                 <a:extLst>
                   <a:ext uri="{0D108BD9-81ED-4DB2-BD59-A6C34878D82A}">
-                    <a16:rowId xmlns:a16="http://schemas.microsoft.com/office/drawing/2014/main" xmlns="" val="1287191887"/>
+                    <a16:rowId xmlns="" xmlns:a16="http://schemas.microsoft.com/office/drawing/2014/main" val="1287191887"/>
                   </a:ext>
                 </a:extLst>
               </a:tr>
@@ -29298,7 +29317,7 @@
           <p:cNvPr id="5" name="Title 1">
             <a:extLst>
               <a:ext uri="{FF2B5EF4-FFF2-40B4-BE49-F238E27FC236}">
-                <a16:creationId xmlns:a16="http://schemas.microsoft.com/office/drawing/2014/main" xmlns="" id="{6D41B2FE-9E04-4745-9A2C-2A7473E89DAF}"/>
+                <a16:creationId xmlns="" xmlns:a16="http://schemas.microsoft.com/office/drawing/2014/main" id="{6D41B2FE-9E04-4745-9A2C-2A7473E89DAF}"/>
               </a:ext>
             </a:extLst>
           </p:cNvPr>
@@ -29408,7 +29427,7 @@
           <p:cNvPr id="6" name="Content Placeholder 2">
             <a:extLst>
               <a:ext uri="{FF2B5EF4-FFF2-40B4-BE49-F238E27FC236}">
-                <a16:creationId xmlns:a16="http://schemas.microsoft.com/office/drawing/2014/main" xmlns="" id="{6179E3E6-D2E0-0641-9044-A5C8BE90872E}"/>
+                <a16:creationId xmlns="" xmlns:a16="http://schemas.microsoft.com/office/drawing/2014/main" id="{6179E3E6-D2E0-0641-9044-A5C8BE90872E}"/>
               </a:ext>
             </a:extLst>
           </p:cNvPr>
@@ -29522,7 +29541,7 @@
           <p:cNvPr id="5" name="Title 1">
             <a:extLst>
               <a:ext uri="{FF2B5EF4-FFF2-40B4-BE49-F238E27FC236}">
-                <a16:creationId xmlns:a16="http://schemas.microsoft.com/office/drawing/2014/main" xmlns="" id="{6D41B2FE-9E04-4745-9A2C-2A7473E89DAF}"/>
+                <a16:creationId xmlns="" xmlns:a16="http://schemas.microsoft.com/office/drawing/2014/main" id="{6D41B2FE-9E04-4745-9A2C-2A7473E89DAF}"/>
               </a:ext>
             </a:extLst>
           </p:cNvPr>
@@ -29699,7 +29718,7 @@
           <p:cNvPr id="5" name="Content Placeholder 4">
             <a:extLst>
               <a:ext uri="{FF2B5EF4-FFF2-40B4-BE49-F238E27FC236}">
-                <a16:creationId xmlns:a16="http://schemas.microsoft.com/office/drawing/2014/main" xmlns="" id="{B2A11469-D219-6F4A-AC43-38B81A8701AC}"/>
+                <a16:creationId xmlns="" xmlns:a16="http://schemas.microsoft.com/office/drawing/2014/main" id="{B2A11469-D219-6F4A-AC43-38B81A8701AC}"/>
               </a:ext>
             </a:extLst>
           </p:cNvPr>
@@ -29728,7 +29747,7 @@
           <p:cNvPr id="2" name="Title 1">
             <a:extLst>
               <a:ext uri="{FF2B5EF4-FFF2-40B4-BE49-F238E27FC236}">
-                <a16:creationId xmlns:a16="http://schemas.microsoft.com/office/drawing/2014/main" xmlns="" id="{FF2E6130-F4E9-BA4A-BFF0-8A33FDBF17C9}"/>
+                <a16:creationId xmlns="" xmlns:a16="http://schemas.microsoft.com/office/drawing/2014/main" id="{FF2E6130-F4E9-BA4A-BFF0-8A33FDBF17C9}"/>
               </a:ext>
             </a:extLst>
           </p:cNvPr>
@@ -29798,7 +29817,7 @@
           <p:cNvPr id="3" name="Content Placeholder 2">
             <a:extLst>
               <a:ext uri="{FF2B5EF4-FFF2-40B4-BE49-F238E27FC236}">
-                <a16:creationId xmlns:a16="http://schemas.microsoft.com/office/drawing/2014/main" xmlns="" id="{CE0C006A-2597-DA48-8B7C-0DB563267741}"/>
+                <a16:creationId xmlns="" xmlns:a16="http://schemas.microsoft.com/office/drawing/2014/main" id="{CE0C006A-2597-DA48-8B7C-0DB563267741}"/>
               </a:ext>
             </a:extLst>
           </p:cNvPr>
@@ -29971,7 +29990,7 @@
           <p:cNvPr id="4" name="Title 1">
             <a:extLst>
               <a:ext uri="{FF2B5EF4-FFF2-40B4-BE49-F238E27FC236}">
-                <a16:creationId xmlns:a16="http://schemas.microsoft.com/office/drawing/2014/main" xmlns="" id="{6D41B2FE-9E04-4745-9A2C-2A7473E89DAF}"/>
+                <a16:creationId xmlns="" xmlns:a16="http://schemas.microsoft.com/office/drawing/2014/main" id="{6D41B2FE-9E04-4745-9A2C-2A7473E89DAF}"/>
               </a:ext>
             </a:extLst>
           </p:cNvPr>
@@ -30118,7 +30137,7 @@
           <p:cNvPr id="2" name="Title 1">
             <a:extLst>
               <a:ext uri="{FF2B5EF4-FFF2-40B4-BE49-F238E27FC236}">
-                <a16:creationId xmlns:a16="http://schemas.microsoft.com/office/drawing/2014/main" xmlns="" id="{6D41B2FE-9E04-4745-9A2C-2A7473E89DAF}"/>
+                <a16:creationId xmlns="" xmlns:a16="http://schemas.microsoft.com/office/drawing/2014/main" id="{6D41B2FE-9E04-4745-9A2C-2A7473E89DAF}"/>
               </a:ext>
             </a:extLst>
           </p:cNvPr>
@@ -30151,7 +30170,7 @@
           <p:cNvPr id="3" name="Content Placeholder 2">
             <a:extLst>
               <a:ext uri="{FF2B5EF4-FFF2-40B4-BE49-F238E27FC236}">
-                <a16:creationId xmlns:a16="http://schemas.microsoft.com/office/drawing/2014/main" xmlns="" id="{8803B833-6AB9-8E4C-B6B5-1ECAF6497F9C}"/>
+                <a16:creationId xmlns="" xmlns:a16="http://schemas.microsoft.com/office/drawing/2014/main" id="{8803B833-6AB9-8E4C-B6B5-1ECAF6497F9C}"/>
               </a:ext>
             </a:extLst>
           </p:cNvPr>
@@ -30318,7 +30337,7 @@
           <p:cNvPr id="3" name="Content Placeholder 2">
             <a:extLst>
               <a:ext uri="{FF2B5EF4-FFF2-40B4-BE49-F238E27FC236}">
-                <a16:creationId xmlns:a16="http://schemas.microsoft.com/office/drawing/2014/main" xmlns="" id="{CE0C006A-2597-DA48-8B7C-0DB563267741}"/>
+                <a16:creationId xmlns="" xmlns:a16="http://schemas.microsoft.com/office/drawing/2014/main" id="{CE0C006A-2597-DA48-8B7C-0DB563267741}"/>
               </a:ext>
             </a:extLst>
           </p:cNvPr>
@@ -30401,7 +30420,7 @@
           <p:cNvPr id="4" name="Title 1">
             <a:extLst>
               <a:ext uri="{FF2B5EF4-FFF2-40B4-BE49-F238E27FC236}">
-                <a16:creationId xmlns:a16="http://schemas.microsoft.com/office/drawing/2014/main" xmlns="" id="{6D41B2FE-9E04-4745-9A2C-2A7473E89DAF}"/>
+                <a16:creationId xmlns="" xmlns:a16="http://schemas.microsoft.com/office/drawing/2014/main" id="{6D41B2FE-9E04-4745-9A2C-2A7473E89DAF}"/>
               </a:ext>
             </a:extLst>
           </p:cNvPr>
@@ -30762,7 +30781,7 @@
           <p:cNvPr id="4" name="Title 1">
             <a:extLst>
               <a:ext uri="{FF2B5EF4-FFF2-40B4-BE49-F238E27FC236}">
-                <a16:creationId xmlns:a16="http://schemas.microsoft.com/office/drawing/2014/main" xmlns="" id="{6D41B2FE-9E04-4745-9A2C-2A7473E89DAF}"/>
+                <a16:creationId xmlns="" xmlns:a16="http://schemas.microsoft.com/office/drawing/2014/main" id="{6D41B2FE-9E04-4745-9A2C-2A7473E89DAF}"/>
               </a:ext>
             </a:extLst>
           </p:cNvPr>
@@ -31130,7 +31149,7 @@
           <p:cNvPr id="4" name="Title 1">
             <a:extLst>
               <a:ext uri="{FF2B5EF4-FFF2-40B4-BE49-F238E27FC236}">
-                <a16:creationId xmlns:a16="http://schemas.microsoft.com/office/drawing/2014/main" xmlns="" id="{6D41B2FE-9E04-4745-9A2C-2A7473E89DAF}"/>
+                <a16:creationId xmlns="" xmlns:a16="http://schemas.microsoft.com/office/drawing/2014/main" id="{6D41B2FE-9E04-4745-9A2C-2A7473E89DAF}"/>
               </a:ext>
             </a:extLst>
           </p:cNvPr>
@@ -31286,7 +31305,7 @@
           <p:cNvPr id="5" name="Content Placeholder 4">
             <a:extLst>
               <a:ext uri="{FF2B5EF4-FFF2-40B4-BE49-F238E27FC236}">
-                <a16:creationId xmlns:a16="http://schemas.microsoft.com/office/drawing/2014/main" xmlns="" id="{44B266B3-A24B-6840-98F9-748A84108B8C}"/>
+                <a16:creationId xmlns="" xmlns:a16="http://schemas.microsoft.com/office/drawing/2014/main" id="{44B266B3-A24B-6840-98F9-748A84108B8C}"/>
               </a:ext>
             </a:extLst>
           </p:cNvPr>
@@ -31352,7 +31371,7 @@
           <p:cNvPr id="2" name="Title 1">
             <a:extLst>
               <a:ext uri="{FF2B5EF4-FFF2-40B4-BE49-F238E27FC236}">
-                <a16:creationId xmlns:a16="http://schemas.microsoft.com/office/drawing/2014/main" xmlns="" id="{EB542356-1E69-224C-BB10-3756C04F7B7E}"/>
+                <a16:creationId xmlns="" xmlns:a16="http://schemas.microsoft.com/office/drawing/2014/main" id="{EB542356-1E69-224C-BB10-3756C04F7B7E}"/>
               </a:ext>
             </a:extLst>
           </p:cNvPr>
@@ -31385,7 +31404,7 @@
           <p:cNvPr id="3" name="Content Placeholder 2">
             <a:extLst>
               <a:ext uri="{FF2B5EF4-FFF2-40B4-BE49-F238E27FC236}">
-                <a16:creationId xmlns:a16="http://schemas.microsoft.com/office/drawing/2014/main" xmlns="" id="{F86F10B9-9992-9B43-B135-EC8E72FB2A1C}"/>
+                <a16:creationId xmlns="" xmlns:a16="http://schemas.microsoft.com/office/drawing/2014/main" id="{F86F10B9-9992-9B43-B135-EC8E72FB2A1C}"/>
               </a:ext>
             </a:extLst>
           </p:cNvPr>
@@ -31433,27 +31452,15 @@
             </a:r>
             <a:r>
               <a:rPr lang="en-US" dirty="0" smtClean="0"/>
-              <a:t>9 </a:t>
-            </a:r>
+              <a:t>9 years</a:t>
+            </a:r>
+            <a:endParaRPr lang="en-US" dirty="0"/>
+          </a:p>
+          <a:p>
+            <a:pPr lvl="1"/>
             <a:r>
               <a:rPr lang="en-US" dirty="0" smtClean="0"/>
-              <a:t>years</a:t>
-            </a:r>
-            <a:endParaRPr lang="en-US" dirty="0"/>
-          </a:p>
-          <a:p>
-            <a:pPr lvl="1"/>
-            <a:r>
-              <a:rPr lang="en-US" dirty="0" smtClean="0"/>
-              <a:t>DWH</a:t>
-            </a:r>
-            <a:r>
-              <a:rPr lang="en-US" dirty="0" smtClean="0"/>
-              <a:t> </a:t>
-            </a:r>
-            <a:r>
-              <a:rPr lang="en-US" dirty="0" smtClean="0"/>
-              <a:t>Developer</a:t>
+              <a:t>DWH Developer</a:t>
             </a:r>
             <a:endParaRPr lang="en-US" dirty="0"/>
           </a:p>
@@ -31471,7 +31478,7 @@
           <p:cNvPr id="5" name="Picture 4">
             <a:extLst>
               <a:ext uri="{FF2B5EF4-FFF2-40B4-BE49-F238E27FC236}">
-                <a16:creationId xmlns:a16="http://schemas.microsoft.com/office/drawing/2014/main" xmlns="" id="{4BA1D8AA-9AB7-9948-AC2D-F50B89373C75}"/>
+                <a16:creationId xmlns="" xmlns:a16="http://schemas.microsoft.com/office/drawing/2014/main" id="{4BA1D8AA-9AB7-9948-AC2D-F50B89373C75}"/>
               </a:ext>
             </a:extLst>
           </p:cNvPr>
@@ -31538,7 +31545,7 @@
           <p:cNvPr id="9" name="Object 8" hidden="1">
             <a:extLst>
               <a:ext uri="{FF2B5EF4-FFF2-40B4-BE49-F238E27FC236}">
-                <a16:creationId xmlns:a16="http://schemas.microsoft.com/office/drawing/2014/main" xmlns="" id="{30A5C641-0BF6-124F-B9B2-C55FB1608FDD}"/>
+                <a16:creationId xmlns="" xmlns:a16="http://schemas.microsoft.com/office/drawing/2014/main" id="{30A5C641-0BF6-124F-B9B2-C55FB1608FDD}"/>
               </a:ext>
             </a:extLst>
           </p:cNvPr>
@@ -31560,7 +31567,7 @@
           <a:graphicData uri="http://schemas.openxmlformats.org/presentationml/2006/ole">
             <mc:AlternateContent xmlns:mc="http://schemas.openxmlformats.org/markup-compatibility/2006">
               <mc:Choice xmlns:v="urn:schemas-microsoft-com:vml" Requires="v">
-                <p:oleObj spid="_x0000_s18446" name="think-cell Slide" r:id="rId4" imgW="7772400" imgH="10058400" progId="TCLayout.ActiveDocument.1">
+                <p:oleObj spid="_x0000_s18447" name="think-cell Slide" r:id="rId4" imgW="7772400" imgH="10058400" progId="TCLayout.ActiveDocument.1">
                   <p:embed/>
                 </p:oleObj>
               </mc:Choice>
@@ -31572,7 +31579,7 @@
                       <p:cNvPr id="9" name="Object 8" hidden="1">
                         <a:extLst>
                           <a:ext uri="{FF2B5EF4-FFF2-40B4-BE49-F238E27FC236}">
-                            <a16:creationId xmlns:a16="http://schemas.microsoft.com/office/drawing/2014/main" xmlns="" id="{30A5C641-0BF6-124F-B9B2-C55FB1608FDD}"/>
+                            <a16:creationId xmlns="" xmlns:a16="http://schemas.microsoft.com/office/drawing/2014/main" id="{30A5C641-0BF6-124F-B9B2-C55FB1608FDD}"/>
                           </a:ext>
                         </a:extLst>
                       </p:cNvPr>
@@ -31606,7 +31613,7 @@
           <p:cNvPr id="2" name="Slide Number Placeholder 1">
             <a:extLst>
               <a:ext uri="{FF2B5EF4-FFF2-40B4-BE49-F238E27FC236}">
-                <a16:creationId xmlns:a16="http://schemas.microsoft.com/office/drawing/2014/main" xmlns="" id="{D178420A-7812-2F4F-A440-137C7D6A14AC}"/>
+                <a16:creationId xmlns="" xmlns:a16="http://schemas.microsoft.com/office/drawing/2014/main" id="{D178420A-7812-2F4F-A440-137C7D6A14AC}"/>
               </a:ext>
             </a:extLst>
           </p:cNvPr>
@@ -31699,7 +31706,7 @@
           <p:cNvPr id="4" name="Text Placeholder 3">
             <a:extLst>
               <a:ext uri="{FF2B5EF4-FFF2-40B4-BE49-F238E27FC236}">
-                <a16:creationId xmlns:a16="http://schemas.microsoft.com/office/drawing/2014/main" xmlns="" id="{642365E3-428A-4948-B854-7AE3CC410EBC}"/>
+                <a16:creationId xmlns="" xmlns:a16="http://schemas.microsoft.com/office/drawing/2014/main" id="{642365E3-428A-4948-B854-7AE3CC410EBC}"/>
               </a:ext>
             </a:extLst>
           </p:cNvPr>
@@ -31727,7 +31734,7 @@
           <p:cNvPr id="5" name="Text Placeholder 4">
             <a:extLst>
               <a:ext uri="{FF2B5EF4-FFF2-40B4-BE49-F238E27FC236}">
-                <a16:creationId xmlns:a16="http://schemas.microsoft.com/office/drawing/2014/main" xmlns="" id="{3CCD307A-4F9E-4749-A916-499177BB16FA}"/>
+                <a16:creationId xmlns="" xmlns:a16="http://schemas.microsoft.com/office/drawing/2014/main" id="{3CCD307A-4F9E-4749-A916-499177BB16FA}"/>
               </a:ext>
             </a:extLst>
           </p:cNvPr>
@@ -31755,7 +31762,7 @@
           <p:cNvPr id="6" name="Vertical Text Placeholder 5">
             <a:extLst>
               <a:ext uri="{FF2B5EF4-FFF2-40B4-BE49-F238E27FC236}">
-                <a16:creationId xmlns:a16="http://schemas.microsoft.com/office/drawing/2014/main" xmlns="" id="{2994ECE7-9A92-784D-A21D-3209008F5D22}"/>
+                <a16:creationId xmlns="" xmlns:a16="http://schemas.microsoft.com/office/drawing/2014/main" id="{2994ECE7-9A92-784D-A21D-3209008F5D22}"/>
               </a:ext>
             </a:extLst>
           </p:cNvPr>
@@ -31830,7 +31837,7 @@
           <p:cNvPr id="7" name="Vertical Text Placeholder 6">
             <a:extLst>
               <a:ext uri="{FF2B5EF4-FFF2-40B4-BE49-F238E27FC236}">
-                <a16:creationId xmlns:a16="http://schemas.microsoft.com/office/drawing/2014/main" xmlns="" id="{687117B4-E28D-CD42-91F4-5E9BF26CC338}"/>
+                <a16:creationId xmlns="" xmlns:a16="http://schemas.microsoft.com/office/drawing/2014/main" id="{687117B4-E28D-CD42-91F4-5E9BF26CC338}"/>
               </a:ext>
             </a:extLst>
           </p:cNvPr>
@@ -31884,7 +31891,7 @@
           <p:cNvPr id="8" name="Title 7">
             <a:extLst>
               <a:ext uri="{FF2B5EF4-FFF2-40B4-BE49-F238E27FC236}">
-                <a16:creationId xmlns:a16="http://schemas.microsoft.com/office/drawing/2014/main" xmlns="" id="{BADE4275-1AFF-8C48-8988-390DA570F3B5}"/>
+                <a16:creationId xmlns="" xmlns:a16="http://schemas.microsoft.com/office/drawing/2014/main" id="{BADE4275-1AFF-8C48-8988-390DA570F3B5}"/>
               </a:ext>
             </a:extLst>
           </p:cNvPr>
@@ -31912,7 +31919,7 @@
           <p:cNvPr id="11" name="Can 10">
             <a:extLst>
               <a:ext uri="{FF2B5EF4-FFF2-40B4-BE49-F238E27FC236}">
-                <a16:creationId xmlns:a16="http://schemas.microsoft.com/office/drawing/2014/main" xmlns="" id="{4F1FAF9B-C6E8-2A42-B2AB-D1775C041D2B}"/>
+                <a16:creationId xmlns="" xmlns:a16="http://schemas.microsoft.com/office/drawing/2014/main" id="{4F1FAF9B-C6E8-2A42-B2AB-D1775C041D2B}"/>
               </a:ext>
             </a:extLst>
           </p:cNvPr>
@@ -31990,7 +31997,7 @@
           <p:cNvPr id="12" name="Can 11">
             <a:extLst>
               <a:ext uri="{FF2B5EF4-FFF2-40B4-BE49-F238E27FC236}">
-                <a16:creationId xmlns:a16="http://schemas.microsoft.com/office/drawing/2014/main" xmlns="" id="{3B14E560-DDE4-9F44-AC3B-DFA196AD0B4F}"/>
+                <a16:creationId xmlns="" xmlns:a16="http://schemas.microsoft.com/office/drawing/2014/main" id="{3B14E560-DDE4-9F44-AC3B-DFA196AD0B4F}"/>
               </a:ext>
             </a:extLst>
           </p:cNvPr>
@@ -32068,7 +32075,7 @@
           <p:cNvPr id="13" name="Can 12">
             <a:extLst>
               <a:ext uri="{FF2B5EF4-FFF2-40B4-BE49-F238E27FC236}">
-                <a16:creationId xmlns:a16="http://schemas.microsoft.com/office/drawing/2014/main" xmlns="" id="{0B6B90A5-7F53-4B4D-B882-7AF1A232F0E6}"/>
+                <a16:creationId xmlns="" xmlns:a16="http://schemas.microsoft.com/office/drawing/2014/main" id="{0B6B90A5-7F53-4B4D-B882-7AF1A232F0E6}"/>
               </a:ext>
             </a:extLst>
           </p:cNvPr>
@@ -32146,7 +32153,7 @@
           <p:cNvPr id="14" name="Can 13">
             <a:extLst>
               <a:ext uri="{FF2B5EF4-FFF2-40B4-BE49-F238E27FC236}">
-                <a16:creationId xmlns:a16="http://schemas.microsoft.com/office/drawing/2014/main" xmlns="" id="{69389FD3-EA3D-8844-B5B5-82CD6E9262A7}"/>
+                <a16:creationId xmlns="" xmlns:a16="http://schemas.microsoft.com/office/drawing/2014/main" id="{69389FD3-EA3D-8844-B5B5-82CD6E9262A7}"/>
               </a:ext>
             </a:extLst>
           </p:cNvPr>
@@ -32261,7 +32268,7 @@
           <p:cNvPr id="4" name="Content Placeholder 3">
             <a:extLst>
               <a:ext uri="{FF2B5EF4-FFF2-40B4-BE49-F238E27FC236}">
-                <a16:creationId xmlns:a16="http://schemas.microsoft.com/office/drawing/2014/main" xmlns="" id="{4DA1BDDE-EFBC-314F-8669-EB7A33D8756E}"/>
+                <a16:creationId xmlns="" xmlns:a16="http://schemas.microsoft.com/office/drawing/2014/main" id="{4DA1BDDE-EFBC-314F-8669-EB7A33D8756E}"/>
               </a:ext>
             </a:extLst>
           </p:cNvPr>
@@ -32292,7 +32299,7 @@
           <p:cNvPr id="5" name="Title 1">
             <a:extLst>
               <a:ext uri="{FF2B5EF4-FFF2-40B4-BE49-F238E27FC236}">
-                <a16:creationId xmlns:a16="http://schemas.microsoft.com/office/drawing/2014/main" xmlns="" id="{6D41B2FE-9E04-4745-9A2C-2A7473E89DAF}"/>
+                <a16:creationId xmlns="" xmlns:a16="http://schemas.microsoft.com/office/drawing/2014/main" id="{6D41B2FE-9E04-4745-9A2C-2A7473E89DAF}"/>
               </a:ext>
             </a:extLst>
           </p:cNvPr>
@@ -32402,7 +32409,7 @@
           <p:cNvPr id="8" name="Picture 7">
             <a:extLst>
               <a:ext uri="{FF2B5EF4-FFF2-40B4-BE49-F238E27FC236}">
-                <a16:creationId xmlns:a16="http://schemas.microsoft.com/office/drawing/2014/main" xmlns="" id="{6DEACD9B-C0A8-7D47-BB64-C2D9B2A748C3}"/>
+                <a16:creationId xmlns="" xmlns:a16="http://schemas.microsoft.com/office/drawing/2014/main" id="{6DEACD9B-C0A8-7D47-BB64-C2D9B2A748C3}"/>
               </a:ext>
             </a:extLst>
           </p:cNvPr>
@@ -32437,7 +32444,7 @@
           <p:cNvPr id="9" name="Picture 8">
             <a:extLst>
               <a:ext uri="{FF2B5EF4-FFF2-40B4-BE49-F238E27FC236}">
-                <a16:creationId xmlns:a16="http://schemas.microsoft.com/office/drawing/2014/main" xmlns="" id="{4C85993B-C9BA-E848-BD0E-F962693CAA29}"/>
+                <a16:creationId xmlns="" xmlns:a16="http://schemas.microsoft.com/office/drawing/2014/main" id="{4C85993B-C9BA-E848-BD0E-F962693CAA29}"/>
               </a:ext>
             </a:extLst>
           </p:cNvPr>
@@ -32472,7 +32479,7 @@
           <p:cNvPr id="11" name="Picture 10">
             <a:extLst>
               <a:ext uri="{FF2B5EF4-FFF2-40B4-BE49-F238E27FC236}">
-                <a16:creationId xmlns:a16="http://schemas.microsoft.com/office/drawing/2014/main" xmlns="" id="{A97E09F1-2749-6940-89C1-33766CD3E051}"/>
+                <a16:creationId xmlns="" xmlns:a16="http://schemas.microsoft.com/office/drawing/2014/main" id="{A97E09F1-2749-6940-89C1-33766CD3E051}"/>
               </a:ext>
             </a:extLst>
           </p:cNvPr>
@@ -32513,7 +32520,7 @@
           <p:cNvPr id="12" name="Picture 11">
             <a:extLst>
               <a:ext uri="{FF2B5EF4-FFF2-40B4-BE49-F238E27FC236}">
-                <a16:creationId xmlns:a16="http://schemas.microsoft.com/office/drawing/2014/main" xmlns="" id="{58BFF212-B6E5-F742-84B8-488D6D059D08}"/>
+                <a16:creationId xmlns="" xmlns:a16="http://schemas.microsoft.com/office/drawing/2014/main" id="{58BFF212-B6E5-F742-84B8-488D6D059D08}"/>
               </a:ext>
             </a:extLst>
           </p:cNvPr>
@@ -32548,7 +32555,7 @@
           <p:cNvPr id="13" name="Picture 12">
             <a:extLst>
               <a:ext uri="{FF2B5EF4-FFF2-40B4-BE49-F238E27FC236}">
-                <a16:creationId xmlns:a16="http://schemas.microsoft.com/office/drawing/2014/main" xmlns="" id="{52EDF090-2923-4D4E-A1C1-440F546426D9}"/>
+                <a16:creationId xmlns="" xmlns:a16="http://schemas.microsoft.com/office/drawing/2014/main" id="{52EDF090-2923-4D4E-A1C1-440F546426D9}"/>
               </a:ext>
             </a:extLst>
           </p:cNvPr>
@@ -32613,7 +32620,7 @@
           <p:cNvPr id="17" name="Picture 16">
             <a:extLst>
               <a:ext uri="{FF2B5EF4-FFF2-40B4-BE49-F238E27FC236}">
-                <a16:creationId xmlns:a16="http://schemas.microsoft.com/office/drawing/2014/main" xmlns="" id="{4C85993B-C9BA-E848-BD0E-F962693CAA29}"/>
+                <a16:creationId xmlns="" xmlns:a16="http://schemas.microsoft.com/office/drawing/2014/main" id="{4C85993B-C9BA-E848-BD0E-F962693CAA29}"/>
               </a:ext>
             </a:extLst>
           </p:cNvPr>
@@ -32648,7 +32655,7 @@
           <p:cNvPr id="18" name="Picture 17">
             <a:extLst>
               <a:ext uri="{FF2B5EF4-FFF2-40B4-BE49-F238E27FC236}">
-                <a16:creationId xmlns:a16="http://schemas.microsoft.com/office/drawing/2014/main" xmlns="" id="{A97E09F1-2749-6940-89C1-33766CD3E051}"/>
+                <a16:creationId xmlns="" xmlns:a16="http://schemas.microsoft.com/office/drawing/2014/main" id="{A97E09F1-2749-6940-89C1-33766CD3E051}"/>
               </a:ext>
             </a:extLst>
           </p:cNvPr>
@@ -32689,7 +32696,7 @@
           <p:cNvPr id="19" name="Picture 18">
             <a:extLst>
               <a:ext uri="{FF2B5EF4-FFF2-40B4-BE49-F238E27FC236}">
-                <a16:creationId xmlns:a16="http://schemas.microsoft.com/office/drawing/2014/main" xmlns="" id="{58BFF212-B6E5-F742-84B8-488D6D059D08}"/>
+                <a16:creationId xmlns="" xmlns:a16="http://schemas.microsoft.com/office/drawing/2014/main" id="{58BFF212-B6E5-F742-84B8-488D6D059D08}"/>
               </a:ext>
             </a:extLst>
           </p:cNvPr>
@@ -32724,7 +32731,7 @@
           <p:cNvPr id="16" name="Picture 15">
             <a:extLst>
               <a:ext uri="{FF2B5EF4-FFF2-40B4-BE49-F238E27FC236}">
-                <a16:creationId xmlns:a16="http://schemas.microsoft.com/office/drawing/2014/main" xmlns="" id="{52EDF090-2923-4D4E-A1C1-440F546426D9}"/>
+                <a16:creationId xmlns="" xmlns:a16="http://schemas.microsoft.com/office/drawing/2014/main" id="{52EDF090-2923-4D4E-A1C1-440F546426D9}"/>
               </a:ext>
             </a:extLst>
           </p:cNvPr>
@@ -33297,7 +33304,7 @@
           <p:cNvPr id="5" name="Title 1">
             <a:extLst>
               <a:ext uri="{FF2B5EF4-FFF2-40B4-BE49-F238E27FC236}">
-                <a16:creationId xmlns:a16="http://schemas.microsoft.com/office/drawing/2014/main" xmlns="" id="{6D41B2FE-9E04-4745-9A2C-2A7473E89DAF}"/>
+                <a16:creationId xmlns="" xmlns:a16="http://schemas.microsoft.com/office/drawing/2014/main" id="{6D41B2FE-9E04-4745-9A2C-2A7473E89DAF}"/>
               </a:ext>
             </a:extLst>
           </p:cNvPr>
@@ -34262,7 +34269,7 @@
           <p:cNvPr id="3" name="Content Placeholder 2">
             <a:extLst>
               <a:ext uri="{FF2B5EF4-FFF2-40B4-BE49-F238E27FC236}">
-                <a16:creationId xmlns:a16="http://schemas.microsoft.com/office/drawing/2014/main" xmlns="" id="{CE0C006A-2597-DA48-8B7C-0DB563267741}"/>
+                <a16:creationId xmlns="" xmlns:a16="http://schemas.microsoft.com/office/drawing/2014/main" id="{CE0C006A-2597-DA48-8B7C-0DB563267741}"/>
               </a:ext>
             </a:extLst>
           </p:cNvPr>
@@ -34311,88 +34318,83 @@
             </a:r>
             <a:r>
               <a:rPr lang="en-US" sz="1800" dirty="0" smtClean="0"/>
-              <a:t>inancial transaction is related to an account and that account must belong to a customer. A customer can have multiple accounts on their name</a:t>
+              <a:t>inancial transaction is related to an account and that account must belong to a customer. A customer can have multiple accounts on their name.</a:t>
+            </a:r>
+          </a:p>
+          <a:p>
+            <a:pPr lvl="1"/>
+            <a:r>
+              <a:rPr lang="en-US" sz="1800" dirty="0" smtClean="0"/>
+              <a:t>An account can be allocated to multiple customers</a:t>
+            </a:r>
+            <a:endParaRPr lang="en-US" sz="1800" dirty="0"/>
+          </a:p>
+          <a:p>
+            <a:pPr lvl="1"/>
+            <a:r>
+              <a:rPr lang="en-US" sz="1800" dirty="0" smtClean="0"/>
+              <a:t>We will receive an acknowledgement file with filename &amp; record count of each and every source files. </a:t>
+            </a:r>
+          </a:p>
+          <a:p>
+            <a:pPr lvl="1"/>
+            <a:r>
+              <a:rPr lang="en-US" sz="1800" dirty="0" smtClean="0"/>
+              <a:t>We will receive an account file with opening balance and closing balance in it on daily basis. </a:t>
+            </a:r>
+          </a:p>
+          <a:p>
+            <a:pPr lvl="1"/>
+            <a:r>
+              <a:rPr lang="en-US" sz="1800" dirty="0" smtClean="0"/>
+              <a:t>DNB is giving guarantee 100K per customer, doesn’t matter how many accounts that customer has.</a:t>
+            </a:r>
+          </a:p>
+          <a:p>
+            <a:pPr lvl="1"/>
+            <a:r>
+              <a:rPr lang="en-US" sz="1800" dirty="0" smtClean="0"/>
+              <a:t>All attributes within staging table.</a:t>
+            </a:r>
+          </a:p>
+          <a:p>
+            <a:pPr lvl="1"/>
+            <a:r>
+              <a:rPr lang="en-US" sz="1800" dirty="0" smtClean="0"/>
+              <a:t>Flat file are in csv format and both </a:t>
+            </a:r>
+            <a:r>
+              <a:rPr lang="en-US" sz="1800" dirty="0" err="1" smtClean="0"/>
+              <a:t>crm_a</a:t>
+            </a:r>
+            <a:r>
+              <a:rPr lang="en-US" sz="1800" dirty="0" smtClean="0"/>
+              <a:t> &amp; </a:t>
+            </a:r>
+            <a:r>
+              <a:rPr lang="en-US" sz="1800" dirty="0" err="1" smtClean="0"/>
+              <a:t>crm_b</a:t>
+            </a:r>
+            <a:r>
+              <a:rPr lang="en-US" sz="1800" dirty="0" smtClean="0"/>
+              <a:t> has similar structure. Same for </a:t>
+            </a:r>
+            <a:r>
+              <a:rPr lang="en-US" sz="1800" dirty="0" err="1" smtClean="0"/>
+              <a:t>fin_txn_a</a:t>
+            </a:r>
+            <a:r>
+              <a:rPr lang="en-US" sz="1800" dirty="0" smtClean="0"/>
+              <a:t> &amp; </a:t>
+            </a:r>
+            <a:r>
+              <a:rPr lang="en-US" sz="1800" dirty="0" err="1" smtClean="0"/>
+              <a:t>fin_txn_b</a:t>
             </a:r>
             <a:r>
               <a:rPr lang="en-US" sz="1800" dirty="0" smtClean="0"/>
               <a:t>.</a:t>
             </a:r>
-          </a:p>
-          <a:p>
-            <a:pPr lvl="1"/>
-            <a:r>
-              <a:rPr lang="en-US" sz="1800" dirty="0" smtClean="0"/>
-              <a:t>An account can be allocated to multiple customers</a:t>
-            </a:r>
-            <a:endParaRPr lang="en-US" sz="1800" dirty="0"/>
-          </a:p>
-          <a:p>
-            <a:pPr lvl="1"/>
-            <a:r>
-              <a:rPr lang="en-US" sz="1800" dirty="0" smtClean="0"/>
-              <a:t>We will receive an acknowledgement file with filename &amp; record count of each and every source files. </a:t>
-            </a:r>
-          </a:p>
-          <a:p>
-            <a:pPr lvl="1"/>
-            <a:r>
-              <a:rPr lang="en-US" sz="1800" dirty="0" smtClean="0"/>
-              <a:t>We will receive an account file with opening balance and closing balance in it on daily basis. </a:t>
-            </a:r>
-          </a:p>
-          <a:p>
-            <a:pPr lvl="1"/>
-            <a:r>
-              <a:rPr lang="en-US" sz="1800" dirty="0" smtClean="0"/>
-              <a:t>DNB is giving guarantee 100K per customer, doesn’t matter how many accounts that customer has.</a:t>
-            </a:r>
-          </a:p>
-          <a:p>
-            <a:pPr lvl="1"/>
-            <a:r>
-              <a:rPr lang="en-US" sz="1800" dirty="0" smtClean="0"/>
-              <a:t>All attributes within staging table.</a:t>
-            </a:r>
-          </a:p>
-          <a:p>
-            <a:pPr lvl="1"/>
-            <a:r>
-              <a:rPr lang="en-US" sz="1800" dirty="0" smtClean="0"/>
-              <a:t>Flat file are in csv format and both </a:t>
-            </a:r>
-            <a:r>
-              <a:rPr lang="en-US" sz="1800" dirty="0" err="1" smtClean="0"/>
-              <a:t>crm_a</a:t>
-            </a:r>
-            <a:r>
-              <a:rPr lang="en-US" sz="1800" dirty="0" smtClean="0"/>
-              <a:t> &amp; </a:t>
-            </a:r>
-            <a:r>
-              <a:rPr lang="en-US" sz="1800" dirty="0" err="1" smtClean="0"/>
-              <a:t>crm_b</a:t>
-            </a:r>
-            <a:r>
-              <a:rPr lang="en-US" sz="1800" dirty="0" smtClean="0"/>
-              <a:t> has similar structure. Same for </a:t>
-            </a:r>
-            <a:r>
-              <a:rPr lang="en-US" sz="1800" dirty="0" err="1" smtClean="0"/>
-              <a:t>fin_txn_a</a:t>
-            </a:r>
-            <a:r>
-              <a:rPr lang="en-US" sz="1800" dirty="0" smtClean="0"/>
-              <a:t> &amp; </a:t>
-            </a:r>
-            <a:r>
-              <a:rPr lang="en-US" sz="1800" dirty="0" err="1" smtClean="0"/>
-              <a:t>fin_txn_b</a:t>
-            </a:r>
-            <a:r>
-              <a:rPr lang="en-US" sz="1800" dirty="0" smtClean="0"/>
-              <a:t>.</a:t>
-            </a:r>
-            <a:endParaRPr lang="en-US" sz="1800" dirty="0" smtClean="0"/>
           </a:p>
         </p:txBody>
       </p:sp>
@@ -34401,7 +34403,7 @@
           <p:cNvPr id="4" name="Title 1">
             <a:extLst>
               <a:ext uri="{FF2B5EF4-FFF2-40B4-BE49-F238E27FC236}">
-                <a16:creationId xmlns:a16="http://schemas.microsoft.com/office/drawing/2014/main" xmlns="" id="{6D41B2FE-9E04-4745-9A2C-2A7473E89DAF}"/>
+                <a16:creationId xmlns="" xmlns:a16="http://schemas.microsoft.com/office/drawing/2014/main" id="{6D41B2FE-9E04-4745-9A2C-2A7473E89DAF}"/>
               </a:ext>
             </a:extLst>
           </p:cNvPr>
@@ -34549,7 +34551,7 @@
           <p:cNvPr id="5" name="Title 1">
             <a:extLst>
               <a:ext uri="{FF2B5EF4-FFF2-40B4-BE49-F238E27FC236}">
-                <a16:creationId xmlns:a16="http://schemas.microsoft.com/office/drawing/2014/main" xmlns="" id="{6D41B2FE-9E04-4745-9A2C-2A7473E89DAF}"/>
+                <a16:creationId xmlns="" xmlns:a16="http://schemas.microsoft.com/office/drawing/2014/main" id="{6D41B2FE-9E04-4745-9A2C-2A7473E89DAF}"/>
               </a:ext>
             </a:extLst>
           </p:cNvPr>
@@ -34788,7 +34790,7 @@
           <p:cNvPr id="5" name="Title 1">
             <a:extLst>
               <a:ext uri="{FF2B5EF4-FFF2-40B4-BE49-F238E27FC236}">
-                <a16:creationId xmlns:a16="http://schemas.microsoft.com/office/drawing/2014/main" xmlns="" id="{6D41B2FE-9E04-4745-9A2C-2A7473E89DAF}"/>
+                <a16:creationId xmlns="" xmlns:a16="http://schemas.microsoft.com/office/drawing/2014/main" id="{6D41B2FE-9E04-4745-9A2C-2A7473E89DAF}"/>
               </a:ext>
             </a:extLst>
           </p:cNvPr>
@@ -35649,7 +35651,7 @@
   <a:extraClrSchemeLst/>
   <a:extLst>
     <a:ext uri="{05A4C25C-085E-4340-85A3-A5531E510DB2}">
-      <thm15:themeFamily xmlns:thm15="http://schemas.microsoft.com/office/thememl/2012/main" xmlns="" name="Wisp" id="{7CB32D59-10C0-40DD-B7BD-2E94284A981C}" vid="{24B1A44C-C006-48B2-A4D7-E5549B3D8CD4}"/>
+      <thm15:themeFamily xmlns="" xmlns:thm15="http://schemas.microsoft.com/office/thememl/2012/main" name="Wisp" id="{7CB32D59-10C0-40DD-B7BD-2E94284A981C}" vid="{24B1A44C-C006-48B2-A4D7-E5549B3D8CD4}"/>
     </a:ext>
   </a:extLst>
 </a:theme>
@@ -35864,7 +35866,7 @@
   <a:extraClrSchemeLst/>
   <a:extLst>
     <a:ext uri="{05A4C25C-085E-4340-85A3-A5531E510DB2}">
-      <thm15:themeFamily xmlns:thm15="http://schemas.microsoft.com/office/thememl/2012/main" xmlns="" name="Knab Theme" id="{26AB789D-961D-9245-B629-CEE60EBD2278}" vid="{916A9AD8-B5B9-2E40-BD3B-DFB7C56B0215}"/>
+      <thm15:themeFamily xmlns="" xmlns:thm15="http://schemas.microsoft.com/office/thememl/2012/main" name="Knab Theme" id="{26AB789D-961D-9245-B629-CEE60EBD2278}" vid="{916A9AD8-B5B9-2E40-BD3B-DFB7C56B0215}"/>
     </a:ext>
   </a:extLst>
 </a:theme>
